--- a/MachineLearning/LinearRegression/LinearRegression.pptx
+++ b/MachineLearning/LinearRegression/LinearRegression.pptx
@@ -5,15 +5,19 @@
     <p:sldMasterId id="2147483648" r:id="rId1"/>
   </p:sldMasterIdLst>
   <p:notesMasterIdLst>
-    <p:notesMasterId r:id="rId8"/>
+    <p:notesMasterId r:id="rId12"/>
   </p:notesMasterIdLst>
   <p:sldIdLst>
     <p:sldId id="256" r:id="rId2"/>
     <p:sldId id="268" r:id="rId3"/>
-    <p:sldId id="272" r:id="rId4"/>
-    <p:sldId id="270" r:id="rId5"/>
-    <p:sldId id="271" r:id="rId6"/>
-    <p:sldId id="269" r:id="rId7"/>
+    <p:sldId id="274" r:id="rId4"/>
+    <p:sldId id="273" r:id="rId5"/>
+    <p:sldId id="272" r:id="rId6"/>
+    <p:sldId id="275" r:id="rId7"/>
+    <p:sldId id="276" r:id="rId8"/>
+    <p:sldId id="270" r:id="rId9"/>
+    <p:sldId id="271" r:id="rId10"/>
+    <p:sldId id="269" r:id="rId11"/>
   </p:sldIdLst>
   <p:sldSz cx="9144000" cy="6858000" type="screen4x3"/>
   <p:notesSz cx="6858000" cy="9144000"/>
@@ -3503,6 +3507,84 @@
 </p:sld>
 </file>
 
+<file path=ppt/slides/slide10.xml><?xml version="1.0" encoding="utf-8"?>
+<p:sld xmlns:a="http://schemas.openxmlformats.org/drawingml/2006/main" xmlns:r="http://schemas.openxmlformats.org/officeDocument/2006/relationships" xmlns:p="http://schemas.openxmlformats.org/presentationml/2006/main">
+  <p:cSld>
+    <p:spTree>
+      <p:nvGrpSpPr>
+        <p:cNvPr id="1" name=""/>
+        <p:cNvGrpSpPr/>
+        <p:nvPr/>
+      </p:nvGrpSpPr>
+      <p:grpSpPr>
+        <a:xfrm>
+          <a:off x="0" y="0"/>
+          <a:ext cx="0" cy="0"/>
+          <a:chOff x="0" y="0"/>
+          <a:chExt cx="0" cy="0"/>
+        </a:xfrm>
+      </p:grpSpPr>
+      <p:sp>
+        <p:nvSpPr>
+          <p:cNvPr id="2" name="Title 1"/>
+          <p:cNvSpPr>
+            <a:spLocks noGrp="1"/>
+          </p:cNvSpPr>
+          <p:nvPr>
+            <p:ph type="ctrTitle"/>
+          </p:nvPr>
+        </p:nvSpPr>
+        <p:spPr/>
+        <p:txBody>
+          <a:bodyPr/>
+          <a:lstStyle/>
+          <a:p>
+            <a:r>
+              <a:rPr lang="en-US" dirty="0" smtClean="0"/>
+              <a:t>Questions?</a:t>
+            </a:r>
+            <a:endParaRPr lang="en-US" dirty="0"/>
+          </a:p>
+        </p:txBody>
+      </p:sp>
+      <p:sp>
+        <p:nvSpPr>
+          <p:cNvPr id="3" name="Subtitle 2"/>
+          <p:cNvSpPr>
+            <a:spLocks noGrp="1"/>
+          </p:cNvSpPr>
+          <p:nvPr>
+            <p:ph type="subTitle" idx="1"/>
+          </p:nvPr>
+        </p:nvSpPr>
+        <p:spPr/>
+        <p:txBody>
+          <a:bodyPr/>
+          <a:lstStyle/>
+          <a:p>
+            <a:r>
+              <a:rPr lang="en-US" dirty="0" smtClean="0"/>
+              <a:t>Thank you</a:t>
+            </a:r>
+            <a:endParaRPr lang="en-US" dirty="0"/>
+          </a:p>
+        </p:txBody>
+      </p:sp>
+    </p:spTree>
+  </p:cSld>
+  <p:clrMapOvr>
+    <a:masterClrMapping/>
+  </p:clrMapOvr>
+  <p:timing>
+    <p:tnLst>
+      <p:par>
+        <p:cTn id="1" dur="indefinite" restart="never" nodeType="tmRoot"/>
+      </p:par>
+    </p:tnLst>
+  </p:timing>
+</p:sld>
+</file>
+
 <file path=ppt/slides/slide2.xml><?xml version="1.0" encoding="utf-8"?>
 <p:sld xmlns:a="http://schemas.openxmlformats.org/drawingml/2006/main" xmlns:r="http://schemas.openxmlformats.org/officeDocument/2006/relationships" xmlns:p="http://schemas.openxmlformats.org/presentationml/2006/main">
   <p:cSld>
@@ -3646,11 +3728,7 @@
           <a:p>
             <a:r>
               <a:rPr lang="en-US" dirty="0" smtClean="0"/>
-              <a:t>Linear </a:t>
-            </a:r>
-            <a:r>
-              <a:rPr lang="en-US" dirty="0" smtClean="0"/>
-              <a:t>Regression</a:t>
+              <a:t>Introduction</a:t>
             </a:r>
             <a:endParaRPr lang="en-US" dirty="0"/>
           </a:p>
@@ -3726,7 +3804,7 @@
           <a:p>
             <a:r>
               <a:rPr lang="en-US" dirty="0" smtClean="0"/>
-              <a:t>Advantages</a:t>
+              <a:t>Supervised Learning</a:t>
             </a:r>
             <a:endParaRPr lang="en-US" dirty="0"/>
           </a:p>
@@ -3734,7 +3812,7 @@
       </p:sp>
       <p:sp>
         <p:nvSpPr>
-          <p:cNvPr id="3" name="Content Placeholder 2"/>
+          <p:cNvPr id="4" name="Content Placeholder 3"/>
           <p:cNvSpPr>
             <a:spLocks noGrp="1"/>
           </p:cNvSpPr>
@@ -3744,12 +3822,162 @@
         </p:nvSpPr>
         <p:spPr/>
         <p:txBody>
-          <a:bodyPr>
-            <a:normAutofit/>
+          <a:bodyPr/>
+          <a:lstStyle/>
+          <a:p>
+            <a:r>
+              <a:rPr lang="en-US" dirty="0" smtClean="0"/>
+              <a:t>Training set – { (x</a:t>
+            </a:r>
+            <a:r>
+              <a:rPr lang="en-US" baseline="30000" dirty="0" smtClean="0"/>
+              <a:t>(1)</a:t>
+            </a:r>
+            <a:r>
+              <a:rPr lang="en-US" dirty="0" smtClean="0"/>
+              <a:t>,y</a:t>
+            </a:r>
+            <a:r>
+              <a:rPr lang="en-US" baseline="30000" dirty="0" smtClean="0"/>
+              <a:t>(1)</a:t>
+            </a:r>
+            <a:r>
+              <a:rPr lang="en-US" dirty="0" smtClean="0"/>
+              <a:t>), (x</a:t>
+            </a:r>
+            <a:r>
+              <a:rPr lang="en-US" baseline="30000" dirty="0" smtClean="0"/>
+              <a:t>(2)</a:t>
+            </a:r>
+            <a:r>
+              <a:rPr lang="en-US" dirty="0" smtClean="0"/>
+              <a:t>,y</a:t>
+            </a:r>
+            <a:r>
+              <a:rPr lang="en-US" baseline="30000" dirty="0" smtClean="0"/>
+              <a:t>(2)</a:t>
+            </a:r>
+            <a:r>
+              <a:rPr lang="en-US" dirty="0" smtClean="0"/>
+              <a:t>), …, (x</a:t>
+            </a:r>
+            <a:r>
+              <a:rPr lang="en-US" baseline="30000" dirty="0" smtClean="0"/>
+              <a:t>(m)</a:t>
+            </a:r>
+            <a:r>
+              <a:rPr lang="en-US" dirty="0" smtClean="0"/>
+              <a:t>,y</a:t>
+            </a:r>
+            <a:r>
+              <a:rPr lang="en-US" baseline="30000" dirty="0" smtClean="0"/>
+              <a:t>(m)</a:t>
+            </a:r>
+            <a:r>
+              <a:rPr lang="en-US" dirty="0" smtClean="0"/>
+              <a:t>)}</a:t>
+            </a:r>
+          </a:p>
+          <a:p>
+            <a:r>
+              <a:rPr lang="en-US" dirty="0" smtClean="0"/>
+              <a:t>Labeled dataset</a:t>
+            </a:r>
+          </a:p>
+          <a:p>
+            <a:endParaRPr lang="en-US" dirty="0"/>
+          </a:p>
+        </p:txBody>
+      </p:sp>
+      <p:pic>
+        <p:nvPicPr>
+          <p:cNvPr id="5" name="Picture 4" descr="SupervisedLearning.png"/>
+          <p:cNvPicPr>
+            <a:picLocks noChangeAspect="1"/>
+          </p:cNvPicPr>
+          <p:nvPr/>
+        </p:nvPicPr>
+        <p:blipFill>
+          <a:blip r:embed="rId2"/>
+          <a:stretch>
+            <a:fillRect/>
+          </a:stretch>
+        </p:blipFill>
+        <p:spPr>
+          <a:xfrm>
+            <a:off x="838200" y="2971800"/>
+            <a:ext cx="7467600" cy="3733800"/>
+          </a:xfrm>
+          <a:prstGeom prst="rect">
+            <a:avLst/>
+          </a:prstGeom>
+        </p:spPr>
+      </p:pic>
+      <p:sp>
+        <p:nvSpPr>
+          <p:cNvPr id="6" name="Text Box 10"/>
+          <p:cNvSpPr txBox="1">
+            <a:spLocks noChangeArrowheads="1"/>
+          </p:cNvSpPr>
+          <p:nvPr/>
+        </p:nvSpPr>
+        <p:spPr bwMode="auto">
+          <a:xfrm rot="10800000" flipV="1">
+            <a:off x="0" y="6519446"/>
+            <a:ext cx="1828800" cy="338554"/>
+          </a:xfrm>
+          <a:prstGeom prst="rect">
+            <a:avLst/>
+          </a:prstGeom>
+          <a:noFill/>
+          <a:ln w="9525">
+            <a:noFill/>
+            <a:miter lim="800000"/>
+            <a:headEnd/>
+            <a:tailEnd/>
+          </a:ln>
+          <a:effectLst/>
+        </p:spPr>
+        <p:txBody>
+          <a:bodyPr wrap="square">
+            <a:spAutoFit/>
           </a:bodyPr>
           <a:lstStyle/>
           <a:p>
-            <a:endParaRPr lang="en-US" dirty="0"/>
+            <a:pPr>
+              <a:spcBef>
+                <a:spcPct val="50000"/>
+              </a:spcBef>
+            </a:pPr>
+            <a:r>
+              <a:rPr lang="en-US" sz="1600" b="1" dirty="0">
+                <a:solidFill>
+                  <a:srgbClr val="FF0000"/>
+                </a:solidFill>
+              </a:rPr>
+              <a:t>Image </a:t>
+            </a:r>
+            <a:r>
+              <a:rPr lang="en-US" sz="1600" b="1" dirty="0" err="1" smtClean="0">
+                <a:solidFill>
+                  <a:srgbClr val="FF0000"/>
+                </a:solidFill>
+              </a:rPr>
+              <a:t>ack</a:t>
+            </a:r>
+            <a:r>
+              <a:rPr lang="en-US" sz="1600" b="1" dirty="0" smtClean="0">
+                <a:solidFill>
+                  <a:srgbClr val="FF0000"/>
+                </a:solidFill>
+              </a:rPr>
+              <a:t> – Google</a:t>
+            </a:r>
+            <a:endParaRPr lang="en-US" sz="1600" b="1" dirty="0">
+              <a:solidFill>
+                <a:srgbClr val="FF0000"/>
+              </a:solidFill>
+            </a:endParaRPr>
           </a:p>
         </p:txBody>
       </p:sp>
@@ -3802,7 +4030,11 @@
           <a:p>
             <a:r>
               <a:rPr lang="en-US" dirty="0" smtClean="0"/>
-              <a:t>Disadvantages</a:t>
+              <a:t>Linear </a:t>
+            </a:r>
+            <a:r>
+              <a:rPr lang="en-US" dirty="0" smtClean="0"/>
+              <a:t>Regression</a:t>
             </a:r>
             <a:endParaRPr lang="en-US" dirty="0"/>
           </a:p>
@@ -3825,7 +4057,138 @@
           </a:bodyPr>
           <a:lstStyle/>
           <a:p>
+            <a:r>
+              <a:rPr lang="en-US" dirty="0" smtClean="0"/>
+              <a:t>Independent variable – X axis</a:t>
+            </a:r>
+          </a:p>
+          <a:p>
+            <a:r>
+              <a:rPr lang="en-US" dirty="0" smtClean="0"/>
+              <a:t>Dependent variable – Y axis</a:t>
+            </a:r>
+          </a:p>
+          <a:p>
+            <a:r>
+              <a:rPr lang="en-US" dirty="0" smtClean="0"/>
+              <a:t>Data points – Samples  </a:t>
+            </a:r>
+          </a:p>
+          <a:p>
+            <a:r>
+              <a:rPr lang="en-US" dirty="0" smtClean="0"/>
+              <a:t>Relationship </a:t>
+            </a:r>
+          </a:p>
+          <a:p>
+            <a:r>
+              <a:rPr lang="en-US" dirty="0" smtClean="0"/>
+              <a:t>Line of regression</a:t>
+            </a:r>
+          </a:p>
+          <a:p>
+            <a:r>
+              <a:rPr lang="en-US" dirty="0" smtClean="0"/>
+              <a:t>Least squares method</a:t>
+            </a:r>
+          </a:p>
+          <a:p>
+            <a:endParaRPr lang="en-US" dirty="0" smtClean="0"/>
+          </a:p>
+          <a:p>
             <a:endParaRPr lang="en-US" dirty="0"/>
+          </a:p>
+        </p:txBody>
+      </p:sp>
+      <p:pic>
+        <p:nvPicPr>
+          <p:cNvPr id="4" name="Picture 3" descr="LinearRegression.png"/>
+          <p:cNvPicPr>
+            <a:picLocks noChangeAspect="1"/>
+          </p:cNvPicPr>
+          <p:nvPr/>
+        </p:nvPicPr>
+        <p:blipFill>
+          <a:blip r:embed="rId2"/>
+          <a:stretch>
+            <a:fillRect/>
+          </a:stretch>
+        </p:blipFill>
+        <p:spPr>
+          <a:xfrm>
+            <a:off x="5105400" y="2895600"/>
+            <a:ext cx="3810000" cy="3810000"/>
+          </a:xfrm>
+          <a:prstGeom prst="rect">
+            <a:avLst/>
+          </a:prstGeom>
+        </p:spPr>
+      </p:pic>
+      <p:sp>
+        <p:nvSpPr>
+          <p:cNvPr id="5" name="Text Box 10"/>
+          <p:cNvSpPr txBox="1">
+            <a:spLocks noChangeArrowheads="1"/>
+          </p:cNvSpPr>
+          <p:nvPr/>
+        </p:nvSpPr>
+        <p:spPr bwMode="auto">
+          <a:xfrm rot="10800000" flipV="1">
+            <a:off x="0" y="6519446"/>
+            <a:ext cx="1828800" cy="338554"/>
+          </a:xfrm>
+          <a:prstGeom prst="rect">
+            <a:avLst/>
+          </a:prstGeom>
+          <a:noFill/>
+          <a:ln w="9525">
+            <a:noFill/>
+            <a:miter lim="800000"/>
+            <a:headEnd/>
+            <a:tailEnd/>
+          </a:ln>
+          <a:effectLst/>
+        </p:spPr>
+        <p:txBody>
+          <a:bodyPr wrap="square">
+            <a:spAutoFit/>
+          </a:bodyPr>
+          <a:lstStyle/>
+          <a:p>
+            <a:pPr>
+              <a:spcBef>
+                <a:spcPct val="50000"/>
+              </a:spcBef>
+            </a:pPr>
+            <a:r>
+              <a:rPr lang="en-US" sz="1600" b="1" dirty="0">
+                <a:solidFill>
+                  <a:srgbClr val="FF0000"/>
+                </a:solidFill>
+              </a:rPr>
+              <a:t>Image </a:t>
+            </a:r>
+            <a:r>
+              <a:rPr lang="en-US" sz="1600" b="1" dirty="0" err="1" smtClean="0">
+                <a:solidFill>
+                  <a:srgbClr val="FF0000"/>
+                </a:solidFill>
+              </a:rPr>
+              <a:t>ack</a:t>
+            </a:r>
+            <a:r>
+              <a:rPr lang="en-US" sz="1600" b="1" dirty="0" smtClean="0">
+                <a:solidFill>
+                  <a:srgbClr val="FF0000"/>
+                </a:solidFill>
+              </a:rPr>
+              <a:t> – Google</a:t>
+            </a:r>
+            <a:endParaRPr lang="en-US" sz="1600" b="1" dirty="0">
+              <a:solidFill>
+                <a:srgbClr val="FF0000"/>
+              </a:solidFill>
+            </a:endParaRPr>
           </a:p>
         </p:txBody>
       </p:sp>
@@ -3868,7 +4231,7 @@
             <a:spLocks noGrp="1"/>
           </p:cNvSpPr>
           <p:nvPr>
-            <p:ph type="ctrTitle"/>
+            <p:ph type="title"/>
           </p:nvPr>
         </p:nvSpPr>
         <p:spPr/>
@@ -3878,7 +4241,11 @@
           <a:p>
             <a:r>
               <a:rPr lang="en-US" dirty="0" smtClean="0"/>
-              <a:t>Questions?</a:t>
+              <a:t>Linear </a:t>
+            </a:r>
+            <a:r>
+              <a:rPr lang="en-US" dirty="0" smtClean="0"/>
+              <a:t>Regression</a:t>
             </a:r>
             <a:endParaRPr lang="en-US" dirty="0"/>
           </a:p>
@@ -3886,23 +4253,406 @@
       </p:sp>
       <p:sp>
         <p:nvSpPr>
-          <p:cNvPr id="3" name="Subtitle 2"/>
-          <p:cNvSpPr>
-            <a:spLocks noGrp="1"/>
-          </p:cNvSpPr>
-          <p:nvPr>
-            <p:ph type="subTitle" idx="1"/>
-          </p:nvPr>
-        </p:nvSpPr>
-        <p:spPr/>
-        <p:txBody>
-          <a:bodyPr/>
+          <p:cNvPr id="3" name="Content Placeholder 2"/>
+          <p:cNvSpPr>
+            <a:spLocks noGrp="1"/>
+          </p:cNvSpPr>
+          <p:nvPr>
+            <p:ph idx="1"/>
+          </p:nvPr>
+        </p:nvSpPr>
+        <p:spPr/>
+        <p:txBody>
+          <a:bodyPr>
+            <a:normAutofit lnSpcReduction="10000"/>
+          </a:bodyPr>
           <a:lstStyle/>
           <a:p>
             <a:r>
               <a:rPr lang="en-US" dirty="0" smtClean="0"/>
-              <a:t>Thank you</a:t>
-            </a:r>
+              <a:t>Positive correlation</a:t>
+            </a:r>
+            <a:endParaRPr lang="en-US" dirty="0" smtClean="0"/>
+          </a:p>
+          <a:p>
+            <a:pPr lvl="1"/>
+            <a:r>
+              <a:rPr lang="en-US" dirty="0" smtClean="0"/>
+              <a:t>Independent </a:t>
+            </a:r>
+            <a:r>
+              <a:rPr lang="en-US" dirty="0" smtClean="0"/>
+              <a:t>variable increases</a:t>
+            </a:r>
+          </a:p>
+          <a:p>
+            <a:pPr lvl="1"/>
+            <a:r>
+              <a:rPr lang="en-US" dirty="0" smtClean="0"/>
+              <a:t>Dependent variable increases</a:t>
+            </a:r>
+          </a:p>
+          <a:p>
+            <a:r>
+              <a:rPr lang="en-US" dirty="0" smtClean="0"/>
+              <a:t>Negative correlation</a:t>
+            </a:r>
+          </a:p>
+          <a:p>
+            <a:pPr lvl="1"/>
+            <a:r>
+              <a:rPr lang="en-US" dirty="0" smtClean="0"/>
+              <a:t>Independent variable </a:t>
+            </a:r>
+            <a:r>
+              <a:rPr lang="en-US" dirty="0" smtClean="0"/>
+              <a:t>increases</a:t>
+            </a:r>
+            <a:endParaRPr lang="en-US" dirty="0" smtClean="0"/>
+          </a:p>
+          <a:p>
+            <a:pPr lvl="1"/>
+            <a:r>
+              <a:rPr lang="en-US" dirty="0" smtClean="0"/>
+              <a:t>Dependent variable decreases</a:t>
+            </a:r>
+          </a:p>
+          <a:p>
+            <a:r>
+              <a:rPr lang="en-US" dirty="0" smtClean="0"/>
+              <a:t>No </a:t>
+            </a:r>
+            <a:r>
+              <a:rPr lang="en-US" dirty="0" smtClean="0"/>
+              <a:t>correlation</a:t>
+            </a:r>
+          </a:p>
+          <a:p>
+            <a:pPr lvl="1"/>
+            <a:r>
+              <a:rPr lang="en-US" dirty="0" smtClean="0"/>
+              <a:t> </a:t>
+            </a:r>
+            <a:r>
+              <a:rPr lang="en-US" dirty="0" smtClean="0"/>
+              <a:t>Independent variable increases</a:t>
+            </a:r>
+          </a:p>
+          <a:p>
+            <a:pPr lvl="1"/>
+            <a:r>
+              <a:rPr lang="en-US" dirty="0" smtClean="0"/>
+              <a:t>Dependent </a:t>
+            </a:r>
+            <a:r>
+              <a:rPr lang="en-US" dirty="0" smtClean="0"/>
+              <a:t>variable no change </a:t>
+            </a:r>
+          </a:p>
+          <a:p>
+            <a:endParaRPr lang="en-US" dirty="0"/>
+          </a:p>
+        </p:txBody>
+      </p:sp>
+    </p:spTree>
+  </p:cSld>
+  <p:clrMapOvr>
+    <a:masterClrMapping/>
+  </p:clrMapOvr>
+  <p:timing>
+    <p:tnLst>
+      <p:par>
+        <p:cTn id="1" dur="indefinite" restart="never" nodeType="tmRoot"/>
+      </p:par>
+    </p:tnLst>
+  </p:timing>
+</p:sld>
+</file>
+
+<file path=ppt/slides/slide7.xml><?xml version="1.0" encoding="utf-8"?>
+<p:sld xmlns:a="http://schemas.openxmlformats.org/drawingml/2006/main" xmlns:r="http://schemas.openxmlformats.org/officeDocument/2006/relationships" xmlns:p="http://schemas.openxmlformats.org/presentationml/2006/main">
+  <p:cSld>
+    <p:spTree>
+      <p:nvGrpSpPr>
+        <p:cNvPr id="1" name=""/>
+        <p:cNvGrpSpPr/>
+        <p:nvPr/>
+      </p:nvGrpSpPr>
+      <p:grpSpPr>
+        <a:xfrm>
+          <a:off x="0" y="0"/>
+          <a:ext cx="0" cy="0"/>
+          <a:chOff x="0" y="0"/>
+          <a:chExt cx="0" cy="0"/>
+        </a:xfrm>
+      </p:grpSpPr>
+      <p:sp>
+        <p:nvSpPr>
+          <p:cNvPr id="2" name="Title 1"/>
+          <p:cNvSpPr>
+            <a:spLocks noGrp="1"/>
+          </p:cNvSpPr>
+          <p:nvPr>
+            <p:ph type="title"/>
+          </p:nvPr>
+        </p:nvSpPr>
+        <p:spPr/>
+        <p:txBody>
+          <a:bodyPr/>
+          <a:lstStyle/>
+          <a:p>
+            <a:r>
+              <a:rPr lang="en-US" dirty="0" smtClean="0"/>
+              <a:t>Linear </a:t>
+            </a:r>
+            <a:r>
+              <a:rPr lang="en-US" dirty="0" smtClean="0"/>
+              <a:t>Regression</a:t>
+            </a:r>
+            <a:endParaRPr lang="en-US" dirty="0"/>
+          </a:p>
+        </p:txBody>
+      </p:sp>
+      <p:sp>
+        <p:nvSpPr>
+          <p:cNvPr id="5" name="Text Box 10"/>
+          <p:cNvSpPr txBox="1">
+            <a:spLocks noChangeArrowheads="1"/>
+          </p:cNvSpPr>
+          <p:nvPr/>
+        </p:nvSpPr>
+        <p:spPr bwMode="auto">
+          <a:xfrm rot="10800000" flipV="1">
+            <a:off x="0" y="6519446"/>
+            <a:ext cx="1828800" cy="338554"/>
+          </a:xfrm>
+          <a:prstGeom prst="rect">
+            <a:avLst/>
+          </a:prstGeom>
+          <a:noFill/>
+          <a:ln w="9525">
+            <a:noFill/>
+            <a:miter lim="800000"/>
+            <a:headEnd/>
+            <a:tailEnd/>
+          </a:ln>
+          <a:effectLst/>
+        </p:spPr>
+        <p:txBody>
+          <a:bodyPr wrap="square">
+            <a:spAutoFit/>
+          </a:bodyPr>
+          <a:lstStyle/>
+          <a:p>
+            <a:pPr>
+              <a:spcBef>
+                <a:spcPct val="50000"/>
+              </a:spcBef>
+            </a:pPr>
+            <a:r>
+              <a:rPr lang="en-US" sz="1600" b="1" dirty="0">
+                <a:solidFill>
+                  <a:srgbClr val="FF0000"/>
+                </a:solidFill>
+              </a:rPr>
+              <a:t>Image </a:t>
+            </a:r>
+            <a:r>
+              <a:rPr lang="en-US" sz="1600" b="1" dirty="0" err="1" smtClean="0">
+                <a:solidFill>
+                  <a:srgbClr val="FF0000"/>
+                </a:solidFill>
+              </a:rPr>
+              <a:t>ack</a:t>
+            </a:r>
+            <a:r>
+              <a:rPr lang="en-US" sz="1600" b="1" dirty="0" smtClean="0">
+                <a:solidFill>
+                  <a:srgbClr val="FF0000"/>
+                </a:solidFill>
+              </a:rPr>
+              <a:t> – Google</a:t>
+            </a:r>
+            <a:endParaRPr lang="en-US" sz="1600" b="1" dirty="0">
+              <a:solidFill>
+                <a:srgbClr val="FF0000"/>
+              </a:solidFill>
+            </a:endParaRPr>
+          </a:p>
+        </p:txBody>
+      </p:sp>
+      <p:pic>
+        <p:nvPicPr>
+          <p:cNvPr id="7" name="Picture 6" descr="PositiveNegativeNoCorrelation.png"/>
+          <p:cNvPicPr>
+            <a:picLocks noChangeAspect="1"/>
+          </p:cNvPicPr>
+          <p:nvPr/>
+        </p:nvPicPr>
+        <p:blipFill>
+          <a:blip r:embed="rId2"/>
+          <a:stretch>
+            <a:fillRect/>
+          </a:stretch>
+        </p:blipFill>
+        <p:spPr>
+          <a:xfrm>
+            <a:off x="717352" y="2228788"/>
+            <a:ext cx="7709296" cy="2400423"/>
+          </a:xfrm>
+          <a:prstGeom prst="rect">
+            <a:avLst/>
+          </a:prstGeom>
+        </p:spPr>
+      </p:pic>
+    </p:spTree>
+  </p:cSld>
+  <p:clrMapOvr>
+    <a:masterClrMapping/>
+  </p:clrMapOvr>
+  <p:timing>
+    <p:tnLst>
+      <p:par>
+        <p:cTn id="1" dur="indefinite" restart="never" nodeType="tmRoot"/>
+      </p:par>
+    </p:tnLst>
+  </p:timing>
+</p:sld>
+</file>
+
+<file path=ppt/slides/slide8.xml><?xml version="1.0" encoding="utf-8"?>
+<p:sld xmlns:a="http://schemas.openxmlformats.org/drawingml/2006/main" xmlns:r="http://schemas.openxmlformats.org/officeDocument/2006/relationships" xmlns:p="http://schemas.openxmlformats.org/presentationml/2006/main">
+  <p:cSld>
+    <p:spTree>
+      <p:nvGrpSpPr>
+        <p:cNvPr id="1" name=""/>
+        <p:cNvGrpSpPr/>
+        <p:nvPr/>
+      </p:nvGrpSpPr>
+      <p:grpSpPr>
+        <a:xfrm>
+          <a:off x="0" y="0"/>
+          <a:ext cx="0" cy="0"/>
+          <a:chOff x="0" y="0"/>
+          <a:chExt cx="0" cy="0"/>
+        </a:xfrm>
+      </p:grpSpPr>
+      <p:sp>
+        <p:nvSpPr>
+          <p:cNvPr id="2" name="Title 1"/>
+          <p:cNvSpPr>
+            <a:spLocks noGrp="1"/>
+          </p:cNvSpPr>
+          <p:nvPr>
+            <p:ph type="title"/>
+          </p:nvPr>
+        </p:nvSpPr>
+        <p:spPr/>
+        <p:txBody>
+          <a:bodyPr/>
+          <a:lstStyle/>
+          <a:p>
+            <a:r>
+              <a:rPr lang="en-US" dirty="0" smtClean="0"/>
+              <a:t>Advantages</a:t>
+            </a:r>
+            <a:endParaRPr lang="en-US" dirty="0"/>
+          </a:p>
+        </p:txBody>
+      </p:sp>
+      <p:sp>
+        <p:nvSpPr>
+          <p:cNvPr id="3" name="Content Placeholder 2"/>
+          <p:cNvSpPr>
+            <a:spLocks noGrp="1"/>
+          </p:cNvSpPr>
+          <p:nvPr>
+            <p:ph idx="1"/>
+          </p:nvPr>
+        </p:nvSpPr>
+        <p:spPr/>
+        <p:txBody>
+          <a:bodyPr>
+            <a:normAutofit/>
+          </a:bodyPr>
+          <a:lstStyle/>
+          <a:p>
+            <a:endParaRPr lang="en-US" dirty="0"/>
+          </a:p>
+        </p:txBody>
+      </p:sp>
+    </p:spTree>
+  </p:cSld>
+  <p:clrMapOvr>
+    <a:masterClrMapping/>
+  </p:clrMapOvr>
+  <p:timing>
+    <p:tnLst>
+      <p:par>
+        <p:cTn id="1" dur="indefinite" restart="never" nodeType="tmRoot"/>
+      </p:par>
+    </p:tnLst>
+  </p:timing>
+</p:sld>
+</file>
+
+<file path=ppt/slides/slide9.xml><?xml version="1.0" encoding="utf-8"?>
+<p:sld xmlns:a="http://schemas.openxmlformats.org/drawingml/2006/main" xmlns:r="http://schemas.openxmlformats.org/officeDocument/2006/relationships" xmlns:p="http://schemas.openxmlformats.org/presentationml/2006/main">
+  <p:cSld>
+    <p:spTree>
+      <p:nvGrpSpPr>
+        <p:cNvPr id="1" name=""/>
+        <p:cNvGrpSpPr/>
+        <p:nvPr/>
+      </p:nvGrpSpPr>
+      <p:grpSpPr>
+        <a:xfrm>
+          <a:off x="0" y="0"/>
+          <a:ext cx="0" cy="0"/>
+          <a:chOff x="0" y="0"/>
+          <a:chExt cx="0" cy="0"/>
+        </a:xfrm>
+      </p:grpSpPr>
+      <p:sp>
+        <p:nvSpPr>
+          <p:cNvPr id="2" name="Title 1"/>
+          <p:cNvSpPr>
+            <a:spLocks noGrp="1"/>
+          </p:cNvSpPr>
+          <p:nvPr>
+            <p:ph type="title"/>
+          </p:nvPr>
+        </p:nvSpPr>
+        <p:spPr/>
+        <p:txBody>
+          <a:bodyPr/>
+          <a:lstStyle/>
+          <a:p>
+            <a:r>
+              <a:rPr lang="en-US" dirty="0" smtClean="0"/>
+              <a:t>Disadvantages</a:t>
+            </a:r>
+            <a:endParaRPr lang="en-US" dirty="0"/>
+          </a:p>
+        </p:txBody>
+      </p:sp>
+      <p:sp>
+        <p:nvSpPr>
+          <p:cNvPr id="3" name="Content Placeholder 2"/>
+          <p:cNvSpPr>
+            <a:spLocks noGrp="1"/>
+          </p:cNvSpPr>
+          <p:nvPr>
+            <p:ph idx="1"/>
+          </p:nvPr>
+        </p:nvSpPr>
+        <p:spPr/>
+        <p:txBody>
+          <a:bodyPr>
+            <a:normAutofit/>
+          </a:bodyPr>
+          <a:lstStyle/>
+          <a:p>
             <a:endParaRPr lang="en-US" dirty="0"/>
           </a:p>
         </p:txBody>

--- a/MachineLearning/LinearRegression/LinearRegression.pptx
+++ b/MachineLearning/LinearRegression/LinearRegression.pptx
@@ -5,19 +5,24 @@
     <p:sldMasterId id="2147483648" r:id="rId1"/>
   </p:sldMasterIdLst>
   <p:notesMasterIdLst>
-    <p:notesMasterId r:id="rId12"/>
+    <p:notesMasterId r:id="rId17"/>
   </p:notesMasterIdLst>
   <p:sldIdLst>
     <p:sldId id="256" r:id="rId2"/>
     <p:sldId id="268" r:id="rId3"/>
-    <p:sldId id="274" r:id="rId4"/>
-    <p:sldId id="273" r:id="rId5"/>
-    <p:sldId id="272" r:id="rId6"/>
-    <p:sldId id="275" r:id="rId7"/>
-    <p:sldId id="276" r:id="rId8"/>
-    <p:sldId id="270" r:id="rId9"/>
-    <p:sldId id="271" r:id="rId10"/>
-    <p:sldId id="269" r:id="rId11"/>
+    <p:sldId id="273" r:id="rId4"/>
+    <p:sldId id="272" r:id="rId5"/>
+    <p:sldId id="279" r:id="rId6"/>
+    <p:sldId id="281" r:id="rId7"/>
+    <p:sldId id="283" r:id="rId8"/>
+    <p:sldId id="284" r:id="rId9"/>
+    <p:sldId id="275" r:id="rId10"/>
+    <p:sldId id="276" r:id="rId11"/>
+    <p:sldId id="277" r:id="rId12"/>
+    <p:sldId id="278" r:id="rId13"/>
+    <p:sldId id="270" r:id="rId14"/>
+    <p:sldId id="271" r:id="rId15"/>
+    <p:sldId id="269" r:id="rId16"/>
   </p:sldIdLst>
   <p:sldSz cx="9144000" cy="6858000" type="screen4x3"/>
   <p:notesSz cx="6858000" cy="9144000"/>
@@ -202,7 +207,7 @@
             <a:fld id="{98BFDCCA-FFB9-49F6-B56E-F6432283D67C}" type="datetimeFigureOut">
               <a:rPr lang="en-US" smtClean="0"/>
               <a:pPr/>
-              <a:t>1/5/2023</a:t>
+              <a:t>1/30/2023</a:t>
             </a:fld>
             <a:endParaRPr lang="en-US"/>
           </a:p>
@@ -650,7 +655,7 @@
             <a:fld id="{9099FEDA-6AC3-495C-A467-2B0399D71BB7}" type="datetimeFigureOut">
               <a:rPr lang="en-US" smtClean="0"/>
               <a:pPr/>
-              <a:t>1/5/2023</a:t>
+              <a:t>1/30/2023</a:t>
             </a:fld>
             <a:endParaRPr lang="en-US"/>
           </a:p>
@@ -817,7 +822,7 @@
             <a:fld id="{9099FEDA-6AC3-495C-A467-2B0399D71BB7}" type="datetimeFigureOut">
               <a:rPr lang="en-US" smtClean="0"/>
               <a:pPr/>
-              <a:t>1/5/2023</a:t>
+              <a:t>1/30/2023</a:t>
             </a:fld>
             <a:endParaRPr lang="en-US"/>
           </a:p>
@@ -994,7 +999,7 @@
             <a:fld id="{9099FEDA-6AC3-495C-A467-2B0399D71BB7}" type="datetimeFigureOut">
               <a:rPr lang="en-US" smtClean="0"/>
               <a:pPr/>
-              <a:t>1/5/2023</a:t>
+              <a:t>1/30/2023</a:t>
             </a:fld>
             <a:endParaRPr lang="en-US"/>
           </a:p>
@@ -1161,7 +1166,7 @@
             <a:fld id="{9099FEDA-6AC3-495C-A467-2B0399D71BB7}" type="datetimeFigureOut">
               <a:rPr lang="en-US" smtClean="0"/>
               <a:pPr/>
-              <a:t>1/5/2023</a:t>
+              <a:t>1/30/2023</a:t>
             </a:fld>
             <a:endParaRPr lang="en-US"/>
           </a:p>
@@ -1404,7 +1409,7 @@
             <a:fld id="{9099FEDA-6AC3-495C-A467-2B0399D71BB7}" type="datetimeFigureOut">
               <a:rPr lang="en-US" smtClean="0"/>
               <a:pPr/>
-              <a:t>1/5/2023</a:t>
+              <a:t>1/30/2023</a:t>
             </a:fld>
             <a:endParaRPr lang="en-US"/>
           </a:p>
@@ -1689,7 +1694,7 @@
             <a:fld id="{9099FEDA-6AC3-495C-A467-2B0399D71BB7}" type="datetimeFigureOut">
               <a:rPr lang="en-US" smtClean="0"/>
               <a:pPr/>
-              <a:t>1/5/2023</a:t>
+              <a:t>1/30/2023</a:t>
             </a:fld>
             <a:endParaRPr lang="en-US"/>
           </a:p>
@@ -2108,7 +2113,7 @@
             <a:fld id="{9099FEDA-6AC3-495C-A467-2B0399D71BB7}" type="datetimeFigureOut">
               <a:rPr lang="en-US" smtClean="0"/>
               <a:pPr/>
-              <a:t>1/5/2023</a:t>
+              <a:t>1/30/2023</a:t>
             </a:fld>
             <a:endParaRPr lang="en-US"/>
           </a:p>
@@ -2223,7 +2228,7 @@
             <a:fld id="{9099FEDA-6AC3-495C-A467-2B0399D71BB7}" type="datetimeFigureOut">
               <a:rPr lang="en-US" smtClean="0"/>
               <a:pPr/>
-              <a:t>1/5/2023</a:t>
+              <a:t>1/30/2023</a:t>
             </a:fld>
             <a:endParaRPr lang="en-US"/>
           </a:p>
@@ -2315,7 +2320,7 @@
             <a:fld id="{9099FEDA-6AC3-495C-A467-2B0399D71BB7}" type="datetimeFigureOut">
               <a:rPr lang="en-US" smtClean="0"/>
               <a:pPr/>
-              <a:t>1/5/2023</a:t>
+              <a:t>1/30/2023</a:t>
             </a:fld>
             <a:endParaRPr lang="en-US"/>
           </a:p>
@@ -2589,7 +2594,7 @@
             <a:fld id="{9099FEDA-6AC3-495C-A467-2B0399D71BB7}" type="datetimeFigureOut">
               <a:rPr lang="en-US" smtClean="0"/>
               <a:pPr/>
-              <a:t>1/5/2023</a:t>
+              <a:t>1/30/2023</a:t>
             </a:fld>
             <a:endParaRPr lang="en-US"/>
           </a:p>
@@ -2839,7 +2844,7 @@
             <a:fld id="{9099FEDA-6AC3-495C-A467-2B0399D71BB7}" type="datetimeFigureOut">
               <a:rPr lang="en-US" smtClean="0"/>
               <a:pPr/>
-              <a:t>1/5/2023</a:t>
+              <a:t>1/30/2023</a:t>
             </a:fld>
             <a:endParaRPr lang="en-US"/>
           </a:p>
@@ -3049,7 +3054,7 @@
             <a:fld id="{9099FEDA-6AC3-495C-A467-2B0399D71BB7}" type="datetimeFigureOut">
               <a:rPr lang="en-US" smtClean="0"/>
               <a:pPr/>
-              <a:t>1/5/2023</a:t>
+              <a:t>1/30/2023</a:t>
             </a:fld>
             <a:endParaRPr lang="en-US"/>
           </a:p>
@@ -3472,18 +3477,14 @@
           </a:p>
           <a:p>
             <a:r>
+              <a:rPr lang="en-US" dirty="0" smtClean="0"/>
+              <a:t>Computer Division, BARC </a:t>
+            </a:r>
+          </a:p>
+          <a:p>
+            <a:r>
               <a:rPr lang="en-IN" dirty="0" smtClean="0"/>
-              <a:t>Centre for Excellence in Basic </a:t>
-            </a:r>
-            <a:r>
-              <a:rPr lang="en-IN" dirty="0" smtClean="0"/>
-              <a:t>Sciences </a:t>
-            </a:r>
-          </a:p>
-          <a:p>
-            <a:r>
-              <a:rPr lang="en-US" dirty="0" smtClean="0"/>
-              <a:t>&amp; Computer Division, BARC</a:t>
+              <a:t>Centre for Excellence in Basic Sciences</a:t>
             </a:r>
             <a:endParaRPr lang="en-US" dirty="0" smtClean="0"/>
           </a:p>
@@ -3531,84 +3532,6 @@
             <a:spLocks noGrp="1"/>
           </p:cNvSpPr>
           <p:nvPr>
-            <p:ph type="ctrTitle"/>
-          </p:nvPr>
-        </p:nvSpPr>
-        <p:spPr/>
-        <p:txBody>
-          <a:bodyPr/>
-          <a:lstStyle/>
-          <a:p>
-            <a:r>
-              <a:rPr lang="en-US" dirty="0" smtClean="0"/>
-              <a:t>Questions?</a:t>
-            </a:r>
-            <a:endParaRPr lang="en-US" dirty="0"/>
-          </a:p>
-        </p:txBody>
-      </p:sp>
-      <p:sp>
-        <p:nvSpPr>
-          <p:cNvPr id="3" name="Subtitle 2"/>
-          <p:cNvSpPr>
-            <a:spLocks noGrp="1"/>
-          </p:cNvSpPr>
-          <p:nvPr>
-            <p:ph type="subTitle" idx="1"/>
-          </p:nvPr>
-        </p:nvSpPr>
-        <p:spPr/>
-        <p:txBody>
-          <a:bodyPr/>
-          <a:lstStyle/>
-          <a:p>
-            <a:r>
-              <a:rPr lang="en-US" dirty="0" smtClean="0"/>
-              <a:t>Thank you</a:t>
-            </a:r>
-            <a:endParaRPr lang="en-US" dirty="0"/>
-          </a:p>
-        </p:txBody>
-      </p:sp>
-    </p:spTree>
-  </p:cSld>
-  <p:clrMapOvr>
-    <a:masterClrMapping/>
-  </p:clrMapOvr>
-  <p:timing>
-    <p:tnLst>
-      <p:par>
-        <p:cTn id="1" dur="indefinite" restart="never" nodeType="tmRoot"/>
-      </p:par>
-    </p:tnLst>
-  </p:timing>
-</p:sld>
-</file>
-
-<file path=ppt/slides/slide2.xml><?xml version="1.0" encoding="utf-8"?>
-<p:sld xmlns:a="http://schemas.openxmlformats.org/drawingml/2006/main" xmlns:r="http://schemas.openxmlformats.org/officeDocument/2006/relationships" xmlns:p="http://schemas.openxmlformats.org/presentationml/2006/main">
-  <p:cSld>
-    <p:spTree>
-      <p:nvGrpSpPr>
-        <p:cNvPr id="1" name=""/>
-        <p:cNvGrpSpPr/>
-        <p:nvPr/>
-      </p:nvGrpSpPr>
-      <p:grpSpPr>
-        <a:xfrm>
-          <a:off x="0" y="0"/>
-          <a:ext cx="0" cy="0"/>
-          <a:chOff x="0" y="0"/>
-          <a:chExt cx="0" cy="0"/>
-        </a:xfrm>
-      </p:grpSpPr>
-      <p:sp>
-        <p:nvSpPr>
-          <p:cNvPr id="2" name="Title 1"/>
-          <p:cNvSpPr>
-            <a:spLocks noGrp="1"/>
-          </p:cNvSpPr>
-          <p:nvPr>
             <p:ph type="title"/>
           </p:nvPr>
         </p:nvSpPr>
@@ -3619,795 +3542,7 @@
           <a:p>
             <a:r>
               <a:rPr lang="en-US" dirty="0" smtClean="0"/>
-              <a:t>Topics</a:t>
-            </a:r>
-            <a:endParaRPr lang="en-US" dirty="0"/>
-          </a:p>
-        </p:txBody>
-      </p:sp>
-      <p:sp>
-        <p:nvSpPr>
-          <p:cNvPr id="3" name="Content Placeholder 2"/>
-          <p:cNvSpPr>
-            <a:spLocks noGrp="1"/>
-          </p:cNvSpPr>
-          <p:nvPr>
-            <p:ph idx="1"/>
-          </p:nvPr>
-        </p:nvSpPr>
-        <p:spPr/>
-        <p:txBody>
-          <a:bodyPr>
-            <a:normAutofit/>
-          </a:bodyPr>
-          <a:lstStyle/>
-          <a:p>
-            <a:r>
-              <a:rPr lang="en-US" dirty="0" smtClean="0"/>
-              <a:t>Introduction</a:t>
-            </a:r>
-          </a:p>
-          <a:p>
-            <a:r>
-              <a:rPr lang="en-US" dirty="0" smtClean="0"/>
-              <a:t>Supervised </a:t>
-            </a:r>
-            <a:r>
-              <a:rPr lang="en-US" dirty="0" smtClean="0"/>
-              <a:t>learning</a:t>
-            </a:r>
-          </a:p>
-          <a:p>
-            <a:r>
-              <a:rPr lang="en-US" dirty="0" smtClean="0"/>
-              <a:t>Linear regression</a:t>
-            </a:r>
-          </a:p>
-          <a:p>
-            <a:r>
-              <a:rPr lang="en-US" dirty="0" smtClean="0"/>
-              <a:t>Optimization objective</a:t>
-            </a:r>
-            <a:endParaRPr lang="en-US" dirty="0" smtClean="0"/>
-          </a:p>
-          <a:p>
-            <a:r>
-              <a:rPr lang="en-US" dirty="0" smtClean="0"/>
-              <a:t>Advantages and disadvantages</a:t>
-            </a:r>
-            <a:endParaRPr lang="en-US" dirty="0"/>
-          </a:p>
-        </p:txBody>
-      </p:sp>
-    </p:spTree>
-  </p:cSld>
-  <p:clrMapOvr>
-    <a:masterClrMapping/>
-  </p:clrMapOvr>
-  <p:timing>
-    <p:tnLst>
-      <p:par>
-        <p:cTn id="1" dur="indefinite" restart="never" nodeType="tmRoot"/>
-      </p:par>
-    </p:tnLst>
-  </p:timing>
-</p:sld>
-</file>
-
-<file path=ppt/slides/slide3.xml><?xml version="1.0" encoding="utf-8"?>
-<p:sld xmlns:a="http://schemas.openxmlformats.org/drawingml/2006/main" xmlns:r="http://schemas.openxmlformats.org/officeDocument/2006/relationships" xmlns:p="http://schemas.openxmlformats.org/presentationml/2006/main">
-  <p:cSld>
-    <p:spTree>
-      <p:nvGrpSpPr>
-        <p:cNvPr id="1" name=""/>
-        <p:cNvGrpSpPr/>
-        <p:nvPr/>
-      </p:nvGrpSpPr>
-      <p:grpSpPr>
-        <a:xfrm>
-          <a:off x="0" y="0"/>
-          <a:ext cx="0" cy="0"/>
-          <a:chOff x="0" y="0"/>
-          <a:chExt cx="0" cy="0"/>
-        </a:xfrm>
-      </p:grpSpPr>
-      <p:sp>
-        <p:nvSpPr>
-          <p:cNvPr id="2" name="Title 1"/>
-          <p:cNvSpPr>
-            <a:spLocks noGrp="1"/>
-          </p:cNvSpPr>
-          <p:nvPr>
-            <p:ph type="title"/>
-          </p:nvPr>
-        </p:nvSpPr>
-        <p:spPr/>
-        <p:txBody>
-          <a:bodyPr/>
-          <a:lstStyle/>
-          <a:p>
-            <a:r>
-              <a:rPr lang="en-US" dirty="0" smtClean="0"/>
-              <a:t>Introduction</a:t>
-            </a:r>
-            <a:endParaRPr lang="en-US" dirty="0"/>
-          </a:p>
-        </p:txBody>
-      </p:sp>
-      <p:sp>
-        <p:nvSpPr>
-          <p:cNvPr id="3" name="Content Placeholder 2"/>
-          <p:cNvSpPr>
-            <a:spLocks noGrp="1"/>
-          </p:cNvSpPr>
-          <p:nvPr>
-            <p:ph idx="1"/>
-          </p:nvPr>
-        </p:nvSpPr>
-        <p:spPr/>
-        <p:txBody>
-          <a:bodyPr>
-            <a:normAutofit/>
-          </a:bodyPr>
-          <a:lstStyle/>
-          <a:p>
-            <a:endParaRPr lang="en-US" dirty="0"/>
-          </a:p>
-        </p:txBody>
-      </p:sp>
-    </p:spTree>
-  </p:cSld>
-  <p:clrMapOvr>
-    <a:masterClrMapping/>
-  </p:clrMapOvr>
-  <p:timing>
-    <p:tnLst>
-      <p:par>
-        <p:cTn id="1" dur="indefinite" restart="never" nodeType="tmRoot"/>
-      </p:par>
-    </p:tnLst>
-  </p:timing>
-</p:sld>
-</file>
-
-<file path=ppt/slides/slide4.xml><?xml version="1.0" encoding="utf-8"?>
-<p:sld xmlns:a="http://schemas.openxmlformats.org/drawingml/2006/main" xmlns:r="http://schemas.openxmlformats.org/officeDocument/2006/relationships" xmlns:p="http://schemas.openxmlformats.org/presentationml/2006/main">
-  <p:cSld>
-    <p:spTree>
-      <p:nvGrpSpPr>
-        <p:cNvPr id="1" name=""/>
-        <p:cNvGrpSpPr/>
-        <p:nvPr/>
-      </p:nvGrpSpPr>
-      <p:grpSpPr>
-        <a:xfrm>
-          <a:off x="0" y="0"/>
-          <a:ext cx="0" cy="0"/>
-          <a:chOff x="0" y="0"/>
-          <a:chExt cx="0" cy="0"/>
-        </a:xfrm>
-      </p:grpSpPr>
-      <p:sp>
-        <p:nvSpPr>
-          <p:cNvPr id="2" name="Title 1"/>
-          <p:cNvSpPr>
-            <a:spLocks noGrp="1"/>
-          </p:cNvSpPr>
-          <p:nvPr>
-            <p:ph type="title"/>
-          </p:nvPr>
-        </p:nvSpPr>
-        <p:spPr/>
-        <p:txBody>
-          <a:bodyPr/>
-          <a:lstStyle/>
-          <a:p>
-            <a:r>
-              <a:rPr lang="en-US" dirty="0" smtClean="0"/>
-              <a:t>Supervised Learning</a:t>
-            </a:r>
-            <a:endParaRPr lang="en-US" dirty="0"/>
-          </a:p>
-        </p:txBody>
-      </p:sp>
-      <p:sp>
-        <p:nvSpPr>
-          <p:cNvPr id="4" name="Content Placeholder 3"/>
-          <p:cNvSpPr>
-            <a:spLocks noGrp="1"/>
-          </p:cNvSpPr>
-          <p:nvPr>
-            <p:ph idx="1"/>
-          </p:nvPr>
-        </p:nvSpPr>
-        <p:spPr/>
-        <p:txBody>
-          <a:bodyPr/>
-          <a:lstStyle/>
-          <a:p>
-            <a:r>
-              <a:rPr lang="en-US" dirty="0" smtClean="0"/>
-              <a:t>Training set – { (x</a:t>
-            </a:r>
-            <a:r>
-              <a:rPr lang="en-US" baseline="30000" dirty="0" smtClean="0"/>
-              <a:t>(1)</a:t>
-            </a:r>
-            <a:r>
-              <a:rPr lang="en-US" dirty="0" smtClean="0"/>
-              <a:t>,y</a:t>
-            </a:r>
-            <a:r>
-              <a:rPr lang="en-US" baseline="30000" dirty="0" smtClean="0"/>
-              <a:t>(1)</a:t>
-            </a:r>
-            <a:r>
-              <a:rPr lang="en-US" dirty="0" smtClean="0"/>
-              <a:t>), (x</a:t>
-            </a:r>
-            <a:r>
-              <a:rPr lang="en-US" baseline="30000" dirty="0" smtClean="0"/>
-              <a:t>(2)</a:t>
-            </a:r>
-            <a:r>
-              <a:rPr lang="en-US" dirty="0" smtClean="0"/>
-              <a:t>,y</a:t>
-            </a:r>
-            <a:r>
-              <a:rPr lang="en-US" baseline="30000" dirty="0" smtClean="0"/>
-              <a:t>(2)</a:t>
-            </a:r>
-            <a:r>
-              <a:rPr lang="en-US" dirty="0" smtClean="0"/>
-              <a:t>), …, (x</a:t>
-            </a:r>
-            <a:r>
-              <a:rPr lang="en-US" baseline="30000" dirty="0" smtClean="0"/>
-              <a:t>(m)</a:t>
-            </a:r>
-            <a:r>
-              <a:rPr lang="en-US" dirty="0" smtClean="0"/>
-              <a:t>,y</a:t>
-            </a:r>
-            <a:r>
-              <a:rPr lang="en-US" baseline="30000" dirty="0" smtClean="0"/>
-              <a:t>(m)</a:t>
-            </a:r>
-            <a:r>
-              <a:rPr lang="en-US" dirty="0" smtClean="0"/>
-              <a:t>)}</a:t>
-            </a:r>
-          </a:p>
-          <a:p>
-            <a:r>
-              <a:rPr lang="en-US" dirty="0" smtClean="0"/>
-              <a:t>Labeled dataset</a:t>
-            </a:r>
-          </a:p>
-          <a:p>
-            <a:endParaRPr lang="en-US" dirty="0"/>
-          </a:p>
-        </p:txBody>
-      </p:sp>
-      <p:pic>
-        <p:nvPicPr>
-          <p:cNvPr id="5" name="Picture 4" descr="SupervisedLearning.png"/>
-          <p:cNvPicPr>
-            <a:picLocks noChangeAspect="1"/>
-          </p:cNvPicPr>
-          <p:nvPr/>
-        </p:nvPicPr>
-        <p:blipFill>
-          <a:blip r:embed="rId2"/>
-          <a:stretch>
-            <a:fillRect/>
-          </a:stretch>
-        </p:blipFill>
-        <p:spPr>
-          <a:xfrm>
-            <a:off x="838200" y="2971800"/>
-            <a:ext cx="7467600" cy="3733800"/>
-          </a:xfrm>
-          <a:prstGeom prst="rect">
-            <a:avLst/>
-          </a:prstGeom>
-        </p:spPr>
-      </p:pic>
-      <p:sp>
-        <p:nvSpPr>
-          <p:cNvPr id="6" name="Text Box 10"/>
-          <p:cNvSpPr txBox="1">
-            <a:spLocks noChangeArrowheads="1"/>
-          </p:cNvSpPr>
-          <p:nvPr/>
-        </p:nvSpPr>
-        <p:spPr bwMode="auto">
-          <a:xfrm rot="10800000" flipV="1">
-            <a:off x="0" y="6519446"/>
-            <a:ext cx="1828800" cy="338554"/>
-          </a:xfrm>
-          <a:prstGeom prst="rect">
-            <a:avLst/>
-          </a:prstGeom>
-          <a:noFill/>
-          <a:ln w="9525">
-            <a:noFill/>
-            <a:miter lim="800000"/>
-            <a:headEnd/>
-            <a:tailEnd/>
-          </a:ln>
-          <a:effectLst/>
-        </p:spPr>
-        <p:txBody>
-          <a:bodyPr wrap="square">
-            <a:spAutoFit/>
-          </a:bodyPr>
-          <a:lstStyle/>
-          <a:p>
-            <a:pPr>
-              <a:spcBef>
-                <a:spcPct val="50000"/>
-              </a:spcBef>
-            </a:pPr>
-            <a:r>
-              <a:rPr lang="en-US" sz="1600" b="1" dirty="0">
-                <a:solidFill>
-                  <a:srgbClr val="FF0000"/>
-                </a:solidFill>
-              </a:rPr>
-              <a:t>Image </a:t>
-            </a:r>
-            <a:r>
-              <a:rPr lang="en-US" sz="1600" b="1" dirty="0" err="1" smtClean="0">
-                <a:solidFill>
-                  <a:srgbClr val="FF0000"/>
-                </a:solidFill>
-              </a:rPr>
-              <a:t>ack</a:t>
-            </a:r>
-            <a:r>
-              <a:rPr lang="en-US" sz="1600" b="1" dirty="0" smtClean="0">
-                <a:solidFill>
-                  <a:srgbClr val="FF0000"/>
-                </a:solidFill>
-              </a:rPr>
-              <a:t> – Google</a:t>
-            </a:r>
-            <a:endParaRPr lang="en-US" sz="1600" b="1" dirty="0">
-              <a:solidFill>
-                <a:srgbClr val="FF0000"/>
-              </a:solidFill>
-            </a:endParaRPr>
-          </a:p>
-        </p:txBody>
-      </p:sp>
-    </p:spTree>
-  </p:cSld>
-  <p:clrMapOvr>
-    <a:masterClrMapping/>
-  </p:clrMapOvr>
-  <p:timing>
-    <p:tnLst>
-      <p:par>
-        <p:cTn id="1" dur="indefinite" restart="never" nodeType="tmRoot"/>
-      </p:par>
-    </p:tnLst>
-  </p:timing>
-</p:sld>
-</file>
-
-<file path=ppt/slides/slide5.xml><?xml version="1.0" encoding="utf-8"?>
-<p:sld xmlns:a="http://schemas.openxmlformats.org/drawingml/2006/main" xmlns:r="http://schemas.openxmlformats.org/officeDocument/2006/relationships" xmlns:p="http://schemas.openxmlformats.org/presentationml/2006/main">
-  <p:cSld>
-    <p:spTree>
-      <p:nvGrpSpPr>
-        <p:cNvPr id="1" name=""/>
-        <p:cNvGrpSpPr/>
-        <p:nvPr/>
-      </p:nvGrpSpPr>
-      <p:grpSpPr>
-        <a:xfrm>
-          <a:off x="0" y="0"/>
-          <a:ext cx="0" cy="0"/>
-          <a:chOff x="0" y="0"/>
-          <a:chExt cx="0" cy="0"/>
-        </a:xfrm>
-      </p:grpSpPr>
-      <p:sp>
-        <p:nvSpPr>
-          <p:cNvPr id="2" name="Title 1"/>
-          <p:cNvSpPr>
-            <a:spLocks noGrp="1"/>
-          </p:cNvSpPr>
-          <p:nvPr>
-            <p:ph type="title"/>
-          </p:nvPr>
-        </p:nvSpPr>
-        <p:spPr/>
-        <p:txBody>
-          <a:bodyPr/>
-          <a:lstStyle/>
-          <a:p>
-            <a:r>
-              <a:rPr lang="en-US" dirty="0" smtClean="0"/>
-              <a:t>Linear </a:t>
-            </a:r>
-            <a:r>
-              <a:rPr lang="en-US" dirty="0" smtClean="0"/>
-              <a:t>Regression</a:t>
-            </a:r>
-            <a:endParaRPr lang="en-US" dirty="0"/>
-          </a:p>
-        </p:txBody>
-      </p:sp>
-      <p:sp>
-        <p:nvSpPr>
-          <p:cNvPr id="3" name="Content Placeholder 2"/>
-          <p:cNvSpPr>
-            <a:spLocks noGrp="1"/>
-          </p:cNvSpPr>
-          <p:nvPr>
-            <p:ph idx="1"/>
-          </p:nvPr>
-        </p:nvSpPr>
-        <p:spPr/>
-        <p:txBody>
-          <a:bodyPr>
-            <a:normAutofit/>
-          </a:bodyPr>
-          <a:lstStyle/>
-          <a:p>
-            <a:r>
-              <a:rPr lang="en-US" dirty="0" smtClean="0"/>
-              <a:t>Independent variable – X axis</a:t>
-            </a:r>
-          </a:p>
-          <a:p>
-            <a:r>
-              <a:rPr lang="en-US" dirty="0" smtClean="0"/>
-              <a:t>Dependent variable – Y axis</a:t>
-            </a:r>
-          </a:p>
-          <a:p>
-            <a:r>
-              <a:rPr lang="en-US" dirty="0" smtClean="0"/>
-              <a:t>Data points – Samples  </a:t>
-            </a:r>
-          </a:p>
-          <a:p>
-            <a:r>
-              <a:rPr lang="en-US" dirty="0" smtClean="0"/>
-              <a:t>Relationship </a:t>
-            </a:r>
-          </a:p>
-          <a:p>
-            <a:r>
-              <a:rPr lang="en-US" dirty="0" smtClean="0"/>
-              <a:t>Line of regression</a:t>
-            </a:r>
-          </a:p>
-          <a:p>
-            <a:r>
-              <a:rPr lang="en-US" dirty="0" smtClean="0"/>
-              <a:t>Least squares method</a:t>
-            </a:r>
-          </a:p>
-          <a:p>
-            <a:endParaRPr lang="en-US" dirty="0" smtClean="0"/>
-          </a:p>
-          <a:p>
-            <a:endParaRPr lang="en-US" dirty="0"/>
-          </a:p>
-        </p:txBody>
-      </p:sp>
-      <p:pic>
-        <p:nvPicPr>
-          <p:cNvPr id="4" name="Picture 3" descr="LinearRegression.png"/>
-          <p:cNvPicPr>
-            <a:picLocks noChangeAspect="1"/>
-          </p:cNvPicPr>
-          <p:nvPr/>
-        </p:nvPicPr>
-        <p:blipFill>
-          <a:blip r:embed="rId2"/>
-          <a:stretch>
-            <a:fillRect/>
-          </a:stretch>
-        </p:blipFill>
-        <p:spPr>
-          <a:xfrm>
-            <a:off x="5105400" y="2895600"/>
-            <a:ext cx="3810000" cy="3810000"/>
-          </a:xfrm>
-          <a:prstGeom prst="rect">
-            <a:avLst/>
-          </a:prstGeom>
-        </p:spPr>
-      </p:pic>
-      <p:sp>
-        <p:nvSpPr>
-          <p:cNvPr id="5" name="Text Box 10"/>
-          <p:cNvSpPr txBox="1">
-            <a:spLocks noChangeArrowheads="1"/>
-          </p:cNvSpPr>
-          <p:nvPr/>
-        </p:nvSpPr>
-        <p:spPr bwMode="auto">
-          <a:xfrm rot="10800000" flipV="1">
-            <a:off x="0" y="6519446"/>
-            <a:ext cx="1828800" cy="338554"/>
-          </a:xfrm>
-          <a:prstGeom prst="rect">
-            <a:avLst/>
-          </a:prstGeom>
-          <a:noFill/>
-          <a:ln w="9525">
-            <a:noFill/>
-            <a:miter lim="800000"/>
-            <a:headEnd/>
-            <a:tailEnd/>
-          </a:ln>
-          <a:effectLst/>
-        </p:spPr>
-        <p:txBody>
-          <a:bodyPr wrap="square">
-            <a:spAutoFit/>
-          </a:bodyPr>
-          <a:lstStyle/>
-          <a:p>
-            <a:pPr>
-              <a:spcBef>
-                <a:spcPct val="50000"/>
-              </a:spcBef>
-            </a:pPr>
-            <a:r>
-              <a:rPr lang="en-US" sz="1600" b="1" dirty="0">
-                <a:solidFill>
-                  <a:srgbClr val="FF0000"/>
-                </a:solidFill>
-              </a:rPr>
-              <a:t>Image </a:t>
-            </a:r>
-            <a:r>
-              <a:rPr lang="en-US" sz="1600" b="1" dirty="0" err="1" smtClean="0">
-                <a:solidFill>
-                  <a:srgbClr val="FF0000"/>
-                </a:solidFill>
-              </a:rPr>
-              <a:t>ack</a:t>
-            </a:r>
-            <a:r>
-              <a:rPr lang="en-US" sz="1600" b="1" dirty="0" smtClean="0">
-                <a:solidFill>
-                  <a:srgbClr val="FF0000"/>
-                </a:solidFill>
-              </a:rPr>
-              <a:t> – Google</a:t>
-            </a:r>
-            <a:endParaRPr lang="en-US" sz="1600" b="1" dirty="0">
-              <a:solidFill>
-                <a:srgbClr val="FF0000"/>
-              </a:solidFill>
-            </a:endParaRPr>
-          </a:p>
-        </p:txBody>
-      </p:sp>
-    </p:spTree>
-  </p:cSld>
-  <p:clrMapOvr>
-    <a:masterClrMapping/>
-  </p:clrMapOvr>
-  <p:timing>
-    <p:tnLst>
-      <p:par>
-        <p:cTn id="1" dur="indefinite" restart="never" nodeType="tmRoot"/>
-      </p:par>
-    </p:tnLst>
-  </p:timing>
-</p:sld>
-</file>
-
-<file path=ppt/slides/slide6.xml><?xml version="1.0" encoding="utf-8"?>
-<p:sld xmlns:a="http://schemas.openxmlformats.org/drawingml/2006/main" xmlns:r="http://schemas.openxmlformats.org/officeDocument/2006/relationships" xmlns:p="http://schemas.openxmlformats.org/presentationml/2006/main">
-  <p:cSld>
-    <p:spTree>
-      <p:nvGrpSpPr>
-        <p:cNvPr id="1" name=""/>
-        <p:cNvGrpSpPr/>
-        <p:nvPr/>
-      </p:nvGrpSpPr>
-      <p:grpSpPr>
-        <a:xfrm>
-          <a:off x="0" y="0"/>
-          <a:ext cx="0" cy="0"/>
-          <a:chOff x="0" y="0"/>
-          <a:chExt cx="0" cy="0"/>
-        </a:xfrm>
-      </p:grpSpPr>
-      <p:sp>
-        <p:nvSpPr>
-          <p:cNvPr id="2" name="Title 1"/>
-          <p:cNvSpPr>
-            <a:spLocks noGrp="1"/>
-          </p:cNvSpPr>
-          <p:nvPr>
-            <p:ph type="title"/>
-          </p:nvPr>
-        </p:nvSpPr>
-        <p:spPr/>
-        <p:txBody>
-          <a:bodyPr/>
-          <a:lstStyle/>
-          <a:p>
-            <a:r>
-              <a:rPr lang="en-US" dirty="0" smtClean="0"/>
-              <a:t>Linear </a:t>
-            </a:r>
-            <a:r>
-              <a:rPr lang="en-US" dirty="0" smtClean="0"/>
-              <a:t>Regression</a:t>
-            </a:r>
-            <a:endParaRPr lang="en-US" dirty="0"/>
-          </a:p>
-        </p:txBody>
-      </p:sp>
-      <p:sp>
-        <p:nvSpPr>
-          <p:cNvPr id="3" name="Content Placeholder 2"/>
-          <p:cNvSpPr>
-            <a:spLocks noGrp="1"/>
-          </p:cNvSpPr>
-          <p:nvPr>
-            <p:ph idx="1"/>
-          </p:nvPr>
-        </p:nvSpPr>
-        <p:spPr/>
-        <p:txBody>
-          <a:bodyPr>
-            <a:normAutofit lnSpcReduction="10000"/>
-          </a:bodyPr>
-          <a:lstStyle/>
-          <a:p>
-            <a:r>
-              <a:rPr lang="en-US" dirty="0" smtClean="0"/>
-              <a:t>Positive correlation</a:t>
-            </a:r>
-            <a:endParaRPr lang="en-US" dirty="0" smtClean="0"/>
-          </a:p>
-          <a:p>
-            <a:pPr lvl="1"/>
-            <a:r>
-              <a:rPr lang="en-US" dirty="0" smtClean="0"/>
-              <a:t>Independent </a:t>
-            </a:r>
-            <a:r>
-              <a:rPr lang="en-US" dirty="0" smtClean="0"/>
-              <a:t>variable increases</a:t>
-            </a:r>
-          </a:p>
-          <a:p>
-            <a:pPr lvl="1"/>
-            <a:r>
-              <a:rPr lang="en-US" dirty="0" smtClean="0"/>
-              <a:t>Dependent variable increases</a:t>
-            </a:r>
-          </a:p>
-          <a:p>
-            <a:r>
-              <a:rPr lang="en-US" dirty="0" smtClean="0"/>
-              <a:t>Negative correlation</a:t>
-            </a:r>
-          </a:p>
-          <a:p>
-            <a:pPr lvl="1"/>
-            <a:r>
-              <a:rPr lang="en-US" dirty="0" smtClean="0"/>
-              <a:t>Independent variable </a:t>
-            </a:r>
-            <a:r>
-              <a:rPr lang="en-US" dirty="0" smtClean="0"/>
-              <a:t>increases</a:t>
-            </a:r>
-            <a:endParaRPr lang="en-US" dirty="0" smtClean="0"/>
-          </a:p>
-          <a:p>
-            <a:pPr lvl="1"/>
-            <a:r>
-              <a:rPr lang="en-US" dirty="0" smtClean="0"/>
-              <a:t>Dependent variable decreases</a:t>
-            </a:r>
-          </a:p>
-          <a:p>
-            <a:r>
-              <a:rPr lang="en-US" dirty="0" smtClean="0"/>
-              <a:t>No </a:t>
-            </a:r>
-            <a:r>
-              <a:rPr lang="en-US" dirty="0" smtClean="0"/>
-              <a:t>correlation</a:t>
-            </a:r>
-          </a:p>
-          <a:p>
-            <a:pPr lvl="1"/>
-            <a:r>
-              <a:rPr lang="en-US" dirty="0" smtClean="0"/>
-              <a:t> </a:t>
-            </a:r>
-            <a:r>
-              <a:rPr lang="en-US" dirty="0" smtClean="0"/>
-              <a:t>Independent variable increases</a:t>
-            </a:r>
-          </a:p>
-          <a:p>
-            <a:pPr lvl="1"/>
-            <a:r>
-              <a:rPr lang="en-US" dirty="0" smtClean="0"/>
-              <a:t>Dependent </a:t>
-            </a:r>
-            <a:r>
-              <a:rPr lang="en-US" dirty="0" smtClean="0"/>
-              <a:t>variable no change </a:t>
-            </a:r>
-          </a:p>
-          <a:p>
-            <a:endParaRPr lang="en-US" dirty="0"/>
-          </a:p>
-        </p:txBody>
-      </p:sp>
-    </p:spTree>
-  </p:cSld>
-  <p:clrMapOvr>
-    <a:masterClrMapping/>
-  </p:clrMapOvr>
-  <p:timing>
-    <p:tnLst>
-      <p:par>
-        <p:cTn id="1" dur="indefinite" restart="never" nodeType="tmRoot"/>
-      </p:par>
-    </p:tnLst>
-  </p:timing>
-</p:sld>
-</file>
-
-<file path=ppt/slides/slide7.xml><?xml version="1.0" encoding="utf-8"?>
-<p:sld xmlns:a="http://schemas.openxmlformats.org/drawingml/2006/main" xmlns:r="http://schemas.openxmlformats.org/officeDocument/2006/relationships" xmlns:p="http://schemas.openxmlformats.org/presentationml/2006/main">
-  <p:cSld>
-    <p:spTree>
-      <p:nvGrpSpPr>
-        <p:cNvPr id="1" name=""/>
-        <p:cNvGrpSpPr/>
-        <p:nvPr/>
-      </p:nvGrpSpPr>
-      <p:grpSpPr>
-        <a:xfrm>
-          <a:off x="0" y="0"/>
-          <a:ext cx="0" cy="0"/>
-          <a:chOff x="0" y="0"/>
-          <a:chExt cx="0" cy="0"/>
-        </a:xfrm>
-      </p:grpSpPr>
-      <p:sp>
-        <p:nvSpPr>
-          <p:cNvPr id="2" name="Title 1"/>
-          <p:cNvSpPr>
-            <a:spLocks noGrp="1"/>
-          </p:cNvSpPr>
-          <p:nvPr>
-            <p:ph type="title"/>
-          </p:nvPr>
-        </p:nvSpPr>
-        <p:spPr/>
-        <p:txBody>
-          <a:bodyPr/>
-          <a:lstStyle/>
-          <a:p>
-            <a:r>
-              <a:rPr lang="en-US" dirty="0" smtClean="0"/>
-              <a:t>Linear </a:t>
-            </a:r>
-            <a:r>
-              <a:rPr lang="en-US" dirty="0" smtClean="0"/>
-              <a:t>Regression</a:t>
+              <a:t>Linear Regression</a:t>
             </a:r>
             <a:endParaRPr lang="en-US" dirty="0"/>
           </a:p>
@@ -4520,6 +3655,1450 @@
 </p:sld>
 </file>
 
+<file path=ppt/slides/slide11.xml><?xml version="1.0" encoding="utf-8"?>
+<p:sld xmlns:a="http://schemas.openxmlformats.org/drawingml/2006/main" xmlns:r="http://schemas.openxmlformats.org/officeDocument/2006/relationships" xmlns:p="http://schemas.openxmlformats.org/presentationml/2006/main">
+  <p:cSld>
+    <p:spTree>
+      <p:nvGrpSpPr>
+        <p:cNvPr id="1" name=""/>
+        <p:cNvGrpSpPr/>
+        <p:nvPr/>
+      </p:nvGrpSpPr>
+      <p:grpSpPr>
+        <a:xfrm>
+          <a:off x="0" y="0"/>
+          <a:ext cx="0" cy="0"/>
+          <a:chOff x="0" y="0"/>
+          <a:chExt cx="0" cy="0"/>
+        </a:xfrm>
+      </p:grpSpPr>
+      <p:sp>
+        <p:nvSpPr>
+          <p:cNvPr id="2" name="Title 1"/>
+          <p:cNvSpPr>
+            <a:spLocks noGrp="1"/>
+          </p:cNvSpPr>
+          <p:nvPr>
+            <p:ph type="title"/>
+          </p:nvPr>
+        </p:nvSpPr>
+        <p:spPr/>
+        <p:txBody>
+          <a:bodyPr/>
+          <a:lstStyle/>
+          <a:p>
+            <a:r>
+              <a:rPr lang="en-US" dirty="0" smtClean="0"/>
+              <a:t>Optimization Objective</a:t>
+            </a:r>
+            <a:endParaRPr lang="en-US" dirty="0"/>
+          </a:p>
+        </p:txBody>
+      </p:sp>
+      <p:sp>
+        <p:nvSpPr>
+          <p:cNvPr id="3" name="Content Placeholder 2"/>
+          <p:cNvSpPr>
+            <a:spLocks noGrp="1"/>
+          </p:cNvSpPr>
+          <p:nvPr>
+            <p:ph idx="1"/>
+          </p:nvPr>
+        </p:nvSpPr>
+        <p:spPr/>
+        <p:txBody>
+          <a:bodyPr>
+            <a:normAutofit/>
+          </a:bodyPr>
+          <a:lstStyle/>
+          <a:p>
+            <a:r>
+              <a:rPr lang="en-US" dirty="0" smtClean="0"/>
+              <a:t>Least squares method</a:t>
+            </a:r>
+          </a:p>
+          <a:p>
+            <a:r>
+              <a:rPr lang="en-US" dirty="0" smtClean="0"/>
+              <a:t>Actual value – Observed value</a:t>
+            </a:r>
+          </a:p>
+          <a:p>
+            <a:r>
+              <a:rPr lang="en-US" dirty="0" smtClean="0"/>
+              <a:t>Estimated value – Predicted value</a:t>
+            </a:r>
+          </a:p>
+          <a:p>
+            <a:r>
+              <a:rPr lang="en-US" dirty="0" smtClean="0"/>
+              <a:t>Error value</a:t>
+            </a:r>
+          </a:p>
+          <a:p>
+            <a:r>
+              <a:rPr lang="en-US" dirty="0" smtClean="0"/>
+              <a:t>Minimize error value</a:t>
+            </a:r>
+          </a:p>
+          <a:p>
+            <a:endParaRPr lang="en-US" dirty="0" smtClean="0"/>
+          </a:p>
+          <a:p>
+            <a:endParaRPr lang="en-US" dirty="0" smtClean="0"/>
+          </a:p>
+          <a:p>
+            <a:endParaRPr lang="en-US" dirty="0"/>
+          </a:p>
+        </p:txBody>
+      </p:sp>
+    </p:spTree>
+  </p:cSld>
+  <p:clrMapOvr>
+    <a:masterClrMapping/>
+  </p:clrMapOvr>
+  <p:timing>
+    <p:tnLst>
+      <p:par>
+        <p:cTn id="1" dur="indefinite" restart="never" nodeType="tmRoot"/>
+      </p:par>
+    </p:tnLst>
+  </p:timing>
+</p:sld>
+</file>
+
+<file path=ppt/slides/slide12.xml><?xml version="1.0" encoding="utf-8"?>
+<p:sld xmlns:a="http://schemas.openxmlformats.org/drawingml/2006/main" xmlns:r="http://schemas.openxmlformats.org/officeDocument/2006/relationships" xmlns:p="http://schemas.openxmlformats.org/presentationml/2006/main">
+  <p:cSld>
+    <p:spTree>
+      <p:nvGrpSpPr>
+        <p:cNvPr id="1" name=""/>
+        <p:cNvGrpSpPr/>
+        <p:nvPr/>
+      </p:nvGrpSpPr>
+      <p:grpSpPr>
+        <a:xfrm>
+          <a:off x="0" y="0"/>
+          <a:ext cx="0" cy="0"/>
+          <a:chOff x="0" y="0"/>
+          <a:chExt cx="0" cy="0"/>
+        </a:xfrm>
+      </p:grpSpPr>
+      <p:sp>
+        <p:nvSpPr>
+          <p:cNvPr id="2" name="Title 1"/>
+          <p:cNvSpPr>
+            <a:spLocks noGrp="1"/>
+          </p:cNvSpPr>
+          <p:nvPr>
+            <p:ph type="title"/>
+          </p:nvPr>
+        </p:nvSpPr>
+        <p:spPr/>
+        <p:txBody>
+          <a:bodyPr/>
+          <a:lstStyle/>
+          <a:p>
+            <a:r>
+              <a:rPr lang="en-US" dirty="0" smtClean="0"/>
+              <a:t>Linear Regression</a:t>
+            </a:r>
+            <a:endParaRPr lang="en-US" dirty="0"/>
+          </a:p>
+        </p:txBody>
+      </p:sp>
+      <p:sp>
+        <p:nvSpPr>
+          <p:cNvPr id="3" name="Content Placeholder 2"/>
+          <p:cNvSpPr>
+            <a:spLocks noGrp="1"/>
+          </p:cNvSpPr>
+          <p:nvPr>
+            <p:ph idx="1"/>
+          </p:nvPr>
+        </p:nvSpPr>
+        <p:spPr/>
+        <p:txBody>
+          <a:bodyPr>
+            <a:normAutofit/>
+          </a:bodyPr>
+          <a:lstStyle/>
+          <a:p>
+            <a:endParaRPr lang="en-US" dirty="0"/>
+          </a:p>
+        </p:txBody>
+      </p:sp>
+      <p:graphicFrame>
+        <p:nvGraphicFramePr>
+          <p:cNvPr id="4" name="Object 3"/>
+          <p:cNvGraphicFramePr>
+            <a:graphicFrameLocks noChangeAspect="1"/>
+          </p:cNvGraphicFramePr>
+          <p:nvPr/>
+        </p:nvGraphicFramePr>
+        <p:xfrm>
+          <a:off x="5087526" y="1752600"/>
+          <a:ext cx="3853274" cy="4876800"/>
+        </p:xfrm>
+        <a:graphic>
+          <a:graphicData uri="http://schemas.openxmlformats.org/presentationml/2006/ole">
+            <p:oleObj spid="_x0000_s1026" name="Equation" r:id="rId3" imgW="1625400" imgH="2057400" progId="Equation.3">
+              <p:embed/>
+            </p:oleObj>
+          </a:graphicData>
+        </a:graphic>
+      </p:graphicFrame>
+    </p:spTree>
+  </p:cSld>
+  <p:clrMapOvr>
+    <a:masterClrMapping/>
+  </p:clrMapOvr>
+  <p:timing>
+    <p:tnLst>
+      <p:par>
+        <p:cTn id="1" dur="indefinite" restart="never" nodeType="tmRoot"/>
+      </p:par>
+    </p:tnLst>
+  </p:timing>
+</p:sld>
+</file>
+
+<file path=ppt/slides/slide13.xml><?xml version="1.0" encoding="utf-8"?>
+<p:sld xmlns:a="http://schemas.openxmlformats.org/drawingml/2006/main" xmlns:r="http://schemas.openxmlformats.org/officeDocument/2006/relationships" xmlns:p="http://schemas.openxmlformats.org/presentationml/2006/main">
+  <p:cSld>
+    <p:spTree>
+      <p:nvGrpSpPr>
+        <p:cNvPr id="1" name=""/>
+        <p:cNvGrpSpPr/>
+        <p:nvPr/>
+      </p:nvGrpSpPr>
+      <p:grpSpPr>
+        <a:xfrm>
+          <a:off x="0" y="0"/>
+          <a:ext cx="0" cy="0"/>
+          <a:chOff x="0" y="0"/>
+          <a:chExt cx="0" cy="0"/>
+        </a:xfrm>
+      </p:grpSpPr>
+      <p:sp>
+        <p:nvSpPr>
+          <p:cNvPr id="2" name="Title 1"/>
+          <p:cNvSpPr>
+            <a:spLocks noGrp="1"/>
+          </p:cNvSpPr>
+          <p:nvPr>
+            <p:ph type="title"/>
+          </p:nvPr>
+        </p:nvSpPr>
+        <p:spPr/>
+        <p:txBody>
+          <a:bodyPr/>
+          <a:lstStyle/>
+          <a:p>
+            <a:r>
+              <a:rPr lang="en-US" dirty="0" smtClean="0"/>
+              <a:t>Advantages</a:t>
+            </a:r>
+            <a:endParaRPr lang="en-US" dirty="0"/>
+          </a:p>
+        </p:txBody>
+      </p:sp>
+      <p:sp>
+        <p:nvSpPr>
+          <p:cNvPr id="3" name="Content Placeholder 2"/>
+          <p:cNvSpPr>
+            <a:spLocks noGrp="1"/>
+          </p:cNvSpPr>
+          <p:nvPr>
+            <p:ph idx="1"/>
+          </p:nvPr>
+        </p:nvSpPr>
+        <p:spPr/>
+        <p:txBody>
+          <a:bodyPr>
+            <a:normAutofit/>
+          </a:bodyPr>
+          <a:lstStyle/>
+          <a:p>
+            <a:endParaRPr lang="en-US" dirty="0"/>
+          </a:p>
+        </p:txBody>
+      </p:sp>
+    </p:spTree>
+  </p:cSld>
+  <p:clrMapOvr>
+    <a:masterClrMapping/>
+  </p:clrMapOvr>
+  <p:timing>
+    <p:tnLst>
+      <p:par>
+        <p:cTn id="1" dur="indefinite" restart="never" nodeType="tmRoot"/>
+      </p:par>
+    </p:tnLst>
+  </p:timing>
+</p:sld>
+</file>
+
+<file path=ppt/slides/slide14.xml><?xml version="1.0" encoding="utf-8"?>
+<p:sld xmlns:a="http://schemas.openxmlformats.org/drawingml/2006/main" xmlns:r="http://schemas.openxmlformats.org/officeDocument/2006/relationships" xmlns:p="http://schemas.openxmlformats.org/presentationml/2006/main">
+  <p:cSld>
+    <p:spTree>
+      <p:nvGrpSpPr>
+        <p:cNvPr id="1" name=""/>
+        <p:cNvGrpSpPr/>
+        <p:nvPr/>
+      </p:nvGrpSpPr>
+      <p:grpSpPr>
+        <a:xfrm>
+          <a:off x="0" y="0"/>
+          <a:ext cx="0" cy="0"/>
+          <a:chOff x="0" y="0"/>
+          <a:chExt cx="0" cy="0"/>
+        </a:xfrm>
+      </p:grpSpPr>
+      <p:sp>
+        <p:nvSpPr>
+          <p:cNvPr id="2" name="Title 1"/>
+          <p:cNvSpPr>
+            <a:spLocks noGrp="1"/>
+          </p:cNvSpPr>
+          <p:nvPr>
+            <p:ph type="title"/>
+          </p:nvPr>
+        </p:nvSpPr>
+        <p:spPr/>
+        <p:txBody>
+          <a:bodyPr/>
+          <a:lstStyle/>
+          <a:p>
+            <a:r>
+              <a:rPr lang="en-US" dirty="0" smtClean="0"/>
+              <a:t>Disadvantages</a:t>
+            </a:r>
+            <a:endParaRPr lang="en-US" dirty="0"/>
+          </a:p>
+        </p:txBody>
+      </p:sp>
+      <p:sp>
+        <p:nvSpPr>
+          <p:cNvPr id="3" name="Content Placeholder 2"/>
+          <p:cNvSpPr>
+            <a:spLocks noGrp="1"/>
+          </p:cNvSpPr>
+          <p:nvPr>
+            <p:ph idx="1"/>
+          </p:nvPr>
+        </p:nvSpPr>
+        <p:spPr/>
+        <p:txBody>
+          <a:bodyPr>
+            <a:normAutofit/>
+          </a:bodyPr>
+          <a:lstStyle/>
+          <a:p>
+            <a:endParaRPr lang="en-US" dirty="0"/>
+          </a:p>
+        </p:txBody>
+      </p:sp>
+    </p:spTree>
+  </p:cSld>
+  <p:clrMapOvr>
+    <a:masterClrMapping/>
+  </p:clrMapOvr>
+  <p:timing>
+    <p:tnLst>
+      <p:par>
+        <p:cTn id="1" dur="indefinite" restart="never" nodeType="tmRoot"/>
+      </p:par>
+    </p:tnLst>
+  </p:timing>
+</p:sld>
+</file>
+
+<file path=ppt/slides/slide15.xml><?xml version="1.0" encoding="utf-8"?>
+<p:sld xmlns:a="http://schemas.openxmlformats.org/drawingml/2006/main" xmlns:r="http://schemas.openxmlformats.org/officeDocument/2006/relationships" xmlns:p="http://schemas.openxmlformats.org/presentationml/2006/main">
+  <p:cSld>
+    <p:spTree>
+      <p:nvGrpSpPr>
+        <p:cNvPr id="1" name=""/>
+        <p:cNvGrpSpPr/>
+        <p:nvPr/>
+      </p:nvGrpSpPr>
+      <p:grpSpPr>
+        <a:xfrm>
+          <a:off x="0" y="0"/>
+          <a:ext cx="0" cy="0"/>
+          <a:chOff x="0" y="0"/>
+          <a:chExt cx="0" cy="0"/>
+        </a:xfrm>
+      </p:grpSpPr>
+      <p:sp>
+        <p:nvSpPr>
+          <p:cNvPr id="2" name="Title 1"/>
+          <p:cNvSpPr>
+            <a:spLocks noGrp="1"/>
+          </p:cNvSpPr>
+          <p:nvPr>
+            <p:ph type="ctrTitle"/>
+          </p:nvPr>
+        </p:nvSpPr>
+        <p:spPr/>
+        <p:txBody>
+          <a:bodyPr/>
+          <a:lstStyle/>
+          <a:p>
+            <a:r>
+              <a:rPr lang="en-US" dirty="0" smtClean="0"/>
+              <a:t>Questions?</a:t>
+            </a:r>
+            <a:endParaRPr lang="en-US" dirty="0"/>
+          </a:p>
+        </p:txBody>
+      </p:sp>
+      <p:sp>
+        <p:nvSpPr>
+          <p:cNvPr id="3" name="Subtitle 2"/>
+          <p:cNvSpPr>
+            <a:spLocks noGrp="1"/>
+          </p:cNvSpPr>
+          <p:nvPr>
+            <p:ph type="subTitle" idx="1"/>
+          </p:nvPr>
+        </p:nvSpPr>
+        <p:spPr/>
+        <p:txBody>
+          <a:bodyPr/>
+          <a:lstStyle/>
+          <a:p>
+            <a:r>
+              <a:rPr lang="en-US" dirty="0" smtClean="0"/>
+              <a:t>Thank you</a:t>
+            </a:r>
+            <a:endParaRPr lang="en-US" dirty="0"/>
+          </a:p>
+        </p:txBody>
+      </p:sp>
+    </p:spTree>
+  </p:cSld>
+  <p:clrMapOvr>
+    <a:masterClrMapping/>
+  </p:clrMapOvr>
+  <p:timing>
+    <p:tnLst>
+      <p:par>
+        <p:cTn id="1" dur="indefinite" restart="never" nodeType="tmRoot"/>
+      </p:par>
+    </p:tnLst>
+  </p:timing>
+</p:sld>
+</file>
+
+<file path=ppt/slides/slide2.xml><?xml version="1.0" encoding="utf-8"?>
+<p:sld xmlns:a="http://schemas.openxmlformats.org/drawingml/2006/main" xmlns:r="http://schemas.openxmlformats.org/officeDocument/2006/relationships" xmlns:p="http://schemas.openxmlformats.org/presentationml/2006/main">
+  <p:cSld>
+    <p:spTree>
+      <p:nvGrpSpPr>
+        <p:cNvPr id="1" name=""/>
+        <p:cNvGrpSpPr/>
+        <p:nvPr/>
+      </p:nvGrpSpPr>
+      <p:grpSpPr>
+        <a:xfrm>
+          <a:off x="0" y="0"/>
+          <a:ext cx="0" cy="0"/>
+          <a:chOff x="0" y="0"/>
+          <a:chExt cx="0" cy="0"/>
+        </a:xfrm>
+      </p:grpSpPr>
+      <p:sp>
+        <p:nvSpPr>
+          <p:cNvPr id="2" name="Title 1"/>
+          <p:cNvSpPr>
+            <a:spLocks noGrp="1"/>
+          </p:cNvSpPr>
+          <p:nvPr>
+            <p:ph type="title"/>
+          </p:nvPr>
+        </p:nvSpPr>
+        <p:spPr/>
+        <p:txBody>
+          <a:bodyPr/>
+          <a:lstStyle/>
+          <a:p>
+            <a:r>
+              <a:rPr lang="en-US" dirty="0" smtClean="0"/>
+              <a:t>Topics</a:t>
+            </a:r>
+            <a:endParaRPr lang="en-US" dirty="0"/>
+          </a:p>
+        </p:txBody>
+      </p:sp>
+      <p:sp>
+        <p:nvSpPr>
+          <p:cNvPr id="3" name="Content Placeholder 2"/>
+          <p:cNvSpPr>
+            <a:spLocks noGrp="1"/>
+          </p:cNvSpPr>
+          <p:nvPr>
+            <p:ph idx="1"/>
+          </p:nvPr>
+        </p:nvSpPr>
+        <p:spPr/>
+        <p:txBody>
+          <a:bodyPr>
+            <a:normAutofit/>
+          </a:bodyPr>
+          <a:lstStyle/>
+          <a:p>
+            <a:r>
+              <a:rPr lang="en-US" dirty="0" smtClean="0"/>
+              <a:t>Supervised </a:t>
+            </a:r>
+            <a:r>
+              <a:rPr lang="en-US" dirty="0" smtClean="0"/>
+              <a:t>learning</a:t>
+            </a:r>
+          </a:p>
+          <a:p>
+            <a:r>
+              <a:rPr lang="en-US" dirty="0" smtClean="0"/>
+              <a:t>Linear regression</a:t>
+            </a:r>
+          </a:p>
+          <a:p>
+            <a:r>
+              <a:rPr lang="en-US" smtClean="0"/>
+              <a:t>Applications</a:t>
+            </a:r>
+          </a:p>
+          <a:p>
+            <a:r>
+              <a:rPr lang="en-US" dirty="0" smtClean="0"/>
+              <a:t>Optimization </a:t>
+            </a:r>
+            <a:r>
+              <a:rPr lang="en-US" dirty="0" smtClean="0"/>
+              <a:t>objective</a:t>
+            </a:r>
+          </a:p>
+          <a:p>
+            <a:r>
+              <a:rPr lang="en-US" dirty="0" smtClean="0"/>
+              <a:t>Advantages </a:t>
+            </a:r>
+            <a:endParaRPr lang="en-US" dirty="0" smtClean="0"/>
+          </a:p>
+          <a:p>
+            <a:r>
+              <a:rPr lang="en-US" dirty="0" smtClean="0"/>
+              <a:t>Disadvantages</a:t>
+            </a:r>
+            <a:endParaRPr lang="en-US" dirty="0"/>
+          </a:p>
+        </p:txBody>
+      </p:sp>
+    </p:spTree>
+  </p:cSld>
+  <p:clrMapOvr>
+    <a:masterClrMapping/>
+  </p:clrMapOvr>
+  <p:timing>
+    <p:tnLst>
+      <p:par>
+        <p:cTn id="1" dur="indefinite" restart="never" nodeType="tmRoot"/>
+      </p:par>
+    </p:tnLst>
+  </p:timing>
+</p:sld>
+</file>
+
+<file path=ppt/slides/slide3.xml><?xml version="1.0" encoding="utf-8"?>
+<p:sld xmlns:a="http://schemas.openxmlformats.org/drawingml/2006/main" xmlns:r="http://schemas.openxmlformats.org/officeDocument/2006/relationships" xmlns:p="http://schemas.openxmlformats.org/presentationml/2006/main">
+  <p:cSld>
+    <p:spTree>
+      <p:nvGrpSpPr>
+        <p:cNvPr id="1" name=""/>
+        <p:cNvGrpSpPr/>
+        <p:nvPr/>
+      </p:nvGrpSpPr>
+      <p:grpSpPr>
+        <a:xfrm>
+          <a:off x="0" y="0"/>
+          <a:ext cx="0" cy="0"/>
+          <a:chOff x="0" y="0"/>
+          <a:chExt cx="0" cy="0"/>
+        </a:xfrm>
+      </p:grpSpPr>
+      <p:sp>
+        <p:nvSpPr>
+          <p:cNvPr id="2" name="Title 1"/>
+          <p:cNvSpPr>
+            <a:spLocks noGrp="1"/>
+          </p:cNvSpPr>
+          <p:nvPr>
+            <p:ph type="title"/>
+          </p:nvPr>
+        </p:nvSpPr>
+        <p:spPr/>
+        <p:txBody>
+          <a:bodyPr/>
+          <a:lstStyle/>
+          <a:p>
+            <a:r>
+              <a:rPr lang="en-US" dirty="0" smtClean="0"/>
+              <a:t>Supervised Learning</a:t>
+            </a:r>
+            <a:endParaRPr lang="en-US" dirty="0"/>
+          </a:p>
+        </p:txBody>
+      </p:sp>
+      <p:sp>
+        <p:nvSpPr>
+          <p:cNvPr id="4" name="Content Placeholder 3"/>
+          <p:cNvSpPr>
+            <a:spLocks noGrp="1"/>
+          </p:cNvSpPr>
+          <p:nvPr>
+            <p:ph idx="1"/>
+          </p:nvPr>
+        </p:nvSpPr>
+        <p:spPr/>
+        <p:txBody>
+          <a:bodyPr/>
+          <a:lstStyle/>
+          <a:p>
+            <a:r>
+              <a:rPr lang="en-US" dirty="0" smtClean="0"/>
+              <a:t>Training set – { (x</a:t>
+            </a:r>
+            <a:r>
+              <a:rPr lang="en-US" baseline="30000" dirty="0" smtClean="0"/>
+              <a:t>(1)</a:t>
+            </a:r>
+            <a:r>
+              <a:rPr lang="en-US" dirty="0" smtClean="0"/>
+              <a:t>,y</a:t>
+            </a:r>
+            <a:r>
+              <a:rPr lang="en-US" baseline="30000" dirty="0" smtClean="0"/>
+              <a:t>(1)</a:t>
+            </a:r>
+            <a:r>
+              <a:rPr lang="en-US" dirty="0" smtClean="0"/>
+              <a:t>), (x</a:t>
+            </a:r>
+            <a:r>
+              <a:rPr lang="en-US" baseline="30000" dirty="0" smtClean="0"/>
+              <a:t>(2)</a:t>
+            </a:r>
+            <a:r>
+              <a:rPr lang="en-US" dirty="0" smtClean="0"/>
+              <a:t>,y</a:t>
+            </a:r>
+            <a:r>
+              <a:rPr lang="en-US" baseline="30000" dirty="0" smtClean="0"/>
+              <a:t>(2)</a:t>
+            </a:r>
+            <a:r>
+              <a:rPr lang="en-US" dirty="0" smtClean="0"/>
+              <a:t>), …, (x</a:t>
+            </a:r>
+            <a:r>
+              <a:rPr lang="en-US" baseline="30000" dirty="0" smtClean="0"/>
+              <a:t>(m)</a:t>
+            </a:r>
+            <a:r>
+              <a:rPr lang="en-US" dirty="0" smtClean="0"/>
+              <a:t>,y</a:t>
+            </a:r>
+            <a:r>
+              <a:rPr lang="en-US" baseline="30000" dirty="0" smtClean="0"/>
+              <a:t>(m)</a:t>
+            </a:r>
+            <a:r>
+              <a:rPr lang="en-US" dirty="0" smtClean="0"/>
+              <a:t>)}</a:t>
+            </a:r>
+          </a:p>
+          <a:p>
+            <a:r>
+              <a:rPr lang="en-US" dirty="0" smtClean="0"/>
+              <a:t>Labeled dataset</a:t>
+            </a:r>
+          </a:p>
+          <a:p>
+            <a:endParaRPr lang="en-US" dirty="0"/>
+          </a:p>
+        </p:txBody>
+      </p:sp>
+      <p:pic>
+        <p:nvPicPr>
+          <p:cNvPr id="5" name="Picture 4" descr="SupervisedLearning.png"/>
+          <p:cNvPicPr>
+            <a:picLocks noChangeAspect="1"/>
+          </p:cNvPicPr>
+          <p:nvPr/>
+        </p:nvPicPr>
+        <p:blipFill>
+          <a:blip r:embed="rId2"/>
+          <a:stretch>
+            <a:fillRect/>
+          </a:stretch>
+        </p:blipFill>
+        <p:spPr>
+          <a:xfrm>
+            <a:off x="838200" y="2971800"/>
+            <a:ext cx="7467600" cy="3733800"/>
+          </a:xfrm>
+          <a:prstGeom prst="rect">
+            <a:avLst/>
+          </a:prstGeom>
+        </p:spPr>
+      </p:pic>
+      <p:sp>
+        <p:nvSpPr>
+          <p:cNvPr id="6" name="Text Box 10"/>
+          <p:cNvSpPr txBox="1">
+            <a:spLocks noChangeArrowheads="1"/>
+          </p:cNvSpPr>
+          <p:nvPr/>
+        </p:nvSpPr>
+        <p:spPr bwMode="auto">
+          <a:xfrm rot="10800000" flipV="1">
+            <a:off x="0" y="6519446"/>
+            <a:ext cx="1828800" cy="338554"/>
+          </a:xfrm>
+          <a:prstGeom prst="rect">
+            <a:avLst/>
+          </a:prstGeom>
+          <a:noFill/>
+          <a:ln w="9525">
+            <a:noFill/>
+            <a:miter lim="800000"/>
+            <a:headEnd/>
+            <a:tailEnd/>
+          </a:ln>
+          <a:effectLst/>
+        </p:spPr>
+        <p:txBody>
+          <a:bodyPr wrap="square">
+            <a:spAutoFit/>
+          </a:bodyPr>
+          <a:lstStyle/>
+          <a:p>
+            <a:pPr>
+              <a:spcBef>
+                <a:spcPct val="50000"/>
+              </a:spcBef>
+            </a:pPr>
+            <a:r>
+              <a:rPr lang="en-US" sz="1600" b="1" dirty="0">
+                <a:solidFill>
+                  <a:srgbClr val="FF0000"/>
+                </a:solidFill>
+              </a:rPr>
+              <a:t>Image </a:t>
+            </a:r>
+            <a:r>
+              <a:rPr lang="en-US" sz="1600" b="1" dirty="0" err="1" smtClean="0">
+                <a:solidFill>
+                  <a:srgbClr val="FF0000"/>
+                </a:solidFill>
+              </a:rPr>
+              <a:t>ack</a:t>
+            </a:r>
+            <a:r>
+              <a:rPr lang="en-US" sz="1600" b="1" dirty="0" smtClean="0">
+                <a:solidFill>
+                  <a:srgbClr val="FF0000"/>
+                </a:solidFill>
+              </a:rPr>
+              <a:t> – Google</a:t>
+            </a:r>
+            <a:endParaRPr lang="en-US" sz="1600" b="1" dirty="0">
+              <a:solidFill>
+                <a:srgbClr val="FF0000"/>
+              </a:solidFill>
+            </a:endParaRPr>
+          </a:p>
+        </p:txBody>
+      </p:sp>
+    </p:spTree>
+  </p:cSld>
+  <p:clrMapOvr>
+    <a:masterClrMapping/>
+  </p:clrMapOvr>
+  <p:timing>
+    <p:tnLst>
+      <p:par>
+        <p:cTn id="1" dur="indefinite" restart="never" nodeType="tmRoot"/>
+      </p:par>
+    </p:tnLst>
+  </p:timing>
+</p:sld>
+</file>
+
+<file path=ppt/slides/slide4.xml><?xml version="1.0" encoding="utf-8"?>
+<p:sld xmlns:a="http://schemas.openxmlformats.org/drawingml/2006/main" xmlns:r="http://schemas.openxmlformats.org/officeDocument/2006/relationships" xmlns:p="http://schemas.openxmlformats.org/presentationml/2006/main">
+  <p:cSld>
+    <p:spTree>
+      <p:nvGrpSpPr>
+        <p:cNvPr id="1" name=""/>
+        <p:cNvGrpSpPr/>
+        <p:nvPr/>
+      </p:nvGrpSpPr>
+      <p:grpSpPr>
+        <a:xfrm>
+          <a:off x="0" y="0"/>
+          <a:ext cx="0" cy="0"/>
+          <a:chOff x="0" y="0"/>
+          <a:chExt cx="0" cy="0"/>
+        </a:xfrm>
+      </p:grpSpPr>
+      <p:sp>
+        <p:nvSpPr>
+          <p:cNvPr id="2" name="Title 1"/>
+          <p:cNvSpPr>
+            <a:spLocks noGrp="1"/>
+          </p:cNvSpPr>
+          <p:nvPr>
+            <p:ph type="title"/>
+          </p:nvPr>
+        </p:nvSpPr>
+        <p:spPr/>
+        <p:txBody>
+          <a:bodyPr/>
+          <a:lstStyle/>
+          <a:p>
+            <a:r>
+              <a:rPr lang="en-US" dirty="0" smtClean="0"/>
+              <a:t>Linear Regression</a:t>
+            </a:r>
+            <a:endParaRPr lang="en-US" dirty="0"/>
+          </a:p>
+        </p:txBody>
+      </p:sp>
+      <p:sp>
+        <p:nvSpPr>
+          <p:cNvPr id="3" name="Content Placeholder 2"/>
+          <p:cNvSpPr>
+            <a:spLocks noGrp="1"/>
+          </p:cNvSpPr>
+          <p:nvPr>
+            <p:ph idx="1"/>
+          </p:nvPr>
+        </p:nvSpPr>
+        <p:spPr/>
+        <p:txBody>
+          <a:bodyPr>
+            <a:normAutofit/>
+          </a:bodyPr>
+          <a:lstStyle/>
+          <a:p>
+            <a:r>
+              <a:rPr lang="en-US" dirty="0" smtClean="0"/>
+              <a:t>Independent variable – X axis</a:t>
+            </a:r>
+          </a:p>
+          <a:p>
+            <a:r>
+              <a:rPr lang="en-US" dirty="0" smtClean="0"/>
+              <a:t>Dependent variable – Y axis</a:t>
+            </a:r>
+          </a:p>
+          <a:p>
+            <a:r>
+              <a:rPr lang="en-US" dirty="0" smtClean="0"/>
+              <a:t>Data points – Samples  </a:t>
+            </a:r>
+          </a:p>
+          <a:p>
+            <a:r>
+              <a:rPr lang="en-US" dirty="0" smtClean="0"/>
+              <a:t>Relationship </a:t>
+            </a:r>
+          </a:p>
+          <a:p>
+            <a:r>
+              <a:rPr lang="en-US" dirty="0" smtClean="0"/>
+              <a:t>Line of regression</a:t>
+            </a:r>
+          </a:p>
+          <a:p>
+            <a:endParaRPr lang="en-US" dirty="0" smtClean="0"/>
+          </a:p>
+          <a:p>
+            <a:endParaRPr lang="en-US" dirty="0"/>
+          </a:p>
+        </p:txBody>
+      </p:sp>
+      <p:pic>
+        <p:nvPicPr>
+          <p:cNvPr id="4" name="Picture 3" descr="LinearRegression.png"/>
+          <p:cNvPicPr>
+            <a:picLocks noChangeAspect="1"/>
+          </p:cNvPicPr>
+          <p:nvPr/>
+        </p:nvPicPr>
+        <p:blipFill>
+          <a:blip r:embed="rId2"/>
+          <a:stretch>
+            <a:fillRect/>
+          </a:stretch>
+        </p:blipFill>
+        <p:spPr>
+          <a:xfrm>
+            <a:off x="5105400" y="2895600"/>
+            <a:ext cx="3810000" cy="3810000"/>
+          </a:xfrm>
+          <a:prstGeom prst="rect">
+            <a:avLst/>
+          </a:prstGeom>
+        </p:spPr>
+      </p:pic>
+      <p:sp>
+        <p:nvSpPr>
+          <p:cNvPr id="5" name="Text Box 10"/>
+          <p:cNvSpPr txBox="1">
+            <a:spLocks noChangeArrowheads="1"/>
+          </p:cNvSpPr>
+          <p:nvPr/>
+        </p:nvSpPr>
+        <p:spPr bwMode="auto">
+          <a:xfrm rot="10800000" flipV="1">
+            <a:off x="0" y="6519446"/>
+            <a:ext cx="1828800" cy="338554"/>
+          </a:xfrm>
+          <a:prstGeom prst="rect">
+            <a:avLst/>
+          </a:prstGeom>
+          <a:noFill/>
+          <a:ln w="9525">
+            <a:noFill/>
+            <a:miter lim="800000"/>
+            <a:headEnd/>
+            <a:tailEnd/>
+          </a:ln>
+          <a:effectLst/>
+        </p:spPr>
+        <p:txBody>
+          <a:bodyPr wrap="square">
+            <a:spAutoFit/>
+          </a:bodyPr>
+          <a:lstStyle/>
+          <a:p>
+            <a:pPr>
+              <a:spcBef>
+                <a:spcPct val="50000"/>
+              </a:spcBef>
+            </a:pPr>
+            <a:r>
+              <a:rPr lang="en-US" sz="1600" b="1" dirty="0">
+                <a:solidFill>
+                  <a:srgbClr val="FF0000"/>
+                </a:solidFill>
+              </a:rPr>
+              <a:t>Image </a:t>
+            </a:r>
+            <a:r>
+              <a:rPr lang="en-US" sz="1600" b="1" dirty="0" err="1" smtClean="0">
+                <a:solidFill>
+                  <a:srgbClr val="FF0000"/>
+                </a:solidFill>
+              </a:rPr>
+              <a:t>ack</a:t>
+            </a:r>
+            <a:r>
+              <a:rPr lang="en-US" sz="1600" b="1" dirty="0" smtClean="0">
+                <a:solidFill>
+                  <a:srgbClr val="FF0000"/>
+                </a:solidFill>
+              </a:rPr>
+              <a:t> – Google</a:t>
+            </a:r>
+            <a:endParaRPr lang="en-US" sz="1600" b="1" dirty="0">
+              <a:solidFill>
+                <a:srgbClr val="FF0000"/>
+              </a:solidFill>
+            </a:endParaRPr>
+          </a:p>
+        </p:txBody>
+      </p:sp>
+    </p:spTree>
+  </p:cSld>
+  <p:clrMapOvr>
+    <a:masterClrMapping/>
+  </p:clrMapOvr>
+  <p:timing>
+    <p:tnLst>
+      <p:par>
+        <p:cTn id="1" dur="indefinite" restart="never" nodeType="tmRoot"/>
+      </p:par>
+    </p:tnLst>
+  </p:timing>
+</p:sld>
+</file>
+
+<file path=ppt/slides/slide5.xml><?xml version="1.0" encoding="utf-8"?>
+<p:sld xmlns:a="http://schemas.openxmlformats.org/drawingml/2006/main" xmlns:r="http://schemas.openxmlformats.org/officeDocument/2006/relationships" xmlns:p="http://schemas.openxmlformats.org/presentationml/2006/main">
+  <p:cSld>
+    <p:spTree>
+      <p:nvGrpSpPr>
+        <p:cNvPr id="1" name=""/>
+        <p:cNvGrpSpPr/>
+        <p:nvPr/>
+      </p:nvGrpSpPr>
+      <p:grpSpPr>
+        <a:xfrm>
+          <a:off x="0" y="0"/>
+          <a:ext cx="0" cy="0"/>
+          <a:chOff x="0" y="0"/>
+          <a:chExt cx="0" cy="0"/>
+        </a:xfrm>
+      </p:grpSpPr>
+      <p:sp>
+        <p:nvSpPr>
+          <p:cNvPr id="2" name="Title 1"/>
+          <p:cNvSpPr>
+            <a:spLocks noGrp="1"/>
+          </p:cNvSpPr>
+          <p:nvPr>
+            <p:ph type="title"/>
+          </p:nvPr>
+        </p:nvSpPr>
+        <p:spPr/>
+        <p:txBody>
+          <a:bodyPr>
+            <a:normAutofit/>
+          </a:bodyPr>
+          <a:lstStyle/>
+          <a:p>
+            <a:r>
+              <a:rPr lang="en-US" dirty="0" smtClean="0"/>
+              <a:t>Linear </a:t>
+            </a:r>
+            <a:r>
+              <a:rPr lang="en-US" dirty="0" smtClean="0"/>
+              <a:t>Regression</a:t>
+            </a:r>
+            <a:endParaRPr lang="en-US" dirty="0"/>
+          </a:p>
+        </p:txBody>
+      </p:sp>
+      <p:sp>
+        <p:nvSpPr>
+          <p:cNvPr id="4" name="Text Box 10"/>
+          <p:cNvSpPr txBox="1">
+            <a:spLocks noChangeArrowheads="1"/>
+          </p:cNvSpPr>
+          <p:nvPr/>
+        </p:nvSpPr>
+        <p:spPr bwMode="auto">
+          <a:xfrm rot="10800000" flipV="1">
+            <a:off x="-1" y="6519446"/>
+            <a:ext cx="2133600" cy="338554"/>
+          </a:xfrm>
+          <a:prstGeom prst="rect">
+            <a:avLst/>
+          </a:prstGeom>
+          <a:noFill/>
+          <a:ln w="9525">
+            <a:noFill/>
+            <a:miter lim="800000"/>
+            <a:headEnd/>
+            <a:tailEnd/>
+          </a:ln>
+          <a:effectLst/>
+        </p:spPr>
+        <p:txBody>
+          <a:bodyPr wrap="square">
+            <a:spAutoFit/>
+          </a:bodyPr>
+          <a:lstStyle/>
+          <a:p>
+            <a:pPr>
+              <a:spcBef>
+                <a:spcPct val="50000"/>
+              </a:spcBef>
+            </a:pPr>
+            <a:r>
+              <a:rPr lang="en-US" sz="1600" b="1" dirty="0">
+                <a:solidFill>
+                  <a:srgbClr val="FF0000"/>
+                </a:solidFill>
+              </a:rPr>
+              <a:t>Image </a:t>
+            </a:r>
+            <a:r>
+              <a:rPr lang="en-US" sz="1600" b="1" dirty="0" err="1" smtClean="0">
+                <a:solidFill>
+                  <a:srgbClr val="FF0000"/>
+                </a:solidFill>
+              </a:rPr>
+              <a:t>ack</a:t>
+            </a:r>
+            <a:r>
+              <a:rPr lang="en-US" sz="1600" b="1" dirty="0" smtClean="0">
+                <a:solidFill>
+                  <a:srgbClr val="FF0000"/>
+                </a:solidFill>
+              </a:rPr>
+              <a:t> – Google</a:t>
+            </a:r>
+            <a:endParaRPr lang="en-US" sz="1600" b="1" dirty="0">
+              <a:solidFill>
+                <a:srgbClr val="FF0000"/>
+              </a:solidFill>
+            </a:endParaRPr>
+          </a:p>
+        </p:txBody>
+      </p:sp>
+      <p:pic>
+        <p:nvPicPr>
+          <p:cNvPr id="6" name="Picture 5" descr="LinearRegression.png"/>
+          <p:cNvPicPr>
+            <a:picLocks noChangeAspect="1"/>
+          </p:cNvPicPr>
+          <p:nvPr/>
+        </p:nvPicPr>
+        <p:blipFill>
+          <a:blip r:embed="rId2"/>
+          <a:stretch>
+            <a:fillRect/>
+          </a:stretch>
+        </p:blipFill>
+        <p:spPr>
+          <a:xfrm>
+            <a:off x="762000" y="1905000"/>
+            <a:ext cx="7620000" cy="4038600"/>
+          </a:xfrm>
+          <a:prstGeom prst="rect">
+            <a:avLst/>
+          </a:prstGeom>
+        </p:spPr>
+      </p:pic>
+    </p:spTree>
+  </p:cSld>
+  <p:clrMapOvr>
+    <a:masterClrMapping/>
+  </p:clrMapOvr>
+  <p:timing>
+    <p:tnLst>
+      <p:par>
+        <p:cTn id="1" dur="indefinite" restart="never" nodeType="tmRoot"/>
+      </p:par>
+    </p:tnLst>
+  </p:timing>
+</p:sld>
+</file>
+
+<file path=ppt/slides/slide6.xml><?xml version="1.0" encoding="utf-8"?>
+<p:sld xmlns:a="http://schemas.openxmlformats.org/drawingml/2006/main" xmlns:r="http://schemas.openxmlformats.org/officeDocument/2006/relationships" xmlns:p="http://schemas.openxmlformats.org/presentationml/2006/main">
+  <p:cSld>
+    <p:spTree>
+      <p:nvGrpSpPr>
+        <p:cNvPr id="1" name=""/>
+        <p:cNvGrpSpPr/>
+        <p:nvPr/>
+      </p:nvGrpSpPr>
+      <p:grpSpPr>
+        <a:xfrm>
+          <a:off x="0" y="0"/>
+          <a:ext cx="0" cy="0"/>
+          <a:chOff x="0" y="0"/>
+          <a:chExt cx="0" cy="0"/>
+        </a:xfrm>
+      </p:grpSpPr>
+      <p:sp>
+        <p:nvSpPr>
+          <p:cNvPr id="2" name="Title 1"/>
+          <p:cNvSpPr>
+            <a:spLocks noGrp="1"/>
+          </p:cNvSpPr>
+          <p:nvPr>
+            <p:ph type="title"/>
+          </p:nvPr>
+        </p:nvSpPr>
+        <p:spPr/>
+        <p:txBody>
+          <a:bodyPr>
+            <a:normAutofit/>
+          </a:bodyPr>
+          <a:lstStyle/>
+          <a:p>
+            <a:r>
+              <a:rPr lang="en-US" dirty="0" smtClean="0"/>
+              <a:t>Linear </a:t>
+            </a:r>
+            <a:r>
+              <a:rPr lang="en-US" dirty="0" smtClean="0"/>
+              <a:t>Regression</a:t>
+            </a:r>
+            <a:endParaRPr lang="en-US" dirty="0"/>
+          </a:p>
+        </p:txBody>
+      </p:sp>
+      <p:sp>
+        <p:nvSpPr>
+          <p:cNvPr id="3" name="Content Placeholder 2"/>
+          <p:cNvSpPr>
+            <a:spLocks noGrp="1"/>
+          </p:cNvSpPr>
+          <p:nvPr>
+            <p:ph idx="1"/>
+          </p:nvPr>
+        </p:nvSpPr>
+        <p:spPr/>
+        <p:txBody>
+          <a:bodyPr/>
+          <a:lstStyle/>
+          <a:p>
+            <a:r>
+              <a:rPr lang="en-US" dirty="0" smtClean="0"/>
+              <a:t>Input – X  </a:t>
+            </a:r>
+          </a:p>
+          <a:p>
+            <a:pPr lvl="1"/>
+            <a:r>
+              <a:rPr lang="en-US" dirty="0" smtClean="0"/>
+              <a:t>Vector</a:t>
+            </a:r>
+          </a:p>
+          <a:p>
+            <a:pPr lvl="1"/>
+            <a:r>
+              <a:rPr lang="en-US" dirty="0" smtClean="0"/>
+              <a:t>X </a:t>
+            </a:r>
+            <a:r>
+              <a:rPr lang="el-GR" dirty="0" smtClean="0"/>
+              <a:t>ε</a:t>
+            </a:r>
+            <a:r>
+              <a:rPr lang="en-US" dirty="0" smtClean="0"/>
+              <a:t> R</a:t>
+            </a:r>
+          </a:p>
+          <a:p>
+            <a:pPr lvl="1"/>
+            <a:r>
+              <a:rPr lang="en-US" dirty="0" smtClean="0"/>
+              <a:t>Dimension – n</a:t>
+            </a:r>
+            <a:r>
+              <a:rPr lang="en-US" baseline="-25000" dirty="0" smtClean="0"/>
+              <a:t>X </a:t>
+            </a:r>
+          </a:p>
+          <a:p>
+            <a:r>
+              <a:rPr lang="en-US" dirty="0" smtClean="0"/>
+              <a:t>Output – y  </a:t>
+            </a:r>
+          </a:p>
+          <a:p>
+            <a:pPr lvl="1"/>
+            <a:r>
+              <a:rPr lang="en-US" dirty="0" smtClean="0"/>
+              <a:t>Scalar</a:t>
+            </a:r>
+          </a:p>
+          <a:p>
+            <a:pPr lvl="1"/>
+            <a:r>
+              <a:rPr lang="en-US" dirty="0" smtClean="0"/>
+              <a:t>y </a:t>
+            </a:r>
+            <a:r>
+              <a:rPr lang="el-GR" dirty="0" smtClean="0"/>
+              <a:t>ε </a:t>
+            </a:r>
+            <a:r>
+              <a:rPr lang="en-US" dirty="0" smtClean="0"/>
+              <a:t>R</a:t>
+            </a:r>
+          </a:p>
+          <a:p>
+            <a:pPr lvl="1"/>
+            <a:endParaRPr lang="en-US" baseline="-25000" dirty="0"/>
+          </a:p>
+        </p:txBody>
+      </p:sp>
+    </p:spTree>
+  </p:cSld>
+  <p:clrMapOvr>
+    <a:masterClrMapping/>
+  </p:clrMapOvr>
+  <p:timing>
+    <p:tnLst>
+      <p:par>
+        <p:cTn id="1" dur="indefinite" restart="never" nodeType="tmRoot"/>
+      </p:par>
+    </p:tnLst>
+  </p:timing>
+</p:sld>
+</file>
+
+<file path=ppt/slides/slide7.xml><?xml version="1.0" encoding="utf-8"?>
+<p:sld xmlns:a="http://schemas.openxmlformats.org/drawingml/2006/main" xmlns:r="http://schemas.openxmlformats.org/officeDocument/2006/relationships" xmlns:p="http://schemas.openxmlformats.org/presentationml/2006/main">
+  <p:cSld>
+    <p:spTree>
+      <p:nvGrpSpPr>
+        <p:cNvPr id="1" name=""/>
+        <p:cNvGrpSpPr/>
+        <p:nvPr/>
+      </p:nvGrpSpPr>
+      <p:grpSpPr>
+        <a:xfrm>
+          <a:off x="0" y="0"/>
+          <a:ext cx="0" cy="0"/>
+          <a:chOff x="0" y="0"/>
+          <a:chExt cx="0" cy="0"/>
+        </a:xfrm>
+      </p:grpSpPr>
+      <p:sp>
+        <p:nvSpPr>
+          <p:cNvPr id="2" name="Title 1"/>
+          <p:cNvSpPr>
+            <a:spLocks noGrp="1"/>
+          </p:cNvSpPr>
+          <p:nvPr>
+            <p:ph type="title"/>
+          </p:nvPr>
+        </p:nvSpPr>
+        <p:spPr/>
+        <p:txBody>
+          <a:bodyPr>
+            <a:normAutofit/>
+          </a:bodyPr>
+          <a:lstStyle/>
+          <a:p>
+            <a:r>
+              <a:rPr lang="en-US" dirty="0" smtClean="0"/>
+              <a:t>Linear </a:t>
+            </a:r>
+            <a:r>
+              <a:rPr lang="en-US" dirty="0" smtClean="0"/>
+              <a:t>Regression</a:t>
+            </a:r>
+            <a:endParaRPr lang="en-US" dirty="0"/>
+          </a:p>
+        </p:txBody>
+      </p:sp>
+      <p:sp>
+        <p:nvSpPr>
+          <p:cNvPr id="3" name="Content Placeholder 2"/>
+          <p:cNvSpPr>
+            <a:spLocks noGrp="1"/>
+          </p:cNvSpPr>
+          <p:nvPr>
+            <p:ph idx="1"/>
+          </p:nvPr>
+        </p:nvSpPr>
+        <p:spPr/>
+        <p:txBody>
+          <a:bodyPr/>
+          <a:lstStyle/>
+          <a:p>
+            <a:r>
+              <a:rPr lang="en-US" dirty="0" smtClean="0"/>
+              <a:t>Weights – W  </a:t>
+            </a:r>
+          </a:p>
+          <a:p>
+            <a:pPr lvl="1"/>
+            <a:r>
+              <a:rPr lang="en-US" dirty="0" smtClean="0"/>
+              <a:t>Vector</a:t>
+            </a:r>
+          </a:p>
+          <a:p>
+            <a:pPr lvl="1"/>
+            <a:r>
+              <a:rPr lang="en-US" dirty="0" smtClean="0"/>
+              <a:t>W </a:t>
+            </a:r>
+            <a:r>
+              <a:rPr lang="el-GR" dirty="0" smtClean="0"/>
+              <a:t>ε</a:t>
+            </a:r>
+            <a:r>
+              <a:rPr lang="en-US" dirty="0" smtClean="0"/>
+              <a:t> R</a:t>
+            </a:r>
+          </a:p>
+          <a:p>
+            <a:pPr lvl="1"/>
+            <a:r>
+              <a:rPr lang="en-US" dirty="0" smtClean="0"/>
+              <a:t>Dimension – n</a:t>
+            </a:r>
+            <a:r>
+              <a:rPr lang="en-US" baseline="-25000" dirty="0" smtClean="0"/>
+              <a:t>X </a:t>
+            </a:r>
+          </a:p>
+          <a:p>
+            <a:r>
+              <a:rPr lang="en-US" dirty="0" smtClean="0"/>
+              <a:t>Bias – b  </a:t>
+            </a:r>
+          </a:p>
+          <a:p>
+            <a:pPr lvl="1"/>
+            <a:r>
+              <a:rPr lang="en-US" dirty="0" smtClean="0"/>
+              <a:t>Scalar</a:t>
+            </a:r>
+          </a:p>
+          <a:p>
+            <a:pPr lvl="1"/>
+            <a:r>
+              <a:rPr lang="en-US" dirty="0" smtClean="0"/>
+              <a:t>b </a:t>
+            </a:r>
+            <a:r>
+              <a:rPr lang="el-GR" dirty="0" smtClean="0"/>
+              <a:t>ε </a:t>
+            </a:r>
+            <a:r>
+              <a:rPr lang="en-US" dirty="0" smtClean="0"/>
+              <a:t>R</a:t>
+            </a:r>
+          </a:p>
+          <a:p>
+            <a:r>
+              <a:rPr lang="en-US" dirty="0" smtClean="0"/>
+              <a:t>y = W</a:t>
+            </a:r>
+            <a:r>
+              <a:rPr lang="en-US" baseline="30000" dirty="0" smtClean="0"/>
+              <a:t>T</a:t>
+            </a:r>
+            <a:r>
+              <a:rPr lang="en-US" dirty="0" smtClean="0"/>
+              <a:t>X + b</a:t>
+            </a:r>
+            <a:endParaRPr lang="en-US" baseline="-25000" dirty="0"/>
+          </a:p>
+        </p:txBody>
+      </p:sp>
+    </p:spTree>
+  </p:cSld>
+  <p:clrMapOvr>
+    <a:masterClrMapping/>
+  </p:clrMapOvr>
+  <p:timing>
+    <p:tnLst>
+      <p:par>
+        <p:cTn id="1" dur="indefinite" restart="never" nodeType="tmRoot"/>
+      </p:par>
+    </p:tnLst>
+  </p:timing>
+</p:sld>
+</file>
+
 <file path=ppt/slides/slide8.xml><?xml version="1.0" encoding="utf-8"?>
 <p:sld xmlns:a="http://schemas.openxmlformats.org/drawingml/2006/main" xmlns:r="http://schemas.openxmlformats.org/officeDocument/2006/relationships" xmlns:p="http://schemas.openxmlformats.org/presentationml/2006/main">
   <p:cSld>
@@ -4549,35 +5128,101 @@
         </p:nvSpPr>
         <p:spPr/>
         <p:txBody>
-          <a:bodyPr/>
-          <a:lstStyle/>
-          <a:p>
-            <a:r>
-              <a:rPr lang="en-US" dirty="0" smtClean="0"/>
-              <a:t>Advantages</a:t>
-            </a:r>
-            <a:endParaRPr lang="en-US" dirty="0"/>
-          </a:p>
-        </p:txBody>
-      </p:sp>
-      <p:sp>
-        <p:nvSpPr>
-          <p:cNvPr id="3" name="Content Placeholder 2"/>
-          <p:cNvSpPr>
-            <a:spLocks noGrp="1"/>
-          </p:cNvSpPr>
-          <p:nvPr>
-            <p:ph idx="1"/>
-          </p:nvPr>
-        </p:nvSpPr>
-        <p:spPr/>
-        <p:txBody>
           <a:bodyPr>
             <a:normAutofit/>
           </a:bodyPr>
           <a:lstStyle/>
           <a:p>
+            <a:r>
+              <a:rPr lang="en-US" dirty="0" smtClean="0"/>
+              <a:t>Linear </a:t>
+            </a:r>
+            <a:r>
+              <a:rPr lang="en-US" dirty="0" smtClean="0"/>
+              <a:t>Regression </a:t>
+            </a:r>
+            <a:r>
+              <a:rPr lang="en-US" dirty="0" smtClean="0"/>
+              <a:t>– Applications</a:t>
+            </a:r>
             <a:endParaRPr lang="en-US" dirty="0"/>
+          </a:p>
+        </p:txBody>
+      </p:sp>
+      <p:sp>
+        <p:nvSpPr>
+          <p:cNvPr id="3" name="Content Placeholder 2"/>
+          <p:cNvSpPr>
+            <a:spLocks noGrp="1"/>
+          </p:cNvSpPr>
+          <p:nvPr>
+            <p:ph idx="1"/>
+          </p:nvPr>
+        </p:nvSpPr>
+        <p:spPr>
+          <a:xfrm>
+            <a:off x="304800" y="1600200"/>
+            <a:ext cx="8534400" cy="4525963"/>
+          </a:xfrm>
+        </p:spPr>
+        <p:txBody>
+          <a:bodyPr/>
+          <a:lstStyle/>
+          <a:p>
+            <a:r>
+              <a:rPr lang="en-US" dirty="0" smtClean="0"/>
+              <a:t>Fit predictive model to observed dataset</a:t>
+            </a:r>
+          </a:p>
+          <a:p>
+            <a:pPr lvl="1"/>
+            <a:r>
+              <a:rPr lang="en-US" dirty="0" smtClean="0"/>
+              <a:t>Variables – Response </a:t>
+            </a:r>
+          </a:p>
+          <a:p>
+            <a:r>
+              <a:rPr lang="en-US" dirty="0" smtClean="0"/>
+              <a:t>Prediction</a:t>
+            </a:r>
+          </a:p>
+          <a:p>
+            <a:pPr lvl="1"/>
+            <a:r>
+              <a:rPr lang="en-US" dirty="0" smtClean="0"/>
+              <a:t>House price prediction from observed dataset </a:t>
+            </a:r>
+          </a:p>
+          <a:p>
+            <a:r>
+              <a:rPr lang="en-US" dirty="0" smtClean="0"/>
+              <a:t>Forecasting</a:t>
+            </a:r>
+          </a:p>
+          <a:p>
+            <a:pPr lvl="1"/>
+            <a:r>
+              <a:rPr lang="en-US" dirty="0" smtClean="0"/>
+              <a:t>Weather forecasting from observed dataset</a:t>
+            </a:r>
+          </a:p>
+          <a:p>
+            <a:r>
+              <a:rPr lang="en-US" dirty="0" smtClean="0"/>
+              <a:t>Error reduction</a:t>
+            </a:r>
+          </a:p>
+          <a:p>
+            <a:pPr lvl="1"/>
+            <a:endParaRPr lang="en-US" dirty="0" smtClean="0"/>
+          </a:p>
+          <a:p>
+            <a:endParaRPr lang="en-US" dirty="0" smtClean="0"/>
+          </a:p>
+          <a:p>
+            <a:pPr lvl="1"/>
+            <a:endParaRPr lang="en-US" baseline="-25000" dirty="0"/>
           </a:p>
         </p:txBody>
       </p:sp>
@@ -4630,7 +5275,7 @@
           <a:p>
             <a:r>
               <a:rPr lang="en-US" dirty="0" smtClean="0"/>
-              <a:t>Disadvantages</a:t>
+              <a:t>Linear Regression</a:t>
             </a:r>
             <a:endParaRPr lang="en-US" dirty="0"/>
           </a:p>
@@ -4649,9 +5294,69 @@
         <p:spPr/>
         <p:txBody>
           <a:bodyPr>
-            <a:normAutofit/>
+            <a:normAutofit lnSpcReduction="10000"/>
           </a:bodyPr>
           <a:lstStyle/>
+          <a:p>
+            <a:r>
+              <a:rPr lang="en-US" dirty="0" smtClean="0"/>
+              <a:t>Positive correlation</a:t>
+            </a:r>
+          </a:p>
+          <a:p>
+            <a:pPr lvl="1"/>
+            <a:r>
+              <a:rPr lang="en-US" dirty="0" smtClean="0"/>
+              <a:t>Independent variable increases</a:t>
+            </a:r>
+          </a:p>
+          <a:p>
+            <a:pPr lvl="1"/>
+            <a:r>
+              <a:rPr lang="en-US" dirty="0" smtClean="0"/>
+              <a:t>Dependent variable increases</a:t>
+            </a:r>
+          </a:p>
+          <a:p>
+            <a:r>
+              <a:rPr lang="en-US" dirty="0" smtClean="0"/>
+              <a:t>Negative correlation</a:t>
+            </a:r>
+          </a:p>
+          <a:p>
+            <a:pPr lvl="1"/>
+            <a:r>
+              <a:rPr lang="en-US" dirty="0" smtClean="0"/>
+              <a:t>Independent variable increases</a:t>
+            </a:r>
+          </a:p>
+          <a:p>
+            <a:pPr lvl="1"/>
+            <a:r>
+              <a:rPr lang="en-US" dirty="0" smtClean="0"/>
+              <a:t>Dependent variable decreases</a:t>
+            </a:r>
+          </a:p>
+          <a:p>
+            <a:r>
+              <a:rPr lang="en-US" dirty="0" smtClean="0"/>
+              <a:t>No correlation</a:t>
+            </a:r>
+          </a:p>
+          <a:p>
+            <a:pPr lvl="1"/>
+            <a:r>
+              <a:rPr lang="en-US" dirty="0" smtClean="0"/>
+              <a:t> Independent variable increases</a:t>
+            </a:r>
+          </a:p>
+          <a:p>
+            <a:pPr lvl="1"/>
+            <a:r>
+              <a:rPr lang="en-US" dirty="0" smtClean="0"/>
+              <a:t>Dependent variable no change </a:t>
+            </a:r>
+          </a:p>
           <a:p>
             <a:endParaRPr lang="en-US" dirty="0"/>
           </a:p>

--- a/MachineLearning/LinearRegression/LinearRegression.pptx
+++ b/MachineLearning/LinearRegression/LinearRegression.pptx
@@ -3714,8 +3714,17 @@
           <a:p>
             <a:r>
               <a:rPr lang="en-US" dirty="0" smtClean="0"/>
-              <a:t>Least squares method</a:t>
-            </a:r>
+              <a:t>Linear regression </a:t>
+            </a:r>
+            <a:r>
+              <a:rPr lang="en-US" dirty="0" smtClean="0"/>
+              <a:t>– Least </a:t>
+            </a:r>
+            <a:r>
+              <a:rPr lang="en-US" dirty="0" smtClean="0"/>
+              <a:t>squares</a:t>
+            </a:r>
+            <a:endParaRPr lang="en-US" dirty="0" smtClean="0"/>
           </a:p>
           <a:p>
             <a:r>
@@ -3732,19 +3741,35 @@
           <a:p>
             <a:r>
               <a:rPr lang="en-US" dirty="0" smtClean="0"/>
-              <a:t>Error value</a:t>
-            </a:r>
-          </a:p>
-          <a:p>
-            <a:r>
-              <a:rPr lang="en-US" dirty="0" smtClean="0"/>
-              <a:t>Minimize error value</a:t>
-            </a:r>
-          </a:p>
-          <a:p>
+              <a:t>Error </a:t>
+            </a:r>
+            <a:r>
+              <a:rPr lang="en-US" dirty="0" smtClean="0"/>
+              <a:t>value</a:t>
+            </a:r>
+          </a:p>
+          <a:p>
+            <a:r>
+              <a:rPr lang="en-US" dirty="0" smtClean="0"/>
+              <a:t>Sum of squared residuals</a:t>
+            </a:r>
             <a:endParaRPr lang="en-US" dirty="0" smtClean="0"/>
           </a:p>
           <a:p>
+            <a:r>
+              <a:rPr lang="en-US" dirty="0" smtClean="0"/>
+              <a:t>Minimize error </a:t>
+            </a:r>
+            <a:r>
+              <a:rPr lang="en-US" dirty="0" smtClean="0"/>
+              <a:t>value</a:t>
+            </a:r>
+          </a:p>
+          <a:p>
+            <a:r>
+              <a:rPr lang="en-US" dirty="0" smtClean="0"/>
+              <a:t>Generic equation of line</a:t>
+            </a:r>
             <a:endParaRPr lang="en-US" dirty="0" smtClean="0"/>
           </a:p>
           <a:p>
@@ -3801,7 +3826,7 @@
           <a:p>
             <a:r>
               <a:rPr lang="en-US" dirty="0" smtClean="0"/>
-              <a:t>Linear Regression</a:t>
+              <a:t>Optimization Objective</a:t>
             </a:r>
             <a:endParaRPr lang="en-US" dirty="0"/>
           </a:p>
@@ -3820,9 +3845,112 @@
         <p:spPr/>
         <p:txBody>
           <a:bodyPr>
-            <a:normAutofit/>
+            <a:normAutofit lnSpcReduction="10000"/>
           </a:bodyPr>
           <a:lstStyle/>
+          <a:p>
+            <a:endParaRPr lang="en-US" dirty="0" smtClean="0"/>
+          </a:p>
+          <a:p>
+            <a:endParaRPr lang="en-US" dirty="0" smtClean="0"/>
+          </a:p>
+          <a:p>
+            <a:r>
+              <a:rPr lang="en-US" dirty="0" smtClean="0"/>
+              <a:t>X</a:t>
+            </a:r>
+            <a:r>
+              <a:rPr lang="en-US" baseline="-25000" dirty="0" smtClean="0"/>
+              <a:t>i</a:t>
+            </a:r>
+            <a:r>
+              <a:rPr lang="en-US" dirty="0" smtClean="0"/>
+              <a:t> </a:t>
+            </a:r>
+            <a:r>
+              <a:rPr lang="en-US" dirty="0" smtClean="0"/>
+              <a:t>– Independent variable</a:t>
+            </a:r>
+          </a:p>
+          <a:p>
+            <a:r>
+              <a:rPr lang="en-US" dirty="0" smtClean="0"/>
+              <a:t>y</a:t>
+            </a:r>
+            <a:r>
+              <a:rPr lang="en-US" baseline="-25000" dirty="0" smtClean="0"/>
+              <a:t>i</a:t>
+            </a:r>
+            <a:r>
+              <a:rPr lang="en-US" dirty="0" smtClean="0"/>
+              <a:t> </a:t>
+            </a:r>
+            <a:r>
+              <a:rPr lang="en-US" dirty="0" smtClean="0"/>
+              <a:t>– </a:t>
+            </a:r>
+            <a:r>
+              <a:rPr lang="en-US" dirty="0" smtClean="0"/>
+              <a:t>Dependent variable</a:t>
+            </a:r>
+          </a:p>
+          <a:p>
+            <a:r>
+              <a:rPr lang="en-US" dirty="0" smtClean="0"/>
+              <a:t>m</a:t>
+            </a:r>
+            <a:r>
+              <a:rPr lang="en-US" baseline="-25000" dirty="0" smtClean="0"/>
+              <a:t>0</a:t>
+            </a:r>
+            <a:r>
+              <a:rPr lang="en-US" dirty="0" smtClean="0"/>
+              <a:t> – Y axis intercept</a:t>
+            </a:r>
+          </a:p>
+          <a:p>
+            <a:r>
+              <a:rPr lang="en-US" dirty="0" smtClean="0"/>
+              <a:t>m</a:t>
+            </a:r>
+            <a:r>
+              <a:rPr lang="en-US" baseline="-25000" dirty="0" smtClean="0"/>
+              <a:t>1</a:t>
+            </a:r>
+            <a:r>
+              <a:rPr lang="en-US" dirty="0" smtClean="0"/>
+              <a:t> – Slope of line</a:t>
+            </a:r>
+          </a:p>
+          <a:p>
+            <a:r>
+              <a:rPr lang="en-US" dirty="0" smtClean="0"/>
+              <a:t>ŷ</a:t>
+            </a:r>
+            <a:r>
+              <a:rPr lang="en-US" baseline="-25000" dirty="0" smtClean="0"/>
+              <a:t>i</a:t>
+            </a:r>
+            <a:r>
+              <a:rPr lang="en-US" dirty="0" smtClean="0"/>
+              <a:t> – Estimated value</a:t>
+            </a:r>
+          </a:p>
+          <a:p>
+            <a:r>
+              <a:rPr lang="en-US" dirty="0" smtClean="0"/>
+              <a:t>Ɛ</a:t>
+            </a:r>
+            <a:r>
+              <a:rPr lang="en-US" baseline="-25000" dirty="0" smtClean="0"/>
+              <a:t>i</a:t>
+            </a:r>
+            <a:r>
+              <a:rPr lang="en-US" dirty="0" smtClean="0"/>
+              <a:t> – Random error</a:t>
+            </a:r>
+            <a:endParaRPr lang="en-US" dirty="0" smtClean="0"/>
+          </a:p>
           <a:p>
             <a:endParaRPr lang="en-US" dirty="0"/>
           </a:p>
@@ -3837,12 +3965,12 @@
           <p:nvPr/>
         </p:nvGraphicFramePr>
         <p:xfrm>
-          <a:off x="5087526" y="1752600"/>
-          <a:ext cx="3853274" cy="4876800"/>
+          <a:off x="609600" y="1524000"/>
+          <a:ext cx="2520950" cy="1084263"/>
         </p:xfrm>
         <a:graphic>
           <a:graphicData uri="http://schemas.openxmlformats.org/presentationml/2006/ole">
-            <p:oleObj spid="_x0000_s1026" name="Equation" r:id="rId3" imgW="1625400" imgH="2057400" progId="Equation.3">
+            <p:oleObj spid="_x0000_s1026" name="Equation" r:id="rId3" imgW="1054080" imgH="457200" progId="Equation.3">
               <p:embed/>
             </p:oleObj>
           </a:graphicData>
@@ -4156,8 +4284,9 @@
             </a:r>
             <a:r>
               <a:rPr lang="en-US" dirty="0" smtClean="0"/>
-              <a:t>learning</a:t>
-            </a:r>
+              <a:t>learning – Regression</a:t>
+            </a:r>
+            <a:endParaRPr lang="en-US" dirty="0" smtClean="0"/>
           </a:p>
           <a:p>
             <a:r>
@@ -4167,18 +4296,14 @@
           </a:p>
           <a:p>
             <a:r>
-              <a:rPr lang="en-US" smtClean="0"/>
+              <a:rPr lang="en-US" dirty="0" smtClean="0"/>
               <a:t>Applications</a:t>
             </a:r>
           </a:p>
           <a:p>
             <a:r>
               <a:rPr lang="en-US" dirty="0" smtClean="0"/>
-              <a:t>Optimization </a:t>
-            </a:r>
-            <a:r>
-              <a:rPr lang="en-US" dirty="0" smtClean="0"/>
-              <a:t>objective</a:t>
+              <a:t>Optimization objective</a:t>
             </a:r>
           </a:p>
           <a:p>
@@ -4186,7 +4311,6 @@
               <a:rPr lang="en-US" dirty="0" smtClean="0"/>
               <a:t>Advantages </a:t>
             </a:r>
-            <a:endParaRPr lang="en-US" dirty="0" smtClean="0"/>
           </a:p>
           <a:p>
             <a:r>
@@ -4675,11 +4799,7 @@
           <a:p>
             <a:r>
               <a:rPr lang="en-US" dirty="0" smtClean="0"/>
-              <a:t>Linear </a:t>
-            </a:r>
-            <a:r>
-              <a:rPr lang="en-US" dirty="0" smtClean="0"/>
-              <a:t>Regression</a:t>
+              <a:t>Linear Regression</a:t>
             </a:r>
             <a:endParaRPr lang="en-US" dirty="0"/>
           </a:p>
@@ -4828,11 +4948,7 @@
           <a:p>
             <a:r>
               <a:rPr lang="en-US" dirty="0" smtClean="0"/>
-              <a:t>Linear </a:t>
-            </a:r>
-            <a:r>
-              <a:rPr lang="en-US" dirty="0" smtClean="0"/>
-              <a:t>Regression</a:t>
+              <a:t>Linear Regression</a:t>
             </a:r>
             <a:endParaRPr lang="en-US" dirty="0"/>
           </a:p>
@@ -4976,11 +5092,7 @@
           <a:p>
             <a:r>
               <a:rPr lang="en-US" dirty="0" smtClean="0"/>
-              <a:t>Linear </a:t>
-            </a:r>
-            <a:r>
-              <a:rPr lang="en-US" dirty="0" smtClean="0"/>
-              <a:t>Regression</a:t>
+              <a:t>Linear Regression</a:t>
             </a:r>
             <a:endParaRPr lang="en-US" dirty="0"/>
           </a:p>
@@ -5003,8 +5115,13 @@
           <a:p>
             <a:r>
               <a:rPr lang="en-US" dirty="0" smtClean="0"/>
-              <a:t>Weights – W  </a:t>
-            </a:r>
+              <a:t>Weights – W – m</a:t>
+            </a:r>
+            <a:r>
+              <a:rPr lang="en-US" baseline="-25000" dirty="0" smtClean="0"/>
+              <a:t>1</a:t>
+            </a:r>
+            <a:endParaRPr lang="en-US" dirty="0" smtClean="0"/>
           </a:p>
           <a:p>
             <a:pPr lvl="1"/>
@@ -5042,7 +5159,15 @@
           <a:p>
             <a:r>
               <a:rPr lang="en-US" dirty="0" smtClean="0"/>
-              <a:t>Bias – b  </a:t>
+              <a:t>Bias – b – m</a:t>
+            </a:r>
+            <a:r>
+              <a:rPr lang="en-US" baseline="-25000" dirty="0" smtClean="0"/>
+              <a:t>0</a:t>
+            </a:r>
+            <a:r>
+              <a:rPr lang="en-US" dirty="0" smtClean="0"/>
+              <a:t>  </a:t>
             </a:r>
           </a:p>
           <a:p>
@@ -5135,15 +5260,7 @@
           <a:p>
             <a:r>
               <a:rPr lang="en-US" dirty="0" smtClean="0"/>
-              <a:t>Linear </a:t>
-            </a:r>
-            <a:r>
-              <a:rPr lang="en-US" dirty="0" smtClean="0"/>
-              <a:t>Regression </a:t>
-            </a:r>
-            <a:r>
-              <a:rPr lang="en-US" dirty="0" smtClean="0"/>
-              <a:t>– Applications</a:t>
+              <a:t>Linear Regression – Applications</a:t>
             </a:r>
             <a:endParaRPr lang="en-US" dirty="0"/>
           </a:p>

--- a/MachineLearning/LinearRegression/LinearRegression.pptx
+++ b/MachineLearning/LinearRegression/LinearRegression.pptx
@@ -3845,9 +3845,12 @@
         <p:spPr/>
         <p:txBody>
           <a:bodyPr>
-            <a:normAutofit lnSpcReduction="10000"/>
+            <a:normAutofit fontScale="85000" lnSpcReduction="20000"/>
           </a:bodyPr>
           <a:lstStyle/>
+          <a:p>
+            <a:endParaRPr lang="en-US" dirty="0" smtClean="0"/>
+          </a:p>
           <a:p>
             <a:endParaRPr lang="en-US" dirty="0" smtClean="0"/>
           </a:p>
@@ -3948,6 +3951,12 @@
             <a:r>
               <a:rPr lang="en-US" dirty="0" smtClean="0"/>
               <a:t> – Random error</a:t>
+            </a:r>
+          </a:p>
+          <a:p>
+            <a:r>
+              <a:rPr lang="en-US" dirty="0" smtClean="0"/>
+              <a:t>J – Cost function – Minimize cost</a:t>
             </a:r>
             <a:endParaRPr lang="en-US" dirty="0" smtClean="0"/>
           </a:p>
@@ -3965,12 +3974,32 @@
           <p:nvPr/>
         </p:nvGraphicFramePr>
         <p:xfrm>
-          <a:off x="609600" y="1524000"/>
-          <a:ext cx="2520950" cy="1084263"/>
+          <a:off x="609600" y="1447800"/>
+          <a:ext cx="2667001" cy="1147080"/>
         </p:xfrm>
         <a:graphic>
           <a:graphicData uri="http://schemas.openxmlformats.org/presentationml/2006/ole">
             <p:oleObj spid="_x0000_s1026" name="Equation" r:id="rId3" imgW="1054080" imgH="457200" progId="Equation.3">
+              <p:embed/>
+            </p:oleObj>
+          </a:graphicData>
+        </a:graphic>
+      </p:graphicFrame>
+      <p:graphicFrame>
+        <p:nvGraphicFramePr>
+          <p:cNvPr id="5" name="Object 4"/>
+          <p:cNvGraphicFramePr>
+            <a:graphicFrameLocks noChangeAspect="1"/>
+          </p:cNvGraphicFramePr>
+          <p:nvPr/>
+        </p:nvGraphicFramePr>
+        <p:xfrm>
+          <a:off x="4343400" y="1524000"/>
+          <a:ext cx="1981200" cy="1161393"/>
+        </p:xfrm>
+        <a:graphic>
+          <a:graphicData uri="http://schemas.openxmlformats.org/presentationml/2006/ole">
+            <p:oleObj spid="_x0000_s1027" name="Equation" r:id="rId4" imgW="736560" imgH="431640" progId="Equation.3">
               <p:embed/>
             </p:oleObj>
           </a:graphicData>
@@ -4048,6 +4077,83 @@
           </a:bodyPr>
           <a:lstStyle/>
           <a:p>
+            <a:r>
+              <a:rPr lang="en-IN" dirty="0" smtClean="0"/>
+              <a:t>Good for linearly separable </a:t>
+            </a:r>
+            <a:r>
+              <a:rPr lang="en-IN" dirty="0" smtClean="0"/>
+              <a:t>data</a:t>
+            </a:r>
+          </a:p>
+          <a:p>
+            <a:r>
+              <a:rPr lang="en-IN" dirty="0" smtClean="0"/>
+              <a:t>Easier </a:t>
+            </a:r>
+            <a:r>
+              <a:rPr lang="en-IN" dirty="0" smtClean="0"/>
+              <a:t>to </a:t>
+            </a:r>
+            <a:r>
+              <a:rPr lang="en-IN" dirty="0" smtClean="0"/>
+              <a:t>implement and interpret </a:t>
+            </a:r>
+          </a:p>
+          <a:p>
+            <a:r>
+              <a:rPr lang="en-IN" dirty="0" smtClean="0"/>
+              <a:t>Efficient </a:t>
+            </a:r>
+            <a:r>
+              <a:rPr lang="en-IN" dirty="0" smtClean="0"/>
+              <a:t>to </a:t>
+            </a:r>
+            <a:r>
+              <a:rPr lang="en-IN" dirty="0" smtClean="0"/>
+              <a:t>train</a:t>
+            </a:r>
+          </a:p>
+          <a:p>
+            <a:r>
+              <a:rPr lang="en-US" dirty="0" smtClean="0"/>
+              <a:t>Handle over-fitting</a:t>
+            </a:r>
+          </a:p>
+          <a:p>
+            <a:pPr lvl="1"/>
+            <a:r>
+              <a:rPr lang="en-IN" dirty="0" smtClean="0"/>
+              <a:t>Dimensionally </a:t>
+            </a:r>
+            <a:r>
+              <a:rPr lang="en-IN" dirty="0" smtClean="0"/>
+              <a:t>reduction </a:t>
+            </a:r>
+            <a:r>
+              <a:rPr lang="en-IN" dirty="0" smtClean="0"/>
+              <a:t>techniques</a:t>
+            </a:r>
+          </a:p>
+          <a:p>
+            <a:pPr lvl="1"/>
+            <a:r>
+              <a:rPr lang="en-IN" dirty="0" smtClean="0"/>
+              <a:t>Regularization</a:t>
+            </a:r>
+          </a:p>
+          <a:p>
+            <a:pPr lvl="1"/>
+            <a:r>
+              <a:rPr lang="en-IN" dirty="0" smtClean="0"/>
+              <a:t>Cross-validation</a:t>
+            </a:r>
+          </a:p>
+          <a:p>
+            <a:r>
+              <a:rPr lang="en-IN" dirty="0" smtClean="0"/>
+              <a:t>Extrapolation of dataset</a:t>
+            </a:r>
             <a:endParaRPr lang="en-US" dirty="0"/>
           </a:p>
         </p:txBody>
@@ -4124,6 +4230,54 @@
           </a:bodyPr>
           <a:lstStyle/>
           <a:p>
+            <a:r>
+              <a:rPr lang="en-IN" dirty="0" smtClean="0"/>
+              <a:t>Assumption of linearity </a:t>
+            </a:r>
+          </a:p>
+          <a:p>
+            <a:pPr lvl="1"/>
+            <a:r>
+              <a:rPr lang="en-IN" dirty="0" smtClean="0"/>
+              <a:t>Independent variables</a:t>
+            </a:r>
+          </a:p>
+          <a:p>
+            <a:pPr lvl="1"/>
+            <a:r>
+              <a:rPr lang="en-IN" dirty="0" smtClean="0"/>
+              <a:t>Dependent variables</a:t>
+            </a:r>
+          </a:p>
+          <a:p>
+            <a:r>
+              <a:rPr lang="en-US" dirty="0" smtClean="0"/>
+              <a:t>Prone to noise</a:t>
+            </a:r>
+          </a:p>
+          <a:p>
+            <a:r>
+              <a:rPr lang="en-US" dirty="0" smtClean="0"/>
+              <a:t>Sensitive </a:t>
+            </a:r>
+            <a:r>
+              <a:rPr lang="en-US" dirty="0" smtClean="0"/>
+              <a:t>to </a:t>
+            </a:r>
+            <a:r>
+              <a:rPr lang="en-US" dirty="0" smtClean="0"/>
+              <a:t>outliers</a:t>
+            </a:r>
+          </a:p>
+          <a:p>
+            <a:r>
+              <a:rPr lang="en-US" dirty="0" smtClean="0"/>
+              <a:t>Prone to </a:t>
+            </a:r>
+            <a:r>
+              <a:rPr lang="en-US" dirty="0" err="1" smtClean="0"/>
+              <a:t>multicollinearity</a:t>
+            </a:r>
             <a:endParaRPr lang="en-US" dirty="0"/>
           </a:p>
         </p:txBody>

--- a/MachineLearning/LinearRegression/LinearRegression.pptx
+++ b/MachineLearning/LinearRegression/LinearRegression.pptx
@@ -5,7 +5,7 @@
     <p:sldMasterId id="2147483648" r:id="rId1"/>
   </p:sldMasterIdLst>
   <p:notesMasterIdLst>
-    <p:notesMasterId r:id="rId17"/>
+    <p:notesMasterId r:id="rId18"/>
   </p:notesMasterIdLst>
   <p:sldIdLst>
     <p:sldId id="256" r:id="rId2"/>
@@ -20,9 +20,10 @@
     <p:sldId id="276" r:id="rId11"/>
     <p:sldId id="277" r:id="rId12"/>
     <p:sldId id="278" r:id="rId13"/>
-    <p:sldId id="270" r:id="rId14"/>
-    <p:sldId id="271" r:id="rId15"/>
-    <p:sldId id="269" r:id="rId16"/>
+    <p:sldId id="285" r:id="rId14"/>
+    <p:sldId id="270" r:id="rId15"/>
+    <p:sldId id="271" r:id="rId16"/>
+    <p:sldId id="269" r:id="rId17"/>
   </p:sldIdLst>
   <p:sldSz cx="9144000" cy="6858000" type="screen4x3"/>
   <p:notesSz cx="6858000" cy="9144000"/>
@@ -4053,10 +4054,10 @@
           <a:lstStyle/>
           <a:p>
             <a:r>
-              <a:rPr lang="en-US" dirty="0" smtClean="0"/>
-              <a:t>Advantages</a:t>
-            </a:r>
-            <a:endParaRPr lang="en-US" dirty="0"/>
+              <a:rPr lang="en-IN" dirty="0" smtClean="0"/>
+              <a:t>Algorithm</a:t>
+            </a:r>
+            <a:endParaRPr lang="en-IN" dirty="0"/>
           </a:p>
         </p:txBody>
       </p:sp>
@@ -4072,89 +4073,47 @@
         </p:nvSpPr>
         <p:spPr/>
         <p:txBody>
-          <a:bodyPr>
-            <a:normAutofit/>
-          </a:bodyPr>
+          <a:bodyPr/>
           <a:lstStyle/>
           <a:p>
             <a:r>
               <a:rPr lang="en-IN" dirty="0" smtClean="0"/>
-              <a:t>Good for linearly separable </a:t>
-            </a:r>
+              <a:t>Fit line </a:t>
+            </a:r>
+            <a:r>
+              <a:rPr lang="en-IN" smtClean="0"/>
+              <a:t>to dataset</a:t>
+            </a:r>
+            <a:endParaRPr lang="en-IN" dirty="0" smtClean="0"/>
+          </a:p>
+          <a:p>
             <a:r>
               <a:rPr lang="en-IN" dirty="0" smtClean="0"/>
-              <a:t>data</a:t>
-            </a:r>
-          </a:p>
-          <a:p>
+              <a:t>Calculate R</a:t>
+            </a:r>
+            <a:r>
+              <a:rPr lang="en-IN" baseline="30000" dirty="0" smtClean="0"/>
+              <a:t>2</a:t>
+            </a:r>
             <a:r>
               <a:rPr lang="en-IN" dirty="0" smtClean="0"/>
-              <a:t>Easier </a:t>
-            </a:r>
+              <a:t> value</a:t>
+            </a:r>
+          </a:p>
+          <a:p>
             <a:r>
               <a:rPr lang="en-IN" dirty="0" smtClean="0"/>
-              <a:t>to </a:t>
+              <a:t>Calculate p-value for corresponding R</a:t>
+            </a:r>
+            <a:r>
+              <a:rPr lang="en-IN" baseline="30000" dirty="0" smtClean="0"/>
+              <a:t>2</a:t>
             </a:r>
             <a:r>
               <a:rPr lang="en-IN" dirty="0" smtClean="0"/>
-              <a:t>implement and interpret </a:t>
-            </a:r>
-          </a:p>
-          <a:p>
-            <a:r>
-              <a:rPr lang="en-IN" dirty="0" smtClean="0"/>
-              <a:t>Efficient </a:t>
-            </a:r>
-            <a:r>
-              <a:rPr lang="en-IN" dirty="0" smtClean="0"/>
-              <a:t>to </a:t>
-            </a:r>
-            <a:r>
-              <a:rPr lang="en-IN" dirty="0" smtClean="0"/>
-              <a:t>train</a:t>
-            </a:r>
-          </a:p>
-          <a:p>
-            <a:r>
-              <a:rPr lang="en-US" dirty="0" smtClean="0"/>
-              <a:t>Handle over-fitting</a:t>
-            </a:r>
-          </a:p>
-          <a:p>
-            <a:pPr lvl="1"/>
-            <a:r>
-              <a:rPr lang="en-IN" dirty="0" smtClean="0"/>
-              <a:t>Dimensionally </a:t>
-            </a:r>
-            <a:r>
-              <a:rPr lang="en-IN" dirty="0" smtClean="0"/>
-              <a:t>reduction </a:t>
-            </a:r>
-            <a:r>
-              <a:rPr lang="en-IN" dirty="0" smtClean="0"/>
-              <a:t>techniques</a:t>
-            </a:r>
-          </a:p>
-          <a:p>
-            <a:pPr lvl="1"/>
-            <a:r>
-              <a:rPr lang="en-IN" dirty="0" smtClean="0"/>
-              <a:t>Regularization</a:t>
-            </a:r>
-          </a:p>
-          <a:p>
-            <a:pPr lvl="1"/>
-            <a:r>
-              <a:rPr lang="en-IN" dirty="0" smtClean="0"/>
-              <a:t>Cross-validation</a:t>
-            </a:r>
-          </a:p>
-          <a:p>
-            <a:r>
-              <a:rPr lang="en-IN" dirty="0" smtClean="0"/>
-              <a:t>Extrapolation of dataset</a:t>
-            </a:r>
-            <a:endParaRPr lang="en-US" dirty="0"/>
+              <a:t> value</a:t>
+            </a:r>
+            <a:endParaRPr lang="en-IN" dirty="0"/>
           </a:p>
         </p:txBody>
       </p:sp>
@@ -4163,13 +4122,6 @@
   <p:clrMapOvr>
     <a:masterClrMapping/>
   </p:clrMapOvr>
-  <p:timing>
-    <p:tnLst>
-      <p:par>
-        <p:cTn id="1" dur="indefinite" restart="never" nodeType="tmRoot"/>
-      </p:par>
-    </p:tnLst>
-  </p:timing>
 </p:sld>
 </file>
 
@@ -4207,7 +4159,7 @@
           <a:p>
             <a:r>
               <a:rPr lang="en-US" dirty="0" smtClean="0"/>
-              <a:t>Disadvantages</a:t>
+              <a:t>Advantages</a:t>
             </a:r>
             <a:endParaRPr lang="en-US" dirty="0"/>
           </a:p>
@@ -4232,51 +4184,80 @@
           <a:p>
             <a:r>
               <a:rPr lang="en-IN" dirty="0" smtClean="0"/>
-              <a:t>Assumption of linearity </a:t>
+              <a:t>Good for linearly separable </a:t>
+            </a:r>
+            <a:r>
+              <a:rPr lang="en-IN" dirty="0" smtClean="0"/>
+              <a:t>data</a:t>
+            </a:r>
+          </a:p>
+          <a:p>
+            <a:r>
+              <a:rPr lang="en-IN" dirty="0" smtClean="0"/>
+              <a:t>Easier </a:t>
+            </a:r>
+            <a:r>
+              <a:rPr lang="en-IN" dirty="0" smtClean="0"/>
+              <a:t>to </a:t>
+            </a:r>
+            <a:r>
+              <a:rPr lang="en-IN" dirty="0" smtClean="0"/>
+              <a:t>implement and interpret </a:t>
+            </a:r>
+          </a:p>
+          <a:p>
+            <a:r>
+              <a:rPr lang="en-IN" dirty="0" smtClean="0"/>
+              <a:t>Efficient </a:t>
+            </a:r>
+            <a:r>
+              <a:rPr lang="en-IN" dirty="0" smtClean="0"/>
+              <a:t>to </a:t>
+            </a:r>
+            <a:r>
+              <a:rPr lang="en-IN" dirty="0" smtClean="0"/>
+              <a:t>train</a:t>
+            </a:r>
+          </a:p>
+          <a:p>
+            <a:r>
+              <a:rPr lang="en-US" dirty="0" smtClean="0"/>
+              <a:t>Handle over-fitting</a:t>
             </a:r>
           </a:p>
           <a:p>
             <a:pPr lvl="1"/>
             <a:r>
               <a:rPr lang="en-IN" dirty="0" smtClean="0"/>
-              <a:t>Independent variables</a:t>
+              <a:t>Dimensionally </a:t>
+            </a:r>
+            <a:r>
+              <a:rPr lang="en-IN" dirty="0" smtClean="0"/>
+              <a:t>reduction </a:t>
+            </a:r>
+            <a:r>
+              <a:rPr lang="en-IN" dirty="0" smtClean="0"/>
+              <a:t>techniques</a:t>
             </a:r>
           </a:p>
           <a:p>
             <a:pPr lvl="1"/>
             <a:r>
               <a:rPr lang="en-IN" dirty="0" smtClean="0"/>
-              <a:t>Dependent variables</a:t>
-            </a:r>
-          </a:p>
-          <a:p>
-            <a:r>
-              <a:rPr lang="en-US" dirty="0" smtClean="0"/>
-              <a:t>Prone to noise</a:t>
-            </a:r>
-          </a:p>
-          <a:p>
-            <a:r>
-              <a:rPr lang="en-US" dirty="0" smtClean="0"/>
-              <a:t>Sensitive </a:t>
-            </a:r>
-            <a:r>
-              <a:rPr lang="en-US" dirty="0" smtClean="0"/>
-              <a:t>to </a:t>
-            </a:r>
-            <a:r>
-              <a:rPr lang="en-US" dirty="0" smtClean="0"/>
-              <a:t>outliers</a:t>
-            </a:r>
-          </a:p>
-          <a:p>
-            <a:r>
-              <a:rPr lang="en-US" dirty="0" smtClean="0"/>
-              <a:t>Prone to </a:t>
-            </a:r>
-            <a:r>
-              <a:rPr lang="en-US" dirty="0" err="1" smtClean="0"/>
-              <a:t>multicollinearity</a:t>
+              <a:t>Regularization</a:t>
+            </a:r>
+          </a:p>
+          <a:p>
+            <a:pPr lvl="1"/>
+            <a:r>
+              <a:rPr lang="en-IN" dirty="0" smtClean="0"/>
+              <a:t>Cross-validation</a:t>
+            </a:r>
+          </a:p>
+          <a:p>
+            <a:r>
+              <a:rPr lang="en-IN" dirty="0" smtClean="0"/>
+              <a:t>Extrapolation of dataset</a:t>
             </a:r>
             <a:endParaRPr lang="en-US" dirty="0"/>
           </a:p>
@@ -4298,6 +4279,130 @@
 </file>
 
 <file path=ppt/slides/slide15.xml><?xml version="1.0" encoding="utf-8"?>
+<p:sld xmlns:a="http://schemas.openxmlformats.org/drawingml/2006/main" xmlns:r="http://schemas.openxmlformats.org/officeDocument/2006/relationships" xmlns:p="http://schemas.openxmlformats.org/presentationml/2006/main">
+  <p:cSld>
+    <p:spTree>
+      <p:nvGrpSpPr>
+        <p:cNvPr id="1" name=""/>
+        <p:cNvGrpSpPr/>
+        <p:nvPr/>
+      </p:nvGrpSpPr>
+      <p:grpSpPr>
+        <a:xfrm>
+          <a:off x="0" y="0"/>
+          <a:ext cx="0" cy="0"/>
+          <a:chOff x="0" y="0"/>
+          <a:chExt cx="0" cy="0"/>
+        </a:xfrm>
+      </p:grpSpPr>
+      <p:sp>
+        <p:nvSpPr>
+          <p:cNvPr id="2" name="Title 1"/>
+          <p:cNvSpPr>
+            <a:spLocks noGrp="1"/>
+          </p:cNvSpPr>
+          <p:nvPr>
+            <p:ph type="title"/>
+          </p:nvPr>
+        </p:nvSpPr>
+        <p:spPr/>
+        <p:txBody>
+          <a:bodyPr/>
+          <a:lstStyle/>
+          <a:p>
+            <a:r>
+              <a:rPr lang="en-US" dirty="0" smtClean="0"/>
+              <a:t>Disadvantages</a:t>
+            </a:r>
+            <a:endParaRPr lang="en-US" dirty="0"/>
+          </a:p>
+        </p:txBody>
+      </p:sp>
+      <p:sp>
+        <p:nvSpPr>
+          <p:cNvPr id="3" name="Content Placeholder 2"/>
+          <p:cNvSpPr>
+            <a:spLocks noGrp="1"/>
+          </p:cNvSpPr>
+          <p:nvPr>
+            <p:ph idx="1"/>
+          </p:nvPr>
+        </p:nvSpPr>
+        <p:spPr/>
+        <p:txBody>
+          <a:bodyPr>
+            <a:normAutofit/>
+          </a:bodyPr>
+          <a:lstStyle/>
+          <a:p>
+            <a:r>
+              <a:rPr lang="en-IN" dirty="0" smtClean="0"/>
+              <a:t>Assumption of linearity </a:t>
+            </a:r>
+          </a:p>
+          <a:p>
+            <a:pPr lvl="1"/>
+            <a:r>
+              <a:rPr lang="en-IN" dirty="0" smtClean="0"/>
+              <a:t>Independent variables</a:t>
+            </a:r>
+          </a:p>
+          <a:p>
+            <a:pPr lvl="1"/>
+            <a:r>
+              <a:rPr lang="en-IN" dirty="0" smtClean="0"/>
+              <a:t>Dependent variables</a:t>
+            </a:r>
+          </a:p>
+          <a:p>
+            <a:r>
+              <a:rPr lang="en-US" dirty="0" smtClean="0"/>
+              <a:t>Prone to noise</a:t>
+            </a:r>
+          </a:p>
+          <a:p>
+            <a:r>
+              <a:rPr lang="en-US" dirty="0" smtClean="0"/>
+              <a:t>Sensitive </a:t>
+            </a:r>
+            <a:r>
+              <a:rPr lang="en-US" dirty="0" smtClean="0"/>
+              <a:t>to </a:t>
+            </a:r>
+            <a:r>
+              <a:rPr lang="en-US" dirty="0" smtClean="0"/>
+              <a:t>outliers</a:t>
+            </a:r>
+          </a:p>
+          <a:p>
+            <a:r>
+              <a:rPr lang="en-US" dirty="0" smtClean="0"/>
+              <a:t>Prone to </a:t>
+            </a:r>
+            <a:r>
+              <a:rPr lang="en-US" dirty="0" err="1" smtClean="0"/>
+              <a:t>multicollinearity</a:t>
+            </a:r>
+            <a:endParaRPr lang="en-US" dirty="0"/>
+          </a:p>
+        </p:txBody>
+      </p:sp>
+    </p:spTree>
+  </p:cSld>
+  <p:clrMapOvr>
+    <a:masterClrMapping/>
+  </p:clrMapOvr>
+  <p:timing>
+    <p:tnLst>
+      <p:par>
+        <p:cTn id="1" dur="indefinite" restart="never" nodeType="tmRoot"/>
+      </p:par>
+    </p:tnLst>
+  </p:timing>
+</p:sld>
+</file>
+
+<file path=ppt/slides/slide16.xml><?xml version="1.0" encoding="utf-8"?>
 <p:sld xmlns:a="http://schemas.openxmlformats.org/drawingml/2006/main" xmlns:r="http://schemas.openxmlformats.org/officeDocument/2006/relationships" xmlns:p="http://schemas.openxmlformats.org/presentationml/2006/main">
   <p:cSld>
     <p:spTree>

--- a/MachineLearning/LinearRegression/LinearRegression.pptx
+++ b/MachineLearning/LinearRegression/LinearRegression.pptx
@@ -18,9 +18,9 @@
     <p:sldId id="284" r:id="rId9"/>
     <p:sldId id="275" r:id="rId10"/>
     <p:sldId id="276" r:id="rId11"/>
-    <p:sldId id="277" r:id="rId12"/>
-    <p:sldId id="278" r:id="rId13"/>
-    <p:sldId id="285" r:id="rId14"/>
+    <p:sldId id="285" r:id="rId12"/>
+    <p:sldId id="277" r:id="rId13"/>
+    <p:sldId id="278" r:id="rId14"/>
     <p:sldId id="270" r:id="rId15"/>
     <p:sldId id="271" r:id="rId16"/>
     <p:sldId id="269" r:id="rId17"/>
@@ -3689,10 +3689,10 @@
           <a:lstStyle/>
           <a:p>
             <a:r>
-              <a:rPr lang="en-US" dirty="0" smtClean="0"/>
-              <a:t>Optimization Objective</a:t>
-            </a:r>
-            <a:endParaRPr lang="en-US" dirty="0"/>
+              <a:rPr lang="en-IN" dirty="0" smtClean="0"/>
+              <a:t>Algorithm</a:t>
+            </a:r>
+            <a:endParaRPr lang="en-IN" dirty="0"/>
           </a:p>
         </p:txBody>
       </p:sp>
@@ -3708,73 +3708,60 @@
         </p:nvSpPr>
         <p:spPr/>
         <p:txBody>
-          <a:bodyPr>
-            <a:normAutofit/>
-          </a:bodyPr>
-          <a:lstStyle/>
-          <a:p>
-            <a:r>
-              <a:rPr lang="en-US" dirty="0" smtClean="0"/>
-              <a:t>Linear regression </a:t>
-            </a:r>
-            <a:r>
-              <a:rPr lang="en-US" dirty="0" smtClean="0"/>
-              <a:t>– Least </a:t>
-            </a:r>
-            <a:r>
-              <a:rPr lang="en-US" dirty="0" smtClean="0"/>
-              <a:t>squares</a:t>
-            </a:r>
-            <a:endParaRPr lang="en-US" dirty="0" smtClean="0"/>
-          </a:p>
-          <a:p>
-            <a:r>
-              <a:rPr lang="en-US" dirty="0" smtClean="0"/>
-              <a:t>Actual value – Observed value</a:t>
-            </a:r>
-          </a:p>
-          <a:p>
-            <a:r>
-              <a:rPr lang="en-US" dirty="0" smtClean="0"/>
-              <a:t>Estimated value – Predicted value</a:t>
-            </a:r>
-          </a:p>
-          <a:p>
-            <a:r>
-              <a:rPr lang="en-US" dirty="0" smtClean="0"/>
-              <a:t>Error </a:t>
-            </a:r>
-            <a:r>
-              <a:rPr lang="en-US" dirty="0" smtClean="0"/>
-              <a:t>value</a:t>
-            </a:r>
-          </a:p>
-          <a:p>
-            <a:r>
-              <a:rPr lang="en-US" dirty="0" smtClean="0"/>
-              <a:t>Sum of squared residuals</a:t>
-            </a:r>
-            <a:endParaRPr lang="en-US" dirty="0" smtClean="0"/>
-          </a:p>
-          <a:p>
-            <a:r>
-              <a:rPr lang="en-US" dirty="0" smtClean="0"/>
-              <a:t>Minimize error </a:t>
-            </a:r>
-            <a:r>
-              <a:rPr lang="en-US" dirty="0" smtClean="0"/>
-              <a:t>value</a:t>
-            </a:r>
-          </a:p>
-          <a:p>
-            <a:r>
-              <a:rPr lang="en-US" dirty="0" smtClean="0"/>
-              <a:t>Generic equation of line</a:t>
-            </a:r>
-            <a:endParaRPr lang="en-US" dirty="0" smtClean="0"/>
-          </a:p>
-          <a:p>
-            <a:endParaRPr lang="en-US" dirty="0"/>
+          <a:bodyPr/>
+          <a:lstStyle/>
+          <a:p>
+            <a:r>
+              <a:rPr lang="en-IN" dirty="0" smtClean="0"/>
+              <a:t>Fit line to dataset</a:t>
+            </a:r>
+          </a:p>
+          <a:p>
+            <a:pPr lvl="1"/>
+            <a:r>
+              <a:rPr lang="en-IN" dirty="0" smtClean="0"/>
+              <a:t>Compute slope of </a:t>
+            </a:r>
+            <a:r>
+              <a:rPr lang="en-IN" dirty="0" smtClean="0"/>
+              <a:t>line</a:t>
+            </a:r>
+          </a:p>
+          <a:p>
+            <a:pPr lvl="1"/>
+            <a:r>
+              <a:rPr lang="en-IN" dirty="0" smtClean="0"/>
+              <a:t>Compute Y axis intercept</a:t>
+            </a:r>
+          </a:p>
+          <a:p>
+            <a:r>
+              <a:rPr lang="en-IN" dirty="0" smtClean="0"/>
+              <a:t>Calculate R</a:t>
+            </a:r>
+            <a:r>
+              <a:rPr lang="en-IN" baseline="30000" dirty="0" smtClean="0"/>
+              <a:t>2</a:t>
+            </a:r>
+            <a:r>
+              <a:rPr lang="en-IN" dirty="0" smtClean="0"/>
+              <a:t> value</a:t>
+            </a:r>
+          </a:p>
+          <a:p>
+            <a:r>
+              <a:rPr lang="en-IN" dirty="0" smtClean="0"/>
+              <a:t>Calculate p-value for R</a:t>
+            </a:r>
+            <a:r>
+              <a:rPr lang="en-IN" baseline="30000" dirty="0" smtClean="0"/>
+              <a:t>2</a:t>
+            </a:r>
+            <a:r>
+              <a:rPr lang="en-IN" dirty="0" smtClean="0"/>
+              <a:t> value</a:t>
+            </a:r>
+            <a:endParaRPr lang="en-IN" dirty="0"/>
           </a:p>
         </p:txBody>
       </p:sp>
@@ -3783,13 +3770,6 @@
   <p:clrMapOvr>
     <a:masterClrMapping/>
   </p:clrMapOvr>
-  <p:timing>
-    <p:tnLst>
-      <p:par>
-        <p:cTn id="1" dur="indefinite" restart="never" nodeType="tmRoot"/>
-      </p:par>
-    </p:tnLst>
-  </p:timing>
 </p:sld>
 </file>
 
@@ -3846,6 +3826,143 @@
         <p:spPr/>
         <p:txBody>
           <a:bodyPr>
+            <a:normAutofit/>
+          </a:bodyPr>
+          <a:lstStyle/>
+          <a:p>
+            <a:r>
+              <a:rPr lang="en-US" dirty="0" smtClean="0"/>
+              <a:t>Linear regression </a:t>
+            </a:r>
+            <a:r>
+              <a:rPr lang="en-US" dirty="0" smtClean="0"/>
+              <a:t>– Least </a:t>
+            </a:r>
+            <a:r>
+              <a:rPr lang="en-US" dirty="0" smtClean="0"/>
+              <a:t>squares</a:t>
+            </a:r>
+            <a:endParaRPr lang="en-US" dirty="0" smtClean="0"/>
+          </a:p>
+          <a:p>
+            <a:r>
+              <a:rPr lang="en-US" dirty="0" smtClean="0"/>
+              <a:t>Actual value – Observed value</a:t>
+            </a:r>
+          </a:p>
+          <a:p>
+            <a:r>
+              <a:rPr lang="en-US" dirty="0" smtClean="0"/>
+              <a:t>Estimated value – Predicted value</a:t>
+            </a:r>
+          </a:p>
+          <a:p>
+            <a:r>
+              <a:rPr lang="en-US" dirty="0" smtClean="0"/>
+              <a:t>Error </a:t>
+            </a:r>
+            <a:r>
+              <a:rPr lang="en-US" dirty="0" smtClean="0"/>
+              <a:t>value</a:t>
+            </a:r>
+          </a:p>
+          <a:p>
+            <a:r>
+              <a:rPr lang="en-US" dirty="0" smtClean="0"/>
+              <a:t>Sum of squared residuals</a:t>
+            </a:r>
+            <a:endParaRPr lang="en-US" dirty="0" smtClean="0"/>
+          </a:p>
+          <a:p>
+            <a:r>
+              <a:rPr lang="en-US" dirty="0" smtClean="0"/>
+              <a:t>Minimize error </a:t>
+            </a:r>
+            <a:r>
+              <a:rPr lang="en-US" dirty="0" smtClean="0"/>
+              <a:t>value</a:t>
+            </a:r>
+          </a:p>
+          <a:p>
+            <a:r>
+              <a:rPr lang="en-US" dirty="0" smtClean="0"/>
+              <a:t>Generic equation of line</a:t>
+            </a:r>
+            <a:endParaRPr lang="en-US" dirty="0" smtClean="0"/>
+          </a:p>
+          <a:p>
+            <a:endParaRPr lang="en-US" dirty="0"/>
+          </a:p>
+        </p:txBody>
+      </p:sp>
+    </p:spTree>
+  </p:cSld>
+  <p:clrMapOvr>
+    <a:masterClrMapping/>
+  </p:clrMapOvr>
+  <p:timing>
+    <p:tnLst>
+      <p:par>
+        <p:cTn id="1" dur="indefinite" restart="never" nodeType="tmRoot"/>
+      </p:par>
+    </p:tnLst>
+  </p:timing>
+</p:sld>
+</file>
+
+<file path=ppt/slides/slide13.xml><?xml version="1.0" encoding="utf-8"?>
+<p:sld xmlns:a="http://schemas.openxmlformats.org/drawingml/2006/main" xmlns:r="http://schemas.openxmlformats.org/officeDocument/2006/relationships" xmlns:p="http://schemas.openxmlformats.org/presentationml/2006/main">
+  <p:cSld>
+    <p:spTree>
+      <p:nvGrpSpPr>
+        <p:cNvPr id="1" name=""/>
+        <p:cNvGrpSpPr/>
+        <p:nvPr/>
+      </p:nvGrpSpPr>
+      <p:grpSpPr>
+        <a:xfrm>
+          <a:off x="0" y="0"/>
+          <a:ext cx="0" cy="0"/>
+          <a:chOff x="0" y="0"/>
+          <a:chExt cx="0" cy="0"/>
+        </a:xfrm>
+      </p:grpSpPr>
+      <p:sp>
+        <p:nvSpPr>
+          <p:cNvPr id="2" name="Title 1"/>
+          <p:cNvSpPr>
+            <a:spLocks noGrp="1"/>
+          </p:cNvSpPr>
+          <p:nvPr>
+            <p:ph type="title"/>
+          </p:nvPr>
+        </p:nvSpPr>
+        <p:spPr/>
+        <p:txBody>
+          <a:bodyPr/>
+          <a:lstStyle/>
+          <a:p>
+            <a:r>
+              <a:rPr lang="en-US" dirty="0" smtClean="0"/>
+              <a:t>Optimization Objective</a:t>
+            </a:r>
+            <a:endParaRPr lang="en-US" dirty="0"/>
+          </a:p>
+        </p:txBody>
+      </p:sp>
+      <p:sp>
+        <p:nvSpPr>
+          <p:cNvPr id="3" name="Content Placeholder 2"/>
+          <p:cNvSpPr>
+            <a:spLocks noGrp="1"/>
+          </p:cNvSpPr>
+          <p:nvPr>
+            <p:ph idx="1"/>
+          </p:nvPr>
+        </p:nvSpPr>
+        <p:spPr/>
+        <p:txBody>
+          <a:bodyPr>
             <a:normAutofit fontScale="85000" lnSpcReduction="20000"/>
           </a:bodyPr>
           <a:lstStyle/>
@@ -3957,7 +4074,7 @@
           <a:p>
             <a:r>
               <a:rPr lang="en-US" dirty="0" smtClean="0"/>
-              <a:t>J – Cost function – Minimize cost</a:t>
+              <a:t>J – Cost function – Minimize cost function</a:t>
             </a:r>
             <a:endParaRPr lang="en-US" dirty="0" smtClean="0"/>
           </a:p>
@@ -4018,110 +4135,6 @@
       </p:par>
     </p:tnLst>
   </p:timing>
-</p:sld>
-</file>
-
-<file path=ppt/slides/slide13.xml><?xml version="1.0" encoding="utf-8"?>
-<p:sld xmlns:a="http://schemas.openxmlformats.org/drawingml/2006/main" xmlns:r="http://schemas.openxmlformats.org/officeDocument/2006/relationships" xmlns:p="http://schemas.openxmlformats.org/presentationml/2006/main">
-  <p:cSld>
-    <p:spTree>
-      <p:nvGrpSpPr>
-        <p:cNvPr id="1" name=""/>
-        <p:cNvGrpSpPr/>
-        <p:nvPr/>
-      </p:nvGrpSpPr>
-      <p:grpSpPr>
-        <a:xfrm>
-          <a:off x="0" y="0"/>
-          <a:ext cx="0" cy="0"/>
-          <a:chOff x="0" y="0"/>
-          <a:chExt cx="0" cy="0"/>
-        </a:xfrm>
-      </p:grpSpPr>
-      <p:sp>
-        <p:nvSpPr>
-          <p:cNvPr id="2" name="Title 1"/>
-          <p:cNvSpPr>
-            <a:spLocks noGrp="1"/>
-          </p:cNvSpPr>
-          <p:nvPr>
-            <p:ph type="title"/>
-          </p:nvPr>
-        </p:nvSpPr>
-        <p:spPr/>
-        <p:txBody>
-          <a:bodyPr/>
-          <a:lstStyle/>
-          <a:p>
-            <a:r>
-              <a:rPr lang="en-IN" dirty="0" smtClean="0"/>
-              <a:t>Algorithm</a:t>
-            </a:r>
-            <a:endParaRPr lang="en-IN" dirty="0"/>
-          </a:p>
-        </p:txBody>
-      </p:sp>
-      <p:sp>
-        <p:nvSpPr>
-          <p:cNvPr id="3" name="Content Placeholder 2"/>
-          <p:cNvSpPr>
-            <a:spLocks noGrp="1"/>
-          </p:cNvSpPr>
-          <p:nvPr>
-            <p:ph idx="1"/>
-          </p:nvPr>
-        </p:nvSpPr>
-        <p:spPr/>
-        <p:txBody>
-          <a:bodyPr/>
-          <a:lstStyle/>
-          <a:p>
-            <a:r>
-              <a:rPr lang="en-IN" dirty="0" smtClean="0"/>
-              <a:t>Fit line </a:t>
-            </a:r>
-            <a:r>
-              <a:rPr lang="en-IN" smtClean="0"/>
-              <a:t>to dataset</a:t>
-            </a:r>
-            <a:endParaRPr lang="en-IN" dirty="0" smtClean="0"/>
-          </a:p>
-          <a:p>
-            <a:r>
-              <a:rPr lang="en-IN" dirty="0" smtClean="0"/>
-              <a:t>Calculate R</a:t>
-            </a:r>
-            <a:r>
-              <a:rPr lang="en-IN" baseline="30000" dirty="0" smtClean="0"/>
-              <a:t>2</a:t>
-            </a:r>
-            <a:r>
-              <a:rPr lang="en-IN" dirty="0" smtClean="0"/>
-              <a:t> value</a:t>
-            </a:r>
-          </a:p>
-          <a:p>
-            <a:r>
-              <a:rPr lang="en-IN" dirty="0" smtClean="0"/>
-              <a:t>Calculate p-value for corresponding R</a:t>
-            </a:r>
-            <a:r>
-              <a:rPr lang="en-IN" baseline="30000" dirty="0" smtClean="0"/>
-              <a:t>2</a:t>
-            </a:r>
-            <a:r>
-              <a:rPr lang="en-IN" dirty="0" smtClean="0"/>
-              <a:t> value</a:t>
-            </a:r>
-            <a:endParaRPr lang="en-IN" dirty="0"/>
-          </a:p>
-        </p:txBody>
-      </p:sp>
-    </p:spTree>
-  </p:cSld>
-  <p:clrMapOvr>
-    <a:masterClrMapping/>
-  </p:clrMapOvr>
 </p:sld>
 </file>
 

--- a/MachineLearning/LinearRegression/LinearRegression.pptx
+++ b/MachineLearning/LinearRegression/LinearRegression.pptx
@@ -5,7 +5,7 @@
     <p:sldMasterId id="2147483648" r:id="rId1"/>
   </p:sldMasterIdLst>
   <p:notesMasterIdLst>
-    <p:notesMasterId r:id="rId18"/>
+    <p:notesMasterId r:id="rId20"/>
   </p:notesMasterIdLst>
   <p:sldIdLst>
     <p:sldId id="256" r:id="rId2"/>
@@ -21,9 +21,11 @@
     <p:sldId id="285" r:id="rId12"/>
     <p:sldId id="277" r:id="rId13"/>
     <p:sldId id="278" r:id="rId14"/>
-    <p:sldId id="270" r:id="rId15"/>
-    <p:sldId id="271" r:id="rId16"/>
-    <p:sldId id="269" r:id="rId17"/>
+    <p:sldId id="286" r:id="rId15"/>
+    <p:sldId id="288" r:id="rId16"/>
+    <p:sldId id="270" r:id="rId17"/>
+    <p:sldId id="271" r:id="rId18"/>
+    <p:sldId id="269" r:id="rId19"/>
   </p:sldIdLst>
   <p:sldSz cx="9144000" cy="6858000" type="screen4x3"/>
   <p:notesSz cx="6858000" cy="9144000"/>
@@ -4171,10 +4173,18 @@
           <a:lstStyle/>
           <a:p>
             <a:r>
-              <a:rPr lang="en-US" dirty="0" smtClean="0"/>
-              <a:t>Advantages</a:t>
-            </a:r>
-            <a:endParaRPr lang="en-US" dirty="0"/>
+              <a:rPr lang="en-IN" dirty="0" smtClean="0"/>
+              <a:t>R</a:t>
+            </a:r>
+            <a:r>
+              <a:rPr lang="en-IN" baseline="30000" dirty="0" smtClean="0"/>
+              <a:t>2</a:t>
+            </a:r>
+            <a:r>
+              <a:rPr lang="en-IN" dirty="0" smtClean="0"/>
+              <a:t> Value</a:t>
+            </a:r>
+            <a:endParaRPr lang="en-IN" dirty="0"/>
           </a:p>
         </p:txBody>
       </p:sp>
@@ -4190,104 +4200,252 @@
         </p:nvSpPr>
         <p:spPr/>
         <p:txBody>
-          <a:bodyPr>
-            <a:normAutofit/>
-          </a:bodyPr>
-          <a:lstStyle/>
-          <a:p>
+          <a:bodyPr/>
+          <a:lstStyle/>
+          <a:p>
+            <a:endParaRPr lang="en-IN" dirty="0" smtClean="0"/>
+          </a:p>
+          <a:p>
+            <a:endParaRPr lang="en-IN" dirty="0" smtClean="0">
+              <a:solidFill>
+                <a:srgbClr val="00B050"/>
+              </a:solidFill>
+            </a:endParaRPr>
+          </a:p>
+          <a:p>
+            <a:r>
+              <a:rPr lang="en-IN" dirty="0" smtClean="0">
+                <a:solidFill>
+                  <a:srgbClr val="00B050"/>
+                </a:solidFill>
+              </a:rPr>
+              <a:t>SS</a:t>
+            </a:r>
             <a:r>
               <a:rPr lang="en-IN" dirty="0" smtClean="0"/>
-              <a:t>Good for linearly separable </a:t>
+              <a:t> – </a:t>
+            </a:r>
+            <a:r>
+              <a:rPr lang="en-IN" dirty="0" smtClean="0">
+                <a:solidFill>
+                  <a:srgbClr val="00B050"/>
+                </a:solidFill>
+              </a:rPr>
+              <a:t>S</a:t>
             </a:r>
             <a:r>
               <a:rPr lang="en-IN" dirty="0" smtClean="0"/>
-              <a:t>data</a:t>
-            </a:r>
-          </a:p>
-          <a:p>
+              <a:t>um of </a:t>
+            </a:r>
+            <a:r>
+              <a:rPr lang="en-IN" dirty="0" smtClean="0">
+                <a:solidFill>
+                  <a:srgbClr val="00B050"/>
+                </a:solidFill>
+              </a:rPr>
+              <a:t>s</a:t>
+            </a:r>
             <a:r>
               <a:rPr lang="en-IN" dirty="0" smtClean="0"/>
-              <a:t>Easier </a:t>
+              <a:t>quares</a:t>
+            </a:r>
+            <a:endParaRPr lang="en-IN" dirty="0" smtClean="0">
+              <a:solidFill>
+                <a:srgbClr val="00B050"/>
+              </a:solidFill>
+            </a:endParaRPr>
+          </a:p>
+          <a:p>
+            <a:r>
+              <a:rPr lang="en-IN" dirty="0" err="1" smtClean="0">
+                <a:solidFill>
+                  <a:srgbClr val="00B050"/>
+                </a:solidFill>
+              </a:rPr>
+              <a:t>Var</a:t>
             </a:r>
             <a:r>
               <a:rPr lang="en-IN" dirty="0" smtClean="0"/>
-              <a:t>to </a:t>
+              <a:t> – </a:t>
+            </a:r>
+            <a:r>
+              <a:rPr lang="en-IN" dirty="0" smtClean="0">
+                <a:solidFill>
+                  <a:srgbClr val="00B050"/>
+                </a:solidFill>
+              </a:rPr>
+              <a:t>Var</a:t>
             </a:r>
             <a:r>
               <a:rPr lang="en-IN" dirty="0" smtClean="0"/>
-              <a:t>implement and interpret </a:t>
-            </a:r>
-          </a:p>
-          <a:p>
+              <a:t>iation around variable</a:t>
+            </a:r>
+          </a:p>
+          <a:p>
+            <a:r>
+              <a:rPr lang="en-IN" dirty="0" smtClean="0">
+                <a:solidFill>
+                  <a:srgbClr val="00B050"/>
+                </a:solidFill>
+              </a:rPr>
+              <a:t>n</a:t>
+            </a:r>
             <a:r>
               <a:rPr lang="en-IN" dirty="0" smtClean="0"/>
-              <a:t>Efficient </a:t>
+              <a:t> – </a:t>
+            </a:r>
+            <a:r>
+              <a:rPr lang="en-IN" dirty="0" smtClean="0">
+                <a:solidFill>
+                  <a:srgbClr val="00B050"/>
+                </a:solidFill>
+              </a:rPr>
+              <a:t>N</a:t>
             </a:r>
             <a:r>
               <a:rPr lang="en-IN" dirty="0" smtClean="0"/>
-              <a:t>to </a:t>
+              <a:t>umber of samples</a:t>
+            </a:r>
+          </a:p>
+          <a:p>
+            <a:r>
+              <a:rPr lang="en-IN" dirty="0" err="1" smtClean="0">
+                <a:solidFill>
+                  <a:srgbClr val="00B050"/>
+                </a:solidFill>
+              </a:rPr>
+              <a:t>Var</a:t>
             </a:r>
             <a:r>
               <a:rPr lang="en-IN" dirty="0" smtClean="0"/>
-              <a:t>train</a:t>
-            </a:r>
-          </a:p>
-          <a:p>
-            <a:r>
-              <a:rPr lang="en-US" dirty="0" smtClean="0"/>
-              <a:t>Handle over-fitting</a:t>
-            </a:r>
-          </a:p>
-          <a:p>
-            <a:pPr lvl="1"/>
+              <a:t>(</a:t>
+            </a:r>
+            <a:r>
+              <a:rPr lang="en-IN" dirty="0" smtClean="0">
+                <a:solidFill>
+                  <a:srgbClr val="0070C0"/>
+                </a:solidFill>
+              </a:rPr>
+              <a:t>mean</a:t>
+            </a:r>
             <a:r>
               <a:rPr lang="en-IN" dirty="0" smtClean="0"/>
-              <a:t>Dimensionally </a:t>
+              <a:t>) – </a:t>
+            </a:r>
+            <a:r>
+              <a:rPr lang="en-IN" dirty="0" smtClean="0">
+                <a:solidFill>
+                  <a:srgbClr val="00B050"/>
+                </a:solidFill>
+              </a:rPr>
+              <a:t>Var</a:t>
             </a:r>
             <a:r>
               <a:rPr lang="en-IN" dirty="0" smtClean="0"/>
-              <a:t>reduction </a:t>
+              <a:t>iation around </a:t>
+            </a:r>
+            <a:r>
+              <a:rPr lang="en-IN" dirty="0" smtClean="0">
+                <a:solidFill>
+                  <a:srgbClr val="0070C0"/>
+                </a:solidFill>
+              </a:rPr>
+              <a:t>mean</a:t>
+            </a:r>
+          </a:p>
+          <a:p>
+            <a:r>
+              <a:rPr lang="en-IN" dirty="0" err="1" smtClean="0">
+                <a:solidFill>
+                  <a:srgbClr val="00B050"/>
+                </a:solidFill>
+              </a:rPr>
+              <a:t>Var</a:t>
             </a:r>
             <a:r>
               <a:rPr lang="en-IN" dirty="0" smtClean="0"/>
-              <a:t>techniques</a:t>
-            </a:r>
-          </a:p>
-          <a:p>
-            <a:pPr lvl="1"/>
+              <a:t>(</a:t>
+            </a:r>
+            <a:r>
+              <a:rPr lang="en-IN" dirty="0" smtClean="0">
+                <a:solidFill>
+                  <a:srgbClr val="0070C0"/>
+                </a:solidFill>
+              </a:rPr>
+              <a:t>fit</a:t>
+            </a:r>
             <a:r>
               <a:rPr lang="en-IN" dirty="0" smtClean="0"/>
-              <a:t>Regularization</a:t>
-            </a:r>
-          </a:p>
-          <a:p>
-            <a:pPr lvl="1"/>
+              <a:t>) – </a:t>
+            </a:r>
+            <a:r>
+              <a:rPr lang="en-IN" dirty="0" smtClean="0">
+                <a:solidFill>
+                  <a:srgbClr val="00B050"/>
+                </a:solidFill>
+              </a:rPr>
+              <a:t>Var</a:t>
+            </a:r>
             <a:r>
               <a:rPr lang="en-IN" dirty="0" smtClean="0"/>
-              <a:t>Cross-validation</a:t>
-            </a:r>
-          </a:p>
-          <a:p>
-            <a:r>
-              <a:rPr lang="en-IN" dirty="0" smtClean="0"/>
-              <a:t>Extrapolation of dataset</a:t>
-            </a:r>
-            <a:endParaRPr lang="en-US" dirty="0"/>
-          </a:p>
-        </p:txBody>
-      </p:sp>
+              <a:t>iation around </a:t>
+            </a:r>
+            <a:r>
+              <a:rPr lang="en-IN" dirty="0" smtClean="0">
+                <a:solidFill>
+                  <a:srgbClr val="0070C0"/>
+                </a:solidFill>
+              </a:rPr>
+              <a:t>fit</a:t>
+            </a:r>
+          </a:p>
+        </p:txBody>
+      </p:sp>
+      <p:graphicFrame>
+        <p:nvGraphicFramePr>
+          <p:cNvPr id="4" name="Object 3"/>
+          <p:cNvGraphicFramePr>
+            <a:graphicFrameLocks noChangeAspect="1"/>
+          </p:cNvGraphicFramePr>
+          <p:nvPr/>
+        </p:nvGraphicFramePr>
+        <p:xfrm>
+          <a:off x="4191000" y="1638300"/>
+          <a:ext cx="4384675" cy="1104900"/>
+        </p:xfrm>
+        <a:graphic>
+          <a:graphicData uri="http://schemas.openxmlformats.org/presentationml/2006/ole">
+            <p:oleObj spid="_x0000_s26626" name="Equation" r:id="rId3" imgW="1663560" imgH="419040" progId="Equation.3">
+              <p:embed/>
+            </p:oleObj>
+          </a:graphicData>
+        </a:graphic>
+      </p:graphicFrame>
+      <p:graphicFrame>
+        <p:nvGraphicFramePr>
+          <p:cNvPr id="5" name="Object 4"/>
+          <p:cNvGraphicFramePr>
+            <a:graphicFrameLocks noChangeAspect="1"/>
+          </p:cNvGraphicFramePr>
+          <p:nvPr/>
+        </p:nvGraphicFramePr>
+        <p:xfrm>
+          <a:off x="609600" y="1676400"/>
+          <a:ext cx="3124200" cy="1052720"/>
+        </p:xfrm>
+        <a:graphic>
+          <a:graphicData uri="http://schemas.openxmlformats.org/presentationml/2006/ole">
+            <p:oleObj spid="_x0000_s26627" name="Equation" r:id="rId4" imgW="1168200" imgH="393480" progId="Equation.3">
+              <p:embed/>
+            </p:oleObj>
+          </a:graphicData>
+        </a:graphic>
+      </p:graphicFrame>
     </p:spTree>
   </p:cSld>
   <p:clrMapOvr>
     <a:masterClrMapping/>
   </p:clrMapOvr>
-  <p:timing>
-    <p:tnLst>
-      <p:par>
-        <p:cTn id="1" dur="indefinite" restart="never" nodeType="tmRoot"/>
-      </p:par>
-    </p:tnLst>
-  </p:timing>
 </p:sld>
 </file>
 
@@ -4324,8 +4482,268 @@
           <a:lstStyle/>
           <a:p>
             <a:r>
-              <a:rPr lang="en-US" dirty="0" smtClean="0"/>
-              <a:t>Disadvantages</a:t>
+              <a:rPr lang="en-IN" dirty="0" smtClean="0"/>
+              <a:t>R</a:t>
+            </a:r>
+            <a:r>
+              <a:rPr lang="en-IN" baseline="30000" dirty="0" smtClean="0"/>
+              <a:t>2</a:t>
+            </a:r>
+            <a:r>
+              <a:rPr lang="en-IN" dirty="0" smtClean="0"/>
+              <a:t> Value</a:t>
+            </a:r>
+            <a:endParaRPr lang="en-IN" dirty="0"/>
+          </a:p>
+        </p:txBody>
+      </p:sp>
+      <p:sp>
+        <p:nvSpPr>
+          <p:cNvPr id="3" name="Content Placeholder 2"/>
+          <p:cNvSpPr>
+            <a:spLocks noGrp="1"/>
+          </p:cNvSpPr>
+          <p:nvPr>
+            <p:ph idx="1"/>
+          </p:nvPr>
+        </p:nvSpPr>
+        <p:spPr/>
+        <p:txBody>
+          <a:bodyPr/>
+          <a:lstStyle/>
+          <a:p>
+            <a:endParaRPr lang="en-IN" dirty="0" smtClean="0"/>
+          </a:p>
+          <a:p>
+            <a:endParaRPr lang="en-IN" dirty="0" smtClean="0">
+              <a:solidFill>
+                <a:srgbClr val="00B050"/>
+              </a:solidFill>
+            </a:endParaRPr>
+          </a:p>
+          <a:p>
+            <a:r>
+              <a:rPr lang="en-IN" dirty="0" smtClean="0">
+                <a:solidFill>
+                  <a:srgbClr val="00B050"/>
+                </a:solidFill>
+              </a:rPr>
+              <a:t>SS</a:t>
+            </a:r>
+            <a:r>
+              <a:rPr lang="en-IN" dirty="0" smtClean="0"/>
+              <a:t> – </a:t>
+            </a:r>
+            <a:r>
+              <a:rPr lang="en-IN" dirty="0" smtClean="0">
+                <a:solidFill>
+                  <a:srgbClr val="00B050"/>
+                </a:solidFill>
+              </a:rPr>
+              <a:t>S</a:t>
+            </a:r>
+            <a:r>
+              <a:rPr lang="en-IN" dirty="0" smtClean="0"/>
+              <a:t>um of </a:t>
+            </a:r>
+            <a:r>
+              <a:rPr lang="en-IN" dirty="0" smtClean="0">
+                <a:solidFill>
+                  <a:srgbClr val="00B050"/>
+                </a:solidFill>
+              </a:rPr>
+              <a:t>s</a:t>
+            </a:r>
+            <a:r>
+              <a:rPr lang="en-IN" dirty="0" smtClean="0"/>
+              <a:t>quares</a:t>
+            </a:r>
+          </a:p>
+          <a:p>
+            <a:r>
+              <a:rPr lang="en-IN" dirty="0" smtClean="0">
+                <a:solidFill>
+                  <a:srgbClr val="00B050"/>
+                </a:solidFill>
+              </a:rPr>
+              <a:t>SS</a:t>
+            </a:r>
+            <a:r>
+              <a:rPr lang="en-IN" dirty="0" smtClean="0"/>
+              <a:t>(</a:t>
+            </a:r>
+            <a:r>
+              <a:rPr lang="en-IN" dirty="0" smtClean="0">
+                <a:solidFill>
+                  <a:srgbClr val="0070C0"/>
+                </a:solidFill>
+              </a:rPr>
+              <a:t>mean</a:t>
+            </a:r>
+            <a:r>
+              <a:rPr lang="en-IN" dirty="0" smtClean="0"/>
+              <a:t>) – </a:t>
+            </a:r>
+            <a:r>
+              <a:rPr lang="en-IN" dirty="0" smtClean="0">
+                <a:solidFill>
+                  <a:srgbClr val="00B050"/>
+                </a:solidFill>
+              </a:rPr>
+              <a:t>S</a:t>
+            </a:r>
+            <a:r>
+              <a:rPr lang="en-IN" dirty="0" smtClean="0"/>
+              <a:t>um of </a:t>
+            </a:r>
+            <a:r>
+              <a:rPr lang="en-IN" dirty="0" smtClean="0">
+                <a:solidFill>
+                  <a:srgbClr val="00B050"/>
+                </a:solidFill>
+              </a:rPr>
+              <a:t>s</a:t>
+            </a:r>
+            <a:r>
+              <a:rPr lang="en-IN" dirty="0" smtClean="0"/>
+              <a:t>quares around </a:t>
+            </a:r>
+            <a:r>
+              <a:rPr lang="en-IN" dirty="0" smtClean="0">
+                <a:solidFill>
+                  <a:srgbClr val="0070C0"/>
+                </a:solidFill>
+              </a:rPr>
+              <a:t>mean</a:t>
+            </a:r>
+          </a:p>
+          <a:p>
+            <a:r>
+              <a:rPr lang="en-IN" dirty="0" smtClean="0">
+                <a:solidFill>
+                  <a:srgbClr val="00B050"/>
+                </a:solidFill>
+              </a:rPr>
+              <a:t>SS</a:t>
+            </a:r>
+            <a:r>
+              <a:rPr lang="en-IN" dirty="0" smtClean="0"/>
+              <a:t>(</a:t>
+            </a:r>
+            <a:r>
+              <a:rPr lang="en-IN" dirty="0" smtClean="0">
+                <a:solidFill>
+                  <a:srgbClr val="0070C0"/>
+                </a:solidFill>
+              </a:rPr>
+              <a:t>fit</a:t>
+            </a:r>
+            <a:r>
+              <a:rPr lang="en-IN" dirty="0" smtClean="0"/>
+              <a:t>) – </a:t>
+            </a:r>
+            <a:r>
+              <a:rPr lang="en-IN" dirty="0" smtClean="0">
+                <a:solidFill>
+                  <a:srgbClr val="00B050"/>
+                </a:solidFill>
+              </a:rPr>
+              <a:t>S</a:t>
+            </a:r>
+            <a:r>
+              <a:rPr lang="en-IN" dirty="0" smtClean="0"/>
+              <a:t>um of </a:t>
+            </a:r>
+            <a:r>
+              <a:rPr lang="en-IN" dirty="0" smtClean="0">
+                <a:solidFill>
+                  <a:srgbClr val="00B050"/>
+                </a:solidFill>
+              </a:rPr>
+              <a:t>s</a:t>
+            </a:r>
+            <a:r>
+              <a:rPr lang="en-IN" dirty="0" smtClean="0"/>
+              <a:t>quares </a:t>
+            </a:r>
+            <a:r>
+              <a:rPr lang="en-IN" dirty="0" smtClean="0"/>
+              <a:t>around </a:t>
+            </a:r>
+            <a:r>
+              <a:rPr lang="en-IN" dirty="0" smtClean="0">
+                <a:solidFill>
+                  <a:srgbClr val="0070C0"/>
+                </a:solidFill>
+              </a:rPr>
+              <a:t>fit</a:t>
+            </a:r>
+          </a:p>
+        </p:txBody>
+      </p:sp>
+      <p:graphicFrame>
+        <p:nvGraphicFramePr>
+          <p:cNvPr id="4" name="Object 3"/>
+          <p:cNvGraphicFramePr>
+            <a:graphicFrameLocks noChangeAspect="1"/>
+          </p:cNvGraphicFramePr>
+          <p:nvPr/>
+        </p:nvGraphicFramePr>
+        <p:xfrm>
+          <a:off x="741217" y="1638619"/>
+          <a:ext cx="3983183" cy="1104581"/>
+        </p:xfrm>
+        <a:graphic>
+          <a:graphicData uri="http://schemas.openxmlformats.org/presentationml/2006/ole">
+            <p:oleObj spid="_x0000_s27650" name="Equation" r:id="rId3" imgW="1511280" imgH="419040" progId="Equation.3">
+              <p:embed/>
+            </p:oleObj>
+          </a:graphicData>
+        </a:graphic>
+      </p:graphicFrame>
+    </p:spTree>
+  </p:cSld>
+  <p:clrMapOvr>
+    <a:masterClrMapping/>
+  </p:clrMapOvr>
+</p:sld>
+</file>
+
+<file path=ppt/slides/slide16.xml><?xml version="1.0" encoding="utf-8"?>
+<p:sld xmlns:a="http://schemas.openxmlformats.org/drawingml/2006/main" xmlns:r="http://schemas.openxmlformats.org/officeDocument/2006/relationships" xmlns:p="http://schemas.openxmlformats.org/presentationml/2006/main">
+  <p:cSld>
+    <p:spTree>
+      <p:nvGrpSpPr>
+        <p:cNvPr id="1" name=""/>
+        <p:cNvGrpSpPr/>
+        <p:nvPr/>
+      </p:nvGrpSpPr>
+      <p:grpSpPr>
+        <a:xfrm>
+          <a:off x="0" y="0"/>
+          <a:ext cx="0" cy="0"/>
+          <a:chOff x="0" y="0"/>
+          <a:chExt cx="0" cy="0"/>
+        </a:xfrm>
+      </p:grpSpPr>
+      <p:sp>
+        <p:nvSpPr>
+          <p:cNvPr id="2" name="Title 1"/>
+          <p:cNvSpPr>
+            <a:spLocks noGrp="1"/>
+          </p:cNvSpPr>
+          <p:nvPr>
+            <p:ph type="title"/>
+          </p:nvPr>
+        </p:nvSpPr>
+        <p:spPr/>
+        <p:txBody>
+          <a:bodyPr/>
+          <a:lstStyle/>
+          <a:p>
+            <a:r>
+              <a:rPr lang="en-US" dirty="0" smtClean="0"/>
+              <a:t>Advantages</a:t>
             </a:r>
             <a:endParaRPr lang="en-US" dirty="0"/>
           </a:p>
@@ -4350,51 +4768,80 @@
           <a:p>
             <a:r>
               <a:rPr lang="en-IN" dirty="0" smtClean="0"/>
-              <a:t>Assumption of linearity </a:t>
+              <a:t>Good for linearly separable </a:t>
+            </a:r>
+            <a:r>
+              <a:rPr lang="en-IN" dirty="0" smtClean="0"/>
+              <a:t>data</a:t>
+            </a:r>
+          </a:p>
+          <a:p>
+            <a:r>
+              <a:rPr lang="en-IN" dirty="0" smtClean="0"/>
+              <a:t>Easier </a:t>
+            </a:r>
+            <a:r>
+              <a:rPr lang="en-IN" dirty="0" smtClean="0"/>
+              <a:t>to </a:t>
+            </a:r>
+            <a:r>
+              <a:rPr lang="en-IN" dirty="0" smtClean="0"/>
+              <a:t>implement and interpret </a:t>
+            </a:r>
+          </a:p>
+          <a:p>
+            <a:r>
+              <a:rPr lang="en-IN" dirty="0" smtClean="0"/>
+              <a:t>Efficient </a:t>
+            </a:r>
+            <a:r>
+              <a:rPr lang="en-IN" dirty="0" smtClean="0"/>
+              <a:t>to </a:t>
+            </a:r>
+            <a:r>
+              <a:rPr lang="en-IN" dirty="0" smtClean="0"/>
+              <a:t>train</a:t>
+            </a:r>
+          </a:p>
+          <a:p>
+            <a:r>
+              <a:rPr lang="en-US" dirty="0" smtClean="0"/>
+              <a:t>Handle over-fitting</a:t>
             </a:r>
           </a:p>
           <a:p>
             <a:pPr lvl="1"/>
             <a:r>
               <a:rPr lang="en-IN" dirty="0" smtClean="0"/>
-              <a:t>Independent variables</a:t>
+              <a:t>Dimensionally </a:t>
+            </a:r>
+            <a:r>
+              <a:rPr lang="en-IN" dirty="0" smtClean="0"/>
+              <a:t>reduction </a:t>
+            </a:r>
+            <a:r>
+              <a:rPr lang="en-IN" dirty="0" smtClean="0"/>
+              <a:t>techniques</a:t>
             </a:r>
           </a:p>
           <a:p>
             <a:pPr lvl="1"/>
             <a:r>
               <a:rPr lang="en-IN" dirty="0" smtClean="0"/>
-              <a:t>Dependent variables</a:t>
-            </a:r>
-          </a:p>
-          <a:p>
-            <a:r>
-              <a:rPr lang="en-US" dirty="0" smtClean="0"/>
-              <a:t>Prone to noise</a:t>
-            </a:r>
-          </a:p>
-          <a:p>
-            <a:r>
-              <a:rPr lang="en-US" dirty="0" smtClean="0"/>
-              <a:t>Sensitive </a:t>
-            </a:r>
-            <a:r>
-              <a:rPr lang="en-US" dirty="0" smtClean="0"/>
-              <a:t>to </a:t>
-            </a:r>
-            <a:r>
-              <a:rPr lang="en-US" dirty="0" smtClean="0"/>
-              <a:t>outliers</a:t>
-            </a:r>
-          </a:p>
-          <a:p>
-            <a:r>
-              <a:rPr lang="en-US" dirty="0" smtClean="0"/>
-              <a:t>Prone to </a:t>
-            </a:r>
-            <a:r>
-              <a:rPr lang="en-US" dirty="0" err="1" smtClean="0"/>
-              <a:t>multicollinearity</a:t>
+              <a:t>Regularization</a:t>
+            </a:r>
+          </a:p>
+          <a:p>
+            <a:pPr lvl="1"/>
+            <a:r>
+              <a:rPr lang="en-IN" dirty="0" smtClean="0"/>
+              <a:t>Cross-validation</a:t>
+            </a:r>
+          </a:p>
+          <a:p>
+            <a:r>
+              <a:rPr lang="en-IN" dirty="0" smtClean="0"/>
+              <a:t>Extrapolation of dataset</a:t>
             </a:r>
             <a:endParaRPr lang="en-US" dirty="0"/>
           </a:p>
@@ -4415,7 +4862,131 @@
 </p:sld>
 </file>
 
-<file path=ppt/slides/slide16.xml><?xml version="1.0" encoding="utf-8"?>
+<file path=ppt/slides/slide17.xml><?xml version="1.0" encoding="utf-8"?>
+<p:sld xmlns:a="http://schemas.openxmlformats.org/drawingml/2006/main" xmlns:r="http://schemas.openxmlformats.org/officeDocument/2006/relationships" xmlns:p="http://schemas.openxmlformats.org/presentationml/2006/main">
+  <p:cSld>
+    <p:spTree>
+      <p:nvGrpSpPr>
+        <p:cNvPr id="1" name=""/>
+        <p:cNvGrpSpPr/>
+        <p:nvPr/>
+      </p:nvGrpSpPr>
+      <p:grpSpPr>
+        <a:xfrm>
+          <a:off x="0" y="0"/>
+          <a:ext cx="0" cy="0"/>
+          <a:chOff x="0" y="0"/>
+          <a:chExt cx="0" cy="0"/>
+        </a:xfrm>
+      </p:grpSpPr>
+      <p:sp>
+        <p:nvSpPr>
+          <p:cNvPr id="2" name="Title 1"/>
+          <p:cNvSpPr>
+            <a:spLocks noGrp="1"/>
+          </p:cNvSpPr>
+          <p:nvPr>
+            <p:ph type="title"/>
+          </p:nvPr>
+        </p:nvSpPr>
+        <p:spPr/>
+        <p:txBody>
+          <a:bodyPr/>
+          <a:lstStyle/>
+          <a:p>
+            <a:r>
+              <a:rPr lang="en-US" dirty="0" smtClean="0"/>
+              <a:t>Disadvantages</a:t>
+            </a:r>
+            <a:endParaRPr lang="en-US" dirty="0"/>
+          </a:p>
+        </p:txBody>
+      </p:sp>
+      <p:sp>
+        <p:nvSpPr>
+          <p:cNvPr id="3" name="Content Placeholder 2"/>
+          <p:cNvSpPr>
+            <a:spLocks noGrp="1"/>
+          </p:cNvSpPr>
+          <p:nvPr>
+            <p:ph idx="1"/>
+          </p:nvPr>
+        </p:nvSpPr>
+        <p:spPr/>
+        <p:txBody>
+          <a:bodyPr>
+            <a:normAutofit/>
+          </a:bodyPr>
+          <a:lstStyle/>
+          <a:p>
+            <a:r>
+              <a:rPr lang="en-IN" dirty="0" smtClean="0"/>
+              <a:t>Assumption of linearity </a:t>
+            </a:r>
+          </a:p>
+          <a:p>
+            <a:pPr lvl="1"/>
+            <a:r>
+              <a:rPr lang="en-IN" dirty="0" smtClean="0"/>
+              <a:t>Independent variables</a:t>
+            </a:r>
+          </a:p>
+          <a:p>
+            <a:pPr lvl="1"/>
+            <a:r>
+              <a:rPr lang="en-IN" dirty="0" smtClean="0"/>
+              <a:t>Dependent variables</a:t>
+            </a:r>
+          </a:p>
+          <a:p>
+            <a:r>
+              <a:rPr lang="en-US" dirty="0" smtClean="0"/>
+              <a:t>Prone to noise</a:t>
+            </a:r>
+          </a:p>
+          <a:p>
+            <a:r>
+              <a:rPr lang="en-US" dirty="0" smtClean="0"/>
+              <a:t>Sensitive </a:t>
+            </a:r>
+            <a:r>
+              <a:rPr lang="en-US" dirty="0" smtClean="0"/>
+              <a:t>to </a:t>
+            </a:r>
+            <a:r>
+              <a:rPr lang="en-US" dirty="0" smtClean="0"/>
+              <a:t>outliers</a:t>
+            </a:r>
+          </a:p>
+          <a:p>
+            <a:r>
+              <a:rPr lang="en-US" dirty="0" smtClean="0"/>
+              <a:t>Prone to </a:t>
+            </a:r>
+            <a:r>
+              <a:rPr lang="en-US" dirty="0" err="1" smtClean="0"/>
+              <a:t>multicollinearity</a:t>
+            </a:r>
+            <a:endParaRPr lang="en-US" dirty="0"/>
+          </a:p>
+        </p:txBody>
+      </p:sp>
+    </p:spTree>
+  </p:cSld>
+  <p:clrMapOvr>
+    <a:masterClrMapping/>
+  </p:clrMapOvr>
+  <p:timing>
+    <p:tnLst>
+      <p:par>
+        <p:cTn id="1" dur="indefinite" restart="never" nodeType="tmRoot"/>
+      </p:par>
+    </p:tnLst>
+  </p:timing>
+</p:sld>
+</file>
+
+<file path=ppt/slides/slide18.xml><?xml version="1.0" encoding="utf-8"?>
 <p:sld xmlns:a="http://schemas.openxmlformats.org/drawingml/2006/main" xmlns:r="http://schemas.openxmlformats.org/officeDocument/2006/relationships" xmlns:p="http://schemas.openxmlformats.org/presentationml/2006/main">
   <p:cSld>
     <p:spTree>

--- a/MachineLearning/LinearRegression/LinearRegression.pptx
+++ b/MachineLearning/LinearRegression/LinearRegression.pptx
@@ -5,7 +5,7 @@
     <p:sldMasterId id="2147483648" r:id="rId1"/>
   </p:sldMasterIdLst>
   <p:notesMasterIdLst>
-    <p:notesMasterId r:id="rId20"/>
+    <p:notesMasterId r:id="rId21"/>
   </p:notesMasterIdLst>
   <p:sldIdLst>
     <p:sldId id="256" r:id="rId2"/>
@@ -15,17 +15,18 @@
     <p:sldId id="279" r:id="rId6"/>
     <p:sldId id="281" r:id="rId7"/>
     <p:sldId id="283" r:id="rId8"/>
-    <p:sldId id="284" r:id="rId9"/>
-    <p:sldId id="275" r:id="rId10"/>
-    <p:sldId id="276" r:id="rId11"/>
-    <p:sldId id="285" r:id="rId12"/>
-    <p:sldId id="277" r:id="rId13"/>
-    <p:sldId id="278" r:id="rId14"/>
-    <p:sldId id="286" r:id="rId15"/>
-    <p:sldId id="288" r:id="rId16"/>
-    <p:sldId id="270" r:id="rId17"/>
-    <p:sldId id="271" r:id="rId18"/>
-    <p:sldId id="269" r:id="rId19"/>
+    <p:sldId id="275" r:id="rId9"/>
+    <p:sldId id="276" r:id="rId10"/>
+    <p:sldId id="285" r:id="rId11"/>
+    <p:sldId id="277" r:id="rId12"/>
+    <p:sldId id="278" r:id="rId13"/>
+    <p:sldId id="286" r:id="rId14"/>
+    <p:sldId id="288" r:id="rId15"/>
+    <p:sldId id="289" r:id="rId16"/>
+    <p:sldId id="290" r:id="rId17"/>
+    <p:sldId id="270" r:id="rId18"/>
+    <p:sldId id="271" r:id="rId19"/>
+    <p:sldId id="269" r:id="rId20"/>
   </p:sldIdLst>
   <p:sldSz cx="9144000" cy="6858000" type="screen4x3"/>
   <p:notesSz cx="6858000" cy="9144000"/>
@@ -3544,117 +3545,87 @@
           <a:lstStyle/>
           <a:p>
             <a:r>
-              <a:rPr lang="en-US" dirty="0" smtClean="0"/>
-              <a:t>Linear Regression</a:t>
-            </a:r>
-            <a:endParaRPr lang="en-US" dirty="0"/>
-          </a:p>
-        </p:txBody>
-      </p:sp>
-      <p:sp>
-        <p:nvSpPr>
-          <p:cNvPr id="5" name="Text Box 10"/>
-          <p:cNvSpPr txBox="1">
-            <a:spLocks noChangeArrowheads="1"/>
-          </p:cNvSpPr>
-          <p:nvPr/>
-        </p:nvSpPr>
-        <p:spPr bwMode="auto">
-          <a:xfrm rot="10800000" flipV="1">
-            <a:off x="0" y="6519446"/>
-            <a:ext cx="1828800" cy="338554"/>
-          </a:xfrm>
-          <a:prstGeom prst="rect">
-            <a:avLst/>
-          </a:prstGeom>
-          <a:noFill/>
-          <a:ln w="9525">
-            <a:noFill/>
-            <a:miter lim="800000"/>
-            <a:headEnd/>
-            <a:tailEnd/>
-          </a:ln>
-          <a:effectLst/>
-        </p:spPr>
-        <p:txBody>
-          <a:bodyPr wrap="square">
-            <a:spAutoFit/>
-          </a:bodyPr>
-          <a:lstStyle/>
-          <a:p>
-            <a:pPr>
-              <a:spcBef>
-                <a:spcPct val="50000"/>
-              </a:spcBef>
-            </a:pPr>
-            <a:r>
-              <a:rPr lang="en-US" sz="1600" b="1" dirty="0">
-                <a:solidFill>
-                  <a:srgbClr val="FF0000"/>
-                </a:solidFill>
-              </a:rPr>
-              <a:t>Image </a:t>
-            </a:r>
-            <a:r>
-              <a:rPr lang="en-US" sz="1600" b="1" dirty="0" err="1" smtClean="0">
-                <a:solidFill>
-                  <a:srgbClr val="FF0000"/>
-                </a:solidFill>
-              </a:rPr>
-              <a:t>ack</a:t>
-            </a:r>
-            <a:r>
-              <a:rPr lang="en-US" sz="1600" b="1" dirty="0" smtClean="0">
-                <a:solidFill>
-                  <a:srgbClr val="FF0000"/>
-                </a:solidFill>
-              </a:rPr>
-              <a:t> – Google</a:t>
-            </a:r>
-            <a:endParaRPr lang="en-US" sz="1600" b="1" dirty="0">
-              <a:solidFill>
-                <a:srgbClr val="FF0000"/>
-              </a:solidFill>
-            </a:endParaRPr>
-          </a:p>
-        </p:txBody>
-      </p:sp>
-      <p:pic>
-        <p:nvPicPr>
-          <p:cNvPr id="7" name="Picture 6" descr="PositiveNegativeNoCorrelation.png"/>
-          <p:cNvPicPr>
-            <a:picLocks noChangeAspect="1"/>
-          </p:cNvPicPr>
-          <p:nvPr/>
-        </p:nvPicPr>
-        <p:blipFill>
-          <a:blip r:embed="rId2"/>
-          <a:stretch>
-            <a:fillRect/>
-          </a:stretch>
-        </p:blipFill>
-        <p:spPr>
-          <a:xfrm>
-            <a:off x="717352" y="2228788"/>
-            <a:ext cx="7709296" cy="2400423"/>
-          </a:xfrm>
-          <a:prstGeom prst="rect">
-            <a:avLst/>
-          </a:prstGeom>
-        </p:spPr>
-      </p:pic>
+              <a:rPr lang="en-IN" dirty="0" smtClean="0"/>
+              <a:t>Algorithm</a:t>
+            </a:r>
+            <a:endParaRPr lang="en-IN" dirty="0"/>
+          </a:p>
+        </p:txBody>
+      </p:sp>
+      <p:sp>
+        <p:nvSpPr>
+          <p:cNvPr id="3" name="Content Placeholder 2"/>
+          <p:cNvSpPr>
+            <a:spLocks noGrp="1"/>
+          </p:cNvSpPr>
+          <p:nvPr>
+            <p:ph idx="1"/>
+          </p:nvPr>
+        </p:nvSpPr>
+        <p:spPr/>
+        <p:txBody>
+          <a:bodyPr/>
+          <a:lstStyle/>
+          <a:p>
+            <a:r>
+              <a:rPr lang="en-IN" dirty="0" smtClean="0"/>
+              <a:t>Fit line to dataset</a:t>
+            </a:r>
+          </a:p>
+          <a:p>
+            <a:pPr lvl="1"/>
+            <a:r>
+              <a:rPr lang="en-IN" dirty="0" smtClean="0"/>
+              <a:t>Compute slope of </a:t>
+            </a:r>
+            <a:r>
+              <a:rPr lang="en-IN" dirty="0" smtClean="0"/>
+              <a:t>line</a:t>
+            </a:r>
+          </a:p>
+          <a:p>
+            <a:pPr lvl="1"/>
+            <a:r>
+              <a:rPr lang="en-IN" dirty="0" smtClean="0"/>
+              <a:t>Compute Y axis intercept</a:t>
+            </a:r>
+          </a:p>
+          <a:p>
+            <a:r>
+              <a:rPr lang="en-IN" dirty="0" smtClean="0"/>
+              <a:t>Calculate R</a:t>
+            </a:r>
+            <a:r>
+              <a:rPr lang="en-IN" baseline="30000" dirty="0" smtClean="0"/>
+              <a:t>2</a:t>
+            </a:r>
+            <a:r>
+              <a:rPr lang="en-IN" dirty="0" smtClean="0"/>
+              <a:t> value</a:t>
+            </a:r>
+          </a:p>
+          <a:p>
+            <a:r>
+              <a:rPr lang="en-IN" dirty="0" smtClean="0"/>
+              <a:t>Calculate p-value for R</a:t>
+            </a:r>
+            <a:r>
+              <a:rPr lang="en-IN" baseline="30000" dirty="0" smtClean="0"/>
+              <a:t>2</a:t>
+            </a:r>
+            <a:r>
+              <a:rPr lang="en-IN" dirty="0" smtClean="0"/>
+              <a:t> value</a:t>
+            </a:r>
+            <a:endParaRPr lang="en-IN" dirty="0"/>
+          </a:p>
+        </p:txBody>
+      </p:sp>
     </p:spTree>
   </p:cSld>
   <p:clrMapOvr>
     <a:masterClrMapping/>
   </p:clrMapOvr>
-  <p:timing>
-    <p:tnLst>
-      <p:par>
-        <p:cTn id="1" dur="indefinite" restart="never" nodeType="tmRoot"/>
-      </p:par>
-    </p:tnLst>
-  </p:timing>
 </p:sld>
 </file>
 
@@ -3691,10 +3662,14 @@
           <a:lstStyle/>
           <a:p>
             <a:r>
-              <a:rPr lang="en-IN" dirty="0" smtClean="0"/>
-              <a:t>Algorithm</a:t>
-            </a:r>
-            <a:endParaRPr lang="en-IN" dirty="0"/>
+              <a:rPr lang="en-US" dirty="0" smtClean="0"/>
+              <a:t>Least </a:t>
+            </a:r>
+            <a:r>
+              <a:rPr lang="en-US" dirty="0" smtClean="0"/>
+              <a:t>Squares</a:t>
+            </a:r>
+            <a:endParaRPr lang="en-US" dirty="0"/>
           </a:p>
         </p:txBody>
       </p:sp>
@@ -3710,60 +3685,73 @@
         </p:nvSpPr>
         <p:spPr/>
         <p:txBody>
-          <a:bodyPr/>
-          <a:lstStyle/>
-          <a:p>
-            <a:r>
-              <a:rPr lang="en-IN" dirty="0" smtClean="0"/>
-              <a:t>Fit line to dataset</a:t>
-            </a:r>
-          </a:p>
-          <a:p>
-            <a:pPr lvl="1"/>
-            <a:r>
-              <a:rPr lang="en-IN" dirty="0" smtClean="0"/>
-              <a:t>Compute slope of </a:t>
-            </a:r>
-            <a:r>
-              <a:rPr lang="en-IN" dirty="0" smtClean="0"/>
-              <a:t>line</a:t>
-            </a:r>
-          </a:p>
-          <a:p>
-            <a:pPr lvl="1"/>
-            <a:r>
-              <a:rPr lang="en-IN" dirty="0" smtClean="0"/>
-              <a:t>Compute Y axis intercept</a:t>
-            </a:r>
-          </a:p>
-          <a:p>
-            <a:r>
-              <a:rPr lang="en-IN" dirty="0" smtClean="0"/>
-              <a:t>Calculate R</a:t>
-            </a:r>
-            <a:r>
-              <a:rPr lang="en-IN" baseline="30000" dirty="0" smtClean="0"/>
-              <a:t>2</a:t>
-            </a:r>
-            <a:r>
-              <a:rPr lang="en-IN" dirty="0" smtClean="0"/>
-              <a:t> value</a:t>
-            </a:r>
-          </a:p>
-          <a:p>
-            <a:r>
-              <a:rPr lang="en-IN" dirty="0" smtClean="0"/>
-              <a:t>Calculate p-value for R</a:t>
-            </a:r>
-            <a:r>
-              <a:rPr lang="en-IN" baseline="30000" dirty="0" smtClean="0"/>
-              <a:t>2</a:t>
-            </a:r>
-            <a:r>
-              <a:rPr lang="en-IN" dirty="0" smtClean="0"/>
-              <a:t> value</a:t>
-            </a:r>
-            <a:endParaRPr lang="en-IN" dirty="0"/>
+          <a:bodyPr>
+            <a:normAutofit/>
+          </a:bodyPr>
+          <a:lstStyle/>
+          <a:p>
+            <a:r>
+              <a:rPr lang="en-US" dirty="0" smtClean="0"/>
+              <a:t>Linear regression </a:t>
+            </a:r>
+            <a:r>
+              <a:rPr lang="en-US" dirty="0" smtClean="0"/>
+              <a:t>– Least </a:t>
+            </a:r>
+            <a:r>
+              <a:rPr lang="en-US" dirty="0" smtClean="0"/>
+              <a:t>squares</a:t>
+            </a:r>
+            <a:endParaRPr lang="en-US" dirty="0" smtClean="0"/>
+          </a:p>
+          <a:p>
+            <a:r>
+              <a:rPr lang="en-US" dirty="0" smtClean="0"/>
+              <a:t>Actual value – Observed value</a:t>
+            </a:r>
+          </a:p>
+          <a:p>
+            <a:r>
+              <a:rPr lang="en-US" dirty="0" smtClean="0"/>
+              <a:t>Estimated value – Predicted value</a:t>
+            </a:r>
+          </a:p>
+          <a:p>
+            <a:r>
+              <a:rPr lang="en-US" dirty="0" smtClean="0"/>
+              <a:t>Error </a:t>
+            </a:r>
+            <a:r>
+              <a:rPr lang="en-US" dirty="0" smtClean="0"/>
+              <a:t>value</a:t>
+            </a:r>
+          </a:p>
+          <a:p>
+            <a:r>
+              <a:rPr lang="en-US" dirty="0" smtClean="0"/>
+              <a:t>Sum of squared residuals</a:t>
+            </a:r>
+            <a:endParaRPr lang="en-US" dirty="0" smtClean="0"/>
+          </a:p>
+          <a:p>
+            <a:r>
+              <a:rPr lang="en-US" dirty="0" smtClean="0"/>
+              <a:t>Minimize error </a:t>
+            </a:r>
+            <a:r>
+              <a:rPr lang="en-US" dirty="0" smtClean="0"/>
+              <a:t>value</a:t>
+            </a:r>
+          </a:p>
+          <a:p>
+            <a:r>
+              <a:rPr lang="en-US" dirty="0" smtClean="0"/>
+              <a:t>Generic equation of line</a:t>
+            </a:r>
+            <a:endParaRPr lang="en-US" dirty="0" smtClean="0"/>
+          </a:p>
+          <a:p>
+            <a:endParaRPr lang="en-US" dirty="0"/>
           </a:p>
         </p:txBody>
       </p:sp>
@@ -3772,6 +3760,13 @@
   <p:clrMapOvr>
     <a:masterClrMapping/>
   </p:clrMapOvr>
+  <p:timing>
+    <p:tnLst>
+      <p:par>
+        <p:cTn id="1" dur="indefinite" restart="never" nodeType="tmRoot"/>
+      </p:par>
+    </p:tnLst>
+  </p:timing>
 </p:sld>
 </file>
 
@@ -3809,144 +3804,7 @@
           <a:p>
             <a:r>
               <a:rPr lang="en-US" dirty="0" smtClean="0"/>
-              <a:t>Optimization Objective</a:t>
-            </a:r>
-            <a:endParaRPr lang="en-US" dirty="0"/>
-          </a:p>
-        </p:txBody>
-      </p:sp>
-      <p:sp>
-        <p:nvSpPr>
-          <p:cNvPr id="3" name="Content Placeholder 2"/>
-          <p:cNvSpPr>
-            <a:spLocks noGrp="1"/>
-          </p:cNvSpPr>
-          <p:nvPr>
-            <p:ph idx="1"/>
-          </p:nvPr>
-        </p:nvSpPr>
-        <p:spPr/>
-        <p:txBody>
-          <a:bodyPr>
-            <a:normAutofit/>
-          </a:bodyPr>
-          <a:lstStyle/>
-          <a:p>
-            <a:r>
-              <a:rPr lang="en-US" dirty="0" smtClean="0"/>
-              <a:t>Linear regression </a:t>
-            </a:r>
-            <a:r>
-              <a:rPr lang="en-US" dirty="0" smtClean="0"/>
-              <a:t>– Least </a:t>
-            </a:r>
-            <a:r>
-              <a:rPr lang="en-US" dirty="0" smtClean="0"/>
-              <a:t>squares</a:t>
-            </a:r>
-            <a:endParaRPr lang="en-US" dirty="0" smtClean="0"/>
-          </a:p>
-          <a:p>
-            <a:r>
-              <a:rPr lang="en-US" dirty="0" smtClean="0"/>
-              <a:t>Actual value – Observed value</a:t>
-            </a:r>
-          </a:p>
-          <a:p>
-            <a:r>
-              <a:rPr lang="en-US" dirty="0" smtClean="0"/>
-              <a:t>Estimated value – Predicted value</a:t>
-            </a:r>
-          </a:p>
-          <a:p>
-            <a:r>
-              <a:rPr lang="en-US" dirty="0" smtClean="0"/>
-              <a:t>Error </a:t>
-            </a:r>
-            <a:r>
-              <a:rPr lang="en-US" dirty="0" smtClean="0"/>
-              <a:t>value</a:t>
-            </a:r>
-          </a:p>
-          <a:p>
-            <a:r>
-              <a:rPr lang="en-US" dirty="0" smtClean="0"/>
-              <a:t>Sum of squared residuals</a:t>
-            </a:r>
-            <a:endParaRPr lang="en-US" dirty="0" smtClean="0"/>
-          </a:p>
-          <a:p>
-            <a:r>
-              <a:rPr lang="en-US" dirty="0" smtClean="0"/>
-              <a:t>Minimize error </a:t>
-            </a:r>
-            <a:r>
-              <a:rPr lang="en-US" dirty="0" smtClean="0"/>
-              <a:t>value</a:t>
-            </a:r>
-          </a:p>
-          <a:p>
-            <a:r>
-              <a:rPr lang="en-US" dirty="0" smtClean="0"/>
-              <a:t>Generic equation of line</a:t>
-            </a:r>
-            <a:endParaRPr lang="en-US" dirty="0" smtClean="0"/>
-          </a:p>
-          <a:p>
-            <a:endParaRPr lang="en-US" dirty="0"/>
-          </a:p>
-        </p:txBody>
-      </p:sp>
-    </p:spTree>
-  </p:cSld>
-  <p:clrMapOvr>
-    <a:masterClrMapping/>
-  </p:clrMapOvr>
-  <p:timing>
-    <p:tnLst>
-      <p:par>
-        <p:cTn id="1" dur="indefinite" restart="never" nodeType="tmRoot"/>
-      </p:par>
-    </p:tnLst>
-  </p:timing>
-</p:sld>
-</file>
-
-<file path=ppt/slides/slide13.xml><?xml version="1.0" encoding="utf-8"?>
-<p:sld xmlns:a="http://schemas.openxmlformats.org/drawingml/2006/main" xmlns:r="http://schemas.openxmlformats.org/officeDocument/2006/relationships" xmlns:p="http://schemas.openxmlformats.org/presentationml/2006/main">
-  <p:cSld>
-    <p:spTree>
-      <p:nvGrpSpPr>
-        <p:cNvPr id="1" name=""/>
-        <p:cNvGrpSpPr/>
-        <p:nvPr/>
-      </p:nvGrpSpPr>
-      <p:grpSpPr>
-        <a:xfrm>
-          <a:off x="0" y="0"/>
-          <a:ext cx="0" cy="0"/>
-          <a:chOff x="0" y="0"/>
-          <a:chExt cx="0" cy="0"/>
-        </a:xfrm>
-      </p:grpSpPr>
-      <p:sp>
-        <p:nvSpPr>
-          <p:cNvPr id="2" name="Title 1"/>
-          <p:cNvSpPr>
-            <a:spLocks noGrp="1"/>
-          </p:cNvSpPr>
-          <p:nvPr>
-            <p:ph type="title"/>
-          </p:nvPr>
-        </p:nvSpPr>
-        <p:spPr/>
-        <p:txBody>
-          <a:bodyPr/>
-          <a:lstStyle/>
-          <a:p>
-            <a:r>
-              <a:rPr lang="en-US" dirty="0" smtClean="0"/>
-              <a:t>Optimization Objective</a:t>
+              <a:t>Least Squares</a:t>
             </a:r>
             <a:endParaRPr lang="en-US" dirty="0"/>
           </a:p>
@@ -4140,7 +3998,7 @@
 </p:sld>
 </file>
 
-<file path=ppt/slides/slide14.xml><?xml version="1.0" encoding="utf-8"?>
+<file path=ppt/slides/slide13.xml><?xml version="1.0" encoding="utf-8"?>
 <p:sld xmlns:a="http://schemas.openxmlformats.org/drawingml/2006/main" xmlns:r="http://schemas.openxmlformats.org/officeDocument/2006/relationships" xmlns:p="http://schemas.openxmlformats.org/presentationml/2006/main">
   <p:cSld>
     <p:spTree>
@@ -4449,7 +4307,7 @@
 </p:sld>
 </file>
 
-<file path=ppt/slides/slide15.xml><?xml version="1.0" encoding="utf-8"?>
+<file path=ppt/slides/slide14.xml><?xml version="1.0" encoding="utf-8"?>
 <p:sld xmlns:a="http://schemas.openxmlformats.org/drawingml/2006/main" xmlns:r="http://schemas.openxmlformats.org/officeDocument/2006/relationships" xmlns:p="http://schemas.openxmlformats.org/presentationml/2006/main">
   <p:cSld>
     <p:spTree>
@@ -4709,6 +4567,126 @@
 </p:sld>
 </file>
 
+<file path=ppt/slides/slide15.xml><?xml version="1.0" encoding="utf-8"?>
+<p:sld xmlns:a="http://schemas.openxmlformats.org/drawingml/2006/main" xmlns:r="http://schemas.openxmlformats.org/officeDocument/2006/relationships" xmlns:p="http://schemas.openxmlformats.org/presentationml/2006/main">
+  <p:cSld>
+    <p:spTree>
+      <p:nvGrpSpPr>
+        <p:cNvPr id="1" name=""/>
+        <p:cNvGrpSpPr/>
+        <p:nvPr/>
+      </p:nvGrpSpPr>
+      <p:grpSpPr>
+        <a:xfrm>
+          <a:off x="0" y="0"/>
+          <a:ext cx="0" cy="0"/>
+          <a:chOff x="0" y="0"/>
+          <a:chExt cx="0" cy="0"/>
+        </a:xfrm>
+      </p:grpSpPr>
+      <p:sp>
+        <p:nvSpPr>
+          <p:cNvPr id="2" name="Title 1"/>
+          <p:cNvSpPr>
+            <a:spLocks noGrp="1"/>
+          </p:cNvSpPr>
+          <p:nvPr>
+            <p:ph type="title"/>
+          </p:nvPr>
+        </p:nvSpPr>
+        <p:spPr/>
+        <p:txBody>
+          <a:bodyPr/>
+          <a:lstStyle/>
+          <a:p>
+            <a:r>
+              <a:rPr lang="en-IN" dirty="0" smtClean="0"/>
+              <a:t>R</a:t>
+            </a:r>
+            <a:r>
+              <a:rPr lang="en-IN" baseline="30000" dirty="0" smtClean="0"/>
+              <a:t>2</a:t>
+            </a:r>
+            <a:r>
+              <a:rPr lang="en-IN" dirty="0" smtClean="0"/>
+              <a:t> Value</a:t>
+            </a:r>
+            <a:endParaRPr lang="en-IN" dirty="0"/>
+          </a:p>
+        </p:txBody>
+      </p:sp>
+      <p:sp>
+        <p:nvSpPr>
+          <p:cNvPr id="3" name="Content Placeholder 2"/>
+          <p:cNvSpPr>
+            <a:spLocks noGrp="1"/>
+          </p:cNvSpPr>
+          <p:nvPr>
+            <p:ph idx="1"/>
+          </p:nvPr>
+        </p:nvSpPr>
+        <p:spPr/>
+        <p:txBody>
+          <a:bodyPr/>
+          <a:lstStyle/>
+          <a:p>
+            <a:pPr algn="just"/>
+            <a:r>
+              <a:rPr lang="en-IN" dirty="0" smtClean="0"/>
+              <a:t>Value between 0.0 – 1.0</a:t>
+            </a:r>
+          </a:p>
+          <a:p>
+            <a:pPr algn="just"/>
+            <a:r>
+              <a:rPr lang="en-IN" dirty="0" smtClean="0"/>
+              <a:t>Percentage value</a:t>
+            </a:r>
+          </a:p>
+          <a:p>
+            <a:pPr algn="just"/>
+            <a:r>
+              <a:rPr lang="en-IN" dirty="0" smtClean="0"/>
+              <a:t>Independent variable explains p percent of variation in dependent variable</a:t>
+            </a:r>
+          </a:p>
+          <a:p>
+            <a:pPr algn="just"/>
+            <a:r>
+              <a:rPr lang="en-IN" dirty="0" smtClean="0"/>
+              <a:t>Independent variable </a:t>
+            </a:r>
+            <a:r>
+              <a:rPr lang="en-IN" dirty="0" smtClean="0"/>
+              <a:t>reduces p percent of variation in dependent variable</a:t>
+            </a:r>
+          </a:p>
+          <a:p>
+            <a:pPr algn="just"/>
+            <a:r>
+              <a:rPr lang="en-IN" dirty="0" smtClean="0"/>
+              <a:t>Importance of independent </a:t>
+            </a:r>
+            <a:r>
+              <a:rPr lang="en-IN" dirty="0" smtClean="0"/>
+              <a:t>variable</a:t>
+            </a:r>
+            <a:r>
+              <a:rPr lang="en-IN" dirty="0" smtClean="0"/>
+              <a:t>    </a:t>
+            </a:r>
+            <a:endParaRPr lang="en-IN" dirty="0" smtClean="0"/>
+          </a:p>
+        </p:txBody>
+      </p:sp>
+    </p:spTree>
+  </p:cSld>
+  <p:clrMapOvr>
+    <a:masterClrMapping/>
+  </p:clrMapOvr>
+</p:sld>
+</file>
+
 <file path=ppt/slides/slide16.xml><?xml version="1.0" encoding="utf-8"?>
 <p:sld xmlns:a="http://schemas.openxmlformats.org/drawingml/2006/main" xmlns:r="http://schemas.openxmlformats.org/officeDocument/2006/relationships" xmlns:p="http://schemas.openxmlformats.org/presentationml/2006/main">
   <p:cSld>
@@ -4738,112 +4716,93 @@
         </p:nvSpPr>
         <p:spPr/>
         <p:txBody>
-          <a:bodyPr/>
-          <a:lstStyle/>
-          <a:p>
-            <a:r>
-              <a:rPr lang="en-US" dirty="0" smtClean="0"/>
-              <a:t>Advantages</a:t>
-            </a:r>
-            <a:endParaRPr lang="en-US" dirty="0"/>
-          </a:p>
-        </p:txBody>
-      </p:sp>
-      <p:sp>
-        <p:nvSpPr>
-          <p:cNvPr id="3" name="Content Placeholder 2"/>
-          <p:cNvSpPr>
-            <a:spLocks noGrp="1"/>
-          </p:cNvSpPr>
-          <p:nvPr>
-            <p:ph idx="1"/>
-          </p:nvPr>
-        </p:nvSpPr>
-        <p:spPr/>
-        <p:txBody>
           <a:bodyPr>
             <a:normAutofit/>
           </a:bodyPr>
           <a:lstStyle/>
           <a:p>
             <a:r>
-              <a:rPr lang="en-IN" dirty="0" smtClean="0"/>
-              <a:t>Good for linearly separable </a:t>
-            </a:r>
-            <a:r>
-              <a:rPr lang="en-IN" dirty="0" smtClean="0"/>
-              <a:t>data</a:t>
-            </a:r>
-          </a:p>
-          <a:p>
-            <a:r>
-              <a:rPr lang="en-IN" dirty="0" smtClean="0"/>
-              <a:t>Easier </a:t>
-            </a:r>
-            <a:r>
-              <a:rPr lang="en-IN" dirty="0" smtClean="0"/>
-              <a:t>to </a:t>
-            </a:r>
-            <a:r>
-              <a:rPr lang="en-IN" dirty="0" smtClean="0"/>
-              <a:t>implement and interpret </a:t>
-            </a:r>
-          </a:p>
-          <a:p>
-            <a:r>
-              <a:rPr lang="en-IN" dirty="0" smtClean="0"/>
-              <a:t>Efficient </a:t>
-            </a:r>
-            <a:r>
-              <a:rPr lang="en-IN" dirty="0" smtClean="0"/>
-              <a:t>to </a:t>
-            </a:r>
-            <a:r>
-              <a:rPr lang="en-IN" dirty="0" smtClean="0"/>
-              <a:t>train</a:t>
-            </a:r>
-          </a:p>
-          <a:p>
-            <a:r>
-              <a:rPr lang="en-US" dirty="0" smtClean="0"/>
-              <a:t>Handle over-fitting</a:t>
+              <a:rPr lang="en-US" dirty="0" smtClean="0"/>
+              <a:t>Applications</a:t>
+            </a:r>
+            <a:endParaRPr lang="en-US" dirty="0"/>
+          </a:p>
+        </p:txBody>
+      </p:sp>
+      <p:sp>
+        <p:nvSpPr>
+          <p:cNvPr id="3" name="Content Placeholder 2"/>
+          <p:cNvSpPr>
+            <a:spLocks noGrp="1"/>
+          </p:cNvSpPr>
+          <p:nvPr>
+            <p:ph idx="1"/>
+          </p:nvPr>
+        </p:nvSpPr>
+        <p:spPr>
+          <a:xfrm>
+            <a:off x="304800" y="1600200"/>
+            <a:ext cx="8534400" cy="4525963"/>
+          </a:xfrm>
+        </p:spPr>
+        <p:txBody>
+          <a:bodyPr/>
+          <a:lstStyle/>
+          <a:p>
+            <a:r>
+              <a:rPr lang="en-US" dirty="0" smtClean="0"/>
+              <a:t>Fit predictive model to observed dataset</a:t>
             </a:r>
           </a:p>
           <a:p>
             <a:pPr lvl="1"/>
             <a:r>
-              <a:rPr lang="en-IN" dirty="0" smtClean="0"/>
-              <a:t>Dimensionally </a:t>
-            </a:r>
-            <a:r>
-              <a:rPr lang="en-IN" dirty="0" smtClean="0"/>
-              <a:t>reduction </a:t>
-            </a:r>
-            <a:r>
-              <a:rPr lang="en-IN" dirty="0" smtClean="0"/>
-              <a:t>techniques</a:t>
+              <a:rPr lang="en-US" dirty="0" smtClean="0"/>
+              <a:t>Variables – Response </a:t>
+            </a:r>
+          </a:p>
+          <a:p>
+            <a:r>
+              <a:rPr lang="en-US" dirty="0" smtClean="0"/>
+              <a:t>Prediction</a:t>
             </a:r>
           </a:p>
           <a:p>
             <a:pPr lvl="1"/>
             <a:r>
-              <a:rPr lang="en-IN" dirty="0" smtClean="0"/>
-              <a:t>Regularization</a:t>
+              <a:rPr lang="en-US" dirty="0" smtClean="0"/>
+              <a:t>House price prediction from observed dataset </a:t>
+            </a:r>
+          </a:p>
+          <a:p>
+            <a:r>
+              <a:rPr lang="en-US" dirty="0" smtClean="0"/>
+              <a:t>Forecasting</a:t>
             </a:r>
           </a:p>
           <a:p>
             <a:pPr lvl="1"/>
             <a:r>
-              <a:rPr lang="en-IN" dirty="0" smtClean="0"/>
-              <a:t>Cross-validation</a:t>
-            </a:r>
-          </a:p>
-          <a:p>
-            <a:r>
-              <a:rPr lang="en-IN" dirty="0" smtClean="0"/>
-              <a:t>Extrapolation of dataset</a:t>
-            </a:r>
-            <a:endParaRPr lang="en-US" dirty="0"/>
+              <a:rPr lang="en-US" dirty="0" smtClean="0"/>
+              <a:t>Weather forecasting from observed dataset</a:t>
+            </a:r>
+          </a:p>
+          <a:p>
+            <a:r>
+              <a:rPr lang="en-US" dirty="0" smtClean="0"/>
+              <a:t>Error reduction</a:t>
+            </a:r>
+          </a:p>
+          <a:p>
+            <a:pPr lvl="1"/>
+            <a:endParaRPr lang="en-US" dirty="0" smtClean="0"/>
+          </a:p>
+          <a:p>
+            <a:endParaRPr lang="en-US" dirty="0" smtClean="0"/>
+          </a:p>
+          <a:p>
+            <a:pPr lvl="1"/>
+            <a:endParaRPr lang="en-US" baseline="-25000" dirty="0"/>
           </a:p>
         </p:txBody>
       </p:sp>
@@ -4896,7 +4855,7 @@
           <a:p>
             <a:r>
               <a:rPr lang="en-US" dirty="0" smtClean="0"/>
-              <a:t>Disadvantages</a:t>
+              <a:t>Advantages</a:t>
             </a:r>
             <a:endParaRPr lang="en-US" dirty="0"/>
           </a:p>
@@ -4921,51 +4880,80 @@
           <a:p>
             <a:r>
               <a:rPr lang="en-IN" dirty="0" smtClean="0"/>
-              <a:t>Assumption of linearity </a:t>
+              <a:t>Good for linearly separable </a:t>
+            </a:r>
+            <a:r>
+              <a:rPr lang="en-IN" dirty="0" smtClean="0"/>
+              <a:t>data</a:t>
+            </a:r>
+          </a:p>
+          <a:p>
+            <a:r>
+              <a:rPr lang="en-IN" dirty="0" smtClean="0"/>
+              <a:t>Easier </a:t>
+            </a:r>
+            <a:r>
+              <a:rPr lang="en-IN" dirty="0" smtClean="0"/>
+              <a:t>to </a:t>
+            </a:r>
+            <a:r>
+              <a:rPr lang="en-IN" dirty="0" smtClean="0"/>
+              <a:t>implement and interpret </a:t>
+            </a:r>
+          </a:p>
+          <a:p>
+            <a:r>
+              <a:rPr lang="en-IN" dirty="0" smtClean="0"/>
+              <a:t>Efficient </a:t>
+            </a:r>
+            <a:r>
+              <a:rPr lang="en-IN" dirty="0" smtClean="0"/>
+              <a:t>to </a:t>
+            </a:r>
+            <a:r>
+              <a:rPr lang="en-IN" dirty="0" smtClean="0"/>
+              <a:t>train</a:t>
+            </a:r>
+          </a:p>
+          <a:p>
+            <a:r>
+              <a:rPr lang="en-US" dirty="0" smtClean="0"/>
+              <a:t>Handle over-fitting</a:t>
             </a:r>
           </a:p>
           <a:p>
             <a:pPr lvl="1"/>
             <a:r>
               <a:rPr lang="en-IN" dirty="0" smtClean="0"/>
-              <a:t>Independent variables</a:t>
+              <a:t>Dimensionally </a:t>
+            </a:r>
+            <a:r>
+              <a:rPr lang="en-IN" dirty="0" smtClean="0"/>
+              <a:t>reduction </a:t>
+            </a:r>
+            <a:r>
+              <a:rPr lang="en-IN" dirty="0" smtClean="0"/>
+              <a:t>techniques</a:t>
             </a:r>
           </a:p>
           <a:p>
             <a:pPr lvl="1"/>
             <a:r>
               <a:rPr lang="en-IN" dirty="0" smtClean="0"/>
-              <a:t>Dependent variables</a:t>
-            </a:r>
-          </a:p>
-          <a:p>
-            <a:r>
-              <a:rPr lang="en-US" dirty="0" smtClean="0"/>
-              <a:t>Prone to noise</a:t>
-            </a:r>
-          </a:p>
-          <a:p>
-            <a:r>
-              <a:rPr lang="en-US" dirty="0" smtClean="0"/>
-              <a:t>Sensitive </a:t>
-            </a:r>
-            <a:r>
-              <a:rPr lang="en-US" dirty="0" smtClean="0"/>
-              <a:t>to </a:t>
-            </a:r>
-            <a:r>
-              <a:rPr lang="en-US" dirty="0" smtClean="0"/>
-              <a:t>outliers</a:t>
-            </a:r>
-          </a:p>
-          <a:p>
-            <a:r>
-              <a:rPr lang="en-US" dirty="0" smtClean="0"/>
-              <a:t>Prone to </a:t>
-            </a:r>
-            <a:r>
-              <a:rPr lang="en-US" dirty="0" err="1" smtClean="0"/>
-              <a:t>multicollinearity</a:t>
+              <a:t>Regularization</a:t>
+            </a:r>
+          </a:p>
+          <a:p>
+            <a:pPr lvl="1"/>
+            <a:r>
+              <a:rPr lang="en-IN" dirty="0" smtClean="0"/>
+              <a:t>Cross-validation</a:t>
+            </a:r>
+          </a:p>
+          <a:p>
+            <a:r>
+              <a:rPr lang="en-IN" dirty="0" smtClean="0"/>
+              <a:t>Extrapolation of dataset</a:t>
             </a:r>
             <a:endParaRPr lang="en-US" dirty="0"/>
           </a:p>
@@ -4987,6 +4975,130 @@
 </file>
 
 <file path=ppt/slides/slide18.xml><?xml version="1.0" encoding="utf-8"?>
+<p:sld xmlns:a="http://schemas.openxmlformats.org/drawingml/2006/main" xmlns:r="http://schemas.openxmlformats.org/officeDocument/2006/relationships" xmlns:p="http://schemas.openxmlformats.org/presentationml/2006/main">
+  <p:cSld>
+    <p:spTree>
+      <p:nvGrpSpPr>
+        <p:cNvPr id="1" name=""/>
+        <p:cNvGrpSpPr/>
+        <p:nvPr/>
+      </p:nvGrpSpPr>
+      <p:grpSpPr>
+        <a:xfrm>
+          <a:off x="0" y="0"/>
+          <a:ext cx="0" cy="0"/>
+          <a:chOff x="0" y="0"/>
+          <a:chExt cx="0" cy="0"/>
+        </a:xfrm>
+      </p:grpSpPr>
+      <p:sp>
+        <p:nvSpPr>
+          <p:cNvPr id="2" name="Title 1"/>
+          <p:cNvSpPr>
+            <a:spLocks noGrp="1"/>
+          </p:cNvSpPr>
+          <p:nvPr>
+            <p:ph type="title"/>
+          </p:nvPr>
+        </p:nvSpPr>
+        <p:spPr/>
+        <p:txBody>
+          <a:bodyPr/>
+          <a:lstStyle/>
+          <a:p>
+            <a:r>
+              <a:rPr lang="en-US" dirty="0" smtClean="0"/>
+              <a:t>Disadvantages</a:t>
+            </a:r>
+            <a:endParaRPr lang="en-US" dirty="0"/>
+          </a:p>
+        </p:txBody>
+      </p:sp>
+      <p:sp>
+        <p:nvSpPr>
+          <p:cNvPr id="3" name="Content Placeholder 2"/>
+          <p:cNvSpPr>
+            <a:spLocks noGrp="1"/>
+          </p:cNvSpPr>
+          <p:nvPr>
+            <p:ph idx="1"/>
+          </p:nvPr>
+        </p:nvSpPr>
+        <p:spPr/>
+        <p:txBody>
+          <a:bodyPr>
+            <a:normAutofit/>
+          </a:bodyPr>
+          <a:lstStyle/>
+          <a:p>
+            <a:r>
+              <a:rPr lang="en-IN" dirty="0" smtClean="0"/>
+              <a:t>Assumption of linearity </a:t>
+            </a:r>
+          </a:p>
+          <a:p>
+            <a:pPr lvl="1"/>
+            <a:r>
+              <a:rPr lang="en-IN" dirty="0" smtClean="0"/>
+              <a:t>Independent variables</a:t>
+            </a:r>
+          </a:p>
+          <a:p>
+            <a:pPr lvl="1"/>
+            <a:r>
+              <a:rPr lang="en-IN" dirty="0" smtClean="0"/>
+              <a:t>Dependent variables</a:t>
+            </a:r>
+          </a:p>
+          <a:p>
+            <a:r>
+              <a:rPr lang="en-US" dirty="0" smtClean="0"/>
+              <a:t>Prone to noise</a:t>
+            </a:r>
+          </a:p>
+          <a:p>
+            <a:r>
+              <a:rPr lang="en-US" dirty="0" smtClean="0"/>
+              <a:t>Sensitive </a:t>
+            </a:r>
+            <a:r>
+              <a:rPr lang="en-US" dirty="0" smtClean="0"/>
+              <a:t>to </a:t>
+            </a:r>
+            <a:r>
+              <a:rPr lang="en-US" dirty="0" smtClean="0"/>
+              <a:t>outliers</a:t>
+            </a:r>
+          </a:p>
+          <a:p>
+            <a:r>
+              <a:rPr lang="en-US" dirty="0" smtClean="0"/>
+              <a:t>Prone to </a:t>
+            </a:r>
+            <a:r>
+              <a:rPr lang="en-US" dirty="0" err="1" smtClean="0"/>
+              <a:t>multicollinearity</a:t>
+            </a:r>
+            <a:endParaRPr lang="en-US" dirty="0"/>
+          </a:p>
+        </p:txBody>
+      </p:sp>
+    </p:spTree>
+  </p:cSld>
+  <p:clrMapOvr>
+    <a:masterClrMapping/>
+  </p:clrMapOvr>
+  <p:timing>
+    <p:tnLst>
+      <p:par>
+        <p:cTn id="1" dur="indefinite" restart="never" nodeType="tmRoot"/>
+      </p:par>
+    </p:tnLst>
+  </p:timing>
+</p:sld>
+</file>
+
+<file path=ppt/slides/slide19.xml><?xml version="1.0" encoding="utf-8"?>
 <p:sld xmlns:a="http://schemas.openxmlformats.org/drawingml/2006/main" xmlns:r="http://schemas.openxmlformats.org/officeDocument/2006/relationships" xmlns:p="http://schemas.openxmlformats.org/presentationml/2006/main">
   <p:cSld>
     <p:spTree>
@@ -6096,93 +6208,95 @@
         </p:nvSpPr>
         <p:spPr/>
         <p:txBody>
+          <a:bodyPr/>
+          <a:lstStyle/>
+          <a:p>
+            <a:r>
+              <a:rPr lang="en-US" dirty="0" smtClean="0"/>
+              <a:t>Linear Regression</a:t>
+            </a:r>
+            <a:endParaRPr lang="en-US" dirty="0"/>
+          </a:p>
+        </p:txBody>
+      </p:sp>
+      <p:sp>
+        <p:nvSpPr>
+          <p:cNvPr id="3" name="Content Placeholder 2"/>
+          <p:cNvSpPr>
+            <a:spLocks noGrp="1"/>
+          </p:cNvSpPr>
+          <p:nvPr>
+            <p:ph idx="1"/>
+          </p:nvPr>
+        </p:nvSpPr>
+        <p:spPr/>
+        <p:txBody>
           <a:bodyPr>
-            <a:normAutofit/>
+            <a:normAutofit lnSpcReduction="10000"/>
           </a:bodyPr>
           <a:lstStyle/>
           <a:p>
             <a:r>
               <a:rPr lang="en-US" dirty="0" smtClean="0"/>
-              <a:t>Linear Regression – Applications</a:t>
-            </a:r>
+              <a:t>Positive correlation</a:t>
+            </a:r>
+          </a:p>
+          <a:p>
+            <a:pPr lvl="1"/>
+            <a:r>
+              <a:rPr lang="en-US" dirty="0" smtClean="0"/>
+              <a:t>Independent variable increases</a:t>
+            </a:r>
+          </a:p>
+          <a:p>
+            <a:pPr lvl="1"/>
+            <a:r>
+              <a:rPr lang="en-US" dirty="0" smtClean="0"/>
+              <a:t>Dependent variable increases</a:t>
+            </a:r>
+          </a:p>
+          <a:p>
+            <a:r>
+              <a:rPr lang="en-US" dirty="0" smtClean="0"/>
+              <a:t>Negative correlation</a:t>
+            </a:r>
+          </a:p>
+          <a:p>
+            <a:pPr lvl="1"/>
+            <a:r>
+              <a:rPr lang="en-US" dirty="0" smtClean="0"/>
+              <a:t>Independent variable increases</a:t>
+            </a:r>
+          </a:p>
+          <a:p>
+            <a:pPr lvl="1"/>
+            <a:r>
+              <a:rPr lang="en-US" dirty="0" smtClean="0"/>
+              <a:t>Dependent variable decreases</a:t>
+            </a:r>
+          </a:p>
+          <a:p>
+            <a:r>
+              <a:rPr lang="en-US" dirty="0" smtClean="0"/>
+              <a:t>No correlation</a:t>
+            </a:r>
+          </a:p>
+          <a:p>
+            <a:pPr lvl="1"/>
+            <a:r>
+              <a:rPr lang="en-US" dirty="0" smtClean="0"/>
+              <a:t> Independent variable increases</a:t>
+            </a:r>
+          </a:p>
+          <a:p>
+            <a:pPr lvl="1"/>
+            <a:r>
+              <a:rPr lang="en-US" dirty="0" smtClean="0"/>
+              <a:t>Dependent variable no change </a:t>
+            </a:r>
+          </a:p>
+          <a:p>
             <a:endParaRPr lang="en-US" dirty="0"/>
-          </a:p>
-        </p:txBody>
-      </p:sp>
-      <p:sp>
-        <p:nvSpPr>
-          <p:cNvPr id="3" name="Content Placeholder 2"/>
-          <p:cNvSpPr>
-            <a:spLocks noGrp="1"/>
-          </p:cNvSpPr>
-          <p:nvPr>
-            <p:ph idx="1"/>
-          </p:nvPr>
-        </p:nvSpPr>
-        <p:spPr>
-          <a:xfrm>
-            <a:off x="304800" y="1600200"/>
-            <a:ext cx="8534400" cy="4525963"/>
-          </a:xfrm>
-        </p:spPr>
-        <p:txBody>
-          <a:bodyPr/>
-          <a:lstStyle/>
-          <a:p>
-            <a:r>
-              <a:rPr lang="en-US" dirty="0" smtClean="0"/>
-              <a:t>Fit predictive model to observed dataset</a:t>
-            </a:r>
-          </a:p>
-          <a:p>
-            <a:pPr lvl="1"/>
-            <a:r>
-              <a:rPr lang="en-US" dirty="0" smtClean="0"/>
-              <a:t>Variables – Response </a:t>
-            </a:r>
-          </a:p>
-          <a:p>
-            <a:r>
-              <a:rPr lang="en-US" dirty="0" smtClean="0"/>
-              <a:t>Prediction</a:t>
-            </a:r>
-          </a:p>
-          <a:p>
-            <a:pPr lvl="1"/>
-            <a:r>
-              <a:rPr lang="en-US" dirty="0" smtClean="0"/>
-              <a:t>House price prediction from observed dataset </a:t>
-            </a:r>
-          </a:p>
-          <a:p>
-            <a:r>
-              <a:rPr lang="en-US" dirty="0" smtClean="0"/>
-              <a:t>Forecasting</a:t>
-            </a:r>
-          </a:p>
-          <a:p>
-            <a:pPr lvl="1"/>
-            <a:r>
-              <a:rPr lang="en-US" dirty="0" smtClean="0"/>
-              <a:t>Weather forecasting from observed dataset</a:t>
-            </a:r>
-          </a:p>
-          <a:p>
-            <a:r>
-              <a:rPr lang="en-US" dirty="0" smtClean="0"/>
-              <a:t>Error reduction</a:t>
-            </a:r>
-          </a:p>
-          <a:p>
-            <a:pPr lvl="1"/>
-            <a:endParaRPr lang="en-US" dirty="0" smtClean="0"/>
-          </a:p>
-          <a:p>
-            <a:endParaRPr lang="en-US" dirty="0" smtClean="0"/>
-          </a:p>
-          <a:p>
-            <a:pPr lvl="1"/>
-            <a:endParaRPr lang="en-US" baseline="-25000" dirty="0"/>
           </a:p>
         </p:txBody>
       </p:sp>
@@ -6243,85 +6357,96 @@
       </p:sp>
       <p:sp>
         <p:nvSpPr>
-          <p:cNvPr id="3" name="Content Placeholder 2"/>
-          <p:cNvSpPr>
-            <a:spLocks noGrp="1"/>
-          </p:cNvSpPr>
-          <p:nvPr>
-            <p:ph idx="1"/>
-          </p:nvPr>
-        </p:nvSpPr>
-        <p:spPr/>
-        <p:txBody>
-          <a:bodyPr>
-            <a:normAutofit lnSpcReduction="10000"/>
+          <p:cNvPr id="5" name="Text Box 10"/>
+          <p:cNvSpPr txBox="1">
+            <a:spLocks noChangeArrowheads="1"/>
+          </p:cNvSpPr>
+          <p:nvPr/>
+        </p:nvSpPr>
+        <p:spPr bwMode="auto">
+          <a:xfrm rot="10800000" flipV="1">
+            <a:off x="0" y="6519446"/>
+            <a:ext cx="1828800" cy="338554"/>
+          </a:xfrm>
+          <a:prstGeom prst="rect">
+            <a:avLst/>
+          </a:prstGeom>
+          <a:noFill/>
+          <a:ln w="9525">
+            <a:noFill/>
+            <a:miter lim="800000"/>
+            <a:headEnd/>
+            <a:tailEnd/>
+          </a:ln>
+          <a:effectLst/>
+        </p:spPr>
+        <p:txBody>
+          <a:bodyPr wrap="square">
+            <a:spAutoFit/>
           </a:bodyPr>
           <a:lstStyle/>
           <a:p>
-            <a:r>
-              <a:rPr lang="en-US" dirty="0" smtClean="0"/>
-              <a:t>Positive correlation</a:t>
-            </a:r>
-          </a:p>
-          <a:p>
-            <a:pPr lvl="1"/>
-            <a:r>
-              <a:rPr lang="en-US" dirty="0" smtClean="0"/>
-              <a:t>Independent variable increases</a:t>
-            </a:r>
-          </a:p>
-          <a:p>
-            <a:pPr lvl="1"/>
-            <a:r>
-              <a:rPr lang="en-US" dirty="0" smtClean="0"/>
-              <a:t>Dependent variable increases</a:t>
-            </a:r>
-          </a:p>
-          <a:p>
-            <a:r>
-              <a:rPr lang="en-US" dirty="0" smtClean="0"/>
-              <a:t>Negative correlation</a:t>
-            </a:r>
-          </a:p>
-          <a:p>
-            <a:pPr lvl="1"/>
-            <a:r>
-              <a:rPr lang="en-US" dirty="0" smtClean="0"/>
-              <a:t>Independent variable increases</a:t>
-            </a:r>
-          </a:p>
-          <a:p>
-            <a:pPr lvl="1"/>
-            <a:r>
-              <a:rPr lang="en-US" dirty="0" smtClean="0"/>
-              <a:t>Dependent variable decreases</a:t>
-            </a:r>
-          </a:p>
-          <a:p>
-            <a:r>
-              <a:rPr lang="en-US" dirty="0" smtClean="0"/>
-              <a:t>No correlation</a:t>
-            </a:r>
-          </a:p>
-          <a:p>
-            <a:pPr lvl="1"/>
-            <a:r>
-              <a:rPr lang="en-US" dirty="0" smtClean="0"/>
-              <a:t> Independent variable increases</a:t>
-            </a:r>
-          </a:p>
-          <a:p>
-            <a:pPr lvl="1"/>
-            <a:r>
-              <a:rPr lang="en-US" dirty="0" smtClean="0"/>
-              <a:t>Dependent variable no change </a:t>
-            </a:r>
-          </a:p>
-          <a:p>
-            <a:endParaRPr lang="en-US" dirty="0"/>
-          </a:p>
-        </p:txBody>
-      </p:sp>
+            <a:pPr>
+              <a:spcBef>
+                <a:spcPct val="50000"/>
+              </a:spcBef>
+            </a:pPr>
+            <a:r>
+              <a:rPr lang="en-US" sz="1600" b="1" dirty="0">
+                <a:solidFill>
+                  <a:srgbClr val="FF0000"/>
+                </a:solidFill>
+              </a:rPr>
+              <a:t>Image </a:t>
+            </a:r>
+            <a:r>
+              <a:rPr lang="en-US" sz="1600" b="1" dirty="0" err="1" smtClean="0">
+                <a:solidFill>
+                  <a:srgbClr val="FF0000"/>
+                </a:solidFill>
+              </a:rPr>
+              <a:t>ack</a:t>
+            </a:r>
+            <a:r>
+              <a:rPr lang="en-US" sz="1600" b="1" dirty="0" smtClean="0">
+                <a:solidFill>
+                  <a:srgbClr val="FF0000"/>
+                </a:solidFill>
+              </a:rPr>
+              <a:t> – Google</a:t>
+            </a:r>
+            <a:endParaRPr lang="en-US" sz="1600" b="1" dirty="0">
+              <a:solidFill>
+                <a:srgbClr val="FF0000"/>
+              </a:solidFill>
+            </a:endParaRPr>
+          </a:p>
+        </p:txBody>
+      </p:sp>
+      <p:pic>
+        <p:nvPicPr>
+          <p:cNvPr id="7" name="Picture 6" descr="PositiveNegativeNoCorrelation.png"/>
+          <p:cNvPicPr>
+            <a:picLocks noChangeAspect="1"/>
+          </p:cNvPicPr>
+          <p:nvPr/>
+        </p:nvPicPr>
+        <p:blipFill>
+          <a:blip r:embed="rId2"/>
+          <a:stretch>
+            <a:fillRect/>
+          </a:stretch>
+        </p:blipFill>
+        <p:spPr>
+          <a:xfrm>
+            <a:off x="717352" y="2228788"/>
+            <a:ext cx="7709296" cy="2400423"/>
+          </a:xfrm>
+          <a:prstGeom prst="rect">
+            <a:avLst/>
+          </a:prstGeom>
+        </p:spPr>
+      </p:pic>
     </p:spTree>
   </p:cSld>
   <p:clrMapOvr>

--- a/MachineLearning/LinearRegression/LinearRegression.pptx
+++ b/MachineLearning/LinearRegression/LinearRegression.pptx
@@ -5,7 +5,7 @@
     <p:sldMasterId id="2147483648" r:id="rId1"/>
   </p:sldMasterIdLst>
   <p:notesMasterIdLst>
-    <p:notesMasterId r:id="rId21"/>
+    <p:notesMasterId r:id="rId22"/>
   </p:notesMasterIdLst>
   <p:sldIdLst>
     <p:sldId id="256" r:id="rId2"/>
@@ -23,10 +23,11 @@
     <p:sldId id="286" r:id="rId14"/>
     <p:sldId id="288" r:id="rId15"/>
     <p:sldId id="289" r:id="rId16"/>
-    <p:sldId id="290" r:id="rId17"/>
-    <p:sldId id="270" r:id="rId18"/>
-    <p:sldId id="271" r:id="rId19"/>
-    <p:sldId id="269" r:id="rId20"/>
+    <p:sldId id="291" r:id="rId17"/>
+    <p:sldId id="290" r:id="rId18"/>
+    <p:sldId id="270" r:id="rId19"/>
+    <p:sldId id="271" r:id="rId20"/>
+    <p:sldId id="269" r:id="rId21"/>
   </p:sldIdLst>
   <p:sldSz cx="9144000" cy="6858000" type="screen4x3"/>
   <p:notesSz cx="6858000" cy="9144000"/>
@@ -4716,16 +4717,14 @@
         </p:nvSpPr>
         <p:spPr/>
         <p:txBody>
-          <a:bodyPr>
-            <a:normAutofit/>
-          </a:bodyPr>
-          <a:lstStyle/>
-          <a:p>
-            <a:r>
-              <a:rPr lang="en-US" dirty="0" smtClean="0"/>
-              <a:t>Applications</a:t>
-            </a:r>
-            <a:endParaRPr lang="en-US" dirty="0"/>
+          <a:bodyPr/>
+          <a:lstStyle/>
+          <a:p>
+            <a:r>
+              <a:rPr lang="en-IN" dirty="0" smtClean="0"/>
+              <a:t>p Value</a:t>
+            </a:r>
+            <a:endParaRPr lang="en-IN" dirty="0"/>
           </a:p>
         </p:txBody>
       </p:sp>
@@ -4739,70 +4738,18 @@
             <p:ph idx="1"/>
           </p:nvPr>
         </p:nvSpPr>
-        <p:spPr>
-          <a:xfrm>
-            <a:off x="304800" y="1600200"/>
-            <a:ext cx="8534400" cy="4525963"/>
-          </a:xfrm>
-        </p:spPr>
-        <p:txBody>
-          <a:bodyPr/>
-          <a:lstStyle/>
-          <a:p>
-            <a:r>
-              <a:rPr lang="en-US" dirty="0" smtClean="0"/>
-              <a:t>Fit predictive model to observed dataset</a:t>
-            </a:r>
-          </a:p>
-          <a:p>
-            <a:pPr lvl="1"/>
-            <a:r>
-              <a:rPr lang="en-US" dirty="0" smtClean="0"/>
-              <a:t>Variables – Response </a:t>
-            </a:r>
-          </a:p>
-          <a:p>
-            <a:r>
-              <a:rPr lang="en-US" dirty="0" smtClean="0"/>
-              <a:t>Prediction</a:t>
-            </a:r>
-          </a:p>
-          <a:p>
-            <a:pPr lvl="1"/>
-            <a:r>
-              <a:rPr lang="en-US" dirty="0" smtClean="0"/>
-              <a:t>House price prediction from observed dataset </a:t>
-            </a:r>
-          </a:p>
-          <a:p>
-            <a:r>
-              <a:rPr lang="en-US" dirty="0" smtClean="0"/>
-              <a:t>Forecasting</a:t>
-            </a:r>
-          </a:p>
-          <a:p>
-            <a:pPr lvl="1"/>
-            <a:r>
-              <a:rPr lang="en-US" dirty="0" smtClean="0"/>
-              <a:t>Weather forecasting from observed dataset</a:t>
-            </a:r>
-          </a:p>
-          <a:p>
-            <a:r>
-              <a:rPr lang="en-US" dirty="0" smtClean="0"/>
-              <a:t>Error reduction</a:t>
-            </a:r>
-          </a:p>
-          <a:p>
-            <a:pPr lvl="1"/>
-            <a:endParaRPr lang="en-US" dirty="0" smtClean="0"/>
-          </a:p>
-          <a:p>
-            <a:endParaRPr lang="en-US" dirty="0" smtClean="0"/>
-          </a:p>
-          <a:p>
-            <a:pPr lvl="1"/>
-            <a:endParaRPr lang="en-US" baseline="-25000" dirty="0"/>
+        <p:spPr/>
+        <p:txBody>
+          <a:bodyPr/>
+          <a:lstStyle/>
+          <a:p>
+            <a:r>
+              <a:rPr lang="en-IN" smtClean="0"/>
+              <a:t>Statistical significance</a:t>
+            </a:r>
+          </a:p>
+          <a:p>
+            <a:endParaRPr lang="en-IN" dirty="0"/>
           </a:p>
         </p:txBody>
       </p:sp>
@@ -4811,13 +4758,6 @@
   <p:clrMapOvr>
     <a:masterClrMapping/>
   </p:clrMapOvr>
-  <p:timing>
-    <p:tnLst>
-      <p:par>
-        <p:cTn id="1" dur="indefinite" restart="never" nodeType="tmRoot"/>
-      </p:par>
-    </p:tnLst>
-  </p:timing>
 </p:sld>
 </file>
 
@@ -4850,112 +4790,93 @@
         </p:nvSpPr>
         <p:spPr/>
         <p:txBody>
-          <a:bodyPr/>
-          <a:lstStyle/>
-          <a:p>
-            <a:r>
-              <a:rPr lang="en-US" dirty="0" smtClean="0"/>
-              <a:t>Advantages</a:t>
-            </a:r>
-            <a:endParaRPr lang="en-US" dirty="0"/>
-          </a:p>
-        </p:txBody>
-      </p:sp>
-      <p:sp>
-        <p:nvSpPr>
-          <p:cNvPr id="3" name="Content Placeholder 2"/>
-          <p:cNvSpPr>
-            <a:spLocks noGrp="1"/>
-          </p:cNvSpPr>
-          <p:nvPr>
-            <p:ph idx="1"/>
-          </p:nvPr>
-        </p:nvSpPr>
-        <p:spPr/>
-        <p:txBody>
           <a:bodyPr>
             <a:normAutofit/>
           </a:bodyPr>
           <a:lstStyle/>
           <a:p>
             <a:r>
-              <a:rPr lang="en-IN" dirty="0" smtClean="0"/>
-              <a:t>Good for linearly separable </a:t>
-            </a:r>
-            <a:r>
-              <a:rPr lang="en-IN" dirty="0" smtClean="0"/>
-              <a:t>data</a:t>
-            </a:r>
-          </a:p>
-          <a:p>
-            <a:r>
-              <a:rPr lang="en-IN" dirty="0" smtClean="0"/>
-              <a:t>Easier </a:t>
-            </a:r>
-            <a:r>
-              <a:rPr lang="en-IN" dirty="0" smtClean="0"/>
-              <a:t>to </a:t>
-            </a:r>
-            <a:r>
-              <a:rPr lang="en-IN" dirty="0" smtClean="0"/>
-              <a:t>implement and interpret </a:t>
-            </a:r>
-          </a:p>
-          <a:p>
-            <a:r>
-              <a:rPr lang="en-IN" dirty="0" smtClean="0"/>
-              <a:t>Efficient </a:t>
-            </a:r>
-            <a:r>
-              <a:rPr lang="en-IN" dirty="0" smtClean="0"/>
-              <a:t>to </a:t>
-            </a:r>
-            <a:r>
-              <a:rPr lang="en-IN" dirty="0" smtClean="0"/>
-              <a:t>train</a:t>
-            </a:r>
-          </a:p>
-          <a:p>
-            <a:r>
-              <a:rPr lang="en-US" dirty="0" smtClean="0"/>
-              <a:t>Handle over-fitting</a:t>
+              <a:rPr lang="en-US" dirty="0" smtClean="0"/>
+              <a:t>Applications</a:t>
+            </a:r>
+            <a:endParaRPr lang="en-US" dirty="0"/>
+          </a:p>
+        </p:txBody>
+      </p:sp>
+      <p:sp>
+        <p:nvSpPr>
+          <p:cNvPr id="3" name="Content Placeholder 2"/>
+          <p:cNvSpPr>
+            <a:spLocks noGrp="1"/>
+          </p:cNvSpPr>
+          <p:nvPr>
+            <p:ph idx="1"/>
+          </p:nvPr>
+        </p:nvSpPr>
+        <p:spPr>
+          <a:xfrm>
+            <a:off x="304800" y="1600200"/>
+            <a:ext cx="8534400" cy="4525963"/>
+          </a:xfrm>
+        </p:spPr>
+        <p:txBody>
+          <a:bodyPr/>
+          <a:lstStyle/>
+          <a:p>
+            <a:r>
+              <a:rPr lang="en-US" dirty="0" smtClean="0"/>
+              <a:t>Fit predictive model to observed dataset</a:t>
             </a:r>
           </a:p>
           <a:p>
             <a:pPr lvl="1"/>
             <a:r>
-              <a:rPr lang="en-IN" dirty="0" smtClean="0"/>
-              <a:t>Dimensionally </a:t>
-            </a:r>
-            <a:r>
-              <a:rPr lang="en-IN" dirty="0" smtClean="0"/>
-              <a:t>reduction </a:t>
-            </a:r>
-            <a:r>
-              <a:rPr lang="en-IN" dirty="0" smtClean="0"/>
-              <a:t>techniques</a:t>
+              <a:rPr lang="en-US" dirty="0" smtClean="0"/>
+              <a:t>Variables – Response </a:t>
+            </a:r>
+          </a:p>
+          <a:p>
+            <a:r>
+              <a:rPr lang="en-US" dirty="0" smtClean="0"/>
+              <a:t>Prediction</a:t>
             </a:r>
           </a:p>
           <a:p>
             <a:pPr lvl="1"/>
             <a:r>
-              <a:rPr lang="en-IN" dirty="0" smtClean="0"/>
-              <a:t>Regularization</a:t>
+              <a:rPr lang="en-US" dirty="0" smtClean="0"/>
+              <a:t>House price prediction from observed dataset </a:t>
+            </a:r>
+          </a:p>
+          <a:p>
+            <a:r>
+              <a:rPr lang="en-US" dirty="0" smtClean="0"/>
+              <a:t>Forecasting</a:t>
             </a:r>
           </a:p>
           <a:p>
             <a:pPr lvl="1"/>
             <a:r>
-              <a:rPr lang="en-IN" dirty="0" smtClean="0"/>
-              <a:t>Cross-validation</a:t>
-            </a:r>
-          </a:p>
-          <a:p>
-            <a:r>
-              <a:rPr lang="en-IN" dirty="0" smtClean="0"/>
-              <a:t>Extrapolation of dataset</a:t>
-            </a:r>
-            <a:endParaRPr lang="en-US" dirty="0"/>
+              <a:rPr lang="en-US" dirty="0" smtClean="0"/>
+              <a:t>Weather forecasting from observed dataset</a:t>
+            </a:r>
+          </a:p>
+          <a:p>
+            <a:r>
+              <a:rPr lang="en-US" dirty="0" smtClean="0"/>
+              <a:t>Error reduction</a:t>
+            </a:r>
+          </a:p>
+          <a:p>
+            <a:pPr lvl="1"/>
+            <a:endParaRPr lang="en-US" dirty="0" smtClean="0"/>
+          </a:p>
+          <a:p>
+            <a:endParaRPr lang="en-US" dirty="0" smtClean="0"/>
+          </a:p>
+          <a:p>
+            <a:pPr lvl="1"/>
+            <a:endParaRPr lang="en-US" baseline="-25000" dirty="0"/>
           </a:p>
         </p:txBody>
       </p:sp>
@@ -5008,7 +4929,7 @@
           <a:p>
             <a:r>
               <a:rPr lang="en-US" dirty="0" smtClean="0"/>
-              <a:t>Disadvantages</a:t>
+              <a:t>Advantages</a:t>
             </a:r>
             <a:endParaRPr lang="en-US" dirty="0"/>
           </a:p>
@@ -5033,51 +4954,80 @@
           <a:p>
             <a:r>
               <a:rPr lang="en-IN" dirty="0" smtClean="0"/>
-              <a:t>Assumption of linearity </a:t>
+              <a:t>Good for linearly separable </a:t>
+            </a:r>
+            <a:r>
+              <a:rPr lang="en-IN" dirty="0" smtClean="0"/>
+              <a:t>data</a:t>
+            </a:r>
+          </a:p>
+          <a:p>
+            <a:r>
+              <a:rPr lang="en-IN" dirty="0" smtClean="0"/>
+              <a:t>Easier </a:t>
+            </a:r>
+            <a:r>
+              <a:rPr lang="en-IN" dirty="0" smtClean="0"/>
+              <a:t>to </a:t>
+            </a:r>
+            <a:r>
+              <a:rPr lang="en-IN" dirty="0" smtClean="0"/>
+              <a:t>implement and interpret </a:t>
+            </a:r>
+          </a:p>
+          <a:p>
+            <a:r>
+              <a:rPr lang="en-IN" dirty="0" smtClean="0"/>
+              <a:t>Efficient </a:t>
+            </a:r>
+            <a:r>
+              <a:rPr lang="en-IN" dirty="0" smtClean="0"/>
+              <a:t>to </a:t>
+            </a:r>
+            <a:r>
+              <a:rPr lang="en-IN" dirty="0" smtClean="0"/>
+              <a:t>train</a:t>
+            </a:r>
+          </a:p>
+          <a:p>
+            <a:r>
+              <a:rPr lang="en-US" dirty="0" smtClean="0"/>
+              <a:t>Handle over-fitting</a:t>
             </a:r>
           </a:p>
           <a:p>
             <a:pPr lvl="1"/>
             <a:r>
               <a:rPr lang="en-IN" dirty="0" smtClean="0"/>
-              <a:t>Independent variables</a:t>
+              <a:t>Dimensionally </a:t>
+            </a:r>
+            <a:r>
+              <a:rPr lang="en-IN" dirty="0" smtClean="0"/>
+              <a:t>reduction </a:t>
+            </a:r>
+            <a:r>
+              <a:rPr lang="en-IN" dirty="0" smtClean="0"/>
+              <a:t>techniques</a:t>
             </a:r>
           </a:p>
           <a:p>
             <a:pPr lvl="1"/>
             <a:r>
               <a:rPr lang="en-IN" dirty="0" smtClean="0"/>
-              <a:t>Dependent variables</a:t>
-            </a:r>
-          </a:p>
-          <a:p>
-            <a:r>
-              <a:rPr lang="en-US" dirty="0" smtClean="0"/>
-              <a:t>Prone to noise</a:t>
-            </a:r>
-          </a:p>
-          <a:p>
-            <a:r>
-              <a:rPr lang="en-US" dirty="0" smtClean="0"/>
-              <a:t>Sensitive </a:t>
-            </a:r>
-            <a:r>
-              <a:rPr lang="en-US" dirty="0" smtClean="0"/>
-              <a:t>to </a:t>
-            </a:r>
-            <a:r>
-              <a:rPr lang="en-US" dirty="0" smtClean="0"/>
-              <a:t>outliers</a:t>
-            </a:r>
-          </a:p>
-          <a:p>
-            <a:r>
-              <a:rPr lang="en-US" dirty="0" smtClean="0"/>
-              <a:t>Prone to </a:t>
-            </a:r>
-            <a:r>
-              <a:rPr lang="en-US" dirty="0" err="1" smtClean="0"/>
-              <a:t>multicollinearity</a:t>
+              <a:t>Regularization</a:t>
+            </a:r>
+          </a:p>
+          <a:p>
+            <a:pPr lvl="1"/>
+            <a:r>
+              <a:rPr lang="en-IN" dirty="0" smtClean="0"/>
+              <a:t>Cross-validation</a:t>
+            </a:r>
+          </a:p>
+          <a:p>
+            <a:r>
+              <a:rPr lang="en-IN" dirty="0" smtClean="0"/>
+              <a:t>Extrapolation of dataset</a:t>
             </a:r>
             <a:endParaRPr lang="en-US" dirty="0"/>
           </a:p>
@@ -5122,17 +5072,17 @@
             <a:spLocks noGrp="1"/>
           </p:cNvSpPr>
           <p:nvPr>
-            <p:ph type="ctrTitle"/>
-          </p:nvPr>
-        </p:nvSpPr>
-        <p:spPr/>
-        <p:txBody>
-          <a:bodyPr/>
-          <a:lstStyle/>
-          <a:p>
-            <a:r>
-              <a:rPr lang="en-US" dirty="0" smtClean="0"/>
-              <a:t>Questions?</a:t>
+            <p:ph type="title"/>
+          </p:nvPr>
+        </p:nvSpPr>
+        <p:spPr/>
+        <p:txBody>
+          <a:bodyPr/>
+          <a:lstStyle/>
+          <a:p>
+            <a:r>
+              <a:rPr lang="en-US" dirty="0" smtClean="0"/>
+              <a:t>Disadvantages</a:t>
             </a:r>
             <a:endParaRPr lang="en-US" dirty="0"/>
           </a:p>
@@ -5140,22 +5090,68 @@
       </p:sp>
       <p:sp>
         <p:nvSpPr>
-          <p:cNvPr id="3" name="Subtitle 2"/>
-          <p:cNvSpPr>
-            <a:spLocks noGrp="1"/>
-          </p:cNvSpPr>
-          <p:nvPr>
-            <p:ph type="subTitle" idx="1"/>
-          </p:nvPr>
-        </p:nvSpPr>
-        <p:spPr/>
-        <p:txBody>
-          <a:bodyPr/>
-          <a:lstStyle/>
-          <a:p>
-            <a:r>
-              <a:rPr lang="en-US" dirty="0" smtClean="0"/>
-              <a:t>Thank you</a:t>
+          <p:cNvPr id="3" name="Content Placeholder 2"/>
+          <p:cNvSpPr>
+            <a:spLocks noGrp="1"/>
+          </p:cNvSpPr>
+          <p:nvPr>
+            <p:ph idx="1"/>
+          </p:nvPr>
+        </p:nvSpPr>
+        <p:spPr/>
+        <p:txBody>
+          <a:bodyPr>
+            <a:normAutofit/>
+          </a:bodyPr>
+          <a:lstStyle/>
+          <a:p>
+            <a:r>
+              <a:rPr lang="en-IN" dirty="0" smtClean="0"/>
+              <a:t>Assumption of linearity </a:t>
+            </a:r>
+          </a:p>
+          <a:p>
+            <a:pPr lvl="1"/>
+            <a:r>
+              <a:rPr lang="en-IN" dirty="0" smtClean="0"/>
+              <a:t>Independent variables</a:t>
+            </a:r>
+          </a:p>
+          <a:p>
+            <a:pPr lvl="1"/>
+            <a:r>
+              <a:rPr lang="en-IN" dirty="0" smtClean="0"/>
+              <a:t>Dependent variables</a:t>
+            </a:r>
+          </a:p>
+          <a:p>
+            <a:r>
+              <a:rPr lang="en-US" dirty="0" smtClean="0"/>
+              <a:t>Prone to noise</a:t>
+            </a:r>
+          </a:p>
+          <a:p>
+            <a:r>
+              <a:rPr lang="en-US" dirty="0" smtClean="0"/>
+              <a:t>Sensitive </a:t>
+            </a:r>
+            <a:r>
+              <a:rPr lang="en-US" dirty="0" smtClean="0"/>
+              <a:t>to </a:t>
+            </a:r>
+            <a:r>
+              <a:rPr lang="en-US" dirty="0" smtClean="0"/>
+              <a:t>outliers</a:t>
+            </a:r>
+          </a:p>
+          <a:p>
+            <a:r>
+              <a:rPr lang="en-US" dirty="0" smtClean="0"/>
+              <a:t>Prone to </a:t>
+            </a:r>
+            <a:r>
+              <a:rPr lang="en-US" dirty="0" err="1" smtClean="0"/>
+              <a:t>multicollinearity</a:t>
             </a:r>
             <a:endParaRPr lang="en-US" dirty="0"/>
           </a:p>
@@ -5271,6 +5267,84 @@
             <a:r>
               <a:rPr lang="en-US" dirty="0" smtClean="0"/>
               <a:t>Disadvantages</a:t>
+            </a:r>
+            <a:endParaRPr lang="en-US" dirty="0"/>
+          </a:p>
+        </p:txBody>
+      </p:sp>
+    </p:spTree>
+  </p:cSld>
+  <p:clrMapOvr>
+    <a:masterClrMapping/>
+  </p:clrMapOvr>
+  <p:timing>
+    <p:tnLst>
+      <p:par>
+        <p:cTn id="1" dur="indefinite" restart="never" nodeType="tmRoot"/>
+      </p:par>
+    </p:tnLst>
+  </p:timing>
+</p:sld>
+</file>
+
+<file path=ppt/slides/slide20.xml><?xml version="1.0" encoding="utf-8"?>
+<p:sld xmlns:a="http://schemas.openxmlformats.org/drawingml/2006/main" xmlns:r="http://schemas.openxmlformats.org/officeDocument/2006/relationships" xmlns:p="http://schemas.openxmlformats.org/presentationml/2006/main">
+  <p:cSld>
+    <p:spTree>
+      <p:nvGrpSpPr>
+        <p:cNvPr id="1" name=""/>
+        <p:cNvGrpSpPr/>
+        <p:nvPr/>
+      </p:nvGrpSpPr>
+      <p:grpSpPr>
+        <a:xfrm>
+          <a:off x="0" y="0"/>
+          <a:ext cx="0" cy="0"/>
+          <a:chOff x="0" y="0"/>
+          <a:chExt cx="0" cy="0"/>
+        </a:xfrm>
+      </p:grpSpPr>
+      <p:sp>
+        <p:nvSpPr>
+          <p:cNvPr id="2" name="Title 1"/>
+          <p:cNvSpPr>
+            <a:spLocks noGrp="1"/>
+          </p:cNvSpPr>
+          <p:nvPr>
+            <p:ph type="ctrTitle"/>
+          </p:nvPr>
+        </p:nvSpPr>
+        <p:spPr/>
+        <p:txBody>
+          <a:bodyPr/>
+          <a:lstStyle/>
+          <a:p>
+            <a:r>
+              <a:rPr lang="en-US" dirty="0" smtClean="0"/>
+              <a:t>Questions?</a:t>
+            </a:r>
+            <a:endParaRPr lang="en-US" dirty="0"/>
+          </a:p>
+        </p:txBody>
+      </p:sp>
+      <p:sp>
+        <p:nvSpPr>
+          <p:cNvPr id="3" name="Subtitle 2"/>
+          <p:cNvSpPr>
+            <a:spLocks noGrp="1"/>
+          </p:cNvSpPr>
+          <p:nvPr>
+            <p:ph type="subTitle" idx="1"/>
+          </p:nvPr>
+        </p:nvSpPr>
+        <p:spPr/>
+        <p:txBody>
+          <a:bodyPr/>
+          <a:lstStyle/>
+          <a:p>
+            <a:r>
+              <a:rPr lang="en-US" dirty="0" smtClean="0"/>
+              <a:t>Thank you</a:t>
             </a:r>
             <a:endParaRPr lang="en-US" dirty="0"/>
           </a:p>

--- a/MachineLearning/LinearRegression/LinearRegression.pptx
+++ b/MachineLearning/LinearRegression/LinearRegression.pptx
@@ -212,7 +212,7 @@
             <a:fld id="{98BFDCCA-FFB9-49F6-B56E-F6432283D67C}" type="datetimeFigureOut">
               <a:rPr lang="en-US" smtClean="0"/>
               <a:pPr/>
-              <a:t>1/30/2023</a:t>
+              <a:t>2/1/2023</a:t>
             </a:fld>
             <a:endParaRPr lang="en-US"/>
           </a:p>
@@ -660,7 +660,7 @@
             <a:fld id="{9099FEDA-6AC3-495C-A467-2B0399D71BB7}" type="datetimeFigureOut">
               <a:rPr lang="en-US" smtClean="0"/>
               <a:pPr/>
-              <a:t>1/30/2023</a:t>
+              <a:t>2/1/2023</a:t>
             </a:fld>
             <a:endParaRPr lang="en-US"/>
           </a:p>
@@ -827,7 +827,7 @@
             <a:fld id="{9099FEDA-6AC3-495C-A467-2B0399D71BB7}" type="datetimeFigureOut">
               <a:rPr lang="en-US" smtClean="0"/>
               <a:pPr/>
-              <a:t>1/30/2023</a:t>
+              <a:t>2/1/2023</a:t>
             </a:fld>
             <a:endParaRPr lang="en-US"/>
           </a:p>
@@ -1004,7 +1004,7 @@
             <a:fld id="{9099FEDA-6AC3-495C-A467-2B0399D71BB7}" type="datetimeFigureOut">
               <a:rPr lang="en-US" smtClean="0"/>
               <a:pPr/>
-              <a:t>1/30/2023</a:t>
+              <a:t>2/1/2023</a:t>
             </a:fld>
             <a:endParaRPr lang="en-US"/>
           </a:p>
@@ -1171,7 +1171,7 @@
             <a:fld id="{9099FEDA-6AC3-495C-A467-2B0399D71BB7}" type="datetimeFigureOut">
               <a:rPr lang="en-US" smtClean="0"/>
               <a:pPr/>
-              <a:t>1/30/2023</a:t>
+              <a:t>2/1/2023</a:t>
             </a:fld>
             <a:endParaRPr lang="en-US"/>
           </a:p>
@@ -1414,7 +1414,7 @@
             <a:fld id="{9099FEDA-6AC3-495C-A467-2B0399D71BB7}" type="datetimeFigureOut">
               <a:rPr lang="en-US" smtClean="0"/>
               <a:pPr/>
-              <a:t>1/30/2023</a:t>
+              <a:t>2/1/2023</a:t>
             </a:fld>
             <a:endParaRPr lang="en-US"/>
           </a:p>
@@ -1699,7 +1699,7 @@
             <a:fld id="{9099FEDA-6AC3-495C-A467-2B0399D71BB7}" type="datetimeFigureOut">
               <a:rPr lang="en-US" smtClean="0"/>
               <a:pPr/>
-              <a:t>1/30/2023</a:t>
+              <a:t>2/1/2023</a:t>
             </a:fld>
             <a:endParaRPr lang="en-US"/>
           </a:p>
@@ -2118,7 +2118,7 @@
             <a:fld id="{9099FEDA-6AC3-495C-A467-2B0399D71BB7}" type="datetimeFigureOut">
               <a:rPr lang="en-US" smtClean="0"/>
               <a:pPr/>
-              <a:t>1/30/2023</a:t>
+              <a:t>2/1/2023</a:t>
             </a:fld>
             <a:endParaRPr lang="en-US"/>
           </a:p>
@@ -2233,7 +2233,7 @@
             <a:fld id="{9099FEDA-6AC3-495C-A467-2B0399D71BB7}" type="datetimeFigureOut">
               <a:rPr lang="en-US" smtClean="0"/>
               <a:pPr/>
-              <a:t>1/30/2023</a:t>
+              <a:t>2/1/2023</a:t>
             </a:fld>
             <a:endParaRPr lang="en-US"/>
           </a:p>
@@ -2325,7 +2325,7 @@
             <a:fld id="{9099FEDA-6AC3-495C-A467-2B0399D71BB7}" type="datetimeFigureOut">
               <a:rPr lang="en-US" smtClean="0"/>
               <a:pPr/>
-              <a:t>1/30/2023</a:t>
+              <a:t>2/1/2023</a:t>
             </a:fld>
             <a:endParaRPr lang="en-US"/>
           </a:p>
@@ -2599,7 +2599,7 @@
             <a:fld id="{9099FEDA-6AC3-495C-A467-2B0399D71BB7}" type="datetimeFigureOut">
               <a:rPr lang="en-US" smtClean="0"/>
               <a:pPr/>
-              <a:t>1/30/2023</a:t>
+              <a:t>2/1/2023</a:t>
             </a:fld>
             <a:endParaRPr lang="en-US"/>
           </a:p>
@@ -2849,7 +2849,7 @@
             <a:fld id="{9099FEDA-6AC3-495C-A467-2B0399D71BB7}" type="datetimeFigureOut">
               <a:rPr lang="en-US" smtClean="0"/>
               <a:pPr/>
-              <a:t>1/30/2023</a:t>
+              <a:t>2/1/2023</a:t>
             </a:fld>
             <a:endParaRPr lang="en-US"/>
           </a:p>
@@ -3059,7 +3059,7 @@
             <a:fld id="{9099FEDA-6AC3-495C-A467-2B0399D71BB7}" type="datetimeFigureOut">
               <a:rPr lang="en-US" smtClean="0"/>
               <a:pPr/>
-              <a:t>1/30/2023</a:t>
+              <a:t>2/1/2023</a:t>
             </a:fld>
             <a:endParaRPr lang="en-US"/>
           </a:p>
@@ -3577,11 +3577,7 @@
             <a:pPr lvl="1"/>
             <a:r>
               <a:rPr lang="en-IN" dirty="0" smtClean="0"/>
-              <a:t>Compute slope of </a:t>
-            </a:r>
-            <a:r>
-              <a:rPr lang="en-IN" dirty="0" smtClean="0"/>
-              <a:t>line</a:t>
+              <a:t>Compute slope of line</a:t>
             </a:r>
           </a:p>
           <a:p>
@@ -3627,6 +3623,13 @@
   <p:clrMapOvr>
     <a:masterClrMapping/>
   </p:clrMapOvr>
+  <p:timing>
+    <p:tnLst>
+      <p:par>
+        <p:cTn id="1" dur="indefinite" restart="never" nodeType="tmRoot"/>
+      </p:par>
+    </p:tnLst>
+  </p:timing>
 </p:sld>
 </file>
 
@@ -3664,11 +3667,7 @@
           <a:p>
             <a:r>
               <a:rPr lang="en-US" dirty="0" smtClean="0"/>
-              <a:t>Least </a:t>
-            </a:r>
-            <a:r>
-              <a:rPr lang="en-US" dirty="0" smtClean="0"/>
-              <a:t>Squares</a:t>
+              <a:t>Least Squares</a:t>
             </a:r>
             <a:endParaRPr lang="en-US" dirty="0"/>
           </a:p>
@@ -3693,17 +3692,8 @@
           <a:p>
             <a:r>
               <a:rPr lang="en-US" dirty="0" smtClean="0"/>
-              <a:t>Linear regression </a:t>
-            </a:r>
-            <a:r>
-              <a:rPr lang="en-US" dirty="0" smtClean="0"/>
-              <a:t>– Least </a:t>
-            </a:r>
-            <a:r>
-              <a:rPr lang="en-US" dirty="0" smtClean="0"/>
-              <a:t>squares</a:t>
-            </a:r>
-            <a:endParaRPr lang="en-US" dirty="0" smtClean="0"/>
+              <a:t>Linear regression – Least squares</a:t>
+            </a:r>
           </a:p>
           <a:p>
             <a:r>
@@ -3720,11 +3710,7 @@
           <a:p>
             <a:r>
               <a:rPr lang="en-US" dirty="0" smtClean="0"/>
-              <a:t>Error </a:t>
-            </a:r>
-            <a:r>
-              <a:rPr lang="en-US" dirty="0" smtClean="0"/>
-              <a:t>value</a:t>
+              <a:t>Error value</a:t>
             </a:r>
           </a:p>
           <a:p>
@@ -3732,16 +3718,11 @@
               <a:rPr lang="en-US" dirty="0" smtClean="0"/>
               <a:t>Sum of squared residuals</a:t>
             </a:r>
-            <a:endParaRPr lang="en-US" dirty="0" smtClean="0"/>
-          </a:p>
-          <a:p>
-            <a:r>
-              <a:rPr lang="en-US" dirty="0" smtClean="0"/>
-              <a:t>Minimize error </a:t>
-            </a:r>
-            <a:r>
-              <a:rPr lang="en-US" dirty="0" smtClean="0"/>
-              <a:t>value</a:t>
+          </a:p>
+          <a:p>
+            <a:r>
+              <a:rPr lang="en-US" dirty="0" smtClean="0"/>
+              <a:t>Minimize error value</a:t>
             </a:r>
           </a:p>
           <a:p>
@@ -3749,7 +3730,6 @@
               <a:rPr lang="en-US" dirty="0" smtClean="0"/>
               <a:t>Generic equation of line</a:t>
             </a:r>
-            <a:endParaRPr lang="en-US" dirty="0" smtClean="0"/>
           </a:p>
           <a:p>
             <a:endParaRPr lang="en-US" dirty="0"/>
@@ -3847,11 +3827,7 @@
             </a:r>
             <a:r>
               <a:rPr lang="en-US" dirty="0" smtClean="0"/>
-              <a:t> </a:t>
-            </a:r>
-            <a:r>
-              <a:rPr lang="en-US" dirty="0" smtClean="0"/>
-              <a:t>– Independent variable</a:t>
+              <a:t> – Independent variable</a:t>
             </a:r>
           </a:p>
           <a:p>
@@ -3865,21 +3841,13 @@
             </a:r>
             <a:r>
               <a:rPr lang="en-US" dirty="0" smtClean="0"/>
-              <a:t> </a:t>
-            </a:r>
-            <a:r>
-              <a:rPr lang="en-US" dirty="0" smtClean="0"/>
-              <a:t>– </a:t>
-            </a:r>
-            <a:r>
-              <a:rPr lang="en-US" dirty="0" smtClean="0"/>
-              <a:t>Dependent variable</a:t>
-            </a:r>
-          </a:p>
-          <a:p>
-            <a:r>
-              <a:rPr lang="en-US" dirty="0" smtClean="0"/>
-              <a:t>m</a:t>
+              <a:t> – Dependent variable</a:t>
+            </a:r>
+          </a:p>
+          <a:p>
+            <a:r>
+              <a:rPr lang="en-US" dirty="0" smtClean="0"/>
+              <a:t>W</a:t>
             </a:r>
             <a:r>
               <a:rPr lang="en-US" baseline="-25000" dirty="0" smtClean="0"/>
@@ -3887,13 +3855,17 @@
             </a:r>
             <a:r>
               <a:rPr lang="en-US" dirty="0" smtClean="0"/>
-              <a:t> – Y axis intercept</a:t>
-            </a:r>
-          </a:p>
-          <a:p>
-            <a:r>
-              <a:rPr lang="en-US" dirty="0" smtClean="0"/>
-              <a:t>m</a:t>
+              <a:t> </a:t>
+            </a:r>
+            <a:r>
+              <a:rPr lang="en-US" dirty="0" smtClean="0"/>
+              <a:t>– Y axis intercept</a:t>
+            </a:r>
+          </a:p>
+          <a:p>
+            <a:r>
+              <a:rPr lang="en-US" dirty="0" smtClean="0"/>
+              <a:t>W</a:t>
             </a:r>
             <a:r>
               <a:rPr lang="en-US" baseline="-25000" dirty="0" smtClean="0"/>
@@ -3901,7 +3873,11 @@
             </a:r>
             <a:r>
               <a:rPr lang="en-US" dirty="0" smtClean="0"/>
-              <a:t> – Slope of line</a:t>
+              <a:t> </a:t>
+            </a:r>
+            <a:r>
+              <a:rPr lang="en-US" dirty="0" smtClean="0"/>
+              <a:t>– Slope of line</a:t>
             </a:r>
           </a:p>
           <a:p>
@@ -3937,7 +3913,6 @@
               <a:rPr lang="en-US" dirty="0" smtClean="0"/>
               <a:t>J – Cost function – Minimize cost function</a:t>
             </a:r>
-            <a:endParaRPr lang="en-US" dirty="0" smtClean="0"/>
           </a:p>
           <a:p>
             <a:endParaRPr lang="en-US" dirty="0"/>
@@ -3953,7 +3928,7 @@
           <p:nvPr/>
         </p:nvGraphicFramePr>
         <p:xfrm>
-          <a:off x="609600" y="1447800"/>
+          <a:off x="609600" y="1519920"/>
           <a:ext cx="2667001" cy="1147080"/>
         </p:xfrm>
         <a:graphic>
@@ -3973,12 +3948,12 @@
           <p:nvPr/>
         </p:nvGraphicFramePr>
         <p:xfrm>
-          <a:off x="4343400" y="1524000"/>
-          <a:ext cx="1981200" cy="1161393"/>
+          <a:off x="4241800" y="1489075"/>
+          <a:ext cx="2185988" cy="1231900"/>
         </p:xfrm>
         <a:graphic>
           <a:graphicData uri="http://schemas.openxmlformats.org/presentationml/2006/ole">
-            <p:oleObj spid="_x0000_s1027" name="Equation" r:id="rId4" imgW="736560" imgH="431640" progId="Equation.3">
+            <p:oleObj spid="_x0000_s1027" name="Equation" r:id="rId4" imgW="812520" imgH="457200" progId="Equation.3">
               <p:embed/>
             </p:oleObj>
           </a:graphicData>
@@ -4150,8 +4125,20 @@
               <a:t>n</a:t>
             </a:r>
             <a:r>
+              <a:rPr lang="en-IN" baseline="-25000" dirty="0" smtClean="0">
+                <a:solidFill>
+                  <a:srgbClr val="00B050"/>
+                </a:solidFill>
+              </a:rPr>
+              <a:t>x</a:t>
+            </a:r>
+            <a:r>
               <a:rPr lang="en-IN" dirty="0" smtClean="0"/>
-              <a:t> – </a:t>
+              <a:t> </a:t>
+            </a:r>
+            <a:r>
+              <a:rPr lang="en-IN" dirty="0" smtClean="0"/>
+              <a:t>– </a:t>
             </a:r>
             <a:r>
               <a:rPr lang="en-IN" dirty="0" smtClean="0">
@@ -4289,12 +4276,12 @@
           <p:nvPr/>
         </p:nvGraphicFramePr>
         <p:xfrm>
-          <a:off x="609600" y="1676400"/>
-          <a:ext cx="3124200" cy="1052720"/>
+          <a:off x="508000" y="1625600"/>
+          <a:ext cx="3327400" cy="1154113"/>
         </p:xfrm>
         <a:graphic>
           <a:graphicData uri="http://schemas.openxmlformats.org/presentationml/2006/ole">
-            <p:oleObj spid="_x0000_s26627" name="Equation" r:id="rId4" imgW="1168200" imgH="393480" progId="Equation.3">
+            <p:oleObj spid="_x0000_s26627" name="Equation" r:id="rId4" imgW="1244520" imgH="431640" progId="Equation.3">
               <p:embed/>
             </p:oleObj>
           </a:graphicData>
@@ -4305,6 +4292,13 @@
   <p:clrMapOvr>
     <a:masterClrMapping/>
   </p:clrMapOvr>
+  <p:timing>
+    <p:tnLst>
+      <p:par>
+        <p:cTn id="1" dur="indefinite" restart="never" nodeType="tmRoot"/>
+      </p:par>
+    </p:tnLst>
+  </p:timing>
 </p:sld>
 </file>
 
@@ -4523,11 +4517,7 @@
             </a:r>
             <a:r>
               <a:rPr lang="en-IN" dirty="0" smtClean="0"/>
-              <a:t>quares </a:t>
-            </a:r>
-            <a:r>
-              <a:rPr lang="en-IN" dirty="0" smtClean="0"/>
-              <a:t>around </a:t>
+              <a:t>quares around </a:t>
             </a:r>
             <a:r>
               <a:rPr lang="en-IN" dirty="0" smtClean="0">
@@ -4565,6 +4555,13 @@
   <p:clrMapOvr>
     <a:masterClrMapping/>
   </p:clrMapOvr>
+  <p:timing>
+    <p:tnLst>
+      <p:par>
+        <p:cTn id="1" dur="indefinite" restart="never" nodeType="tmRoot"/>
+      </p:par>
+    </p:tnLst>
+  </p:timing>
 </p:sld>
 </file>
 
@@ -4655,26 +4652,11 @@
             <a:pPr algn="just"/>
             <a:r>
               <a:rPr lang="en-IN" dirty="0" smtClean="0"/>
-              <a:t>Independent variable </a:t>
+              <a:t>Independent variable reduces p percent of variation in dependent </a:t>
             </a:r>
             <a:r>
               <a:rPr lang="en-IN" dirty="0" smtClean="0"/>
-              <a:t>reduces p percent of variation in dependent variable</a:t>
-            </a:r>
-          </a:p>
-          <a:p>
-            <a:pPr algn="just"/>
-            <a:r>
-              <a:rPr lang="en-IN" dirty="0" smtClean="0"/>
-              <a:t>Importance of independent </a:t>
-            </a:r>
-            <a:r>
-              <a:rPr lang="en-IN" dirty="0" smtClean="0"/>
-              <a:t>variable</a:t>
-            </a:r>
-            <a:r>
-              <a:rPr lang="en-IN" dirty="0" smtClean="0"/>
-              <a:t>    </a:t>
+              <a:t>variable  </a:t>
             </a:r>
             <a:endParaRPr lang="en-IN" dirty="0" smtClean="0"/>
           </a:p>
@@ -4685,6 +4667,13 @@
   <p:clrMapOvr>
     <a:masterClrMapping/>
   </p:clrMapOvr>
+  <p:timing>
+    <p:tnLst>
+      <p:par>
+        <p:cTn id="1" dur="indefinite" restart="never" nodeType="tmRoot"/>
+      </p:par>
+    </p:tnLst>
+  </p:timing>
 </p:sld>
 </file>
 
@@ -4758,6 +4747,13 @@
   <p:clrMapOvr>
     <a:masterClrMapping/>
   </p:clrMapOvr>
+  <p:timing>
+    <p:tnLst>
+      <p:par>
+        <p:cTn id="1" dur="indefinite" restart="never" nodeType="tmRoot"/>
+      </p:par>
+    </p:tnLst>
+  </p:timing>
 </p:sld>
 </file>
 
@@ -4831,9 +4827,14 @@
           <a:p>
             <a:pPr lvl="1"/>
             <a:r>
-              <a:rPr lang="en-US" dirty="0" smtClean="0"/>
-              <a:t>Variables – Response </a:t>
-            </a:r>
+              <a:rPr lang="en-US" smtClean="0"/>
+              <a:t>Inputs and response </a:t>
+            </a:r>
+            <a:r>
+              <a:rPr lang="en-US" dirty="0" smtClean="0"/>
+              <a:t>mapping</a:t>
+            </a:r>
+            <a:endParaRPr lang="en-US" dirty="0" smtClean="0"/>
           </a:p>
           <a:p>
             <a:r>
@@ -4954,60 +4955,32 @@
           <a:p>
             <a:r>
               <a:rPr lang="en-IN" dirty="0" smtClean="0"/>
-              <a:t>Good for linearly separable </a:t>
-            </a:r>
+              <a:t>Good for linearly separable data</a:t>
+            </a:r>
+          </a:p>
+          <a:p>
             <a:r>
               <a:rPr lang="en-IN" dirty="0" smtClean="0"/>
-              <a:t>data</a:t>
+              <a:t>Easier to implement and interpret </a:t>
             </a:r>
           </a:p>
           <a:p>
             <a:r>
               <a:rPr lang="en-IN" dirty="0" smtClean="0"/>
-              <a:t>Easier </a:t>
-            </a:r>
+              <a:t>Efficient to train</a:t>
+            </a:r>
+          </a:p>
+          <a:p>
+            <a:r>
+              <a:rPr lang="en-US" dirty="0" smtClean="0"/>
+              <a:t>Handle over-fitting</a:t>
+            </a:r>
+          </a:p>
+          <a:p>
+            <a:pPr lvl="1"/>
             <a:r>
               <a:rPr lang="en-IN" dirty="0" smtClean="0"/>
-              <a:t>to </a:t>
-            </a:r>
-            <a:r>
-              <a:rPr lang="en-IN" dirty="0" smtClean="0"/>
-              <a:t>implement and interpret </a:t>
-            </a:r>
-          </a:p>
-          <a:p>
-            <a:r>
-              <a:rPr lang="en-IN" dirty="0" smtClean="0"/>
-              <a:t>Efficient </a:t>
-            </a:r>
-            <a:r>
-              <a:rPr lang="en-IN" dirty="0" smtClean="0"/>
-              <a:t>to </a:t>
-            </a:r>
-            <a:r>
-              <a:rPr lang="en-IN" dirty="0" smtClean="0"/>
-              <a:t>train</a:t>
-            </a:r>
-          </a:p>
-          <a:p>
-            <a:r>
-              <a:rPr lang="en-US" dirty="0" smtClean="0"/>
-              <a:t>Handle over-fitting</a:t>
-            </a:r>
-          </a:p>
-          <a:p>
-            <a:pPr lvl="1"/>
-            <a:r>
-              <a:rPr lang="en-IN" dirty="0" smtClean="0"/>
-              <a:t>Dimensionally </a:t>
-            </a:r>
-            <a:r>
-              <a:rPr lang="en-IN" dirty="0" smtClean="0"/>
-              <a:t>reduction </a:t>
-            </a:r>
-            <a:r>
-              <a:rPr lang="en-IN" dirty="0" smtClean="0"/>
-              <a:t>techniques</a:t>
+              <a:t>Dimensionally reduction techniques</a:t>
             </a:r>
           </a:p>
           <a:p>
@@ -5133,15 +5106,7 @@
           <a:p>
             <a:r>
               <a:rPr lang="en-US" dirty="0" smtClean="0"/>
-              <a:t>Sensitive </a:t>
-            </a:r>
-            <a:r>
-              <a:rPr lang="en-US" dirty="0" smtClean="0"/>
-              <a:t>to </a:t>
-            </a:r>
-            <a:r>
-              <a:rPr lang="en-US" dirty="0" smtClean="0"/>
-              <a:t>outliers</a:t>
+              <a:t>Sensitive to outliers</a:t>
             </a:r>
           </a:p>
           <a:p>
@@ -5150,8 +5115,12 @@
               <a:t>Prone to </a:t>
             </a:r>
             <a:r>
+              <a:rPr lang="en-US" dirty="0" smtClean="0"/>
+              <a:t>multi-</a:t>
+            </a:r>
+            <a:r>
               <a:rPr lang="en-US" dirty="0" err="1" smtClean="0"/>
-              <a:t>multicollinearity</a:t>
+              <a:t>collinearity</a:t>
             </a:r>
             <a:endParaRPr lang="en-US" dirty="0"/>
           </a:p>
@@ -5231,19 +5200,26 @@
           <a:p>
             <a:r>
               <a:rPr lang="en-US" dirty="0" smtClean="0"/>
-              <a:t>Supervised </a:t>
-            </a:r>
-            <a:r>
-              <a:rPr lang="en-US" dirty="0" smtClean="0"/>
-              <a:t>learning – Regression</a:t>
+              <a:t>Supervised learning – Regression</a:t>
+            </a:r>
+          </a:p>
+          <a:p>
+            <a:r>
+              <a:rPr lang="en-US" dirty="0" smtClean="0"/>
+              <a:t>Linear </a:t>
+            </a:r>
+            <a:r>
+              <a:rPr lang="en-US" dirty="0" smtClean="0"/>
+              <a:t>regression</a:t>
             </a:r>
             <a:endParaRPr lang="en-US" dirty="0" smtClean="0"/>
           </a:p>
           <a:p>
             <a:r>
               <a:rPr lang="en-US" dirty="0" smtClean="0"/>
-              <a:t>Linear regression</a:t>
-            </a:r>
+              <a:t>Algorithm</a:t>
+            </a:r>
+            <a:endParaRPr lang="en-US" dirty="0" smtClean="0"/>
           </a:p>
           <a:p>
             <a:r>
@@ -5254,14 +5230,9 @@
           <a:p>
             <a:r>
               <a:rPr lang="en-US" dirty="0" smtClean="0"/>
-              <a:t>Optimization objective</a:t>
-            </a:r>
-          </a:p>
-          <a:p>
-            <a:r>
-              <a:rPr lang="en-US" dirty="0" smtClean="0"/>
               <a:t>Advantages </a:t>
             </a:r>
+            <a:endParaRPr lang="en-US" dirty="0" smtClean="0"/>
           </a:p>
           <a:p>
             <a:r>
@@ -6144,12 +6115,48 @@
           <a:p>
             <a:r>
               <a:rPr lang="en-US" dirty="0" smtClean="0"/>
-              <a:t>Weights – W – m</a:t>
+              <a:t>Weights – W – </a:t>
+            </a:r>
+            <a:r>
+              <a:rPr lang="en-US" dirty="0" smtClean="0"/>
+              <a:t>(W</a:t>
             </a:r>
             <a:r>
               <a:rPr lang="en-US" baseline="-25000" dirty="0" smtClean="0"/>
               <a:t>1</a:t>
             </a:r>
+            <a:r>
+              <a:rPr lang="en-US" dirty="0" smtClean="0"/>
+              <a:t>, </a:t>
+            </a:r>
+            <a:r>
+              <a:rPr lang="en-US" dirty="0" smtClean="0"/>
+              <a:t>W</a:t>
+            </a:r>
+            <a:r>
+              <a:rPr lang="en-US" baseline="-25000" dirty="0" smtClean="0"/>
+              <a:t>2</a:t>
+            </a:r>
+            <a:r>
+              <a:rPr lang="en-US" dirty="0" smtClean="0"/>
+              <a:t>, W</a:t>
+            </a:r>
+            <a:r>
+              <a:rPr lang="en-US" baseline="-25000" dirty="0" smtClean="0"/>
+              <a:t>3</a:t>
+            </a:r>
+            <a:r>
+              <a:rPr lang="en-US" dirty="0" smtClean="0"/>
+              <a:t>, …, W</a:t>
+            </a:r>
+            <a:r>
+              <a:rPr lang="en-US" baseline="-25000" dirty="0" smtClean="0"/>
+              <a:t>nx</a:t>
+            </a:r>
+            <a:r>
+              <a:rPr lang="en-US" dirty="0" smtClean="0"/>
+              <a:t>)</a:t>
+            </a:r>
             <a:endParaRPr lang="en-US" dirty="0" smtClean="0"/>
           </a:p>
           <a:p>
@@ -6188,7 +6195,11 @@
           <a:p>
             <a:r>
               <a:rPr lang="en-US" dirty="0" smtClean="0"/>
-              <a:t>Bias – b – m</a:t>
+              <a:t>Bias – b – </a:t>
+            </a:r>
+            <a:r>
+              <a:rPr lang="en-US" dirty="0" smtClean="0"/>
+              <a:t>W</a:t>
             </a:r>
             <a:r>
               <a:rPr lang="en-US" baseline="-25000" dirty="0" smtClean="0"/>
@@ -6198,6 +6209,7 @@
               <a:rPr lang="en-US" dirty="0" smtClean="0"/>
               <a:t>  </a:t>
             </a:r>
+            <a:endParaRPr lang="en-US" dirty="0" smtClean="0"/>
           </a:p>
           <a:p>
             <a:pPr lvl="1"/>

--- a/MachineLearning/LinearRegression/LinearRegression.pptx
+++ b/MachineLearning/LinearRegression/LinearRegression.pptx
@@ -5,7 +5,7 @@
     <p:sldMasterId id="2147483648" r:id="rId1"/>
   </p:sldMasterIdLst>
   <p:notesMasterIdLst>
-    <p:notesMasterId r:id="rId22"/>
+    <p:notesMasterId r:id="rId24"/>
   </p:notesMasterIdLst>
   <p:sldIdLst>
     <p:sldId id="256" r:id="rId2"/>
@@ -17,17 +17,19 @@
     <p:sldId id="283" r:id="rId8"/>
     <p:sldId id="275" r:id="rId9"/>
     <p:sldId id="276" r:id="rId10"/>
-    <p:sldId id="285" r:id="rId11"/>
-    <p:sldId id="277" r:id="rId12"/>
-    <p:sldId id="278" r:id="rId13"/>
-    <p:sldId id="286" r:id="rId14"/>
-    <p:sldId id="288" r:id="rId15"/>
-    <p:sldId id="289" r:id="rId16"/>
-    <p:sldId id="291" r:id="rId17"/>
-    <p:sldId id="290" r:id="rId18"/>
-    <p:sldId id="270" r:id="rId19"/>
-    <p:sldId id="271" r:id="rId20"/>
-    <p:sldId id="269" r:id="rId21"/>
+    <p:sldId id="293" r:id="rId11"/>
+    <p:sldId id="285" r:id="rId12"/>
+    <p:sldId id="277" r:id="rId13"/>
+    <p:sldId id="278" r:id="rId14"/>
+    <p:sldId id="286" r:id="rId15"/>
+    <p:sldId id="288" r:id="rId16"/>
+    <p:sldId id="289" r:id="rId17"/>
+    <p:sldId id="291" r:id="rId18"/>
+    <p:sldId id="290" r:id="rId19"/>
+    <p:sldId id="270" r:id="rId20"/>
+    <p:sldId id="271" r:id="rId21"/>
+    <p:sldId id="292" r:id="rId22"/>
+    <p:sldId id="269" r:id="rId23"/>
   </p:sldIdLst>
   <p:sldSz cx="9144000" cy="6858000" type="screen4x3"/>
   <p:notesSz cx="6858000" cy="9144000"/>
@@ -3547,7 +3549,7 @@
           <a:p>
             <a:r>
               <a:rPr lang="en-IN" dirty="0" smtClean="0"/>
-              <a:t>Algorithm</a:t>
+              <a:t>Linear Regression – Types </a:t>
             </a:r>
             <a:endParaRPr lang="en-IN" dirty="0"/>
           </a:p>
@@ -3570,49 +3572,47 @@
           <a:p>
             <a:r>
               <a:rPr lang="en-IN" dirty="0" smtClean="0"/>
-              <a:t>Fit line to dataset</a:t>
+              <a:t>Simple </a:t>
+            </a:r>
+            <a:r>
+              <a:rPr lang="en-IN" dirty="0" smtClean="0"/>
+              <a:t>linear regression</a:t>
             </a:r>
           </a:p>
           <a:p>
             <a:pPr lvl="1"/>
             <a:r>
               <a:rPr lang="en-IN" dirty="0" smtClean="0"/>
-              <a:t>Compute slope of line</a:t>
+              <a:t>Single </a:t>
+            </a:r>
+            <a:r>
+              <a:rPr lang="en-IN" dirty="0" smtClean="0"/>
+              <a:t>independent </a:t>
+            </a:r>
+            <a:r>
+              <a:rPr lang="en-IN" dirty="0" smtClean="0"/>
+              <a:t>variable</a:t>
+            </a:r>
+          </a:p>
+          <a:p>
+            <a:r>
+              <a:rPr lang="en-IN" dirty="0" smtClean="0"/>
+              <a:t>Multiple </a:t>
+            </a:r>
+            <a:r>
+              <a:rPr lang="en-IN" dirty="0" smtClean="0"/>
+              <a:t>linear regression</a:t>
             </a:r>
           </a:p>
           <a:p>
             <a:pPr lvl="1"/>
             <a:r>
               <a:rPr lang="en-IN" dirty="0" smtClean="0"/>
-              <a:t>Compute Y axis intercept</a:t>
-            </a:r>
-          </a:p>
-          <a:p>
-            <a:r>
-              <a:rPr lang="en-IN" dirty="0" smtClean="0"/>
-              <a:t>Calculate R</a:t>
-            </a:r>
-            <a:r>
-              <a:rPr lang="en-IN" baseline="30000" dirty="0" smtClean="0"/>
-              <a:t>2</a:t>
-            </a:r>
-            <a:r>
-              <a:rPr lang="en-IN" dirty="0" smtClean="0"/>
-              <a:t> value</a:t>
-            </a:r>
-          </a:p>
-          <a:p>
-            <a:r>
-              <a:rPr lang="en-IN" dirty="0" smtClean="0"/>
-              <a:t>Calculate p-value for R</a:t>
-            </a:r>
-            <a:r>
-              <a:rPr lang="en-IN" baseline="30000" dirty="0" smtClean="0"/>
-              <a:t>2</a:t>
-            </a:r>
-            <a:r>
-              <a:rPr lang="en-IN" dirty="0" smtClean="0"/>
-              <a:t> value</a:t>
+              <a:t>More </a:t>
+            </a:r>
+            <a:r>
+              <a:rPr lang="en-IN" dirty="0" smtClean="0"/>
+              <a:t>than one independent variable</a:t>
             </a:r>
             <a:endParaRPr lang="en-IN" dirty="0"/>
           </a:p>
@@ -3623,13 +3623,6 @@
   <p:clrMapOvr>
     <a:masterClrMapping/>
   </p:clrMapOvr>
-  <p:timing>
-    <p:tnLst>
-      <p:par>
-        <p:cTn id="1" dur="indefinite" restart="never" nodeType="tmRoot"/>
-      </p:par>
-    </p:tnLst>
-  </p:timing>
 </p:sld>
 </file>
 
@@ -3666,10 +3659,10 @@
           <a:lstStyle/>
           <a:p>
             <a:r>
-              <a:rPr lang="en-US" dirty="0" smtClean="0"/>
-              <a:t>Least Squares</a:t>
-            </a:r>
-            <a:endParaRPr lang="en-US" dirty="0"/>
+              <a:rPr lang="en-IN" dirty="0" smtClean="0"/>
+              <a:t>Algorithm</a:t>
+            </a:r>
+            <a:endParaRPr lang="en-IN" dirty="0"/>
           </a:p>
         </p:txBody>
       </p:sp>
@@ -3685,54 +3678,56 @@
         </p:nvSpPr>
         <p:spPr/>
         <p:txBody>
-          <a:bodyPr>
-            <a:normAutofit/>
-          </a:bodyPr>
-          <a:lstStyle/>
-          <a:p>
-            <a:r>
-              <a:rPr lang="en-US" dirty="0" smtClean="0"/>
-              <a:t>Linear regression – Least squares</a:t>
-            </a:r>
-          </a:p>
-          <a:p>
-            <a:r>
-              <a:rPr lang="en-US" dirty="0" smtClean="0"/>
-              <a:t>Actual value – Observed value</a:t>
-            </a:r>
-          </a:p>
-          <a:p>
-            <a:r>
-              <a:rPr lang="en-US" dirty="0" smtClean="0"/>
-              <a:t>Estimated value – Predicted value</a:t>
-            </a:r>
-          </a:p>
-          <a:p>
-            <a:r>
-              <a:rPr lang="en-US" dirty="0" smtClean="0"/>
-              <a:t>Error value</a:t>
-            </a:r>
-          </a:p>
-          <a:p>
-            <a:r>
-              <a:rPr lang="en-US" dirty="0" smtClean="0"/>
-              <a:t>Sum of squared residuals</a:t>
-            </a:r>
-          </a:p>
-          <a:p>
-            <a:r>
-              <a:rPr lang="en-US" dirty="0" smtClean="0"/>
-              <a:t>Minimize error value</a:t>
-            </a:r>
-          </a:p>
-          <a:p>
-            <a:r>
-              <a:rPr lang="en-US" dirty="0" smtClean="0"/>
-              <a:t>Generic equation of line</a:t>
-            </a:r>
-          </a:p>
-          <a:p>
-            <a:endParaRPr lang="en-US" dirty="0"/>
+          <a:bodyPr/>
+          <a:lstStyle/>
+          <a:p>
+            <a:r>
+              <a:rPr lang="en-IN" dirty="0" smtClean="0"/>
+              <a:t>Fit line to dataset</a:t>
+            </a:r>
+          </a:p>
+          <a:p>
+            <a:pPr lvl="1"/>
+            <a:r>
+              <a:rPr lang="en-IN" dirty="0" smtClean="0"/>
+              <a:t>Compute slope of line</a:t>
+            </a:r>
+          </a:p>
+          <a:p>
+            <a:pPr lvl="1"/>
+            <a:r>
+              <a:rPr lang="en-IN" dirty="0" smtClean="0"/>
+              <a:t>Compute Y axis intercept</a:t>
+            </a:r>
+          </a:p>
+          <a:p>
+            <a:r>
+              <a:rPr lang="en-IN" dirty="0" smtClean="0"/>
+              <a:t>Calculate R</a:t>
+            </a:r>
+            <a:r>
+              <a:rPr lang="en-IN" baseline="30000" dirty="0" smtClean="0"/>
+              <a:t>2</a:t>
+            </a:r>
+            <a:r>
+              <a:rPr lang="en-IN" dirty="0" smtClean="0"/>
+              <a:t> value</a:t>
+            </a:r>
+          </a:p>
+          <a:p>
+            <a:r>
+              <a:rPr lang="en-IN" dirty="0" smtClean="0"/>
+              <a:t>Calculate p-value for R</a:t>
+            </a:r>
+            <a:r>
+              <a:rPr lang="en-IN" baseline="30000" dirty="0" smtClean="0"/>
+              <a:t>2</a:t>
+            </a:r>
+            <a:r>
+              <a:rPr lang="en-IN" dirty="0" smtClean="0"/>
+              <a:t> value</a:t>
+            </a:r>
+            <a:endParaRPr lang="en-IN" dirty="0"/>
           </a:p>
         </p:txBody>
       </p:sp>
@@ -3804,7 +3799,125 @@
         <p:spPr/>
         <p:txBody>
           <a:bodyPr>
-            <a:normAutofit fontScale="85000" lnSpcReduction="20000"/>
+            <a:normAutofit/>
+          </a:bodyPr>
+          <a:lstStyle/>
+          <a:p>
+            <a:r>
+              <a:rPr lang="en-US" dirty="0" smtClean="0"/>
+              <a:t>Linear regression – Least squares</a:t>
+            </a:r>
+          </a:p>
+          <a:p>
+            <a:r>
+              <a:rPr lang="en-US" dirty="0" smtClean="0"/>
+              <a:t>Actual value – Observed value</a:t>
+            </a:r>
+          </a:p>
+          <a:p>
+            <a:r>
+              <a:rPr lang="en-US" dirty="0" smtClean="0"/>
+              <a:t>Estimated value – Predicted value</a:t>
+            </a:r>
+          </a:p>
+          <a:p>
+            <a:r>
+              <a:rPr lang="en-US" dirty="0" smtClean="0"/>
+              <a:t>Error value</a:t>
+            </a:r>
+          </a:p>
+          <a:p>
+            <a:r>
+              <a:rPr lang="en-US" dirty="0" smtClean="0"/>
+              <a:t>Sum of squared residuals</a:t>
+            </a:r>
+          </a:p>
+          <a:p>
+            <a:r>
+              <a:rPr lang="en-US" dirty="0" smtClean="0"/>
+              <a:t>Minimize error value</a:t>
+            </a:r>
+          </a:p>
+          <a:p>
+            <a:r>
+              <a:rPr lang="en-US" dirty="0" smtClean="0"/>
+              <a:t>Generic equation of line</a:t>
+            </a:r>
+          </a:p>
+          <a:p>
+            <a:endParaRPr lang="en-US" dirty="0"/>
+          </a:p>
+        </p:txBody>
+      </p:sp>
+    </p:spTree>
+  </p:cSld>
+  <p:clrMapOvr>
+    <a:masterClrMapping/>
+  </p:clrMapOvr>
+  <p:timing>
+    <p:tnLst>
+      <p:par>
+        <p:cTn id="1" dur="indefinite" restart="never" nodeType="tmRoot"/>
+      </p:par>
+    </p:tnLst>
+  </p:timing>
+</p:sld>
+</file>
+
+<file path=ppt/slides/slide13.xml><?xml version="1.0" encoding="utf-8"?>
+<p:sld xmlns:a="http://schemas.openxmlformats.org/drawingml/2006/main" xmlns:r="http://schemas.openxmlformats.org/officeDocument/2006/relationships" xmlns:p="http://schemas.openxmlformats.org/presentationml/2006/main">
+  <p:cSld>
+    <p:spTree>
+      <p:nvGrpSpPr>
+        <p:cNvPr id="1" name=""/>
+        <p:cNvGrpSpPr/>
+        <p:nvPr/>
+      </p:nvGrpSpPr>
+      <p:grpSpPr>
+        <a:xfrm>
+          <a:off x="0" y="0"/>
+          <a:ext cx="0" cy="0"/>
+          <a:chOff x="0" y="0"/>
+          <a:chExt cx="0" cy="0"/>
+        </a:xfrm>
+      </p:grpSpPr>
+      <p:sp>
+        <p:nvSpPr>
+          <p:cNvPr id="2" name="Title 1"/>
+          <p:cNvSpPr>
+            <a:spLocks noGrp="1"/>
+          </p:cNvSpPr>
+          <p:nvPr>
+            <p:ph type="title"/>
+          </p:nvPr>
+        </p:nvSpPr>
+        <p:spPr/>
+        <p:txBody>
+          <a:bodyPr/>
+          <a:lstStyle/>
+          <a:p>
+            <a:r>
+              <a:rPr lang="en-US" dirty="0" smtClean="0"/>
+              <a:t>Least Squares</a:t>
+            </a:r>
+            <a:endParaRPr lang="en-US" dirty="0"/>
+          </a:p>
+        </p:txBody>
+      </p:sp>
+      <p:sp>
+        <p:nvSpPr>
+          <p:cNvPr id="3" name="Content Placeholder 2"/>
+          <p:cNvSpPr>
+            <a:spLocks noGrp="1"/>
+          </p:cNvSpPr>
+          <p:nvPr>
+            <p:ph idx="1"/>
+          </p:nvPr>
+        </p:nvSpPr>
+        <p:spPr/>
+        <p:txBody>
+          <a:bodyPr>
+            <a:normAutofit fontScale="77500" lnSpcReduction="20000"/>
           </a:bodyPr>
           <a:lstStyle/>
           <a:p>
@@ -3905,8 +4018,23 @@
             </a:r>
             <a:r>
               <a:rPr lang="en-US" dirty="0" smtClean="0"/>
-              <a:t> – Random error</a:t>
-            </a:r>
+              <a:t> – Random </a:t>
+            </a:r>
+            <a:r>
+              <a:rPr lang="en-US" dirty="0" smtClean="0"/>
+              <a:t>error</a:t>
+            </a:r>
+          </a:p>
+          <a:p>
+            <a:r>
+              <a:rPr lang="en-US" dirty="0" smtClean="0"/>
+              <a:t>Mean </a:t>
+            </a:r>
+            <a:r>
+              <a:rPr lang="en-US" dirty="0" smtClean="0"/>
+              <a:t>squared error – MSE</a:t>
+            </a:r>
+            <a:endParaRPr lang="en-US" dirty="0" smtClean="0"/>
           </a:p>
           <a:p>
             <a:r>
@@ -3974,7 +4102,7 @@
 </p:sld>
 </file>
 
-<file path=ppt/slides/slide13.xml><?xml version="1.0" encoding="utf-8"?>
+<file path=ppt/slides/slide14.xml><?xml version="1.0" encoding="utf-8"?>
 <p:sld xmlns:a="http://schemas.openxmlformats.org/drawingml/2006/main" xmlns:r="http://schemas.openxmlformats.org/officeDocument/2006/relationships" xmlns:p="http://schemas.openxmlformats.org/presentationml/2006/main">
   <p:cSld>
     <p:spTree>
@@ -4302,7 +4430,7 @@
 </p:sld>
 </file>
 
-<file path=ppt/slides/slide14.xml><?xml version="1.0" encoding="utf-8"?>
+<file path=ppt/slides/slide15.xml><?xml version="1.0" encoding="utf-8"?>
 <p:sld xmlns:a="http://schemas.openxmlformats.org/drawingml/2006/main" xmlns:r="http://schemas.openxmlformats.org/officeDocument/2006/relationships" xmlns:p="http://schemas.openxmlformats.org/presentationml/2006/main">
   <p:cSld>
     <p:spTree>
@@ -4565,118 +4693,6 @@
 </p:sld>
 </file>
 
-<file path=ppt/slides/slide15.xml><?xml version="1.0" encoding="utf-8"?>
-<p:sld xmlns:a="http://schemas.openxmlformats.org/drawingml/2006/main" xmlns:r="http://schemas.openxmlformats.org/officeDocument/2006/relationships" xmlns:p="http://schemas.openxmlformats.org/presentationml/2006/main">
-  <p:cSld>
-    <p:spTree>
-      <p:nvGrpSpPr>
-        <p:cNvPr id="1" name=""/>
-        <p:cNvGrpSpPr/>
-        <p:nvPr/>
-      </p:nvGrpSpPr>
-      <p:grpSpPr>
-        <a:xfrm>
-          <a:off x="0" y="0"/>
-          <a:ext cx="0" cy="0"/>
-          <a:chOff x="0" y="0"/>
-          <a:chExt cx="0" cy="0"/>
-        </a:xfrm>
-      </p:grpSpPr>
-      <p:sp>
-        <p:nvSpPr>
-          <p:cNvPr id="2" name="Title 1"/>
-          <p:cNvSpPr>
-            <a:spLocks noGrp="1"/>
-          </p:cNvSpPr>
-          <p:nvPr>
-            <p:ph type="title"/>
-          </p:nvPr>
-        </p:nvSpPr>
-        <p:spPr/>
-        <p:txBody>
-          <a:bodyPr/>
-          <a:lstStyle/>
-          <a:p>
-            <a:r>
-              <a:rPr lang="en-IN" dirty="0" smtClean="0"/>
-              <a:t>R</a:t>
-            </a:r>
-            <a:r>
-              <a:rPr lang="en-IN" baseline="30000" dirty="0" smtClean="0"/>
-              <a:t>2</a:t>
-            </a:r>
-            <a:r>
-              <a:rPr lang="en-IN" dirty="0" smtClean="0"/>
-              <a:t> Value</a:t>
-            </a:r>
-            <a:endParaRPr lang="en-IN" dirty="0"/>
-          </a:p>
-        </p:txBody>
-      </p:sp>
-      <p:sp>
-        <p:nvSpPr>
-          <p:cNvPr id="3" name="Content Placeholder 2"/>
-          <p:cNvSpPr>
-            <a:spLocks noGrp="1"/>
-          </p:cNvSpPr>
-          <p:nvPr>
-            <p:ph idx="1"/>
-          </p:nvPr>
-        </p:nvSpPr>
-        <p:spPr/>
-        <p:txBody>
-          <a:bodyPr/>
-          <a:lstStyle/>
-          <a:p>
-            <a:pPr algn="just"/>
-            <a:r>
-              <a:rPr lang="en-IN" dirty="0" smtClean="0"/>
-              <a:t>Value between 0.0 – 1.0</a:t>
-            </a:r>
-          </a:p>
-          <a:p>
-            <a:pPr algn="just"/>
-            <a:r>
-              <a:rPr lang="en-IN" dirty="0" smtClean="0"/>
-              <a:t>Percentage value</a:t>
-            </a:r>
-          </a:p>
-          <a:p>
-            <a:pPr algn="just"/>
-            <a:r>
-              <a:rPr lang="en-IN" dirty="0" smtClean="0"/>
-              <a:t>Independent variable explains p percent of variation in dependent variable</a:t>
-            </a:r>
-          </a:p>
-          <a:p>
-            <a:pPr algn="just"/>
-            <a:r>
-              <a:rPr lang="en-IN" dirty="0" smtClean="0"/>
-              <a:t>Independent variable reduces p percent of variation in dependent </a:t>
-            </a:r>
-            <a:r>
-              <a:rPr lang="en-IN" dirty="0" smtClean="0"/>
-              <a:t>variable  </a:t>
-            </a:r>
-            <a:endParaRPr lang="en-IN" dirty="0" smtClean="0"/>
-          </a:p>
-        </p:txBody>
-      </p:sp>
-    </p:spTree>
-  </p:cSld>
-  <p:clrMapOvr>
-    <a:masterClrMapping/>
-  </p:clrMapOvr>
-  <p:timing>
-    <p:tnLst>
-      <p:par>
-        <p:cTn id="1" dur="indefinite" restart="never" nodeType="tmRoot"/>
-      </p:par>
-    </p:tnLst>
-  </p:timing>
-</p:sld>
-</file>
-
 <file path=ppt/slides/slide16.xml><?xml version="1.0" encoding="utf-8"?>
 <p:sld xmlns:a="http://schemas.openxmlformats.org/drawingml/2006/main" xmlns:r="http://schemas.openxmlformats.org/officeDocument/2006/relationships" xmlns:p="http://schemas.openxmlformats.org/presentationml/2006/main">
   <p:cSld>
@@ -4711,7 +4727,15 @@
           <a:p>
             <a:r>
               <a:rPr lang="en-IN" dirty="0" smtClean="0"/>
-              <a:t>p Value</a:t>
+              <a:t>R</a:t>
+            </a:r>
+            <a:r>
+              <a:rPr lang="en-IN" baseline="30000" dirty="0" smtClean="0"/>
+              <a:t>2</a:t>
+            </a:r>
+            <a:r>
+              <a:rPr lang="en-IN" dirty="0" smtClean="0"/>
+              <a:t> Value</a:t>
             </a:r>
             <a:endParaRPr lang="en-IN" dirty="0"/>
           </a:p>
@@ -4729,16 +4753,88 @@
         </p:nvSpPr>
         <p:spPr/>
         <p:txBody>
-          <a:bodyPr/>
-          <a:lstStyle/>
-          <a:p>
+          <a:bodyPr>
+            <a:normAutofit fontScale="92500" lnSpcReduction="10000"/>
+          </a:bodyPr>
+          <a:lstStyle/>
+          <a:p>
+            <a:pPr algn="just"/>
+            <a:r>
+              <a:rPr lang="en-IN" dirty="0" smtClean="0"/>
+              <a:t>Coefficient </a:t>
+            </a:r>
+            <a:r>
+              <a:rPr lang="en-IN" dirty="0" smtClean="0"/>
+              <a:t>of </a:t>
+            </a:r>
+            <a:r>
+              <a:rPr lang="en-IN" dirty="0" smtClean="0"/>
+              <a:t>determination</a:t>
+            </a:r>
+          </a:p>
+          <a:p>
+            <a:pPr algn="just"/>
             <a:r>
               <a:rPr lang="en-IN" smtClean="0"/>
-              <a:t>Statistical significance</a:t>
-            </a:r>
-          </a:p>
-          <a:p>
-            <a:endParaRPr lang="en-IN" dirty="0"/>
+              <a:t>Coefficient </a:t>
+            </a:r>
+            <a:r>
+              <a:rPr lang="en-IN" dirty="0" smtClean="0"/>
+              <a:t>of multiple determination</a:t>
+            </a:r>
+          </a:p>
+          <a:p>
+            <a:pPr algn="just"/>
+            <a:r>
+              <a:rPr lang="en-IN" dirty="0" smtClean="0"/>
+              <a:t>Strength </a:t>
+            </a:r>
+            <a:r>
+              <a:rPr lang="en-IN" dirty="0" smtClean="0"/>
+              <a:t>of </a:t>
+            </a:r>
+            <a:r>
+              <a:rPr lang="en-IN" dirty="0" smtClean="0"/>
+              <a:t>relationship</a:t>
+            </a:r>
+            <a:endParaRPr lang="en-IN" dirty="0" smtClean="0"/>
+          </a:p>
+          <a:p>
+            <a:pPr algn="just"/>
+            <a:r>
+              <a:rPr lang="en-IN" dirty="0" smtClean="0"/>
+              <a:t>Value </a:t>
+            </a:r>
+            <a:r>
+              <a:rPr lang="en-IN" dirty="0" smtClean="0"/>
+              <a:t>between 0.0 – 1.0</a:t>
+            </a:r>
+          </a:p>
+          <a:p>
+            <a:pPr algn="just"/>
+            <a:r>
+              <a:rPr lang="en-IN" dirty="0" smtClean="0"/>
+              <a:t>Percentage value</a:t>
+            </a:r>
+          </a:p>
+          <a:p>
+            <a:pPr algn="just"/>
+            <a:r>
+              <a:rPr lang="en-IN" dirty="0" smtClean="0"/>
+              <a:t>Independent variable explains p percent of variation in dependent variable</a:t>
+            </a:r>
+          </a:p>
+          <a:p>
+            <a:pPr algn="just"/>
+            <a:r>
+              <a:rPr lang="en-IN" dirty="0" smtClean="0"/>
+              <a:t>Independent variable reduces p percent of variation in dependent </a:t>
+            </a:r>
+            <a:r>
+              <a:rPr lang="en-IN" dirty="0" smtClean="0"/>
+              <a:t>variable  </a:t>
+            </a:r>
+            <a:endParaRPr lang="en-IN" dirty="0" smtClean="0"/>
           </a:p>
         </p:txBody>
       </p:sp>
@@ -4786,16 +4882,14 @@
         </p:nvSpPr>
         <p:spPr/>
         <p:txBody>
-          <a:bodyPr>
-            <a:normAutofit/>
-          </a:bodyPr>
-          <a:lstStyle/>
-          <a:p>
-            <a:r>
-              <a:rPr lang="en-US" dirty="0" smtClean="0"/>
-              <a:t>Applications</a:t>
-            </a:r>
-            <a:endParaRPr lang="en-US" dirty="0"/>
+          <a:bodyPr/>
+          <a:lstStyle/>
+          <a:p>
+            <a:r>
+              <a:rPr lang="en-IN" dirty="0" smtClean="0"/>
+              <a:t>p Value</a:t>
+            </a:r>
+            <a:endParaRPr lang="en-IN" dirty="0"/>
           </a:p>
         </p:txBody>
       </p:sp>
@@ -4809,75 +4903,18 @@
             <p:ph idx="1"/>
           </p:nvPr>
         </p:nvSpPr>
-        <p:spPr>
-          <a:xfrm>
-            <a:off x="304800" y="1600200"/>
-            <a:ext cx="8534400" cy="4525963"/>
-          </a:xfrm>
-        </p:spPr>
-        <p:txBody>
-          <a:bodyPr/>
-          <a:lstStyle/>
-          <a:p>
-            <a:r>
-              <a:rPr lang="en-US" dirty="0" smtClean="0"/>
-              <a:t>Fit predictive model to observed dataset</a:t>
-            </a:r>
-          </a:p>
-          <a:p>
-            <a:pPr lvl="1"/>
-            <a:r>
-              <a:rPr lang="en-US" smtClean="0"/>
-              <a:t>Inputs and response </a:t>
-            </a:r>
-            <a:r>
-              <a:rPr lang="en-US" dirty="0" smtClean="0"/>
-              <a:t>mapping</a:t>
-            </a:r>
-            <a:endParaRPr lang="en-US" dirty="0" smtClean="0"/>
-          </a:p>
-          <a:p>
-            <a:r>
-              <a:rPr lang="en-US" dirty="0" smtClean="0"/>
-              <a:t>Prediction</a:t>
-            </a:r>
-          </a:p>
-          <a:p>
-            <a:pPr lvl="1"/>
-            <a:r>
-              <a:rPr lang="en-US" dirty="0" smtClean="0"/>
-              <a:t>House price prediction from observed dataset </a:t>
-            </a:r>
-          </a:p>
-          <a:p>
-            <a:r>
-              <a:rPr lang="en-US" dirty="0" smtClean="0"/>
-              <a:t>Forecasting</a:t>
-            </a:r>
-          </a:p>
-          <a:p>
-            <a:pPr lvl="1"/>
-            <a:r>
-              <a:rPr lang="en-US" dirty="0" smtClean="0"/>
-              <a:t>Weather forecasting from observed dataset</a:t>
-            </a:r>
-          </a:p>
-          <a:p>
-            <a:r>
-              <a:rPr lang="en-US" dirty="0" smtClean="0"/>
-              <a:t>Error reduction</a:t>
-            </a:r>
-          </a:p>
-          <a:p>
-            <a:pPr lvl="1"/>
-            <a:endParaRPr lang="en-US" dirty="0" smtClean="0"/>
-          </a:p>
-          <a:p>
-            <a:endParaRPr lang="en-US" dirty="0" smtClean="0"/>
-          </a:p>
-          <a:p>
-            <a:pPr lvl="1"/>
-            <a:endParaRPr lang="en-US" baseline="-25000" dirty="0"/>
+        <p:spPr/>
+        <p:txBody>
+          <a:bodyPr/>
+          <a:lstStyle/>
+          <a:p>
+            <a:r>
+              <a:rPr lang="en-IN" smtClean="0"/>
+              <a:t>Statistical significance</a:t>
+            </a:r>
+          </a:p>
+          <a:p>
+            <a:endParaRPr lang="en-IN" dirty="0"/>
           </a:p>
         </p:txBody>
       </p:sp>
@@ -4925,84 +4962,95 @@
         </p:nvSpPr>
         <p:spPr/>
         <p:txBody>
-          <a:bodyPr/>
-          <a:lstStyle/>
-          <a:p>
-            <a:r>
-              <a:rPr lang="en-US" dirty="0" smtClean="0"/>
-              <a:t>Advantages</a:t>
-            </a:r>
-            <a:endParaRPr lang="en-US" dirty="0"/>
-          </a:p>
-        </p:txBody>
-      </p:sp>
-      <p:sp>
-        <p:nvSpPr>
-          <p:cNvPr id="3" name="Content Placeholder 2"/>
-          <p:cNvSpPr>
-            <a:spLocks noGrp="1"/>
-          </p:cNvSpPr>
-          <p:nvPr>
-            <p:ph idx="1"/>
-          </p:nvPr>
-        </p:nvSpPr>
-        <p:spPr/>
-        <p:txBody>
           <a:bodyPr>
             <a:normAutofit/>
           </a:bodyPr>
           <a:lstStyle/>
           <a:p>
             <a:r>
-              <a:rPr lang="en-IN" dirty="0" smtClean="0"/>
-              <a:t>Good for linearly separable data</a:t>
-            </a:r>
-          </a:p>
-          <a:p>
-            <a:r>
-              <a:rPr lang="en-IN" dirty="0" smtClean="0"/>
-              <a:t>Easier to implement and interpret </a:t>
-            </a:r>
-          </a:p>
-          <a:p>
-            <a:r>
-              <a:rPr lang="en-IN" dirty="0" smtClean="0"/>
-              <a:t>Efficient to train</a:t>
-            </a:r>
-          </a:p>
-          <a:p>
-            <a:r>
-              <a:rPr lang="en-US" dirty="0" smtClean="0"/>
-              <a:t>Handle over-fitting</a:t>
-            </a:r>
+              <a:rPr lang="en-US" dirty="0" smtClean="0"/>
+              <a:t>Applications</a:t>
+            </a:r>
+            <a:endParaRPr lang="en-US" dirty="0"/>
+          </a:p>
+        </p:txBody>
+      </p:sp>
+      <p:sp>
+        <p:nvSpPr>
+          <p:cNvPr id="3" name="Content Placeholder 2"/>
+          <p:cNvSpPr>
+            <a:spLocks noGrp="1"/>
+          </p:cNvSpPr>
+          <p:nvPr>
+            <p:ph idx="1"/>
+          </p:nvPr>
+        </p:nvSpPr>
+        <p:spPr>
+          <a:xfrm>
+            <a:off x="304800" y="1600200"/>
+            <a:ext cx="8534400" cy="4525963"/>
+          </a:xfrm>
+        </p:spPr>
+        <p:txBody>
+          <a:bodyPr/>
+          <a:lstStyle/>
+          <a:p>
+            <a:r>
+              <a:rPr lang="en-US" dirty="0" smtClean="0"/>
+              <a:t>Inputs to response mapping</a:t>
+            </a:r>
+            <a:endParaRPr lang="en-US" dirty="0" smtClean="0"/>
+          </a:p>
+          <a:p>
+            <a:r>
+              <a:rPr lang="en-US" dirty="0" smtClean="0"/>
+              <a:t>Error reduction</a:t>
+            </a:r>
+          </a:p>
+          <a:p>
+            <a:r>
+              <a:rPr lang="en-US" dirty="0" smtClean="0"/>
+              <a:t>Prediction</a:t>
+            </a:r>
+            <a:endParaRPr lang="en-US" dirty="0" smtClean="0"/>
           </a:p>
           <a:p>
             <a:pPr lvl="1"/>
             <a:r>
-              <a:rPr lang="en-IN" dirty="0" smtClean="0"/>
-              <a:t>Dimensionally reduction techniques</a:t>
+              <a:rPr lang="en-US" dirty="0" smtClean="0"/>
+              <a:t>House </a:t>
+            </a:r>
+            <a:r>
+              <a:rPr lang="en-US" dirty="0" smtClean="0"/>
+              <a:t>price prediction from observed dataset </a:t>
+            </a:r>
+          </a:p>
+          <a:p>
+            <a:r>
+              <a:rPr lang="en-US" dirty="0" smtClean="0"/>
+              <a:t>Forecasting</a:t>
             </a:r>
           </a:p>
           <a:p>
             <a:pPr lvl="1"/>
             <a:r>
-              <a:rPr lang="en-IN" dirty="0" smtClean="0"/>
-              <a:t>Regularization</a:t>
-            </a:r>
+              <a:rPr lang="en-US" dirty="0" smtClean="0"/>
+              <a:t>Weather forecasting from observed dataset</a:t>
+            </a:r>
+          </a:p>
+          <a:p>
+            <a:endParaRPr lang="en-US" dirty="0" smtClean="0"/>
           </a:p>
           <a:p>
             <a:pPr lvl="1"/>
-            <a:r>
-              <a:rPr lang="en-IN" dirty="0" smtClean="0"/>
-              <a:t>Cross-validation</a:t>
-            </a:r>
-          </a:p>
-          <a:p>
-            <a:r>
-              <a:rPr lang="en-IN" dirty="0" smtClean="0"/>
-              <a:t>Extrapolation of dataset</a:t>
-            </a:r>
-            <a:endParaRPr lang="en-US" dirty="0"/>
+            <a:endParaRPr lang="en-US" dirty="0" smtClean="0"/>
+          </a:p>
+          <a:p>
+            <a:endParaRPr lang="en-US" dirty="0" smtClean="0"/>
+          </a:p>
+          <a:p>
+            <a:pPr lvl="1"/>
+            <a:endParaRPr lang="en-US" baseline="-25000" dirty="0"/>
           </a:p>
         </p:txBody>
       </p:sp>
@@ -5055,7 +5103,7 @@
           <a:p>
             <a:r>
               <a:rPr lang="en-US" dirty="0" smtClean="0"/>
-              <a:t>Disadvantages</a:t>
+              <a:t>Advantages</a:t>
             </a:r>
             <a:endParaRPr lang="en-US" dirty="0"/>
           </a:p>
@@ -5080,47 +5128,57 @@
           <a:p>
             <a:r>
               <a:rPr lang="en-IN" dirty="0" smtClean="0"/>
-              <a:t>Assumption of linearity </a:t>
+              <a:t>Good for linearly separable data</a:t>
+            </a:r>
+          </a:p>
+          <a:p>
+            <a:r>
+              <a:rPr lang="en-IN" dirty="0" smtClean="0"/>
+              <a:t>Easier to implement and interpret </a:t>
+            </a:r>
+          </a:p>
+          <a:p>
+            <a:r>
+              <a:rPr lang="en-IN" dirty="0" smtClean="0"/>
+              <a:t>Efficient to train</a:t>
+            </a:r>
+          </a:p>
+          <a:p>
+            <a:r>
+              <a:rPr lang="en-US" dirty="0" smtClean="0"/>
+              <a:t>Handle over-fitting</a:t>
             </a:r>
           </a:p>
           <a:p>
             <a:pPr lvl="1"/>
             <a:r>
               <a:rPr lang="en-IN" dirty="0" smtClean="0"/>
-              <a:t>Independent variables</a:t>
+              <a:t>Dimensionality reduction </a:t>
+            </a:r>
+            <a:r>
+              <a:rPr lang="en-IN" dirty="0" smtClean="0"/>
+              <a:t>techniques</a:t>
             </a:r>
           </a:p>
           <a:p>
             <a:pPr lvl="1"/>
             <a:r>
               <a:rPr lang="en-IN" dirty="0" smtClean="0"/>
-              <a:t>Dependent variables</a:t>
-            </a:r>
-          </a:p>
-          <a:p>
-            <a:r>
-              <a:rPr lang="en-US" dirty="0" smtClean="0"/>
-              <a:t>Prone to noise</a:t>
-            </a:r>
-          </a:p>
-          <a:p>
-            <a:r>
-              <a:rPr lang="en-US" dirty="0" smtClean="0"/>
-              <a:t>Sensitive to outliers</a:t>
-            </a:r>
-          </a:p>
-          <a:p>
-            <a:r>
-              <a:rPr lang="en-US" dirty="0" smtClean="0"/>
-              <a:t>Prone to </a:t>
-            </a:r>
-            <a:r>
-              <a:rPr lang="en-US" dirty="0" smtClean="0"/>
-              <a:t>multi-</a:t>
-            </a:r>
-            <a:r>
-              <a:rPr lang="en-US" dirty="0" err="1" smtClean="0"/>
-              <a:t>collinearity</a:t>
+              <a:t>Cross validation</a:t>
+            </a:r>
+          </a:p>
+          <a:p>
+            <a:pPr lvl="1"/>
+            <a:r>
+              <a:rPr lang="en-IN" dirty="0" smtClean="0"/>
+              <a:t>Regularization</a:t>
+            </a:r>
+            <a:endParaRPr lang="en-IN" dirty="0" smtClean="0"/>
+          </a:p>
+          <a:p>
+            <a:r>
+              <a:rPr lang="en-IN" dirty="0" smtClean="0"/>
+              <a:t>Extrapolation of dataset</a:t>
             </a:r>
             <a:endParaRPr lang="en-US" dirty="0"/>
           </a:p>
@@ -5259,6 +5317,246 @@
 </file>
 
 <file path=ppt/slides/slide20.xml><?xml version="1.0" encoding="utf-8"?>
+<p:sld xmlns:a="http://schemas.openxmlformats.org/drawingml/2006/main" xmlns:r="http://schemas.openxmlformats.org/officeDocument/2006/relationships" xmlns:p="http://schemas.openxmlformats.org/presentationml/2006/main">
+  <p:cSld>
+    <p:spTree>
+      <p:nvGrpSpPr>
+        <p:cNvPr id="1" name=""/>
+        <p:cNvGrpSpPr/>
+        <p:nvPr/>
+      </p:nvGrpSpPr>
+      <p:grpSpPr>
+        <a:xfrm>
+          <a:off x="0" y="0"/>
+          <a:ext cx="0" cy="0"/>
+          <a:chOff x="0" y="0"/>
+          <a:chExt cx="0" cy="0"/>
+        </a:xfrm>
+      </p:grpSpPr>
+      <p:sp>
+        <p:nvSpPr>
+          <p:cNvPr id="2" name="Title 1"/>
+          <p:cNvSpPr>
+            <a:spLocks noGrp="1"/>
+          </p:cNvSpPr>
+          <p:nvPr>
+            <p:ph type="title"/>
+          </p:nvPr>
+        </p:nvSpPr>
+        <p:spPr/>
+        <p:txBody>
+          <a:bodyPr/>
+          <a:lstStyle/>
+          <a:p>
+            <a:r>
+              <a:rPr lang="en-US" dirty="0" smtClean="0"/>
+              <a:t>Disadvantages</a:t>
+            </a:r>
+            <a:endParaRPr lang="en-US" dirty="0"/>
+          </a:p>
+        </p:txBody>
+      </p:sp>
+      <p:sp>
+        <p:nvSpPr>
+          <p:cNvPr id="3" name="Content Placeholder 2"/>
+          <p:cNvSpPr>
+            <a:spLocks noGrp="1"/>
+          </p:cNvSpPr>
+          <p:nvPr>
+            <p:ph idx="1"/>
+          </p:nvPr>
+        </p:nvSpPr>
+        <p:spPr/>
+        <p:txBody>
+          <a:bodyPr>
+            <a:normAutofit/>
+          </a:bodyPr>
+          <a:lstStyle/>
+          <a:p>
+            <a:r>
+              <a:rPr lang="en-IN" dirty="0" smtClean="0"/>
+              <a:t>Assumption of linearity </a:t>
+            </a:r>
+          </a:p>
+          <a:p>
+            <a:pPr lvl="1"/>
+            <a:r>
+              <a:rPr lang="en-IN" dirty="0" smtClean="0"/>
+              <a:t>Independent variables</a:t>
+            </a:r>
+          </a:p>
+          <a:p>
+            <a:pPr lvl="1"/>
+            <a:r>
+              <a:rPr lang="en-IN" dirty="0" smtClean="0"/>
+              <a:t>Dependent variables</a:t>
+            </a:r>
+          </a:p>
+          <a:p>
+            <a:r>
+              <a:rPr lang="en-US" dirty="0" smtClean="0"/>
+              <a:t>Prone to noise</a:t>
+            </a:r>
+          </a:p>
+          <a:p>
+            <a:r>
+              <a:rPr lang="en-US" dirty="0" smtClean="0"/>
+              <a:t>Sensitive to outliers</a:t>
+            </a:r>
+          </a:p>
+          <a:p>
+            <a:r>
+              <a:rPr lang="en-US" dirty="0" smtClean="0"/>
+              <a:t>Prone </a:t>
+            </a:r>
+            <a:r>
+              <a:rPr lang="en-US" dirty="0" smtClean="0"/>
+              <a:t>to </a:t>
+            </a:r>
+            <a:r>
+              <a:rPr lang="en-US" dirty="0" err="1" smtClean="0"/>
+              <a:t>multicollinearity</a:t>
+            </a:r>
+            <a:endParaRPr lang="en-US" dirty="0"/>
+          </a:p>
+        </p:txBody>
+      </p:sp>
+    </p:spTree>
+  </p:cSld>
+  <p:clrMapOvr>
+    <a:masterClrMapping/>
+  </p:clrMapOvr>
+  <p:timing>
+    <p:tnLst>
+      <p:par>
+        <p:cTn id="1" dur="indefinite" restart="never" nodeType="tmRoot"/>
+      </p:par>
+    </p:tnLst>
+  </p:timing>
+</p:sld>
+</file>
+
+<file path=ppt/slides/slide21.xml><?xml version="1.0" encoding="utf-8"?>
+<p:sld xmlns:a="http://schemas.openxmlformats.org/drawingml/2006/main" xmlns:r="http://schemas.openxmlformats.org/officeDocument/2006/relationships" xmlns:p="http://schemas.openxmlformats.org/presentationml/2006/main">
+  <p:cSld>
+    <p:spTree>
+      <p:nvGrpSpPr>
+        <p:cNvPr id="1" name=""/>
+        <p:cNvGrpSpPr/>
+        <p:nvPr/>
+      </p:nvGrpSpPr>
+      <p:grpSpPr>
+        <a:xfrm>
+          <a:off x="0" y="0"/>
+          <a:ext cx="0" cy="0"/>
+          <a:chOff x="0" y="0"/>
+          <a:chExt cx="0" cy="0"/>
+        </a:xfrm>
+      </p:grpSpPr>
+      <p:sp>
+        <p:nvSpPr>
+          <p:cNvPr id="2" name="Title 1"/>
+          <p:cNvSpPr>
+            <a:spLocks noGrp="1"/>
+          </p:cNvSpPr>
+          <p:nvPr>
+            <p:ph type="title"/>
+          </p:nvPr>
+        </p:nvSpPr>
+        <p:spPr/>
+        <p:txBody>
+          <a:bodyPr/>
+          <a:lstStyle/>
+          <a:p>
+            <a:r>
+              <a:rPr lang="en-IN" dirty="0" err="1" smtClean="0"/>
+              <a:t>Multicollinearity</a:t>
+            </a:r>
+            <a:endParaRPr lang="en-IN" dirty="0"/>
+          </a:p>
+        </p:txBody>
+      </p:sp>
+      <p:sp>
+        <p:nvSpPr>
+          <p:cNvPr id="3" name="Content Placeholder 2"/>
+          <p:cNvSpPr>
+            <a:spLocks noGrp="1"/>
+          </p:cNvSpPr>
+          <p:nvPr>
+            <p:ph idx="1"/>
+          </p:nvPr>
+        </p:nvSpPr>
+        <p:spPr/>
+        <p:txBody>
+          <a:bodyPr/>
+          <a:lstStyle/>
+          <a:p>
+            <a:r>
+              <a:rPr lang="en-IN" dirty="0" smtClean="0"/>
+              <a:t>Correlated independent </a:t>
+            </a:r>
+            <a:r>
+              <a:rPr lang="en-IN" dirty="0" smtClean="0"/>
+              <a:t>variables</a:t>
+            </a:r>
+          </a:p>
+          <a:p>
+            <a:r>
+              <a:rPr lang="en-IN" dirty="0" smtClean="0"/>
+              <a:t>Example</a:t>
+            </a:r>
+          </a:p>
+          <a:p>
+            <a:pPr lvl="1"/>
+            <a:r>
+              <a:rPr lang="en-IN" dirty="0" smtClean="0"/>
+              <a:t>Independent </a:t>
+            </a:r>
+            <a:r>
+              <a:rPr lang="en-IN" dirty="0" smtClean="0"/>
+              <a:t>variables</a:t>
+            </a:r>
+            <a:r>
+              <a:rPr lang="en-IN" dirty="0" smtClean="0"/>
+              <a:t> </a:t>
+            </a:r>
+          </a:p>
+          <a:p>
+            <a:pPr lvl="2"/>
+            <a:r>
+              <a:rPr lang="en-IN" dirty="0" smtClean="0"/>
+              <a:t>Radius of a circle</a:t>
+            </a:r>
+          </a:p>
+          <a:p>
+            <a:pPr lvl="2"/>
+            <a:r>
+              <a:rPr lang="en-IN" dirty="0" smtClean="0"/>
+              <a:t>Circumference of a circle</a:t>
+            </a:r>
+          </a:p>
+          <a:p>
+            <a:pPr lvl="1"/>
+            <a:r>
+              <a:rPr lang="en-IN" dirty="0" smtClean="0"/>
+              <a:t>Radius and circumference – Correlated </a:t>
+            </a:r>
+          </a:p>
+          <a:p>
+            <a:pPr lvl="2"/>
+            <a:endParaRPr lang="en-IN" dirty="0"/>
+          </a:p>
+        </p:txBody>
+      </p:sp>
+    </p:spTree>
+  </p:cSld>
+  <p:clrMapOvr>
+    <a:masterClrMapping/>
+  </p:clrMapOvr>
+</p:sld>
+</file>
+
+<file path=ppt/slides/slide22.xml><?xml version="1.0" encoding="utf-8"?>
 <p:sld xmlns:a="http://schemas.openxmlformats.org/drawingml/2006/main" xmlns:r="http://schemas.openxmlformats.org/officeDocument/2006/relationships" xmlns:p="http://schemas.openxmlformats.org/presentationml/2006/main">
   <p:cSld>
     <p:spTree>

--- a/MachineLearning/LinearRegression/LinearRegression.pptx
+++ b/MachineLearning/LinearRegression/LinearRegression.pptx
@@ -4209,7 +4209,7 @@
             </a:r>
             <a:r>
               <a:rPr lang="en-IN" dirty="0" smtClean="0"/>
-              <a:t>quares</a:t>
+              <a:t>quared differences</a:t>
             </a:r>
             <a:endParaRPr lang="en-IN" dirty="0" smtClean="0">
               <a:solidFill>
@@ -4504,7 +4504,7 @@
           </a:p>
           <a:p>
             <a:r>
-              <a:rPr lang="en-IN" dirty="0" smtClean="0">
+              <a:rPr lang="en-IN" sz="2800" dirty="0" smtClean="0">
                 <a:solidFill>
                   <a:srgbClr val="00B050"/>
                 </a:solidFill>
@@ -4512,11 +4512,11 @@
               <a:t>SS</a:t>
             </a:r>
             <a:r>
-              <a:rPr lang="en-IN" dirty="0" smtClean="0"/>
+              <a:rPr lang="en-IN" sz="2800" dirty="0" smtClean="0"/>
               <a:t> – </a:t>
             </a:r>
             <a:r>
-              <a:rPr lang="en-IN" dirty="0" smtClean="0">
+              <a:rPr lang="en-IN" sz="2800" dirty="0" smtClean="0">
                 <a:solidFill>
                   <a:srgbClr val="00B050"/>
                 </a:solidFill>
@@ -4524,11 +4524,11 @@
               <a:t>S</a:t>
             </a:r>
             <a:r>
-              <a:rPr lang="en-IN" dirty="0" smtClean="0"/>
+              <a:rPr lang="en-IN" sz="2800" dirty="0" smtClean="0"/>
               <a:t>um of </a:t>
             </a:r>
             <a:r>
-              <a:rPr lang="en-IN" dirty="0" smtClean="0">
+              <a:rPr lang="en-IN" sz="2800" dirty="0" smtClean="0">
                 <a:solidFill>
                   <a:srgbClr val="00B050"/>
                 </a:solidFill>
@@ -4536,13 +4536,18 @@
               <a:t>s</a:t>
             </a:r>
             <a:r>
-              <a:rPr lang="en-IN" dirty="0" smtClean="0"/>
-              <a:t>quares</a:t>
-            </a:r>
-          </a:p>
-          <a:p>
-            <a:r>
-              <a:rPr lang="en-IN" dirty="0" smtClean="0">
+              <a:rPr lang="en-IN" sz="2800" dirty="0" smtClean="0"/>
+              <a:t>quared </a:t>
+            </a:r>
+            <a:r>
+              <a:rPr lang="en-IN" sz="2800" dirty="0" smtClean="0"/>
+              <a:t>differences</a:t>
+            </a:r>
+            <a:endParaRPr lang="en-IN" sz="2800" dirty="0" smtClean="0"/>
+          </a:p>
+          <a:p>
+            <a:r>
+              <a:rPr lang="en-IN" sz="2800" dirty="0" smtClean="0">
                 <a:solidFill>
                   <a:srgbClr val="00B050"/>
                 </a:solidFill>
@@ -4550,11 +4555,11 @@
               <a:t>SS</a:t>
             </a:r>
             <a:r>
-              <a:rPr lang="en-IN" dirty="0" smtClean="0"/>
+              <a:rPr lang="en-IN" sz="2800" dirty="0" smtClean="0"/>
               <a:t>(</a:t>
             </a:r>
             <a:r>
-              <a:rPr lang="en-IN" dirty="0" smtClean="0">
+              <a:rPr lang="en-IN" sz="2800" dirty="0" smtClean="0">
                 <a:solidFill>
                   <a:srgbClr val="0070C0"/>
                 </a:solidFill>
@@ -4562,11 +4567,11 @@
               <a:t>mean</a:t>
             </a:r>
             <a:r>
-              <a:rPr lang="en-IN" dirty="0" smtClean="0"/>
+              <a:rPr lang="en-IN" sz="2800" dirty="0" smtClean="0"/>
               <a:t>) – </a:t>
             </a:r>
             <a:r>
-              <a:rPr lang="en-IN" dirty="0" smtClean="0">
+              <a:rPr lang="en-IN" sz="2800" dirty="0" smtClean="0">
                 <a:solidFill>
                   <a:srgbClr val="00B050"/>
                 </a:solidFill>
@@ -4574,11 +4579,11 @@
               <a:t>S</a:t>
             </a:r>
             <a:r>
-              <a:rPr lang="en-IN" dirty="0" smtClean="0"/>
+              <a:rPr lang="en-IN" sz="2800" dirty="0" smtClean="0"/>
               <a:t>um of </a:t>
             </a:r>
             <a:r>
-              <a:rPr lang="en-IN" dirty="0" smtClean="0">
+              <a:rPr lang="en-IN" sz="2800" dirty="0" smtClean="0">
                 <a:solidFill>
                   <a:srgbClr val="00B050"/>
                 </a:solidFill>
@@ -4586,21 +4591,30 @@
               <a:t>s</a:t>
             </a:r>
             <a:r>
-              <a:rPr lang="en-IN" dirty="0" smtClean="0"/>
-              <a:t>quares around </a:t>
-            </a:r>
-            <a:r>
-              <a:rPr lang="en-IN" dirty="0" smtClean="0">
+              <a:rPr lang="en-IN" sz="2800" dirty="0" smtClean="0"/>
+              <a:t>quared differences </a:t>
+            </a:r>
+            <a:r>
+              <a:rPr lang="en-IN" sz="2800" dirty="0" smtClean="0"/>
+              <a:t>around </a:t>
+            </a:r>
+            <a:r>
+              <a:rPr lang="en-IN" sz="2800" dirty="0" smtClean="0">
                 <a:solidFill>
                   <a:srgbClr val="0070C0"/>
                 </a:solidFill>
               </a:rPr>
               <a:t>mean</a:t>
             </a:r>
-          </a:p>
-          <a:p>
-            <a:r>
-              <a:rPr lang="en-IN" dirty="0" smtClean="0">
+            <a:endParaRPr lang="en-IN" sz="2800" dirty="0" smtClean="0">
+              <a:solidFill>
+                <a:srgbClr val="0070C0"/>
+              </a:solidFill>
+            </a:endParaRPr>
+          </a:p>
+          <a:p>
+            <a:r>
+              <a:rPr lang="en-IN" sz="2800" dirty="0" smtClean="0">
                 <a:solidFill>
                   <a:srgbClr val="00B050"/>
                 </a:solidFill>
@@ -4608,11 +4622,11 @@
               <a:t>SS</a:t>
             </a:r>
             <a:r>
-              <a:rPr lang="en-IN" dirty="0" smtClean="0"/>
+              <a:rPr lang="en-IN" sz="2800" dirty="0" smtClean="0"/>
               <a:t>(</a:t>
             </a:r>
             <a:r>
-              <a:rPr lang="en-IN" dirty="0" smtClean="0">
+              <a:rPr lang="en-IN" sz="2800" dirty="0" smtClean="0">
                 <a:solidFill>
                   <a:srgbClr val="0070C0"/>
                 </a:solidFill>
@@ -4620,11 +4634,11 @@
               <a:t>fit</a:t>
             </a:r>
             <a:r>
-              <a:rPr lang="en-IN" dirty="0" smtClean="0"/>
+              <a:rPr lang="en-IN" sz="2800" dirty="0" smtClean="0"/>
               <a:t>) – </a:t>
             </a:r>
             <a:r>
-              <a:rPr lang="en-IN" dirty="0" smtClean="0">
+              <a:rPr lang="en-IN" sz="2800" dirty="0" smtClean="0">
                 <a:solidFill>
                   <a:srgbClr val="00B050"/>
                 </a:solidFill>
@@ -4632,11 +4646,11 @@
               <a:t>S</a:t>
             </a:r>
             <a:r>
-              <a:rPr lang="en-IN" dirty="0" smtClean="0"/>
+              <a:rPr lang="en-IN" sz="2800" dirty="0" smtClean="0"/>
               <a:t>um of </a:t>
             </a:r>
             <a:r>
-              <a:rPr lang="en-IN" dirty="0" smtClean="0">
+              <a:rPr lang="en-IN" sz="2800" dirty="0" smtClean="0">
                 <a:solidFill>
                   <a:srgbClr val="00B050"/>
                 </a:solidFill>
@@ -4644,11 +4658,15 @@
               <a:t>s</a:t>
             </a:r>
             <a:r>
-              <a:rPr lang="en-IN" dirty="0" smtClean="0"/>
-              <a:t>quares around </a:t>
-            </a:r>
-            <a:r>
-              <a:rPr lang="en-IN" dirty="0" smtClean="0">
+              <a:rPr lang="en-IN" sz="2800" dirty="0" smtClean="0"/>
+              <a:t>quared differences </a:t>
+            </a:r>
+            <a:r>
+              <a:rPr lang="en-IN" sz="2800" dirty="0" smtClean="0"/>
+              <a:t>around </a:t>
+            </a:r>
+            <a:r>
+              <a:rPr lang="en-IN" sz="2800" dirty="0" smtClean="0">
                 <a:solidFill>
                   <a:srgbClr val="0070C0"/>
                 </a:solidFill>
@@ -4775,7 +4793,7 @@
           <a:p>
             <a:pPr algn="just"/>
             <a:r>
-              <a:rPr lang="en-IN" smtClean="0"/>
+              <a:rPr lang="en-IN" dirty="0" smtClean="0"/>
               <a:t>Coefficient </a:t>
             </a:r>
             <a:r>

--- a/MachineLearning/LinearRegression/LinearRegression.pptx
+++ b/MachineLearning/LinearRegression/LinearRegression.pptx
@@ -5,7 +5,7 @@
     <p:sldMasterId id="2147483648" r:id="rId1"/>
   </p:sldMasterIdLst>
   <p:notesMasterIdLst>
-    <p:notesMasterId r:id="rId24"/>
+    <p:notesMasterId r:id="rId22"/>
   </p:notesMasterIdLst>
   <p:sldIdLst>
     <p:sldId id="256" r:id="rId2"/>
@@ -21,15 +21,13 @@
     <p:sldId id="285" r:id="rId12"/>
     <p:sldId id="277" r:id="rId13"/>
     <p:sldId id="278" r:id="rId14"/>
-    <p:sldId id="286" r:id="rId15"/>
-    <p:sldId id="288" r:id="rId16"/>
-    <p:sldId id="289" r:id="rId17"/>
-    <p:sldId id="291" r:id="rId18"/>
-    <p:sldId id="290" r:id="rId19"/>
-    <p:sldId id="270" r:id="rId20"/>
-    <p:sldId id="271" r:id="rId21"/>
-    <p:sldId id="292" r:id="rId22"/>
-    <p:sldId id="269" r:id="rId23"/>
+    <p:sldId id="289" r:id="rId15"/>
+    <p:sldId id="291" r:id="rId16"/>
+    <p:sldId id="290" r:id="rId17"/>
+    <p:sldId id="270" r:id="rId18"/>
+    <p:sldId id="271" r:id="rId19"/>
+    <p:sldId id="292" r:id="rId20"/>
+    <p:sldId id="269" r:id="rId21"/>
   </p:sldIdLst>
   <p:sldSz cx="9144000" cy="6858000" type="screen4x3"/>
   <p:notesSz cx="6858000" cy="9144000"/>
@@ -4162,259 +4160,91 @@
         </p:nvSpPr>
         <p:spPr/>
         <p:txBody>
-          <a:bodyPr/>
-          <a:lstStyle/>
-          <a:p>
+          <a:bodyPr>
+            <a:normAutofit fontScale="92500" lnSpcReduction="10000"/>
+          </a:bodyPr>
+          <a:lstStyle/>
+          <a:p>
+            <a:pPr algn="just"/>
+            <a:r>
+              <a:rPr lang="en-IN" dirty="0" smtClean="0"/>
+              <a:t>Coefficient </a:t>
+            </a:r>
+            <a:r>
+              <a:rPr lang="en-IN" dirty="0" smtClean="0"/>
+              <a:t>of </a:t>
+            </a:r>
+            <a:r>
+              <a:rPr lang="en-IN" dirty="0" smtClean="0"/>
+              <a:t>determination</a:t>
+            </a:r>
+          </a:p>
+          <a:p>
+            <a:pPr algn="just"/>
+            <a:r>
+              <a:rPr lang="en-IN" dirty="0" smtClean="0"/>
+              <a:t>Coefficient </a:t>
+            </a:r>
+            <a:r>
+              <a:rPr lang="en-IN" dirty="0" smtClean="0"/>
+              <a:t>of multiple determination</a:t>
+            </a:r>
+          </a:p>
+          <a:p>
+            <a:pPr algn="just"/>
+            <a:r>
+              <a:rPr lang="en-IN" dirty="0" smtClean="0"/>
+              <a:t>Strength </a:t>
+            </a:r>
+            <a:r>
+              <a:rPr lang="en-IN" dirty="0" smtClean="0"/>
+              <a:t>of </a:t>
+            </a:r>
+            <a:r>
+              <a:rPr lang="en-IN" dirty="0" smtClean="0"/>
+              <a:t>relationship</a:t>
+            </a:r>
             <a:endParaRPr lang="en-IN" dirty="0" smtClean="0"/>
           </a:p>
           <a:p>
-            <a:endParaRPr lang="en-IN" dirty="0" smtClean="0">
-              <a:solidFill>
-                <a:srgbClr val="00B050"/>
-              </a:solidFill>
-            </a:endParaRPr>
-          </a:p>
-          <a:p>
-            <a:r>
-              <a:rPr lang="en-IN" dirty="0" smtClean="0">
-                <a:solidFill>
-                  <a:srgbClr val="00B050"/>
-                </a:solidFill>
-              </a:rPr>
-              <a:t>SS</a:t>
-            </a:r>
+            <a:pPr algn="just"/>
             <a:r>
               <a:rPr lang="en-IN" dirty="0" smtClean="0"/>
-              <a:t> – </a:t>
-            </a:r>
-            <a:r>
-              <a:rPr lang="en-IN" dirty="0" smtClean="0">
-                <a:solidFill>
-                  <a:srgbClr val="00B050"/>
-                </a:solidFill>
-              </a:rPr>
-              <a:t>S</a:t>
+              <a:t>Value </a:t>
             </a:r>
             <a:r>
               <a:rPr lang="en-IN" dirty="0" smtClean="0"/>
-              <a:t>um of </a:t>
-            </a:r>
-            <a:r>
-              <a:rPr lang="en-IN" dirty="0" smtClean="0">
-                <a:solidFill>
-                  <a:srgbClr val="00B050"/>
-                </a:solidFill>
-              </a:rPr>
-              <a:t>s</a:t>
-            </a:r>
+              <a:t>between 0.0 – 1.0</a:t>
+            </a:r>
+          </a:p>
+          <a:p>
+            <a:pPr algn="just"/>
             <a:r>
               <a:rPr lang="en-IN" dirty="0" smtClean="0"/>
-              <a:t>quared differences</a:t>
-            </a:r>
-            <a:endParaRPr lang="en-IN" dirty="0" smtClean="0">
-              <a:solidFill>
-                <a:srgbClr val="00B050"/>
-              </a:solidFill>
-            </a:endParaRPr>
-          </a:p>
-          <a:p>
-            <a:r>
-              <a:rPr lang="en-IN" dirty="0" err="1" smtClean="0">
-                <a:solidFill>
-                  <a:srgbClr val="00B050"/>
-                </a:solidFill>
-              </a:rPr>
-              <a:t>Var</a:t>
-            </a:r>
+              <a:t>Percentage value</a:t>
+            </a:r>
+          </a:p>
+          <a:p>
+            <a:pPr algn="just"/>
             <a:r>
               <a:rPr lang="en-IN" dirty="0" smtClean="0"/>
-              <a:t> – </a:t>
-            </a:r>
-            <a:r>
-              <a:rPr lang="en-IN" dirty="0" smtClean="0">
-                <a:solidFill>
-                  <a:srgbClr val="00B050"/>
-                </a:solidFill>
-              </a:rPr>
-              <a:t>Var</a:t>
-            </a:r>
+              <a:t>Independent variable explains p percent of variation in dependent variable</a:t>
+            </a:r>
+          </a:p>
+          <a:p>
+            <a:pPr algn="just"/>
             <a:r>
               <a:rPr lang="en-IN" dirty="0" smtClean="0"/>
-              <a:t>iation around variable</a:t>
-            </a:r>
-          </a:p>
-          <a:p>
-            <a:r>
-              <a:rPr lang="en-IN" dirty="0" smtClean="0">
-                <a:solidFill>
-                  <a:srgbClr val="00B050"/>
-                </a:solidFill>
-              </a:rPr>
-              <a:t>n</a:t>
-            </a:r>
-            <a:r>
-              <a:rPr lang="en-IN" baseline="-25000" dirty="0" smtClean="0">
-                <a:solidFill>
-                  <a:srgbClr val="00B050"/>
-                </a:solidFill>
-              </a:rPr>
-              <a:t>x</a:t>
+              <a:t>Independent variable reduces p percent of variation in dependent </a:t>
             </a:r>
             <a:r>
               <a:rPr lang="en-IN" dirty="0" smtClean="0"/>
-              <a:t> </a:t>
-            </a:r>
-            <a:r>
-              <a:rPr lang="en-IN" dirty="0" smtClean="0"/>
-              <a:t>– </a:t>
-            </a:r>
-            <a:r>
-              <a:rPr lang="en-IN" dirty="0" smtClean="0">
-                <a:solidFill>
-                  <a:srgbClr val="00B050"/>
-                </a:solidFill>
-              </a:rPr>
-              <a:t>N</a:t>
-            </a:r>
-            <a:r>
-              <a:rPr lang="en-IN" dirty="0" smtClean="0"/>
-              <a:t>umber of samples</a:t>
-            </a:r>
-          </a:p>
-          <a:p>
-            <a:r>
-              <a:rPr lang="en-IN" dirty="0" err="1" smtClean="0">
-                <a:solidFill>
-                  <a:srgbClr val="00B050"/>
-                </a:solidFill>
-              </a:rPr>
-              <a:t>Var</a:t>
-            </a:r>
-            <a:r>
-              <a:rPr lang="en-IN" dirty="0" smtClean="0"/>
-              <a:t>(</a:t>
-            </a:r>
-            <a:r>
-              <a:rPr lang="en-IN" dirty="0" smtClean="0">
-                <a:solidFill>
-                  <a:srgbClr val="0070C0"/>
-                </a:solidFill>
-              </a:rPr>
-              <a:t>mean</a:t>
-            </a:r>
-            <a:r>
-              <a:rPr lang="en-IN" dirty="0" smtClean="0"/>
-              <a:t>) – </a:t>
-            </a:r>
-            <a:r>
-              <a:rPr lang="en-IN" dirty="0" smtClean="0">
-                <a:solidFill>
-                  <a:srgbClr val="00B050"/>
-                </a:solidFill>
-              </a:rPr>
-              <a:t>Var</a:t>
-            </a:r>
-            <a:r>
-              <a:rPr lang="en-IN" dirty="0" smtClean="0"/>
-              <a:t>iation around </a:t>
-            </a:r>
-            <a:r>
-              <a:rPr lang="en-IN" dirty="0" smtClean="0">
-                <a:solidFill>
-                  <a:srgbClr val="0070C0"/>
-                </a:solidFill>
-              </a:rPr>
-              <a:t>mean</a:t>
-            </a:r>
-          </a:p>
-          <a:p>
-            <a:r>
-              <a:rPr lang="en-IN" dirty="0" err="1" smtClean="0">
-                <a:solidFill>
-                  <a:srgbClr val="00B050"/>
-                </a:solidFill>
-              </a:rPr>
-              <a:t>Var</a:t>
-            </a:r>
-            <a:r>
-              <a:rPr lang="en-IN" dirty="0" smtClean="0"/>
-              <a:t>(</a:t>
-            </a:r>
-            <a:r>
-              <a:rPr lang="en-IN" dirty="0" smtClean="0">
-                <a:solidFill>
-                  <a:srgbClr val="0070C0"/>
-                </a:solidFill>
-              </a:rPr>
-              <a:t>fit</a:t>
-            </a:r>
-            <a:r>
-              <a:rPr lang="en-IN" dirty="0" smtClean="0"/>
-              <a:t>) – </a:t>
-            </a:r>
-            <a:r>
-              <a:rPr lang="en-IN" dirty="0" smtClean="0">
-                <a:solidFill>
-                  <a:srgbClr val="00B050"/>
-                </a:solidFill>
-              </a:rPr>
-              <a:t>Var</a:t>
-            </a:r>
-            <a:r>
-              <a:rPr lang="en-IN" dirty="0" smtClean="0"/>
-              <a:t>iation around </a:t>
-            </a:r>
-            <a:r>
-              <a:rPr lang="en-IN" dirty="0" smtClean="0">
-                <a:solidFill>
-                  <a:srgbClr val="0070C0"/>
-                </a:solidFill>
-              </a:rPr>
-              <a:t>fit</a:t>
-            </a:r>
-          </a:p>
-        </p:txBody>
-      </p:sp>
-      <p:graphicFrame>
-        <p:nvGraphicFramePr>
-          <p:cNvPr id="4" name="Object 3"/>
-          <p:cNvGraphicFramePr>
-            <a:graphicFrameLocks noChangeAspect="1"/>
-          </p:cNvGraphicFramePr>
-          <p:nvPr/>
-        </p:nvGraphicFramePr>
-        <p:xfrm>
-          <a:off x="4191000" y="1638300"/>
-          <a:ext cx="4384675" cy="1104900"/>
-        </p:xfrm>
-        <a:graphic>
-          <a:graphicData uri="http://schemas.openxmlformats.org/presentationml/2006/ole">
-            <p:oleObj spid="_x0000_s26626" name="Equation" r:id="rId3" imgW="1663560" imgH="419040" progId="Equation.3">
-              <p:embed/>
-            </p:oleObj>
-          </a:graphicData>
-        </a:graphic>
-      </p:graphicFrame>
-      <p:graphicFrame>
-        <p:nvGraphicFramePr>
-          <p:cNvPr id="5" name="Object 4"/>
-          <p:cNvGraphicFramePr>
-            <a:graphicFrameLocks noChangeAspect="1"/>
-          </p:cNvGraphicFramePr>
-          <p:nvPr/>
-        </p:nvGraphicFramePr>
-        <p:xfrm>
-          <a:off x="508000" y="1625600"/>
-          <a:ext cx="3327400" cy="1154113"/>
-        </p:xfrm>
-        <a:graphic>
-          <a:graphicData uri="http://schemas.openxmlformats.org/presentationml/2006/ole">
-            <p:oleObj spid="_x0000_s26627" name="Equation" r:id="rId4" imgW="1244520" imgH="431640" progId="Equation.3">
-              <p:embed/>
-            </p:oleObj>
-          </a:graphicData>
-        </a:graphic>
-      </p:graphicFrame>
+              <a:t>variable  </a:t>
+            </a:r>
+            <a:endParaRPr lang="en-IN" dirty="0" smtClean="0"/>
+          </a:p>
+        </p:txBody>
+      </p:sp>
     </p:spTree>
   </p:cSld>
   <p:clrMapOvr>
@@ -4464,15 +4294,7 @@
           <a:p>
             <a:r>
               <a:rPr lang="en-IN" dirty="0" smtClean="0"/>
-              <a:t>R</a:t>
-            </a:r>
-            <a:r>
-              <a:rPr lang="en-IN" baseline="30000" dirty="0" smtClean="0"/>
-              <a:t>2</a:t>
-            </a:r>
-            <a:r>
-              <a:rPr lang="en-IN" dirty="0" smtClean="0"/>
-              <a:t> Value</a:t>
+              <a:t>p Value</a:t>
             </a:r>
             <a:endParaRPr lang="en-IN" dirty="0"/>
           </a:p>
@@ -4493,209 +4315,16 @@
           <a:bodyPr/>
           <a:lstStyle/>
           <a:p>
-            <a:endParaRPr lang="en-IN" dirty="0" smtClean="0"/>
-          </a:p>
-          <a:p>
-            <a:endParaRPr lang="en-IN" dirty="0" smtClean="0">
-              <a:solidFill>
-                <a:srgbClr val="00B050"/>
-              </a:solidFill>
-            </a:endParaRPr>
-          </a:p>
-          <a:p>
-            <a:r>
-              <a:rPr lang="en-IN" sz="2800" dirty="0" smtClean="0">
-                <a:solidFill>
-                  <a:srgbClr val="00B050"/>
-                </a:solidFill>
-              </a:rPr>
-              <a:t>SS</a:t>
-            </a:r>
-            <a:r>
-              <a:rPr lang="en-IN" sz="2800" dirty="0" smtClean="0"/>
-              <a:t> – </a:t>
-            </a:r>
-            <a:r>
-              <a:rPr lang="en-IN" sz="2800" dirty="0" smtClean="0">
-                <a:solidFill>
-                  <a:srgbClr val="00B050"/>
-                </a:solidFill>
-              </a:rPr>
-              <a:t>S</a:t>
-            </a:r>
-            <a:r>
-              <a:rPr lang="en-IN" sz="2800" dirty="0" smtClean="0"/>
-              <a:t>um of </a:t>
-            </a:r>
-            <a:r>
-              <a:rPr lang="en-IN" sz="2800" dirty="0" smtClean="0">
-                <a:solidFill>
-                  <a:srgbClr val="00B050"/>
-                </a:solidFill>
-              </a:rPr>
-              <a:t>s</a:t>
-            </a:r>
-            <a:r>
-              <a:rPr lang="en-IN" sz="2800" dirty="0" smtClean="0"/>
-              <a:t>quared </a:t>
-            </a:r>
-            <a:r>
-              <a:rPr lang="en-IN" sz="2800" dirty="0" smtClean="0"/>
-              <a:t>differences</a:t>
-            </a:r>
-            <a:endParaRPr lang="en-IN" sz="2800" dirty="0" smtClean="0"/>
-          </a:p>
-          <a:p>
-            <a:r>
-              <a:rPr lang="en-IN" sz="2800" dirty="0" smtClean="0">
-                <a:solidFill>
-                  <a:srgbClr val="00B050"/>
-                </a:solidFill>
-              </a:rPr>
-              <a:t>SS</a:t>
-            </a:r>
-            <a:r>
-              <a:rPr lang="en-IN" sz="2800" dirty="0" smtClean="0"/>
-              <a:t>(</a:t>
-            </a:r>
-            <a:r>
-              <a:rPr lang="en-IN" sz="2800" dirty="0" smtClean="0">
-                <a:solidFill>
-                  <a:srgbClr val="0070C0"/>
-                </a:solidFill>
-              </a:rPr>
-              <a:t>mean</a:t>
-            </a:r>
-            <a:r>
-              <a:rPr lang="en-IN" sz="2800" dirty="0" smtClean="0"/>
-              <a:t>) – </a:t>
-            </a:r>
-            <a:r>
-              <a:rPr lang="en-IN" sz="2800" dirty="0" smtClean="0">
-                <a:solidFill>
-                  <a:srgbClr val="00B050"/>
-                </a:solidFill>
-              </a:rPr>
-              <a:t>S</a:t>
-            </a:r>
-            <a:r>
-              <a:rPr lang="en-IN" sz="2800" dirty="0" smtClean="0"/>
-              <a:t>um of </a:t>
-            </a:r>
-            <a:r>
-              <a:rPr lang="en-IN" sz="2800" dirty="0" smtClean="0">
-                <a:solidFill>
-                  <a:srgbClr val="00B050"/>
-                </a:solidFill>
-              </a:rPr>
-              <a:t>s</a:t>
-            </a:r>
-            <a:r>
-              <a:rPr lang="en-IN" sz="2800" dirty="0" smtClean="0"/>
-              <a:t>quared differences </a:t>
-            </a:r>
-            <a:r>
-              <a:rPr lang="en-IN" sz="2800" dirty="0" smtClean="0"/>
-              <a:t>around </a:t>
-            </a:r>
-            <a:r>
-              <a:rPr lang="en-IN" sz="2800" dirty="0" smtClean="0">
-                <a:solidFill>
-                  <a:srgbClr val="0070C0"/>
-                </a:solidFill>
-              </a:rPr>
-              <a:t>mean</a:t>
-            </a:r>
-            <a:endParaRPr lang="en-IN" sz="2800" dirty="0" smtClean="0">
-              <a:solidFill>
-                <a:srgbClr val="0070C0"/>
-              </a:solidFill>
-            </a:endParaRPr>
-          </a:p>
-          <a:p>
-            <a:r>
-              <a:rPr lang="en-IN" sz="2800" dirty="0" smtClean="0">
-                <a:solidFill>
-                  <a:srgbClr val="00B050"/>
-                </a:solidFill>
-              </a:rPr>
-              <a:t>SS</a:t>
-            </a:r>
-            <a:r>
-              <a:rPr lang="en-IN" sz="2800" dirty="0" smtClean="0"/>
-              <a:t>(</a:t>
-            </a:r>
-            <a:r>
-              <a:rPr lang="en-IN" sz="2800" dirty="0" smtClean="0">
-                <a:solidFill>
-                  <a:srgbClr val="0070C0"/>
-                </a:solidFill>
-              </a:rPr>
-              <a:t>fit</a:t>
-            </a:r>
-            <a:r>
-              <a:rPr lang="en-IN" sz="2800" dirty="0" smtClean="0"/>
-              <a:t>) – </a:t>
-            </a:r>
-            <a:r>
-              <a:rPr lang="en-IN" sz="2800" dirty="0" smtClean="0">
-                <a:solidFill>
-                  <a:srgbClr val="00B050"/>
-                </a:solidFill>
-              </a:rPr>
-              <a:t>S</a:t>
-            </a:r>
-            <a:r>
-              <a:rPr lang="en-IN" sz="2800" dirty="0" smtClean="0"/>
-              <a:t>um of </a:t>
-            </a:r>
-            <a:r>
-              <a:rPr lang="en-IN" sz="2800" dirty="0" smtClean="0">
-                <a:solidFill>
-                  <a:srgbClr val="00B050"/>
-                </a:solidFill>
-              </a:rPr>
-              <a:t>s</a:t>
-            </a:r>
-            <a:r>
-              <a:rPr lang="en-IN" sz="2800" dirty="0" smtClean="0"/>
-              <a:t>quared differences </a:t>
-            </a:r>
-            <a:r>
-              <a:rPr lang="en-IN" sz="2800" dirty="0" smtClean="0"/>
-              <a:t>around </a:t>
-            </a:r>
-            <a:r>
-              <a:rPr lang="en-IN" sz="2800" dirty="0" smtClean="0">
-                <a:solidFill>
-                  <a:srgbClr val="0070C0"/>
-                </a:solidFill>
-              </a:rPr>
-              <a:t>fit</a:t>
-            </a:r>
-          </a:p>
-        </p:txBody>
-      </p:sp>
-      <p:graphicFrame>
-        <p:nvGraphicFramePr>
-          <p:cNvPr id="4" name="Object 3"/>
-          <p:cNvGraphicFramePr>
-            <a:graphicFrameLocks noChangeAspect="1"/>
-          </p:cNvGraphicFramePr>
-          <p:nvPr/>
-        </p:nvGraphicFramePr>
-        <p:xfrm>
-          <a:off x="741217" y="1638619"/>
-          <a:ext cx="3983183" cy="1104581"/>
-        </p:xfrm>
-        <a:graphic>
-          <a:graphicData uri="http://schemas.openxmlformats.org/presentationml/2006/ole">
-            <p:oleObj spid="_x0000_s27650" name="Equation" r:id="rId3" imgW="1511280" imgH="419040" progId="Equation.3">
-              <p:embed/>
-            </p:oleObj>
-          </a:graphicData>
-        </a:graphic>
-      </p:graphicFrame>
+            <a:r>
+              <a:rPr lang="en-IN" smtClean="0"/>
+              <a:t>Statistical significance</a:t>
+            </a:r>
+          </a:p>
+          <a:p>
+            <a:endParaRPr lang="en-IN" dirty="0"/>
+          </a:p>
+        </p:txBody>
+      </p:sp>
     </p:spTree>
   </p:cSld>
   <p:clrMapOvr>
@@ -4740,22 +4369,16 @@
         </p:nvSpPr>
         <p:spPr/>
         <p:txBody>
-          <a:bodyPr/>
-          <a:lstStyle/>
-          <a:p>
-            <a:r>
-              <a:rPr lang="en-IN" dirty="0" smtClean="0"/>
-              <a:t>R</a:t>
-            </a:r>
-            <a:r>
-              <a:rPr lang="en-IN" baseline="30000" dirty="0" smtClean="0"/>
-              <a:t>2</a:t>
-            </a:r>
-            <a:r>
-              <a:rPr lang="en-IN" dirty="0" smtClean="0"/>
-              <a:t> Value</a:t>
-            </a:r>
-            <a:endParaRPr lang="en-IN" dirty="0"/>
+          <a:bodyPr>
+            <a:normAutofit/>
+          </a:bodyPr>
+          <a:lstStyle/>
+          <a:p>
+            <a:r>
+              <a:rPr lang="en-US" dirty="0" smtClean="0"/>
+              <a:t>Applications</a:t>
+            </a:r>
+            <a:endParaRPr lang="en-US" dirty="0"/>
           </a:p>
         </p:txBody>
       </p:sp>
@@ -4769,90 +4392,72 @@
             <p:ph idx="1"/>
           </p:nvPr>
         </p:nvSpPr>
-        <p:spPr/>
-        <p:txBody>
-          <a:bodyPr>
-            <a:normAutofit fontScale="92500" lnSpcReduction="10000"/>
-          </a:bodyPr>
-          <a:lstStyle/>
-          <a:p>
-            <a:pPr algn="just"/>
-            <a:r>
-              <a:rPr lang="en-IN" dirty="0" smtClean="0"/>
-              <a:t>Coefficient </a:t>
-            </a:r>
-            <a:r>
-              <a:rPr lang="en-IN" dirty="0" smtClean="0"/>
-              <a:t>of </a:t>
-            </a:r>
-            <a:r>
-              <a:rPr lang="en-IN" dirty="0" smtClean="0"/>
-              <a:t>determination</a:t>
-            </a:r>
-          </a:p>
-          <a:p>
-            <a:pPr algn="just"/>
-            <a:r>
-              <a:rPr lang="en-IN" dirty="0" smtClean="0"/>
-              <a:t>Coefficient </a:t>
-            </a:r>
-            <a:r>
-              <a:rPr lang="en-IN" dirty="0" smtClean="0"/>
-              <a:t>of multiple determination</a:t>
-            </a:r>
-          </a:p>
-          <a:p>
-            <a:pPr algn="just"/>
-            <a:r>
-              <a:rPr lang="en-IN" dirty="0" smtClean="0"/>
-              <a:t>Strength </a:t>
-            </a:r>
-            <a:r>
-              <a:rPr lang="en-IN" dirty="0" smtClean="0"/>
-              <a:t>of </a:t>
-            </a:r>
-            <a:r>
-              <a:rPr lang="en-IN" dirty="0" smtClean="0"/>
-              <a:t>relationship</a:t>
-            </a:r>
-            <a:endParaRPr lang="en-IN" dirty="0" smtClean="0"/>
-          </a:p>
-          <a:p>
-            <a:pPr algn="just"/>
-            <a:r>
-              <a:rPr lang="en-IN" dirty="0" smtClean="0"/>
-              <a:t>Value </a:t>
-            </a:r>
-            <a:r>
-              <a:rPr lang="en-IN" dirty="0" smtClean="0"/>
-              <a:t>between 0.0 – 1.0</a:t>
-            </a:r>
-          </a:p>
-          <a:p>
-            <a:pPr algn="just"/>
-            <a:r>
-              <a:rPr lang="en-IN" dirty="0" smtClean="0"/>
-              <a:t>Percentage value</a:t>
-            </a:r>
-          </a:p>
-          <a:p>
-            <a:pPr algn="just"/>
-            <a:r>
-              <a:rPr lang="en-IN" dirty="0" smtClean="0"/>
-              <a:t>Independent variable explains p percent of variation in dependent variable</a:t>
-            </a:r>
-          </a:p>
-          <a:p>
-            <a:pPr algn="just"/>
-            <a:r>
-              <a:rPr lang="en-IN" dirty="0" smtClean="0"/>
-              <a:t>Independent variable reduces p percent of variation in dependent </a:t>
-            </a:r>
-            <a:r>
-              <a:rPr lang="en-IN" dirty="0" smtClean="0"/>
-              <a:t>variable  </a:t>
-            </a:r>
-            <a:endParaRPr lang="en-IN" dirty="0" smtClean="0"/>
+        <p:spPr>
+          <a:xfrm>
+            <a:off x="304800" y="1600200"/>
+            <a:ext cx="8534400" cy="4525963"/>
+          </a:xfrm>
+        </p:spPr>
+        <p:txBody>
+          <a:bodyPr/>
+          <a:lstStyle/>
+          <a:p>
+            <a:r>
+              <a:rPr lang="en-US" dirty="0" smtClean="0"/>
+              <a:t>Inputs to response mapping</a:t>
+            </a:r>
+            <a:endParaRPr lang="en-US" dirty="0" smtClean="0"/>
+          </a:p>
+          <a:p>
+            <a:r>
+              <a:rPr lang="en-US" dirty="0" smtClean="0"/>
+              <a:t>Error reduction</a:t>
+            </a:r>
+          </a:p>
+          <a:p>
+            <a:r>
+              <a:rPr lang="en-US" dirty="0" smtClean="0"/>
+              <a:t>Prediction</a:t>
+            </a:r>
+            <a:endParaRPr lang="en-US" dirty="0" smtClean="0"/>
+          </a:p>
+          <a:p>
+            <a:pPr lvl="1"/>
+            <a:r>
+              <a:rPr lang="en-US" dirty="0" smtClean="0"/>
+              <a:t>House </a:t>
+            </a:r>
+            <a:r>
+              <a:rPr lang="en-US" dirty="0" smtClean="0"/>
+              <a:t>price prediction from observed dataset </a:t>
+            </a:r>
+          </a:p>
+          <a:p>
+            <a:r>
+              <a:rPr lang="en-US" dirty="0" smtClean="0"/>
+              <a:t>Forecasting</a:t>
+            </a:r>
+          </a:p>
+          <a:p>
+            <a:pPr lvl="1"/>
+            <a:r>
+              <a:rPr lang="en-US" dirty="0" smtClean="0"/>
+              <a:t>Weather forecasting from observed dataset</a:t>
+            </a:r>
+          </a:p>
+          <a:p>
+            <a:endParaRPr lang="en-US" dirty="0" smtClean="0"/>
+          </a:p>
+          <a:p>
+            <a:pPr lvl="1"/>
+            <a:endParaRPr lang="en-US" dirty="0" smtClean="0"/>
+          </a:p>
+          <a:p>
+            <a:endParaRPr lang="en-US" dirty="0" smtClean="0"/>
+          </a:p>
+          <a:p>
+            <a:pPr lvl="1"/>
+            <a:endParaRPr lang="en-US" baseline="-25000" dirty="0"/>
           </a:p>
         </p:txBody>
       </p:sp>
@@ -4904,35 +4509,85 @@
           <a:lstStyle/>
           <a:p>
             <a:r>
+              <a:rPr lang="en-US" dirty="0" smtClean="0"/>
+              <a:t>Advantages</a:t>
+            </a:r>
+            <a:endParaRPr lang="en-US" dirty="0"/>
+          </a:p>
+        </p:txBody>
+      </p:sp>
+      <p:sp>
+        <p:nvSpPr>
+          <p:cNvPr id="3" name="Content Placeholder 2"/>
+          <p:cNvSpPr>
+            <a:spLocks noGrp="1"/>
+          </p:cNvSpPr>
+          <p:nvPr>
+            <p:ph idx="1"/>
+          </p:nvPr>
+        </p:nvSpPr>
+        <p:spPr/>
+        <p:txBody>
+          <a:bodyPr>
+            <a:normAutofit/>
+          </a:bodyPr>
+          <a:lstStyle/>
+          <a:p>
+            <a:r>
               <a:rPr lang="en-IN" dirty="0" smtClean="0"/>
-              <a:t>p Value</a:t>
-            </a:r>
-            <a:endParaRPr lang="en-IN" dirty="0"/>
-          </a:p>
-        </p:txBody>
-      </p:sp>
-      <p:sp>
-        <p:nvSpPr>
-          <p:cNvPr id="3" name="Content Placeholder 2"/>
-          <p:cNvSpPr>
-            <a:spLocks noGrp="1"/>
-          </p:cNvSpPr>
-          <p:nvPr>
-            <p:ph idx="1"/>
-          </p:nvPr>
-        </p:nvSpPr>
-        <p:spPr/>
-        <p:txBody>
-          <a:bodyPr/>
-          <a:lstStyle/>
-          <a:p>
-            <a:r>
-              <a:rPr lang="en-IN" smtClean="0"/>
-              <a:t>Statistical significance</a:t>
-            </a:r>
-          </a:p>
-          <a:p>
-            <a:endParaRPr lang="en-IN" dirty="0"/>
+              <a:t>Good for linearly separable data</a:t>
+            </a:r>
+          </a:p>
+          <a:p>
+            <a:r>
+              <a:rPr lang="en-IN" dirty="0" smtClean="0"/>
+              <a:t>Easier to implement and interpret </a:t>
+            </a:r>
+          </a:p>
+          <a:p>
+            <a:r>
+              <a:rPr lang="en-IN" dirty="0" smtClean="0"/>
+              <a:t>Efficient to train</a:t>
+            </a:r>
+          </a:p>
+          <a:p>
+            <a:r>
+              <a:rPr lang="en-US" dirty="0" smtClean="0"/>
+              <a:t>Handle over-fitting</a:t>
+            </a:r>
+          </a:p>
+          <a:p>
+            <a:pPr lvl="1"/>
+            <a:r>
+              <a:rPr lang="en-IN" dirty="0" smtClean="0"/>
+              <a:t>Dimensionality reduction </a:t>
+            </a:r>
+            <a:r>
+              <a:rPr lang="en-IN" dirty="0" smtClean="0"/>
+              <a:t>techniques</a:t>
+            </a:r>
+          </a:p>
+          <a:p>
+            <a:pPr lvl="1"/>
+            <a:r>
+              <a:rPr lang="en-IN" dirty="0" smtClean="0"/>
+              <a:t>Cross validation</a:t>
+            </a:r>
+          </a:p>
+          <a:p>
+            <a:pPr lvl="1"/>
+            <a:r>
+              <a:rPr lang="en-IN" dirty="0" smtClean="0"/>
+              <a:t>Regularization</a:t>
+            </a:r>
+            <a:endParaRPr lang="en-IN" dirty="0" smtClean="0"/>
+          </a:p>
+          <a:p>
+            <a:r>
+              <a:rPr lang="en-IN" dirty="0" smtClean="0"/>
+              <a:t>Extrapolation of dataset</a:t>
+            </a:r>
+            <a:endParaRPr lang="en-US" dirty="0"/>
           </a:p>
         </p:txBody>
       </p:sp>
@@ -4980,95 +4635,79 @@
         </p:nvSpPr>
         <p:spPr/>
         <p:txBody>
+          <a:bodyPr/>
+          <a:lstStyle/>
+          <a:p>
+            <a:r>
+              <a:rPr lang="en-US" dirty="0" smtClean="0"/>
+              <a:t>Disadvantages</a:t>
+            </a:r>
+            <a:endParaRPr lang="en-US" dirty="0"/>
+          </a:p>
+        </p:txBody>
+      </p:sp>
+      <p:sp>
+        <p:nvSpPr>
+          <p:cNvPr id="3" name="Content Placeholder 2"/>
+          <p:cNvSpPr>
+            <a:spLocks noGrp="1"/>
+          </p:cNvSpPr>
+          <p:nvPr>
+            <p:ph idx="1"/>
+          </p:nvPr>
+        </p:nvSpPr>
+        <p:spPr/>
+        <p:txBody>
           <a:bodyPr>
             <a:normAutofit/>
           </a:bodyPr>
           <a:lstStyle/>
           <a:p>
             <a:r>
-              <a:rPr lang="en-US" dirty="0" smtClean="0"/>
-              <a:t>Applications</a:t>
+              <a:rPr lang="en-IN" dirty="0" smtClean="0"/>
+              <a:t>Assumption of linearity </a:t>
+            </a:r>
+          </a:p>
+          <a:p>
+            <a:pPr lvl="1"/>
+            <a:r>
+              <a:rPr lang="en-IN" dirty="0" smtClean="0"/>
+              <a:t>Independent variables</a:t>
+            </a:r>
+          </a:p>
+          <a:p>
+            <a:pPr lvl="1"/>
+            <a:r>
+              <a:rPr lang="en-IN" dirty="0" smtClean="0"/>
+              <a:t>Dependent variables</a:t>
+            </a:r>
+          </a:p>
+          <a:p>
+            <a:r>
+              <a:rPr lang="en-US" dirty="0" smtClean="0"/>
+              <a:t>Prone to noise</a:t>
+            </a:r>
+          </a:p>
+          <a:p>
+            <a:r>
+              <a:rPr lang="en-US" dirty="0" smtClean="0"/>
+              <a:t>Sensitive to outliers</a:t>
+            </a:r>
+          </a:p>
+          <a:p>
+            <a:r>
+              <a:rPr lang="en-US" dirty="0" smtClean="0"/>
+              <a:t>Prone </a:t>
+            </a:r>
+            <a:r>
+              <a:rPr lang="en-US" dirty="0" smtClean="0"/>
+              <a:t>to </a:t>
+            </a:r>
+            <a:r>
+              <a:rPr lang="en-US" dirty="0" err="1" smtClean="0"/>
+              <a:t>multicollinearity</a:t>
             </a:r>
             <a:endParaRPr lang="en-US" dirty="0"/>
-          </a:p>
-        </p:txBody>
-      </p:sp>
-      <p:sp>
-        <p:nvSpPr>
-          <p:cNvPr id="3" name="Content Placeholder 2"/>
-          <p:cNvSpPr>
-            <a:spLocks noGrp="1"/>
-          </p:cNvSpPr>
-          <p:nvPr>
-            <p:ph idx="1"/>
-          </p:nvPr>
-        </p:nvSpPr>
-        <p:spPr>
-          <a:xfrm>
-            <a:off x="304800" y="1600200"/>
-            <a:ext cx="8534400" cy="4525963"/>
-          </a:xfrm>
-        </p:spPr>
-        <p:txBody>
-          <a:bodyPr/>
-          <a:lstStyle/>
-          <a:p>
-            <a:r>
-              <a:rPr lang="en-US" dirty="0" smtClean="0"/>
-              <a:t>Inputs to response mapping</a:t>
-            </a:r>
-            <a:endParaRPr lang="en-US" dirty="0" smtClean="0"/>
-          </a:p>
-          <a:p>
-            <a:r>
-              <a:rPr lang="en-US" dirty="0" smtClean="0"/>
-              <a:t>Error reduction</a:t>
-            </a:r>
-          </a:p>
-          <a:p>
-            <a:r>
-              <a:rPr lang="en-US" dirty="0" smtClean="0"/>
-              <a:t>Prediction</a:t>
-            </a:r>
-            <a:endParaRPr lang="en-US" dirty="0" smtClean="0"/>
-          </a:p>
-          <a:p>
-            <a:pPr lvl="1"/>
-            <a:r>
-              <a:rPr lang="en-US" dirty="0" smtClean="0"/>
-              <a:t>House </a:t>
-            </a:r>
-            <a:r>
-              <a:rPr lang="en-US" dirty="0" smtClean="0"/>
-              <a:t>price prediction from observed dataset </a:t>
-            </a:r>
-          </a:p>
-          <a:p>
-            <a:r>
-              <a:rPr lang="en-US" dirty="0" smtClean="0"/>
-              <a:t>Forecasting</a:t>
-            </a:r>
-          </a:p>
-          <a:p>
-            <a:pPr lvl="1"/>
-            <a:r>
-              <a:rPr lang="en-US" dirty="0" smtClean="0"/>
-              <a:t>Weather forecasting from observed dataset</a:t>
-            </a:r>
-          </a:p>
-          <a:p>
-            <a:endParaRPr lang="en-US" dirty="0" smtClean="0"/>
-          </a:p>
-          <a:p>
-            <a:pPr lvl="1"/>
-            <a:endParaRPr lang="en-US" dirty="0" smtClean="0"/>
-          </a:p>
-          <a:p>
-            <a:endParaRPr lang="en-US" dirty="0" smtClean="0"/>
-          </a:p>
-          <a:p>
-            <a:pPr lvl="1"/>
-            <a:endParaRPr lang="en-US" baseline="-25000" dirty="0"/>
           </a:p>
         </p:txBody>
       </p:sp>
@@ -5120,10 +4759,10 @@
           <a:lstStyle/>
           <a:p>
             <a:r>
-              <a:rPr lang="en-US" dirty="0" smtClean="0"/>
-              <a:t>Advantages</a:t>
-            </a:r>
-            <a:endParaRPr lang="en-US" dirty="0"/>
+              <a:rPr lang="en-IN" dirty="0" err="1" smtClean="0"/>
+              <a:t>Multicollinearity</a:t>
+            </a:r>
+            <a:endParaRPr lang="en-IN" dirty="0"/>
           </a:p>
         </p:txBody>
       </p:sp>
@@ -5139,66 +4778,63 @@
         </p:nvSpPr>
         <p:spPr/>
         <p:txBody>
-          <a:bodyPr>
-            <a:normAutofit/>
-          </a:bodyPr>
+          <a:bodyPr/>
           <a:lstStyle/>
           <a:p>
             <a:r>
               <a:rPr lang="en-IN" dirty="0" smtClean="0"/>
-              <a:t>Good for linearly separable data</a:t>
-            </a:r>
-          </a:p>
-          <a:p>
+              <a:t>Correlated independent </a:t>
+            </a:r>
             <a:r>
               <a:rPr lang="en-IN" dirty="0" smtClean="0"/>
-              <a:t>Easier to implement and interpret </a:t>
+              <a:t>variables</a:t>
             </a:r>
           </a:p>
           <a:p>
             <a:r>
               <a:rPr lang="en-IN" dirty="0" smtClean="0"/>
-              <a:t>Efficient to train</a:t>
-            </a:r>
-          </a:p>
-          <a:p>
-            <a:r>
-              <a:rPr lang="en-US" dirty="0" smtClean="0"/>
-              <a:t>Handle over-fitting</a:t>
+              <a:t>Example</a:t>
             </a:r>
           </a:p>
           <a:p>
             <a:pPr lvl="1"/>
             <a:r>
               <a:rPr lang="en-IN" dirty="0" smtClean="0"/>
-              <a:t>Dimensionality reduction </a:t>
+              <a:t>Independent </a:t>
             </a:r>
             <a:r>
               <a:rPr lang="en-IN" dirty="0" smtClean="0"/>
-              <a:t>techniques</a:t>
+              <a:t>variables</a:t>
+            </a:r>
+            <a:r>
+              <a:rPr lang="en-IN" dirty="0" smtClean="0"/>
+              <a:t> </a:t>
+            </a:r>
+          </a:p>
+          <a:p>
+            <a:pPr lvl="2"/>
+            <a:r>
+              <a:rPr lang="en-IN" dirty="0" smtClean="0"/>
+              <a:t>Radius of a circle</a:t>
+            </a:r>
+          </a:p>
+          <a:p>
+            <a:pPr lvl="2"/>
+            <a:r>
+              <a:rPr lang="en-IN" dirty="0" smtClean="0"/>
+              <a:t>Circumference of a circle</a:t>
             </a:r>
           </a:p>
           <a:p>
             <a:pPr lvl="1"/>
             <a:r>
               <a:rPr lang="en-IN" dirty="0" smtClean="0"/>
-              <a:t>Cross validation</a:t>
-            </a:r>
-          </a:p>
-          <a:p>
-            <a:pPr lvl="1"/>
-            <a:r>
-              <a:rPr lang="en-IN" dirty="0" smtClean="0"/>
-              <a:t>Regularization</a:t>
-            </a:r>
-            <a:endParaRPr lang="en-IN" dirty="0" smtClean="0"/>
-          </a:p>
-          <a:p>
-            <a:r>
-              <a:rPr lang="en-IN" dirty="0" smtClean="0"/>
-              <a:t>Extrapolation of dataset</a:t>
-            </a:r>
-            <a:endParaRPr lang="en-US" dirty="0"/>
+              <a:t>Radius and circumference – Correlated </a:t>
+            </a:r>
+          </a:p>
+          <a:p>
+            <a:pPr lvl="2"/>
+            <a:endParaRPr lang="en-IN" dirty="0"/>
           </a:p>
         </p:txBody>
       </p:sp>
@@ -5207,13 +4843,6 @@
   <p:clrMapOvr>
     <a:masterClrMapping/>
   </p:clrMapOvr>
-  <p:timing>
-    <p:tnLst>
-      <p:par>
-        <p:cTn id="1" dur="indefinite" restart="never" nodeType="tmRoot"/>
-      </p:par>
-    </p:tnLst>
-  </p:timing>
 </p:sld>
 </file>
 
@@ -5335,246 +4964,6 @@
 </file>
 
 <file path=ppt/slides/slide20.xml><?xml version="1.0" encoding="utf-8"?>
-<p:sld xmlns:a="http://schemas.openxmlformats.org/drawingml/2006/main" xmlns:r="http://schemas.openxmlformats.org/officeDocument/2006/relationships" xmlns:p="http://schemas.openxmlformats.org/presentationml/2006/main">
-  <p:cSld>
-    <p:spTree>
-      <p:nvGrpSpPr>
-        <p:cNvPr id="1" name=""/>
-        <p:cNvGrpSpPr/>
-        <p:nvPr/>
-      </p:nvGrpSpPr>
-      <p:grpSpPr>
-        <a:xfrm>
-          <a:off x="0" y="0"/>
-          <a:ext cx="0" cy="0"/>
-          <a:chOff x="0" y="0"/>
-          <a:chExt cx="0" cy="0"/>
-        </a:xfrm>
-      </p:grpSpPr>
-      <p:sp>
-        <p:nvSpPr>
-          <p:cNvPr id="2" name="Title 1"/>
-          <p:cNvSpPr>
-            <a:spLocks noGrp="1"/>
-          </p:cNvSpPr>
-          <p:nvPr>
-            <p:ph type="title"/>
-          </p:nvPr>
-        </p:nvSpPr>
-        <p:spPr/>
-        <p:txBody>
-          <a:bodyPr/>
-          <a:lstStyle/>
-          <a:p>
-            <a:r>
-              <a:rPr lang="en-US" dirty="0" smtClean="0"/>
-              <a:t>Disadvantages</a:t>
-            </a:r>
-            <a:endParaRPr lang="en-US" dirty="0"/>
-          </a:p>
-        </p:txBody>
-      </p:sp>
-      <p:sp>
-        <p:nvSpPr>
-          <p:cNvPr id="3" name="Content Placeholder 2"/>
-          <p:cNvSpPr>
-            <a:spLocks noGrp="1"/>
-          </p:cNvSpPr>
-          <p:nvPr>
-            <p:ph idx="1"/>
-          </p:nvPr>
-        </p:nvSpPr>
-        <p:spPr/>
-        <p:txBody>
-          <a:bodyPr>
-            <a:normAutofit/>
-          </a:bodyPr>
-          <a:lstStyle/>
-          <a:p>
-            <a:r>
-              <a:rPr lang="en-IN" dirty="0" smtClean="0"/>
-              <a:t>Assumption of linearity </a:t>
-            </a:r>
-          </a:p>
-          <a:p>
-            <a:pPr lvl="1"/>
-            <a:r>
-              <a:rPr lang="en-IN" dirty="0" smtClean="0"/>
-              <a:t>Independent variables</a:t>
-            </a:r>
-          </a:p>
-          <a:p>
-            <a:pPr lvl="1"/>
-            <a:r>
-              <a:rPr lang="en-IN" dirty="0" smtClean="0"/>
-              <a:t>Dependent variables</a:t>
-            </a:r>
-          </a:p>
-          <a:p>
-            <a:r>
-              <a:rPr lang="en-US" dirty="0" smtClean="0"/>
-              <a:t>Prone to noise</a:t>
-            </a:r>
-          </a:p>
-          <a:p>
-            <a:r>
-              <a:rPr lang="en-US" dirty="0" smtClean="0"/>
-              <a:t>Sensitive to outliers</a:t>
-            </a:r>
-          </a:p>
-          <a:p>
-            <a:r>
-              <a:rPr lang="en-US" dirty="0" smtClean="0"/>
-              <a:t>Prone </a:t>
-            </a:r>
-            <a:r>
-              <a:rPr lang="en-US" dirty="0" smtClean="0"/>
-              <a:t>to </a:t>
-            </a:r>
-            <a:r>
-              <a:rPr lang="en-US" dirty="0" err="1" smtClean="0"/>
-              <a:t>multicollinearity</a:t>
-            </a:r>
-            <a:endParaRPr lang="en-US" dirty="0"/>
-          </a:p>
-        </p:txBody>
-      </p:sp>
-    </p:spTree>
-  </p:cSld>
-  <p:clrMapOvr>
-    <a:masterClrMapping/>
-  </p:clrMapOvr>
-  <p:timing>
-    <p:tnLst>
-      <p:par>
-        <p:cTn id="1" dur="indefinite" restart="never" nodeType="tmRoot"/>
-      </p:par>
-    </p:tnLst>
-  </p:timing>
-</p:sld>
-</file>
-
-<file path=ppt/slides/slide21.xml><?xml version="1.0" encoding="utf-8"?>
-<p:sld xmlns:a="http://schemas.openxmlformats.org/drawingml/2006/main" xmlns:r="http://schemas.openxmlformats.org/officeDocument/2006/relationships" xmlns:p="http://schemas.openxmlformats.org/presentationml/2006/main">
-  <p:cSld>
-    <p:spTree>
-      <p:nvGrpSpPr>
-        <p:cNvPr id="1" name=""/>
-        <p:cNvGrpSpPr/>
-        <p:nvPr/>
-      </p:nvGrpSpPr>
-      <p:grpSpPr>
-        <a:xfrm>
-          <a:off x="0" y="0"/>
-          <a:ext cx="0" cy="0"/>
-          <a:chOff x="0" y="0"/>
-          <a:chExt cx="0" cy="0"/>
-        </a:xfrm>
-      </p:grpSpPr>
-      <p:sp>
-        <p:nvSpPr>
-          <p:cNvPr id="2" name="Title 1"/>
-          <p:cNvSpPr>
-            <a:spLocks noGrp="1"/>
-          </p:cNvSpPr>
-          <p:nvPr>
-            <p:ph type="title"/>
-          </p:nvPr>
-        </p:nvSpPr>
-        <p:spPr/>
-        <p:txBody>
-          <a:bodyPr/>
-          <a:lstStyle/>
-          <a:p>
-            <a:r>
-              <a:rPr lang="en-IN" dirty="0" err="1" smtClean="0"/>
-              <a:t>Multicollinearity</a:t>
-            </a:r>
-            <a:endParaRPr lang="en-IN" dirty="0"/>
-          </a:p>
-        </p:txBody>
-      </p:sp>
-      <p:sp>
-        <p:nvSpPr>
-          <p:cNvPr id="3" name="Content Placeholder 2"/>
-          <p:cNvSpPr>
-            <a:spLocks noGrp="1"/>
-          </p:cNvSpPr>
-          <p:nvPr>
-            <p:ph idx="1"/>
-          </p:nvPr>
-        </p:nvSpPr>
-        <p:spPr/>
-        <p:txBody>
-          <a:bodyPr/>
-          <a:lstStyle/>
-          <a:p>
-            <a:r>
-              <a:rPr lang="en-IN" dirty="0" smtClean="0"/>
-              <a:t>Correlated independent </a:t>
-            </a:r>
-            <a:r>
-              <a:rPr lang="en-IN" dirty="0" smtClean="0"/>
-              <a:t>variables</a:t>
-            </a:r>
-          </a:p>
-          <a:p>
-            <a:r>
-              <a:rPr lang="en-IN" dirty="0" smtClean="0"/>
-              <a:t>Example</a:t>
-            </a:r>
-          </a:p>
-          <a:p>
-            <a:pPr lvl="1"/>
-            <a:r>
-              <a:rPr lang="en-IN" dirty="0" smtClean="0"/>
-              <a:t>Independent </a:t>
-            </a:r>
-            <a:r>
-              <a:rPr lang="en-IN" dirty="0" smtClean="0"/>
-              <a:t>variables</a:t>
-            </a:r>
-            <a:r>
-              <a:rPr lang="en-IN" dirty="0" smtClean="0"/>
-              <a:t> </a:t>
-            </a:r>
-          </a:p>
-          <a:p>
-            <a:pPr lvl="2"/>
-            <a:r>
-              <a:rPr lang="en-IN" dirty="0" smtClean="0"/>
-              <a:t>Radius of a circle</a:t>
-            </a:r>
-          </a:p>
-          <a:p>
-            <a:pPr lvl="2"/>
-            <a:r>
-              <a:rPr lang="en-IN" dirty="0" smtClean="0"/>
-              <a:t>Circumference of a circle</a:t>
-            </a:r>
-          </a:p>
-          <a:p>
-            <a:pPr lvl="1"/>
-            <a:r>
-              <a:rPr lang="en-IN" dirty="0" smtClean="0"/>
-              <a:t>Radius and circumference – Correlated </a:t>
-            </a:r>
-          </a:p>
-          <a:p>
-            <a:pPr lvl="2"/>
-            <a:endParaRPr lang="en-IN" dirty="0"/>
-          </a:p>
-        </p:txBody>
-      </p:sp>
-    </p:spTree>
-  </p:cSld>
-  <p:clrMapOvr>
-    <a:masterClrMapping/>
-  </p:clrMapOvr>
-</p:sld>
-</file>
-
-<file path=ppt/slides/slide22.xml><?xml version="1.0" encoding="utf-8"?>
 <p:sld xmlns:a="http://schemas.openxmlformats.org/drawingml/2006/main" xmlns:r="http://schemas.openxmlformats.org/officeDocument/2006/relationships" xmlns:p="http://schemas.openxmlformats.org/presentationml/2006/main">
   <p:cSld>
     <p:spTree>

--- a/MachineLearning/LinearRegression/LinearRegression.pptx
+++ b/MachineLearning/LinearRegression/LinearRegression.pptx
@@ -212,7 +212,7 @@
             <a:fld id="{98BFDCCA-FFB9-49F6-B56E-F6432283D67C}" type="datetimeFigureOut">
               <a:rPr lang="en-US" smtClean="0"/>
               <a:pPr/>
-              <a:t>2/1/2023</a:t>
+              <a:t>2/3/2023</a:t>
             </a:fld>
             <a:endParaRPr lang="en-US"/>
           </a:p>
@@ -660,7 +660,7 @@
             <a:fld id="{9099FEDA-6AC3-495C-A467-2B0399D71BB7}" type="datetimeFigureOut">
               <a:rPr lang="en-US" smtClean="0"/>
               <a:pPr/>
-              <a:t>2/1/2023</a:t>
+              <a:t>2/3/2023</a:t>
             </a:fld>
             <a:endParaRPr lang="en-US"/>
           </a:p>
@@ -827,7 +827,7 @@
             <a:fld id="{9099FEDA-6AC3-495C-A467-2B0399D71BB7}" type="datetimeFigureOut">
               <a:rPr lang="en-US" smtClean="0"/>
               <a:pPr/>
-              <a:t>2/1/2023</a:t>
+              <a:t>2/3/2023</a:t>
             </a:fld>
             <a:endParaRPr lang="en-US"/>
           </a:p>
@@ -1004,7 +1004,7 @@
             <a:fld id="{9099FEDA-6AC3-495C-A467-2B0399D71BB7}" type="datetimeFigureOut">
               <a:rPr lang="en-US" smtClean="0"/>
               <a:pPr/>
-              <a:t>2/1/2023</a:t>
+              <a:t>2/3/2023</a:t>
             </a:fld>
             <a:endParaRPr lang="en-US"/>
           </a:p>
@@ -1171,7 +1171,7 @@
             <a:fld id="{9099FEDA-6AC3-495C-A467-2B0399D71BB7}" type="datetimeFigureOut">
               <a:rPr lang="en-US" smtClean="0"/>
               <a:pPr/>
-              <a:t>2/1/2023</a:t>
+              <a:t>2/3/2023</a:t>
             </a:fld>
             <a:endParaRPr lang="en-US"/>
           </a:p>
@@ -1414,7 +1414,7 @@
             <a:fld id="{9099FEDA-6AC3-495C-A467-2B0399D71BB7}" type="datetimeFigureOut">
               <a:rPr lang="en-US" smtClean="0"/>
               <a:pPr/>
-              <a:t>2/1/2023</a:t>
+              <a:t>2/3/2023</a:t>
             </a:fld>
             <a:endParaRPr lang="en-US"/>
           </a:p>
@@ -1699,7 +1699,7 @@
             <a:fld id="{9099FEDA-6AC3-495C-A467-2B0399D71BB7}" type="datetimeFigureOut">
               <a:rPr lang="en-US" smtClean="0"/>
               <a:pPr/>
-              <a:t>2/1/2023</a:t>
+              <a:t>2/3/2023</a:t>
             </a:fld>
             <a:endParaRPr lang="en-US"/>
           </a:p>
@@ -2118,7 +2118,7 @@
             <a:fld id="{9099FEDA-6AC3-495C-A467-2B0399D71BB7}" type="datetimeFigureOut">
               <a:rPr lang="en-US" smtClean="0"/>
               <a:pPr/>
-              <a:t>2/1/2023</a:t>
+              <a:t>2/3/2023</a:t>
             </a:fld>
             <a:endParaRPr lang="en-US"/>
           </a:p>
@@ -2233,7 +2233,7 @@
             <a:fld id="{9099FEDA-6AC3-495C-A467-2B0399D71BB7}" type="datetimeFigureOut">
               <a:rPr lang="en-US" smtClean="0"/>
               <a:pPr/>
-              <a:t>2/1/2023</a:t>
+              <a:t>2/3/2023</a:t>
             </a:fld>
             <a:endParaRPr lang="en-US"/>
           </a:p>
@@ -2325,7 +2325,7 @@
             <a:fld id="{9099FEDA-6AC3-495C-A467-2B0399D71BB7}" type="datetimeFigureOut">
               <a:rPr lang="en-US" smtClean="0"/>
               <a:pPr/>
-              <a:t>2/1/2023</a:t>
+              <a:t>2/3/2023</a:t>
             </a:fld>
             <a:endParaRPr lang="en-US"/>
           </a:p>
@@ -2599,7 +2599,7 @@
             <a:fld id="{9099FEDA-6AC3-495C-A467-2B0399D71BB7}" type="datetimeFigureOut">
               <a:rPr lang="en-US" smtClean="0"/>
               <a:pPr/>
-              <a:t>2/1/2023</a:t>
+              <a:t>2/3/2023</a:t>
             </a:fld>
             <a:endParaRPr lang="en-US"/>
           </a:p>
@@ -2849,7 +2849,7 @@
             <a:fld id="{9099FEDA-6AC3-495C-A467-2B0399D71BB7}" type="datetimeFigureOut">
               <a:rPr lang="en-US" smtClean="0"/>
               <a:pPr/>
-              <a:t>2/1/2023</a:t>
+              <a:t>2/3/2023</a:t>
             </a:fld>
             <a:endParaRPr lang="en-US"/>
           </a:p>
@@ -3059,7 +3059,7 @@
             <a:fld id="{9099FEDA-6AC3-495C-A467-2B0399D71BB7}" type="datetimeFigureOut">
               <a:rPr lang="en-US" smtClean="0"/>
               <a:pPr/>
-              <a:t>2/1/2023</a:t>
+              <a:t>2/3/2023</a:t>
             </a:fld>
             <a:endParaRPr lang="en-US"/>
           </a:p>
@@ -3570,47 +3570,27 @@
           <a:p>
             <a:r>
               <a:rPr lang="en-IN" dirty="0" smtClean="0"/>
-              <a:t>Simple </a:t>
-            </a:r>
+              <a:t>Simple linear regression</a:t>
+            </a:r>
+          </a:p>
+          <a:p>
+            <a:pPr lvl="1"/>
             <a:r>
               <a:rPr lang="en-IN" dirty="0" smtClean="0"/>
-              <a:t>linear regression</a:t>
+              <a:t>Single independent variable</a:t>
+            </a:r>
+          </a:p>
+          <a:p>
+            <a:r>
+              <a:rPr lang="en-IN" dirty="0" smtClean="0"/>
+              <a:t>Multiple linear regression</a:t>
             </a:r>
           </a:p>
           <a:p>
             <a:pPr lvl="1"/>
             <a:r>
               <a:rPr lang="en-IN" dirty="0" smtClean="0"/>
-              <a:t>Single </a:t>
-            </a:r>
-            <a:r>
-              <a:rPr lang="en-IN" dirty="0" smtClean="0"/>
-              <a:t>independent </a:t>
-            </a:r>
-            <a:r>
-              <a:rPr lang="en-IN" dirty="0" smtClean="0"/>
-              <a:t>variable</a:t>
-            </a:r>
-          </a:p>
-          <a:p>
-            <a:r>
-              <a:rPr lang="en-IN" dirty="0" smtClean="0"/>
-              <a:t>Multiple </a:t>
-            </a:r>
-            <a:r>
-              <a:rPr lang="en-IN" dirty="0" smtClean="0"/>
-              <a:t>linear regression</a:t>
-            </a:r>
-          </a:p>
-          <a:p>
-            <a:pPr lvl="1"/>
-            <a:r>
-              <a:rPr lang="en-IN" dirty="0" smtClean="0"/>
-              <a:t>More </a:t>
-            </a:r>
-            <a:r>
-              <a:rPr lang="en-IN" dirty="0" smtClean="0"/>
-              <a:t>than one independent variable</a:t>
+              <a:t>More than one independent variable</a:t>
             </a:r>
             <a:endParaRPr lang="en-IN" dirty="0"/>
           </a:p>
@@ -3966,11 +3946,7 @@
             </a:r>
             <a:r>
               <a:rPr lang="en-US" dirty="0" smtClean="0"/>
-              <a:t> </a:t>
-            </a:r>
-            <a:r>
-              <a:rPr lang="en-US" dirty="0" smtClean="0"/>
-              <a:t>– Y axis intercept</a:t>
+              <a:t> – Y axis intercept</a:t>
             </a:r>
           </a:p>
           <a:p>
@@ -3984,11 +3960,7 @@
             </a:r>
             <a:r>
               <a:rPr lang="en-US" dirty="0" smtClean="0"/>
-              <a:t> </a:t>
-            </a:r>
-            <a:r>
-              <a:rPr lang="en-US" dirty="0" smtClean="0"/>
-              <a:t>– Slope of line</a:t>
+              <a:t> – Slope of line</a:t>
             </a:r>
           </a:p>
           <a:p>
@@ -4016,23 +3988,14 @@
             </a:r>
             <a:r>
               <a:rPr lang="en-US" dirty="0" smtClean="0"/>
-              <a:t> – Random </a:t>
-            </a:r>
-            <a:r>
-              <a:rPr lang="en-US" dirty="0" smtClean="0"/>
-              <a:t>error</a:t>
-            </a:r>
-          </a:p>
-          <a:p>
-            <a:r>
-              <a:rPr lang="en-US" dirty="0" smtClean="0"/>
-              <a:t>Mean </a:t>
-            </a:r>
-            <a:r>
-              <a:rPr lang="en-US" dirty="0" smtClean="0"/>
-              <a:t>squared error – MSE</a:t>
-            </a:r>
-            <a:endParaRPr lang="en-US" dirty="0" smtClean="0"/>
+              <a:t> – Random error</a:t>
+            </a:r>
+          </a:p>
+          <a:p>
+            <a:r>
+              <a:rPr lang="en-US" dirty="0" smtClean="0"/>
+              <a:t>Mean squared error – MSE</a:t>
+            </a:r>
           </a:p>
           <a:p>
             <a:r>
@@ -4168,53 +4131,28 @@
             <a:pPr algn="just"/>
             <a:r>
               <a:rPr lang="en-IN" dirty="0" smtClean="0"/>
-              <a:t>Coefficient </a:t>
-            </a:r>
+              <a:t>Coefficient of determination</a:t>
+            </a:r>
+          </a:p>
+          <a:p>
+            <a:pPr algn="just"/>
             <a:r>
               <a:rPr lang="en-IN" dirty="0" smtClean="0"/>
-              <a:t>of </a:t>
-            </a:r>
+              <a:t>Coefficient of multiple determination</a:t>
+            </a:r>
+          </a:p>
+          <a:p>
+            <a:pPr algn="just"/>
             <a:r>
               <a:rPr lang="en-IN" dirty="0" smtClean="0"/>
-              <a:t>determination</a:t>
+              <a:t>Strength of relationship</a:t>
             </a:r>
           </a:p>
           <a:p>
             <a:pPr algn="just"/>
             <a:r>
               <a:rPr lang="en-IN" dirty="0" smtClean="0"/>
-              <a:t>Coefficient </a:t>
-            </a:r>
-            <a:r>
-              <a:rPr lang="en-IN" dirty="0" smtClean="0"/>
-              <a:t>of multiple determination</a:t>
-            </a:r>
-          </a:p>
-          <a:p>
-            <a:pPr algn="just"/>
-            <a:r>
-              <a:rPr lang="en-IN" dirty="0" smtClean="0"/>
-              <a:t>Strength </a:t>
-            </a:r>
-            <a:r>
-              <a:rPr lang="en-IN" dirty="0" smtClean="0"/>
-              <a:t>of </a:t>
-            </a:r>
-            <a:r>
-              <a:rPr lang="en-IN" dirty="0" smtClean="0"/>
-              <a:t>relationship</a:t>
-            </a:r>
-            <a:endParaRPr lang="en-IN" dirty="0" smtClean="0"/>
-          </a:p>
-          <a:p>
-            <a:pPr algn="just"/>
-            <a:r>
-              <a:rPr lang="en-IN" dirty="0" smtClean="0"/>
-              <a:t>Value </a:t>
-            </a:r>
-            <a:r>
-              <a:rPr lang="en-IN" dirty="0" smtClean="0"/>
-              <a:t>between 0.0 – 1.0</a:t>
+              <a:t>Value between 0.0 – 1.0</a:t>
             </a:r>
           </a:p>
           <a:p>
@@ -4235,13 +4173,8 @@
             <a:pPr algn="just"/>
             <a:r>
               <a:rPr lang="en-IN" dirty="0" smtClean="0"/>
-              <a:t>Independent variable reduces p percent of variation in dependent </a:t>
-            </a:r>
-            <a:r>
-              <a:rPr lang="en-IN" dirty="0" smtClean="0"/>
-              <a:t>variable  </a:t>
-            </a:r>
-            <a:endParaRPr lang="en-IN" dirty="0" smtClean="0"/>
+              <a:t>Independent variable reduces p percent of variation in dependent variable  </a:t>
+            </a:r>
           </a:p>
         </p:txBody>
       </p:sp>
@@ -4406,7 +4339,6 @@
               <a:rPr lang="en-US" dirty="0" smtClean="0"/>
               <a:t>Inputs to response mapping</a:t>
             </a:r>
-            <a:endParaRPr lang="en-US" dirty="0" smtClean="0"/>
           </a:p>
           <a:p>
             <a:r>
@@ -4419,17 +4351,12 @@
               <a:rPr lang="en-US" dirty="0" smtClean="0"/>
               <a:t>Prediction</a:t>
             </a:r>
-            <a:endParaRPr lang="en-US" dirty="0" smtClean="0"/>
           </a:p>
           <a:p>
             <a:pPr lvl="1"/>
             <a:r>
               <a:rPr lang="en-US" dirty="0" smtClean="0"/>
-              <a:t>House </a:t>
-            </a:r>
-            <a:r>
-              <a:rPr lang="en-US" dirty="0" smtClean="0"/>
-              <a:t>price prediction from observed dataset </a:t>
+              <a:t>House price prediction from observed dataset </a:t>
             </a:r>
           </a:p>
           <a:p>
@@ -4560,11 +4487,7 @@
             <a:pPr lvl="1"/>
             <a:r>
               <a:rPr lang="en-IN" dirty="0" smtClean="0"/>
-              <a:t>Dimensionality reduction </a:t>
-            </a:r>
-            <a:r>
-              <a:rPr lang="en-IN" dirty="0" smtClean="0"/>
-              <a:t>techniques</a:t>
+              <a:t>Dimensionality reduction techniques</a:t>
             </a:r>
           </a:p>
           <a:p>
@@ -4580,7 +4503,6 @@
               <a:rPr lang="en-IN" dirty="0" smtClean="0"/>
               <a:t>Regularization</a:t>
             </a:r>
-            <a:endParaRPr lang="en-IN" dirty="0" smtClean="0"/>
           </a:p>
           <a:p>
             <a:r>
@@ -4697,11 +4619,7 @@
           <a:p>
             <a:r>
               <a:rPr lang="en-US" dirty="0" smtClean="0"/>
-              <a:t>Prone </a:t>
-            </a:r>
-            <a:r>
-              <a:rPr lang="en-US" dirty="0" smtClean="0"/>
-              <a:t>to </a:t>
+              <a:t>Prone to </a:t>
             </a:r>
             <a:r>
               <a:rPr lang="en-US" dirty="0" err="1" smtClean="0"/>
@@ -4783,11 +4701,7 @@
           <a:p>
             <a:r>
               <a:rPr lang="en-IN" dirty="0" smtClean="0"/>
-              <a:t>Correlated independent </a:t>
-            </a:r>
-            <a:r>
-              <a:rPr lang="en-IN" dirty="0" smtClean="0"/>
-              <a:t>variables</a:t>
+              <a:t>Correlated independent variables</a:t>
             </a:r>
           </a:p>
           <a:p>
@@ -4800,15 +4714,7 @@
             <a:pPr lvl="1"/>
             <a:r>
               <a:rPr lang="en-IN" dirty="0" smtClean="0"/>
-              <a:t>Independent </a:t>
-            </a:r>
-            <a:r>
-              <a:rPr lang="en-IN" dirty="0" smtClean="0"/>
-              <a:t>variables</a:t>
-            </a:r>
-            <a:r>
-              <a:rPr lang="en-IN" dirty="0" smtClean="0"/>
-              <a:t> </a:t>
+              <a:t>Independent variables </a:t>
             </a:r>
           </a:p>
           <a:p>
@@ -4911,20 +4817,14 @@
           <a:p>
             <a:r>
               <a:rPr lang="en-US" dirty="0" smtClean="0"/>
-              <a:t>Linear </a:t>
-            </a:r>
-            <a:r>
-              <a:rPr lang="en-US" dirty="0" smtClean="0"/>
-              <a:t>regression</a:t>
-            </a:r>
-            <a:endParaRPr lang="en-US" dirty="0" smtClean="0"/>
+              <a:t>Linear regression</a:t>
+            </a:r>
           </a:p>
           <a:p>
             <a:r>
               <a:rPr lang="en-US" dirty="0" smtClean="0"/>
               <a:t>Algorithm</a:t>
             </a:r>
-            <a:endParaRPr lang="en-US" dirty="0" smtClean="0"/>
           </a:p>
           <a:p>
             <a:r>
@@ -4937,7 +4837,6 @@
               <a:rPr lang="en-US" dirty="0" smtClean="0"/>
               <a:t>Advantages </a:t>
             </a:r>
-            <a:endParaRPr lang="en-US" dirty="0" smtClean="0"/>
           </a:p>
           <a:p>
             <a:r>
@@ -5820,11 +5719,7 @@
           <a:p>
             <a:r>
               <a:rPr lang="en-US" dirty="0" smtClean="0"/>
-              <a:t>Weights – W – </a:t>
-            </a:r>
-            <a:r>
-              <a:rPr lang="en-US" dirty="0" smtClean="0"/>
-              <a:t>(W</a:t>
+              <a:t>Weights – W – (W</a:t>
             </a:r>
             <a:r>
               <a:rPr lang="en-US" baseline="-25000" dirty="0" smtClean="0"/>
@@ -5832,11 +5727,7 @@
             </a:r>
             <a:r>
               <a:rPr lang="en-US" dirty="0" smtClean="0"/>
-              <a:t>, </a:t>
-            </a:r>
-            <a:r>
-              <a:rPr lang="en-US" dirty="0" smtClean="0"/>
-              <a:t>W</a:t>
+              <a:t>, W</a:t>
             </a:r>
             <a:r>
               <a:rPr lang="en-US" baseline="-25000" dirty="0" smtClean="0"/>
@@ -5862,7 +5753,6 @@
               <a:rPr lang="en-US" dirty="0" smtClean="0"/>
               <a:t>)</a:t>
             </a:r>
-            <a:endParaRPr lang="en-US" dirty="0" smtClean="0"/>
           </a:p>
           <a:p>
             <a:pPr lvl="1"/>
@@ -5900,11 +5790,7 @@
           <a:p>
             <a:r>
               <a:rPr lang="en-US" dirty="0" smtClean="0"/>
-              <a:t>Bias – b – </a:t>
-            </a:r>
-            <a:r>
-              <a:rPr lang="en-US" dirty="0" smtClean="0"/>
-              <a:t>W</a:t>
+              <a:t>Bias – b – W</a:t>
             </a:r>
             <a:r>
               <a:rPr lang="en-US" baseline="-25000" dirty="0" smtClean="0"/>
@@ -5914,7 +5800,6 @@
               <a:rPr lang="en-US" dirty="0" smtClean="0"/>
               <a:t>  </a:t>
             </a:r>
-            <a:endParaRPr lang="en-US" dirty="0" smtClean="0"/>
           </a:p>
           <a:p>
             <a:pPr lvl="1"/>

--- a/MachineLearning/LinearRegression/LinearRegression.pptx
+++ b/MachineLearning/LinearRegression/LinearRegression.pptx
@@ -5,7 +5,7 @@
     <p:sldMasterId id="2147483648" r:id="rId1"/>
   </p:sldMasterIdLst>
   <p:notesMasterIdLst>
-    <p:notesMasterId r:id="rId22"/>
+    <p:notesMasterId r:id="rId23"/>
   </p:notesMasterIdLst>
   <p:sldIdLst>
     <p:sldId id="256" r:id="rId2"/>
@@ -22,12 +22,13 @@
     <p:sldId id="277" r:id="rId13"/>
     <p:sldId id="278" r:id="rId14"/>
     <p:sldId id="289" r:id="rId15"/>
-    <p:sldId id="291" r:id="rId16"/>
-    <p:sldId id="290" r:id="rId17"/>
-    <p:sldId id="270" r:id="rId18"/>
-    <p:sldId id="271" r:id="rId19"/>
-    <p:sldId id="292" r:id="rId20"/>
-    <p:sldId id="269" r:id="rId21"/>
+    <p:sldId id="294" r:id="rId16"/>
+    <p:sldId id="291" r:id="rId17"/>
+    <p:sldId id="290" r:id="rId18"/>
+    <p:sldId id="270" r:id="rId19"/>
+    <p:sldId id="271" r:id="rId20"/>
+    <p:sldId id="292" r:id="rId21"/>
+    <p:sldId id="269" r:id="rId22"/>
   </p:sldIdLst>
   <p:sldSz cx="9144000" cy="6858000" type="screen4x3"/>
   <p:notesSz cx="6858000" cy="9144000"/>
@@ -3695,7 +3696,33 @@
           <a:p>
             <a:r>
               <a:rPr lang="en-IN" dirty="0" smtClean="0"/>
-              <a:t>Calculate p-value for R</a:t>
+              <a:t>Calculate </a:t>
+            </a:r>
+            <a:r>
+              <a:rPr lang="en-IN" dirty="0" smtClean="0"/>
+              <a:t>adjusted R</a:t>
+            </a:r>
+            <a:r>
+              <a:rPr lang="en-IN" baseline="30000" dirty="0" smtClean="0"/>
+              <a:t>2</a:t>
+            </a:r>
+            <a:r>
+              <a:rPr lang="en-IN" dirty="0" smtClean="0"/>
+              <a:t> </a:t>
+            </a:r>
+            <a:r>
+              <a:rPr lang="en-IN" dirty="0" smtClean="0"/>
+              <a:t>value</a:t>
+            </a:r>
+          </a:p>
+          <a:p>
+            <a:r>
+              <a:rPr lang="en-IN" dirty="0" smtClean="0"/>
+              <a:t>Calculate </a:t>
+            </a:r>
+            <a:r>
+              <a:rPr lang="en-IN" dirty="0" smtClean="0"/>
+              <a:t>p-value for R</a:t>
             </a:r>
             <a:r>
               <a:rPr lang="en-IN" baseline="30000" dirty="0" smtClean="0"/>
@@ -4227,7 +4254,19 @@
           <a:p>
             <a:r>
               <a:rPr lang="en-IN" dirty="0" smtClean="0"/>
-              <a:t>p Value</a:t>
+              <a:t>Adjusted R</a:t>
+            </a:r>
+            <a:r>
+              <a:rPr lang="en-IN" baseline="30000" dirty="0" smtClean="0"/>
+              <a:t>2</a:t>
+            </a:r>
+            <a:r>
+              <a:rPr lang="en-IN" dirty="0" smtClean="0"/>
+              <a:t> </a:t>
+            </a:r>
+            <a:r>
+              <a:rPr lang="en-IN" dirty="0" smtClean="0"/>
+              <a:t>Value</a:t>
             </a:r>
             <a:endParaRPr lang="en-IN" dirty="0"/>
           </a:p>
@@ -4245,15 +4284,121 @@
         </p:nvSpPr>
         <p:spPr/>
         <p:txBody>
-          <a:bodyPr/>
-          <a:lstStyle/>
-          <a:p>
+          <a:bodyPr>
+            <a:normAutofit/>
+          </a:bodyPr>
+          <a:lstStyle/>
+          <a:p>
+            <a:r>
+              <a:rPr lang="en-IN" dirty="0" smtClean="0"/>
+              <a:t>R</a:t>
+            </a:r>
+            <a:r>
+              <a:rPr lang="en-IN" baseline="30000" dirty="0" smtClean="0"/>
+              <a:t>2</a:t>
+            </a:r>
+          </a:p>
+          <a:p>
+            <a:pPr lvl="1"/>
+            <a:r>
+              <a:rPr lang="en-IN" dirty="0" smtClean="0"/>
+              <a:t>Increase independent variables – Increase R</a:t>
+            </a:r>
+            <a:r>
+              <a:rPr lang="en-IN" baseline="30000" dirty="0" smtClean="0"/>
+              <a:t>2</a:t>
+            </a:r>
+          </a:p>
+          <a:p>
+            <a:pPr lvl="1"/>
+            <a:r>
+              <a:rPr lang="en-IN" dirty="0" smtClean="0"/>
+              <a:t>Increase independent variables </a:t>
+            </a:r>
+            <a:r>
+              <a:rPr lang="en-IN" dirty="0" smtClean="0"/>
+              <a:t>– Constant R</a:t>
+            </a:r>
+            <a:r>
+              <a:rPr lang="en-IN" baseline="30000" dirty="0" smtClean="0"/>
+              <a:t>2</a:t>
+            </a:r>
+          </a:p>
+          <a:p>
+            <a:r>
+              <a:rPr lang="en-IN" dirty="0" smtClean="0"/>
+              <a:t>Adjusted R</a:t>
+            </a:r>
+            <a:r>
+              <a:rPr lang="en-IN" baseline="30000" dirty="0" smtClean="0"/>
+              <a:t>2</a:t>
+            </a:r>
+          </a:p>
+          <a:p>
+            <a:pPr lvl="1"/>
+            <a:r>
+              <a:rPr lang="en-IN" dirty="0" smtClean="0"/>
+              <a:t>Increase </a:t>
+            </a:r>
+            <a:r>
+              <a:rPr lang="en-IN" dirty="0" smtClean="0"/>
+              <a:t>independent </a:t>
+            </a:r>
+            <a:r>
+              <a:rPr lang="en-IN" dirty="0" smtClean="0"/>
+              <a:t>variables </a:t>
+            </a:r>
+            <a:r>
+              <a:rPr lang="en-IN" dirty="0" smtClean="0">
+                <a:solidFill>
+                  <a:srgbClr val="00B050"/>
+                </a:solidFill>
+              </a:rPr>
+              <a:t>(then)</a:t>
+            </a:r>
+            <a:r>
+              <a:rPr lang="en-IN" dirty="0" smtClean="0"/>
+              <a:t> </a:t>
+            </a:r>
+          </a:p>
+          <a:p>
+            <a:pPr lvl="1"/>
+            <a:r>
+              <a:rPr lang="en-IN" dirty="0" smtClean="0"/>
+              <a:t>Increase </a:t>
+            </a:r>
             <a:r>
               <a:rPr lang="en-IN" smtClean="0"/>
-              <a:t>Statistical significance</a:t>
-            </a:r>
-          </a:p>
-          <a:p>
+              <a:t>model accuracy </a:t>
+            </a:r>
+            <a:r>
+              <a:rPr lang="en-IN" smtClean="0">
+                <a:solidFill>
+                  <a:srgbClr val="00B050"/>
+                </a:solidFill>
+              </a:rPr>
+              <a:t>(</a:t>
+            </a:r>
+            <a:r>
+              <a:rPr lang="en-IN" smtClean="0">
+                <a:solidFill>
+                  <a:srgbClr val="00B050"/>
+                </a:solidFill>
+              </a:rPr>
+              <a:t>then only)</a:t>
+            </a:r>
+            <a:endParaRPr lang="en-IN" dirty="0" smtClean="0"/>
+          </a:p>
+          <a:p>
+            <a:pPr lvl="1"/>
+            <a:r>
+              <a:rPr lang="en-IN" dirty="0" smtClean="0"/>
+              <a:t>Increase </a:t>
+            </a:r>
+            <a:r>
+              <a:rPr lang="en-IN" dirty="0" smtClean="0"/>
+              <a:t>adjusted R2</a:t>
+            </a:r>
             <a:endParaRPr lang="en-IN" dirty="0"/>
           </a:p>
         </p:txBody>
@@ -4263,13 +4408,6 @@
   <p:clrMapOvr>
     <a:masterClrMapping/>
   </p:clrMapOvr>
-  <p:timing>
-    <p:tnLst>
-      <p:par>
-        <p:cTn id="1" dur="indefinite" restart="never" nodeType="tmRoot"/>
-      </p:par>
-    </p:tnLst>
-  </p:timing>
 </p:sld>
 </file>
 
@@ -4302,16 +4440,14 @@
         </p:nvSpPr>
         <p:spPr/>
         <p:txBody>
-          <a:bodyPr>
-            <a:normAutofit/>
-          </a:bodyPr>
-          <a:lstStyle/>
-          <a:p>
-            <a:r>
-              <a:rPr lang="en-US" dirty="0" smtClean="0"/>
-              <a:t>Applications</a:t>
-            </a:r>
-            <a:endParaRPr lang="en-US" dirty="0"/>
+          <a:bodyPr/>
+          <a:lstStyle/>
+          <a:p>
+            <a:r>
+              <a:rPr lang="en-IN" dirty="0" smtClean="0"/>
+              <a:t>p Value</a:t>
+            </a:r>
+            <a:endParaRPr lang="en-IN" dirty="0"/>
           </a:p>
         </p:txBody>
       </p:sp>
@@ -4325,66 +4461,18 @@
             <p:ph idx="1"/>
           </p:nvPr>
         </p:nvSpPr>
-        <p:spPr>
-          <a:xfrm>
-            <a:off x="304800" y="1600200"/>
-            <a:ext cx="8534400" cy="4525963"/>
-          </a:xfrm>
-        </p:spPr>
-        <p:txBody>
-          <a:bodyPr/>
-          <a:lstStyle/>
-          <a:p>
-            <a:r>
-              <a:rPr lang="en-US" dirty="0" smtClean="0"/>
-              <a:t>Inputs to response mapping</a:t>
-            </a:r>
-          </a:p>
-          <a:p>
-            <a:r>
-              <a:rPr lang="en-US" dirty="0" smtClean="0"/>
-              <a:t>Error reduction</a:t>
-            </a:r>
-          </a:p>
-          <a:p>
-            <a:r>
-              <a:rPr lang="en-US" dirty="0" smtClean="0"/>
-              <a:t>Prediction</a:t>
-            </a:r>
-          </a:p>
-          <a:p>
-            <a:pPr lvl="1"/>
-            <a:r>
-              <a:rPr lang="en-US" dirty="0" smtClean="0"/>
-              <a:t>House price prediction from observed dataset </a:t>
-            </a:r>
-          </a:p>
-          <a:p>
-            <a:r>
-              <a:rPr lang="en-US" dirty="0" smtClean="0"/>
-              <a:t>Forecasting</a:t>
-            </a:r>
-          </a:p>
-          <a:p>
-            <a:pPr lvl="1"/>
-            <a:r>
-              <a:rPr lang="en-US" dirty="0" smtClean="0"/>
-              <a:t>Weather forecasting from observed dataset</a:t>
-            </a:r>
-          </a:p>
-          <a:p>
-            <a:endParaRPr lang="en-US" dirty="0" smtClean="0"/>
-          </a:p>
-          <a:p>
-            <a:pPr lvl="1"/>
-            <a:endParaRPr lang="en-US" dirty="0" smtClean="0"/>
-          </a:p>
-          <a:p>
-            <a:endParaRPr lang="en-US" dirty="0" smtClean="0"/>
-          </a:p>
-          <a:p>
-            <a:pPr lvl="1"/>
-            <a:endParaRPr lang="en-US" baseline="-25000" dirty="0"/>
+        <p:spPr/>
+        <p:txBody>
+          <a:bodyPr/>
+          <a:lstStyle/>
+          <a:p>
+            <a:r>
+              <a:rPr lang="en-IN" smtClean="0"/>
+              <a:t>Statistical significance</a:t>
+            </a:r>
+          </a:p>
+          <a:p>
+            <a:endParaRPr lang="en-IN" dirty="0"/>
           </a:p>
         </p:txBody>
       </p:sp>
@@ -4432,84 +4520,89 @@
         </p:nvSpPr>
         <p:spPr/>
         <p:txBody>
-          <a:bodyPr/>
-          <a:lstStyle/>
-          <a:p>
-            <a:r>
-              <a:rPr lang="en-US" dirty="0" smtClean="0"/>
-              <a:t>Advantages</a:t>
-            </a:r>
-            <a:endParaRPr lang="en-US" dirty="0"/>
-          </a:p>
-        </p:txBody>
-      </p:sp>
-      <p:sp>
-        <p:nvSpPr>
-          <p:cNvPr id="3" name="Content Placeholder 2"/>
-          <p:cNvSpPr>
-            <a:spLocks noGrp="1"/>
-          </p:cNvSpPr>
-          <p:nvPr>
-            <p:ph idx="1"/>
-          </p:nvPr>
-        </p:nvSpPr>
-        <p:spPr/>
-        <p:txBody>
           <a:bodyPr>
             <a:normAutofit/>
           </a:bodyPr>
           <a:lstStyle/>
           <a:p>
             <a:r>
-              <a:rPr lang="en-IN" dirty="0" smtClean="0"/>
-              <a:t>Good for linearly separable data</a:t>
-            </a:r>
-          </a:p>
-          <a:p>
-            <a:r>
-              <a:rPr lang="en-IN" dirty="0" smtClean="0"/>
-              <a:t>Easier to implement and interpret </a:t>
-            </a:r>
-          </a:p>
-          <a:p>
-            <a:r>
-              <a:rPr lang="en-IN" dirty="0" smtClean="0"/>
-              <a:t>Efficient to train</a:t>
-            </a:r>
-          </a:p>
-          <a:p>
-            <a:r>
-              <a:rPr lang="en-US" dirty="0" smtClean="0"/>
-              <a:t>Handle over-fitting</a:t>
+              <a:rPr lang="en-US" dirty="0" smtClean="0"/>
+              <a:t>Applications</a:t>
+            </a:r>
+            <a:endParaRPr lang="en-US" dirty="0"/>
+          </a:p>
+        </p:txBody>
+      </p:sp>
+      <p:sp>
+        <p:nvSpPr>
+          <p:cNvPr id="3" name="Content Placeholder 2"/>
+          <p:cNvSpPr>
+            <a:spLocks noGrp="1"/>
+          </p:cNvSpPr>
+          <p:nvPr>
+            <p:ph idx="1"/>
+          </p:nvPr>
+        </p:nvSpPr>
+        <p:spPr>
+          <a:xfrm>
+            <a:off x="304800" y="1600200"/>
+            <a:ext cx="8534400" cy="4525963"/>
+          </a:xfrm>
+        </p:spPr>
+        <p:txBody>
+          <a:bodyPr/>
+          <a:lstStyle/>
+          <a:p>
+            <a:r>
+              <a:rPr lang="en-US" dirty="0" smtClean="0"/>
+              <a:t>Inputs to response mapping</a:t>
+            </a:r>
+          </a:p>
+          <a:p>
+            <a:r>
+              <a:rPr lang="en-US" dirty="0" smtClean="0"/>
+              <a:t>Error reduction</a:t>
+            </a:r>
+          </a:p>
+          <a:p>
+            <a:r>
+              <a:rPr lang="en-US" dirty="0" smtClean="0"/>
+              <a:t>Prediction</a:t>
             </a:r>
           </a:p>
           <a:p>
             <a:pPr lvl="1"/>
             <a:r>
-              <a:rPr lang="en-IN" dirty="0" smtClean="0"/>
-              <a:t>Dimensionality reduction techniques</a:t>
+              <a:rPr lang="en-US" dirty="0" smtClean="0"/>
+              <a:t>House price prediction from observed dataset </a:t>
+            </a:r>
+          </a:p>
+          <a:p>
+            <a:r>
+              <a:rPr lang="en-US" dirty="0" smtClean="0"/>
+              <a:t>Forecasting</a:t>
             </a:r>
           </a:p>
           <a:p>
             <a:pPr lvl="1"/>
             <a:r>
-              <a:rPr lang="en-IN" dirty="0" smtClean="0"/>
-              <a:t>Cross validation</a:t>
-            </a:r>
+              <a:rPr lang="en-US" dirty="0" smtClean="0"/>
+              <a:t>Weather forecasting from observed dataset</a:t>
+            </a:r>
+          </a:p>
+          <a:p>
+            <a:endParaRPr lang="en-US" dirty="0" smtClean="0"/>
           </a:p>
           <a:p>
             <a:pPr lvl="1"/>
-            <a:r>
-              <a:rPr lang="en-IN" dirty="0" smtClean="0"/>
-              <a:t>Regularization</a:t>
-            </a:r>
-          </a:p>
-          <a:p>
-            <a:r>
-              <a:rPr lang="en-IN" dirty="0" smtClean="0"/>
-              <a:t>Extrapolation of dataset</a:t>
-            </a:r>
-            <a:endParaRPr lang="en-US" dirty="0"/>
+            <a:endParaRPr lang="en-US" dirty="0" smtClean="0"/>
+          </a:p>
+          <a:p>
+            <a:endParaRPr lang="en-US" dirty="0" smtClean="0"/>
+          </a:p>
+          <a:p>
+            <a:pPr lvl="1"/>
+            <a:endParaRPr lang="en-US" baseline="-25000" dirty="0"/>
           </a:p>
         </p:txBody>
       </p:sp>
@@ -4562,7 +4655,7 @@
           <a:p>
             <a:r>
               <a:rPr lang="en-US" dirty="0" smtClean="0"/>
-              <a:t>Disadvantages</a:t>
+              <a:t>Advantages</a:t>
             </a:r>
             <a:endParaRPr lang="en-US" dirty="0"/>
           </a:p>
@@ -4587,43 +4680,52 @@
           <a:p>
             <a:r>
               <a:rPr lang="en-IN" dirty="0" smtClean="0"/>
-              <a:t>Assumption of linearity </a:t>
+              <a:t>Good for linearly separable data</a:t>
+            </a:r>
+          </a:p>
+          <a:p>
+            <a:r>
+              <a:rPr lang="en-IN" dirty="0" smtClean="0"/>
+              <a:t>Easier to implement and interpret </a:t>
+            </a:r>
+          </a:p>
+          <a:p>
+            <a:r>
+              <a:rPr lang="en-IN" dirty="0" smtClean="0"/>
+              <a:t>Efficient to train</a:t>
+            </a:r>
+          </a:p>
+          <a:p>
+            <a:r>
+              <a:rPr lang="en-US" dirty="0" smtClean="0"/>
+              <a:t>Handle over-fitting</a:t>
             </a:r>
           </a:p>
           <a:p>
             <a:pPr lvl="1"/>
             <a:r>
               <a:rPr lang="en-IN" dirty="0" smtClean="0"/>
-              <a:t>Independent variables</a:t>
+              <a:t>Dimensionality reduction techniques</a:t>
             </a:r>
           </a:p>
           <a:p>
             <a:pPr lvl="1"/>
             <a:r>
               <a:rPr lang="en-IN" dirty="0" smtClean="0"/>
-              <a:t>Dependent variables</a:t>
-            </a:r>
-          </a:p>
-          <a:p>
-            <a:r>
-              <a:rPr lang="en-US" dirty="0" smtClean="0"/>
-              <a:t>Prone to noise</a:t>
-            </a:r>
-          </a:p>
-          <a:p>
-            <a:r>
-              <a:rPr lang="en-US" dirty="0" smtClean="0"/>
-              <a:t>Sensitive to outliers</a:t>
-            </a:r>
-          </a:p>
-          <a:p>
-            <a:r>
-              <a:rPr lang="en-US" dirty="0" smtClean="0"/>
-              <a:t>Prone to </a:t>
-            </a:r>
-            <a:r>
-              <a:rPr lang="en-US" dirty="0" err="1" smtClean="0"/>
-              <a:t>multicollinearity</a:t>
+              <a:t>Cross validation</a:t>
+            </a:r>
+          </a:p>
+          <a:p>
+            <a:pPr lvl="1"/>
+            <a:r>
+              <a:rPr lang="en-IN" dirty="0" smtClean="0"/>
+              <a:t>Regularization</a:t>
+            </a:r>
+          </a:p>
+          <a:p>
+            <a:r>
+              <a:rPr lang="en-IN" dirty="0" smtClean="0"/>
+              <a:t>Extrapolation of dataset</a:t>
             </a:r>
             <a:endParaRPr lang="en-US" dirty="0"/>
           </a:p>
@@ -4677,10 +4779,10 @@
           <a:lstStyle/>
           <a:p>
             <a:r>
-              <a:rPr lang="en-IN" dirty="0" err="1" smtClean="0"/>
-              <a:t>Multicollinearity</a:t>
-            </a:r>
-            <a:endParaRPr lang="en-IN" dirty="0"/>
+              <a:rPr lang="en-US" dirty="0" smtClean="0"/>
+              <a:t>Disadvantages</a:t>
+            </a:r>
+            <a:endParaRPr lang="en-US" dirty="0"/>
           </a:p>
         </p:txBody>
       </p:sp>
@@ -4696,51 +4798,52 @@
         </p:nvSpPr>
         <p:spPr/>
         <p:txBody>
-          <a:bodyPr/>
+          <a:bodyPr>
+            <a:normAutofit/>
+          </a:bodyPr>
           <a:lstStyle/>
           <a:p>
             <a:r>
               <a:rPr lang="en-IN" dirty="0" smtClean="0"/>
-              <a:t>Correlated independent variables</a:t>
-            </a:r>
-          </a:p>
-          <a:p>
+              <a:t>Assumption of linearity </a:t>
+            </a:r>
+          </a:p>
+          <a:p>
+            <a:pPr lvl="1"/>
             <a:r>
               <a:rPr lang="en-IN" dirty="0" smtClean="0"/>
-              <a:t>Example</a:t>
+              <a:t>Independent variables</a:t>
             </a:r>
           </a:p>
           <a:p>
             <a:pPr lvl="1"/>
             <a:r>
               <a:rPr lang="en-IN" dirty="0" smtClean="0"/>
-              <a:t>Independent variables </a:t>
-            </a:r>
-          </a:p>
-          <a:p>
-            <a:pPr lvl="2"/>
-            <a:r>
-              <a:rPr lang="en-IN" dirty="0" smtClean="0"/>
-              <a:t>Radius of a circle</a:t>
-            </a:r>
-          </a:p>
-          <a:p>
-            <a:pPr lvl="2"/>
-            <a:r>
-              <a:rPr lang="en-IN" dirty="0" smtClean="0"/>
-              <a:t>Circumference of a circle</a:t>
-            </a:r>
-          </a:p>
-          <a:p>
-            <a:pPr lvl="1"/>
-            <a:r>
-              <a:rPr lang="en-IN" dirty="0" smtClean="0"/>
-              <a:t>Radius and circumference – Correlated </a:t>
-            </a:r>
-          </a:p>
-          <a:p>
-            <a:pPr lvl="2"/>
-            <a:endParaRPr lang="en-IN" dirty="0"/>
+              <a:t>Dependent variables</a:t>
+            </a:r>
+          </a:p>
+          <a:p>
+            <a:r>
+              <a:rPr lang="en-US" dirty="0" smtClean="0"/>
+              <a:t>Prone to noise</a:t>
+            </a:r>
+          </a:p>
+          <a:p>
+            <a:r>
+              <a:rPr lang="en-US" dirty="0" smtClean="0"/>
+              <a:t>Sensitive to outliers</a:t>
+            </a:r>
+          </a:p>
+          <a:p>
+            <a:r>
+              <a:rPr lang="en-US" dirty="0" smtClean="0"/>
+              <a:t>Prone to </a:t>
+            </a:r>
+            <a:r>
+              <a:rPr lang="en-US" dirty="0" err="1" smtClean="0"/>
+              <a:t>multicollinearity</a:t>
+            </a:r>
+            <a:endParaRPr lang="en-US" dirty="0"/>
           </a:p>
         </p:txBody>
       </p:sp>
@@ -4749,6 +4852,13 @@
   <p:clrMapOvr>
     <a:masterClrMapping/>
   </p:clrMapOvr>
+  <p:timing>
+    <p:tnLst>
+      <p:par>
+        <p:cTn id="1" dur="indefinite" restart="never" nodeType="tmRoot"/>
+      </p:par>
+    </p:tnLst>
+  </p:timing>
 </p:sld>
 </file>
 
@@ -4863,6 +4973,114 @@
 </file>
 
 <file path=ppt/slides/slide20.xml><?xml version="1.0" encoding="utf-8"?>
+<p:sld xmlns:a="http://schemas.openxmlformats.org/drawingml/2006/main" xmlns:r="http://schemas.openxmlformats.org/officeDocument/2006/relationships" xmlns:p="http://schemas.openxmlformats.org/presentationml/2006/main">
+  <p:cSld>
+    <p:spTree>
+      <p:nvGrpSpPr>
+        <p:cNvPr id="1" name=""/>
+        <p:cNvGrpSpPr/>
+        <p:nvPr/>
+      </p:nvGrpSpPr>
+      <p:grpSpPr>
+        <a:xfrm>
+          <a:off x="0" y="0"/>
+          <a:ext cx="0" cy="0"/>
+          <a:chOff x="0" y="0"/>
+          <a:chExt cx="0" cy="0"/>
+        </a:xfrm>
+      </p:grpSpPr>
+      <p:sp>
+        <p:nvSpPr>
+          <p:cNvPr id="2" name="Title 1"/>
+          <p:cNvSpPr>
+            <a:spLocks noGrp="1"/>
+          </p:cNvSpPr>
+          <p:nvPr>
+            <p:ph type="title"/>
+          </p:nvPr>
+        </p:nvSpPr>
+        <p:spPr/>
+        <p:txBody>
+          <a:bodyPr/>
+          <a:lstStyle/>
+          <a:p>
+            <a:r>
+              <a:rPr lang="en-IN" dirty="0" err="1" smtClean="0"/>
+              <a:t>Multicollinearity</a:t>
+            </a:r>
+            <a:endParaRPr lang="en-IN" dirty="0"/>
+          </a:p>
+        </p:txBody>
+      </p:sp>
+      <p:sp>
+        <p:nvSpPr>
+          <p:cNvPr id="3" name="Content Placeholder 2"/>
+          <p:cNvSpPr>
+            <a:spLocks noGrp="1"/>
+          </p:cNvSpPr>
+          <p:nvPr>
+            <p:ph idx="1"/>
+          </p:nvPr>
+        </p:nvSpPr>
+        <p:spPr/>
+        <p:txBody>
+          <a:bodyPr/>
+          <a:lstStyle/>
+          <a:p>
+            <a:r>
+              <a:rPr lang="en-IN" dirty="0" smtClean="0"/>
+              <a:t>Correlated independent variables</a:t>
+            </a:r>
+          </a:p>
+          <a:p>
+            <a:r>
+              <a:rPr lang="en-IN" dirty="0" smtClean="0"/>
+              <a:t>Example</a:t>
+            </a:r>
+          </a:p>
+          <a:p>
+            <a:pPr lvl="1"/>
+            <a:r>
+              <a:rPr lang="en-IN" dirty="0" smtClean="0"/>
+              <a:t>Independent variables </a:t>
+            </a:r>
+          </a:p>
+          <a:p>
+            <a:pPr lvl="2"/>
+            <a:r>
+              <a:rPr lang="en-IN" dirty="0" smtClean="0"/>
+              <a:t>Radius of a circle</a:t>
+            </a:r>
+          </a:p>
+          <a:p>
+            <a:pPr lvl="2"/>
+            <a:r>
+              <a:rPr lang="en-IN" dirty="0" smtClean="0"/>
+              <a:t>Circumference of a circle</a:t>
+            </a:r>
+          </a:p>
+          <a:p>
+            <a:pPr lvl="1"/>
+            <a:r>
+              <a:rPr lang="en-IN" dirty="0" smtClean="0"/>
+              <a:t>Radius and circumference – Correlated </a:t>
+            </a:r>
+          </a:p>
+          <a:p>
+            <a:pPr lvl="2"/>
+            <a:endParaRPr lang="en-IN" dirty="0"/>
+          </a:p>
+        </p:txBody>
+      </p:sp>
+    </p:spTree>
+  </p:cSld>
+  <p:clrMapOvr>
+    <a:masterClrMapping/>
+  </p:clrMapOvr>
+</p:sld>
+</file>
+
+<file path=ppt/slides/slide21.xml><?xml version="1.0" encoding="utf-8"?>
 <p:sld xmlns:a="http://schemas.openxmlformats.org/drawingml/2006/main" xmlns:r="http://schemas.openxmlformats.org/officeDocument/2006/relationships" xmlns:p="http://schemas.openxmlformats.org/presentationml/2006/main">
   <p:cSld>
     <p:spTree>

--- a/MachineLearning/LinearRegression/LinearRegression.pptx
+++ b/MachineLearning/LinearRegression/LinearRegression.pptx
@@ -4130,10 +4130,6 @@
               <a:rPr lang="en-IN" baseline="30000" dirty="0" smtClean="0"/>
               <a:t>2</a:t>
             </a:r>
-            <a:r>
-              <a:rPr lang="en-IN" dirty="0" smtClean="0"/>
-              <a:t> Value</a:t>
-            </a:r>
             <a:endParaRPr lang="en-IN" dirty="0"/>
           </a:p>
         </p:txBody>
@@ -4260,14 +4256,6 @@
               <a:rPr lang="en-IN" baseline="30000" dirty="0" smtClean="0"/>
               <a:t>2</a:t>
             </a:r>
-            <a:r>
-              <a:rPr lang="en-IN" dirty="0" smtClean="0"/>
-              <a:t> </a:t>
-            </a:r>
-            <a:r>
-              <a:rPr lang="en-IN" dirty="0" smtClean="0"/>
-              <a:t>Value</a:t>
-            </a:r>
             <a:endParaRPr lang="en-IN" dirty="0"/>
           </a:p>
         </p:txBody>
@@ -4365,14 +4353,10 @@
             <a:pPr lvl="1"/>
             <a:r>
               <a:rPr lang="en-IN" dirty="0" smtClean="0"/>
-              <a:t>Increase </a:t>
-            </a:r>
-            <a:r>
-              <a:rPr lang="en-IN" smtClean="0"/>
-              <a:t>model accuracy </a:t>
-            </a:r>
-            <a:r>
-              <a:rPr lang="en-IN" smtClean="0">
+              <a:t>Increase model accuracy </a:t>
+            </a:r>
+            <a:r>
+              <a:rPr lang="en-IN" dirty="0" smtClean="0">
                 <a:solidFill>
                   <a:srgbClr val="00B050"/>
                 </a:solidFill>
@@ -4380,7 +4364,7 @@
               <a:t>(</a:t>
             </a:r>
             <a:r>
-              <a:rPr lang="en-IN" smtClean="0">
+              <a:rPr lang="en-IN" dirty="0" smtClean="0">
                 <a:solidFill>
                   <a:srgbClr val="00B050"/>
                 </a:solidFill>

--- a/MachineLearning/LinearRegression/LinearRegression.pptx
+++ b/MachineLearning/LinearRegression/LinearRegression.pptx
@@ -5,7 +5,7 @@
     <p:sldMasterId id="2147483648" r:id="rId1"/>
   </p:sldMasterIdLst>
   <p:notesMasterIdLst>
-    <p:notesMasterId r:id="rId23"/>
+    <p:notesMasterId r:id="rId27"/>
   </p:notesMasterIdLst>
   <p:sldIdLst>
     <p:sldId id="256" r:id="rId2"/>
@@ -26,9 +26,13 @@
     <p:sldId id="291" r:id="rId17"/>
     <p:sldId id="290" r:id="rId18"/>
     <p:sldId id="270" r:id="rId19"/>
-    <p:sldId id="271" r:id="rId20"/>
-    <p:sldId id="292" r:id="rId21"/>
-    <p:sldId id="269" r:id="rId22"/>
+    <p:sldId id="295" r:id="rId20"/>
+    <p:sldId id="296" r:id="rId21"/>
+    <p:sldId id="297" r:id="rId22"/>
+    <p:sldId id="298" r:id="rId23"/>
+    <p:sldId id="271" r:id="rId24"/>
+    <p:sldId id="292" r:id="rId25"/>
+    <p:sldId id="269" r:id="rId26"/>
   </p:sldIdLst>
   <p:sldSz cx="9144000" cy="6858000" type="screen4x3"/>
   <p:notesSz cx="6858000" cy="9144000"/>
@@ -3602,6 +3606,13 @@
   <p:clrMapOvr>
     <a:masterClrMapping/>
   </p:clrMapOvr>
+  <p:timing>
+    <p:tnLst>
+      <p:par>
+        <p:cTn id="1" dur="indefinite" restart="never" nodeType="tmRoot"/>
+      </p:par>
+    </p:tnLst>
+  </p:timing>
 </p:sld>
 </file>
 
@@ -4392,6 +4403,13 @@
   <p:clrMapOvr>
     <a:masterClrMapping/>
   </p:clrMapOvr>
+  <p:timing>
+    <p:tnLst>
+      <p:par>
+        <p:cTn id="1" dur="indefinite" restart="never" nodeType="tmRoot"/>
+      </p:par>
+    </p:tnLst>
+  </p:timing>
 </p:sld>
 </file>
 
@@ -4763,10 +4781,10 @@
           <a:lstStyle/>
           <a:p>
             <a:r>
-              <a:rPr lang="en-US" dirty="0" smtClean="0"/>
-              <a:t>Disadvantages</a:t>
-            </a:r>
-            <a:endParaRPr lang="en-US" dirty="0"/>
+              <a:rPr lang="en-IN" dirty="0" smtClean="0"/>
+              <a:t>Regularization</a:t>
+            </a:r>
+            <a:endParaRPr lang="en-IN" dirty="0"/>
           </a:p>
         </p:txBody>
       </p:sp>
@@ -4782,52 +4800,37 @@
         </p:nvSpPr>
         <p:spPr/>
         <p:txBody>
-          <a:bodyPr>
-            <a:normAutofit/>
-          </a:bodyPr>
-          <a:lstStyle/>
-          <a:p>
-            <a:r>
-              <a:rPr lang="en-IN" dirty="0" smtClean="0"/>
-              <a:t>Assumption of linearity </a:t>
-            </a:r>
-          </a:p>
-          <a:p>
-            <a:pPr lvl="1"/>
-            <a:r>
-              <a:rPr lang="en-IN" dirty="0" smtClean="0"/>
-              <a:t>Independent variables</a:t>
-            </a:r>
-          </a:p>
-          <a:p>
-            <a:pPr lvl="1"/>
-            <a:r>
-              <a:rPr lang="en-IN" dirty="0" smtClean="0"/>
-              <a:t>Dependent variables</a:t>
-            </a:r>
-          </a:p>
-          <a:p>
-            <a:r>
-              <a:rPr lang="en-US" dirty="0" smtClean="0"/>
-              <a:t>Prone to noise</a:t>
-            </a:r>
-          </a:p>
-          <a:p>
-            <a:r>
-              <a:rPr lang="en-US" dirty="0" smtClean="0"/>
-              <a:t>Sensitive to outliers</a:t>
-            </a:r>
-          </a:p>
-          <a:p>
-            <a:r>
-              <a:rPr lang="en-US" dirty="0" smtClean="0"/>
-              <a:t>Prone to </a:t>
-            </a:r>
-            <a:r>
-              <a:rPr lang="en-US" dirty="0" err="1" smtClean="0"/>
-              <a:t>multicollinearity</a:t>
-            </a:r>
-            <a:endParaRPr lang="en-US" dirty="0"/>
+          <a:bodyPr/>
+          <a:lstStyle/>
+          <a:p>
+            <a:r>
+              <a:rPr lang="en-IN" dirty="0" smtClean="0"/>
+              <a:t>Lasso </a:t>
+            </a:r>
+            <a:r>
+              <a:rPr lang="en-IN" dirty="0" smtClean="0"/>
+              <a:t>regression</a:t>
+            </a:r>
+          </a:p>
+          <a:p>
+            <a:r>
+              <a:rPr lang="en-IN" dirty="0" smtClean="0"/>
+              <a:t>Ridge </a:t>
+            </a:r>
+            <a:r>
+              <a:rPr lang="en-IN" dirty="0" smtClean="0"/>
+              <a:t>Regression</a:t>
+            </a:r>
+          </a:p>
+          <a:p>
+            <a:r>
+              <a:rPr lang="en-IN" dirty="0" smtClean="0"/>
+              <a:t>Elastic Net Regression</a:t>
+            </a:r>
+            <a:endParaRPr lang="en-IN" dirty="0" smtClean="0"/>
+          </a:p>
+          <a:p>
+            <a:endParaRPr lang="en-IN" dirty="0"/>
           </a:p>
         </p:txBody>
       </p:sp>
@@ -4836,13 +4839,6 @@
   <p:clrMapOvr>
     <a:masterClrMapping/>
   </p:clrMapOvr>
-  <p:timing>
-    <p:tnLst>
-      <p:par>
-        <p:cTn id="1" dur="indefinite" restart="never" nodeType="tmRoot"/>
-      </p:par>
-    </p:tnLst>
-  </p:timing>
 </p:sld>
 </file>
 
@@ -4989,8 +4985,12 @@
           <a:lstStyle/>
           <a:p>
             <a:r>
-              <a:rPr lang="en-IN" dirty="0" err="1" smtClean="0"/>
-              <a:t>Multicollinearity</a:t>
+              <a:rPr lang="en-IN" dirty="0" smtClean="0"/>
+              <a:t>Lasso </a:t>
+            </a:r>
+            <a:r>
+              <a:rPr lang="en-IN" dirty="0" smtClean="0"/>
+              <a:t>Regression</a:t>
             </a:r>
             <a:endParaRPr lang="en-IN" dirty="0"/>
           </a:p>
@@ -5008,50 +5008,74 @@
         </p:nvSpPr>
         <p:spPr/>
         <p:txBody>
-          <a:bodyPr/>
-          <a:lstStyle/>
-          <a:p>
-            <a:r>
-              <a:rPr lang="en-IN" dirty="0" smtClean="0"/>
-              <a:t>Correlated independent variables</a:t>
-            </a:r>
-          </a:p>
-          <a:p>
-            <a:r>
-              <a:rPr lang="en-IN" dirty="0" smtClean="0"/>
-              <a:t>Example</a:t>
+          <a:bodyPr>
+            <a:normAutofit/>
+          </a:bodyPr>
+          <a:lstStyle/>
+          <a:p>
+            <a:r>
+              <a:rPr lang="en-IN" dirty="0" smtClean="0"/>
+              <a:t>Least Absolute Shrinkage Selector </a:t>
+            </a:r>
+            <a:r>
+              <a:rPr lang="en-IN" dirty="0" smtClean="0"/>
+              <a:t>Operator</a:t>
+            </a:r>
+          </a:p>
+          <a:p>
+            <a:r>
+              <a:rPr lang="en-IN" dirty="0" smtClean="0"/>
+              <a:t>L1 regularization technique</a:t>
+            </a:r>
+          </a:p>
+          <a:p>
+            <a:r>
+              <a:rPr lang="en-IN" smtClean="0"/>
+              <a:t>Reduce </a:t>
+            </a:r>
+            <a:r>
+              <a:rPr lang="en-IN" smtClean="0"/>
+              <a:t>coefficients</a:t>
+            </a:r>
+            <a:endParaRPr lang="en-IN" dirty="0" smtClean="0"/>
+          </a:p>
+          <a:p>
+            <a:r>
+              <a:rPr lang="en-IN" dirty="0" smtClean="0"/>
+              <a:t>Feature selection</a:t>
             </a:r>
           </a:p>
           <a:p>
             <a:pPr lvl="1"/>
             <a:r>
               <a:rPr lang="en-IN" dirty="0" smtClean="0"/>
-              <a:t>Independent variables </a:t>
-            </a:r>
-          </a:p>
-          <a:p>
-            <a:pPr lvl="2"/>
-            <a:r>
-              <a:rPr lang="en-IN" dirty="0" smtClean="0"/>
-              <a:t>Radius of a circle</a:t>
-            </a:r>
-          </a:p>
-          <a:p>
-            <a:pPr lvl="2"/>
-            <a:r>
-              <a:rPr lang="en-IN" dirty="0" smtClean="0"/>
-              <a:t>Circumference of a circle</a:t>
+              <a:t>Select important features </a:t>
             </a:r>
           </a:p>
           <a:p>
             <a:pPr lvl="1"/>
             <a:r>
               <a:rPr lang="en-IN" dirty="0" smtClean="0"/>
-              <a:t>Radius and circumference – Correlated </a:t>
-            </a:r>
-          </a:p>
-          <a:p>
-            <a:pPr lvl="2"/>
+              <a:t>Reduce coefficients </a:t>
+            </a:r>
+            <a:r>
+              <a:rPr lang="en-IN" dirty="0" smtClean="0"/>
+              <a:t>of others to </a:t>
+            </a:r>
+            <a:r>
+              <a:rPr lang="en-IN" dirty="0" smtClean="0"/>
+              <a:t>zero</a:t>
+            </a:r>
+          </a:p>
+          <a:p>
+            <a:r>
+              <a:rPr lang="en-IN" dirty="0" smtClean="0"/>
+              <a:t>Suitable for more </a:t>
+            </a:r>
+            <a:r>
+              <a:rPr lang="en-IN" dirty="0" smtClean="0"/>
+              <a:t>number of features</a:t>
+            </a:r>
             <a:endParaRPr lang="en-IN" dirty="0"/>
           </a:p>
         </p:txBody>
@@ -5065,6 +5089,417 @@
 </file>
 
 <file path=ppt/slides/slide21.xml><?xml version="1.0" encoding="utf-8"?>
+<p:sld xmlns:a="http://schemas.openxmlformats.org/drawingml/2006/main" xmlns:r="http://schemas.openxmlformats.org/officeDocument/2006/relationships" xmlns:p="http://schemas.openxmlformats.org/presentationml/2006/main">
+  <p:cSld>
+    <p:spTree>
+      <p:nvGrpSpPr>
+        <p:cNvPr id="1" name=""/>
+        <p:cNvGrpSpPr/>
+        <p:nvPr/>
+      </p:nvGrpSpPr>
+      <p:grpSpPr>
+        <a:xfrm>
+          <a:off x="0" y="0"/>
+          <a:ext cx="0" cy="0"/>
+          <a:chOff x="0" y="0"/>
+          <a:chExt cx="0" cy="0"/>
+        </a:xfrm>
+      </p:grpSpPr>
+      <p:sp>
+        <p:nvSpPr>
+          <p:cNvPr id="2" name="Title 1"/>
+          <p:cNvSpPr>
+            <a:spLocks noGrp="1"/>
+          </p:cNvSpPr>
+          <p:nvPr>
+            <p:ph type="title"/>
+          </p:nvPr>
+        </p:nvSpPr>
+        <p:spPr/>
+        <p:txBody>
+          <a:bodyPr/>
+          <a:lstStyle/>
+          <a:p>
+            <a:r>
+              <a:rPr lang="en-IN" dirty="0" smtClean="0"/>
+              <a:t>Ridge Regression</a:t>
+            </a:r>
+            <a:endParaRPr lang="en-IN" dirty="0"/>
+          </a:p>
+        </p:txBody>
+      </p:sp>
+      <p:sp>
+        <p:nvSpPr>
+          <p:cNvPr id="3" name="Content Placeholder 2"/>
+          <p:cNvSpPr>
+            <a:spLocks noGrp="1"/>
+          </p:cNvSpPr>
+          <p:nvPr>
+            <p:ph idx="1"/>
+          </p:nvPr>
+        </p:nvSpPr>
+        <p:spPr/>
+        <p:txBody>
+          <a:bodyPr/>
+          <a:lstStyle/>
+          <a:p>
+            <a:r>
+              <a:rPr lang="en-IN" dirty="0" smtClean="0"/>
+              <a:t>L2 regularization </a:t>
+            </a:r>
+            <a:r>
+              <a:rPr lang="en-IN" dirty="0" smtClean="0"/>
+              <a:t>technique</a:t>
+            </a:r>
+          </a:p>
+          <a:p>
+            <a:r>
+              <a:rPr lang="en-IN" dirty="0" smtClean="0"/>
+              <a:t>Reduce </a:t>
+            </a:r>
+            <a:r>
+              <a:rPr lang="en-IN" dirty="0" smtClean="0"/>
+              <a:t>coefficients</a:t>
+            </a:r>
+          </a:p>
+          <a:p>
+            <a:r>
+              <a:rPr lang="en-IN" dirty="0" smtClean="0"/>
+              <a:t>Reduce model complexity</a:t>
+            </a:r>
+          </a:p>
+          <a:p>
+            <a:r>
+              <a:rPr lang="en-IN" dirty="0" smtClean="0"/>
+              <a:t>Prevent </a:t>
+            </a:r>
+            <a:r>
+              <a:rPr lang="en-IN" dirty="0" err="1" smtClean="0"/>
+              <a:t>multicollinearity</a:t>
+            </a:r>
+            <a:r>
+              <a:rPr lang="en-IN" dirty="0" smtClean="0"/>
+              <a:t> </a:t>
+            </a:r>
+            <a:endParaRPr lang="en-IN" dirty="0" smtClean="0"/>
+          </a:p>
+        </p:txBody>
+      </p:sp>
+    </p:spTree>
+  </p:cSld>
+  <p:clrMapOvr>
+    <a:masterClrMapping/>
+  </p:clrMapOvr>
+</p:sld>
+</file>
+
+<file path=ppt/slides/slide22.xml><?xml version="1.0" encoding="utf-8"?>
+<p:sld xmlns:a="http://schemas.openxmlformats.org/drawingml/2006/main" xmlns:r="http://schemas.openxmlformats.org/officeDocument/2006/relationships" xmlns:p="http://schemas.openxmlformats.org/presentationml/2006/main">
+  <p:cSld>
+    <p:spTree>
+      <p:nvGrpSpPr>
+        <p:cNvPr id="1" name=""/>
+        <p:cNvGrpSpPr/>
+        <p:nvPr/>
+      </p:nvGrpSpPr>
+      <p:grpSpPr>
+        <a:xfrm>
+          <a:off x="0" y="0"/>
+          <a:ext cx="0" cy="0"/>
+          <a:chOff x="0" y="0"/>
+          <a:chExt cx="0" cy="0"/>
+        </a:xfrm>
+      </p:grpSpPr>
+      <p:sp>
+        <p:nvSpPr>
+          <p:cNvPr id="2" name="Title 1"/>
+          <p:cNvSpPr>
+            <a:spLocks noGrp="1"/>
+          </p:cNvSpPr>
+          <p:nvPr>
+            <p:ph type="title"/>
+          </p:nvPr>
+        </p:nvSpPr>
+        <p:spPr/>
+        <p:txBody>
+          <a:bodyPr/>
+          <a:lstStyle/>
+          <a:p>
+            <a:r>
+              <a:rPr lang="en-IN" dirty="0" smtClean="0"/>
+              <a:t>Elastic Net Regression</a:t>
+            </a:r>
+            <a:endParaRPr lang="en-IN" dirty="0"/>
+          </a:p>
+        </p:txBody>
+      </p:sp>
+      <p:sp>
+        <p:nvSpPr>
+          <p:cNvPr id="3" name="Content Placeholder 2"/>
+          <p:cNvSpPr>
+            <a:spLocks noGrp="1"/>
+          </p:cNvSpPr>
+          <p:nvPr>
+            <p:ph idx="1"/>
+          </p:nvPr>
+        </p:nvSpPr>
+        <p:spPr/>
+        <p:txBody>
+          <a:bodyPr/>
+          <a:lstStyle/>
+          <a:p>
+            <a:r>
+              <a:rPr lang="en-IN" dirty="0" smtClean="0"/>
+              <a:t>L1 and L2 </a:t>
+            </a:r>
+            <a:r>
+              <a:rPr lang="en-IN" dirty="0" smtClean="0"/>
+              <a:t>regularization technique</a:t>
+            </a:r>
+            <a:endParaRPr lang="en-IN" dirty="0"/>
+          </a:p>
+        </p:txBody>
+      </p:sp>
+    </p:spTree>
+  </p:cSld>
+  <p:clrMapOvr>
+    <a:masterClrMapping/>
+  </p:clrMapOvr>
+</p:sld>
+</file>
+
+<file path=ppt/slides/slide23.xml><?xml version="1.0" encoding="utf-8"?>
+<p:sld xmlns:a="http://schemas.openxmlformats.org/drawingml/2006/main" xmlns:r="http://schemas.openxmlformats.org/officeDocument/2006/relationships" xmlns:p="http://schemas.openxmlformats.org/presentationml/2006/main">
+  <p:cSld>
+    <p:spTree>
+      <p:nvGrpSpPr>
+        <p:cNvPr id="1" name=""/>
+        <p:cNvGrpSpPr/>
+        <p:nvPr/>
+      </p:nvGrpSpPr>
+      <p:grpSpPr>
+        <a:xfrm>
+          <a:off x="0" y="0"/>
+          <a:ext cx="0" cy="0"/>
+          <a:chOff x="0" y="0"/>
+          <a:chExt cx="0" cy="0"/>
+        </a:xfrm>
+      </p:grpSpPr>
+      <p:sp>
+        <p:nvSpPr>
+          <p:cNvPr id="2" name="Title 1"/>
+          <p:cNvSpPr>
+            <a:spLocks noGrp="1"/>
+          </p:cNvSpPr>
+          <p:nvPr>
+            <p:ph type="title"/>
+          </p:nvPr>
+        </p:nvSpPr>
+        <p:spPr/>
+        <p:txBody>
+          <a:bodyPr/>
+          <a:lstStyle/>
+          <a:p>
+            <a:r>
+              <a:rPr lang="en-US" dirty="0" smtClean="0"/>
+              <a:t>Disadvantages</a:t>
+            </a:r>
+            <a:endParaRPr lang="en-US" dirty="0"/>
+          </a:p>
+        </p:txBody>
+      </p:sp>
+      <p:sp>
+        <p:nvSpPr>
+          <p:cNvPr id="3" name="Content Placeholder 2"/>
+          <p:cNvSpPr>
+            <a:spLocks noGrp="1"/>
+          </p:cNvSpPr>
+          <p:nvPr>
+            <p:ph idx="1"/>
+          </p:nvPr>
+        </p:nvSpPr>
+        <p:spPr/>
+        <p:txBody>
+          <a:bodyPr>
+            <a:normAutofit/>
+          </a:bodyPr>
+          <a:lstStyle/>
+          <a:p>
+            <a:r>
+              <a:rPr lang="en-IN" dirty="0" smtClean="0"/>
+              <a:t>Assumption of linearity </a:t>
+            </a:r>
+          </a:p>
+          <a:p>
+            <a:pPr lvl="1"/>
+            <a:r>
+              <a:rPr lang="en-IN" dirty="0" smtClean="0"/>
+              <a:t>Independent variables</a:t>
+            </a:r>
+          </a:p>
+          <a:p>
+            <a:pPr lvl="1"/>
+            <a:r>
+              <a:rPr lang="en-IN" dirty="0" smtClean="0"/>
+              <a:t>Dependent variables</a:t>
+            </a:r>
+          </a:p>
+          <a:p>
+            <a:r>
+              <a:rPr lang="en-US" dirty="0" smtClean="0"/>
+              <a:t>Prone to noise</a:t>
+            </a:r>
+          </a:p>
+          <a:p>
+            <a:r>
+              <a:rPr lang="en-US" dirty="0" smtClean="0"/>
+              <a:t>Sensitive to outliers</a:t>
+            </a:r>
+          </a:p>
+          <a:p>
+            <a:r>
+              <a:rPr lang="en-US" dirty="0" smtClean="0"/>
+              <a:t>Prone to </a:t>
+            </a:r>
+            <a:r>
+              <a:rPr lang="en-US" dirty="0" err="1" smtClean="0"/>
+              <a:t>multicollinearity</a:t>
+            </a:r>
+            <a:endParaRPr lang="en-US" dirty="0"/>
+          </a:p>
+        </p:txBody>
+      </p:sp>
+    </p:spTree>
+  </p:cSld>
+  <p:clrMapOvr>
+    <a:masterClrMapping/>
+  </p:clrMapOvr>
+  <p:timing>
+    <p:tnLst>
+      <p:par>
+        <p:cTn id="1" dur="indefinite" restart="never" nodeType="tmRoot"/>
+      </p:par>
+    </p:tnLst>
+  </p:timing>
+</p:sld>
+</file>
+
+<file path=ppt/slides/slide24.xml><?xml version="1.0" encoding="utf-8"?>
+<p:sld xmlns:a="http://schemas.openxmlformats.org/drawingml/2006/main" xmlns:r="http://schemas.openxmlformats.org/officeDocument/2006/relationships" xmlns:p="http://schemas.openxmlformats.org/presentationml/2006/main">
+  <p:cSld>
+    <p:spTree>
+      <p:nvGrpSpPr>
+        <p:cNvPr id="1" name=""/>
+        <p:cNvGrpSpPr/>
+        <p:nvPr/>
+      </p:nvGrpSpPr>
+      <p:grpSpPr>
+        <a:xfrm>
+          <a:off x="0" y="0"/>
+          <a:ext cx="0" cy="0"/>
+          <a:chOff x="0" y="0"/>
+          <a:chExt cx="0" cy="0"/>
+        </a:xfrm>
+      </p:grpSpPr>
+      <p:sp>
+        <p:nvSpPr>
+          <p:cNvPr id="2" name="Title 1"/>
+          <p:cNvSpPr>
+            <a:spLocks noGrp="1"/>
+          </p:cNvSpPr>
+          <p:nvPr>
+            <p:ph type="title"/>
+          </p:nvPr>
+        </p:nvSpPr>
+        <p:spPr/>
+        <p:txBody>
+          <a:bodyPr/>
+          <a:lstStyle/>
+          <a:p>
+            <a:r>
+              <a:rPr lang="en-IN" dirty="0" err="1" smtClean="0"/>
+              <a:t>Multicollinearity</a:t>
+            </a:r>
+            <a:endParaRPr lang="en-IN" dirty="0"/>
+          </a:p>
+        </p:txBody>
+      </p:sp>
+      <p:sp>
+        <p:nvSpPr>
+          <p:cNvPr id="3" name="Content Placeholder 2"/>
+          <p:cNvSpPr>
+            <a:spLocks noGrp="1"/>
+          </p:cNvSpPr>
+          <p:nvPr>
+            <p:ph idx="1"/>
+          </p:nvPr>
+        </p:nvSpPr>
+        <p:spPr/>
+        <p:txBody>
+          <a:bodyPr/>
+          <a:lstStyle/>
+          <a:p>
+            <a:r>
+              <a:rPr lang="en-IN" dirty="0" smtClean="0"/>
+              <a:t>Correlated independent variables</a:t>
+            </a:r>
+          </a:p>
+          <a:p>
+            <a:r>
+              <a:rPr lang="en-IN" dirty="0" smtClean="0"/>
+              <a:t>Example</a:t>
+            </a:r>
+          </a:p>
+          <a:p>
+            <a:pPr lvl="1"/>
+            <a:r>
+              <a:rPr lang="en-IN" dirty="0" smtClean="0"/>
+              <a:t>Independent variables </a:t>
+            </a:r>
+          </a:p>
+          <a:p>
+            <a:pPr lvl="2"/>
+            <a:r>
+              <a:rPr lang="en-IN" dirty="0" smtClean="0"/>
+              <a:t>Radius of a circle</a:t>
+            </a:r>
+          </a:p>
+          <a:p>
+            <a:pPr lvl="2"/>
+            <a:r>
+              <a:rPr lang="en-IN" dirty="0" smtClean="0"/>
+              <a:t>Circumference of a circle</a:t>
+            </a:r>
+          </a:p>
+          <a:p>
+            <a:pPr lvl="1"/>
+            <a:r>
+              <a:rPr lang="en-IN" dirty="0" smtClean="0"/>
+              <a:t>Radius and circumference – Correlated </a:t>
+            </a:r>
+          </a:p>
+          <a:p>
+            <a:pPr lvl="2"/>
+            <a:endParaRPr lang="en-IN" dirty="0"/>
+          </a:p>
+        </p:txBody>
+      </p:sp>
+    </p:spTree>
+  </p:cSld>
+  <p:clrMapOvr>
+    <a:masterClrMapping/>
+  </p:clrMapOvr>
+  <p:timing>
+    <p:tnLst>
+      <p:par>
+        <p:cTn id="1" dur="indefinite" restart="never" nodeType="tmRoot"/>
+      </p:par>
+    </p:tnLst>
+  </p:timing>
+</p:sld>
+</file>
+
+<file path=ppt/slides/slide25.xml><?xml version="1.0" encoding="utf-8"?>
 <p:sld xmlns:a="http://schemas.openxmlformats.org/drawingml/2006/main" xmlns:r="http://schemas.openxmlformats.org/officeDocument/2006/relationships" xmlns:p="http://schemas.openxmlformats.org/presentationml/2006/main">
   <p:cSld>
     <p:spTree>

--- a/MachineLearning/LinearRegression/LinearRegression.pptx
+++ b/MachineLearning/LinearRegression/LinearRegression.pptx
@@ -5,7 +5,7 @@
     <p:sldMasterId id="2147483648" r:id="rId1"/>
   </p:sldMasterIdLst>
   <p:notesMasterIdLst>
-    <p:notesMasterId r:id="rId27"/>
+    <p:notesMasterId r:id="rId34"/>
   </p:notesMasterIdLst>
   <p:sldIdLst>
     <p:sldId id="256" r:id="rId2"/>
@@ -18,24 +18,31 @@
     <p:sldId id="275" r:id="rId9"/>
     <p:sldId id="276" r:id="rId10"/>
     <p:sldId id="293" r:id="rId11"/>
-    <p:sldId id="285" r:id="rId12"/>
-    <p:sldId id="277" r:id="rId13"/>
-    <p:sldId id="278" r:id="rId14"/>
-    <p:sldId id="289" r:id="rId15"/>
-    <p:sldId id="294" r:id="rId16"/>
-    <p:sldId id="291" r:id="rId17"/>
-    <p:sldId id="290" r:id="rId18"/>
-    <p:sldId id="270" r:id="rId19"/>
-    <p:sldId id="295" r:id="rId20"/>
-    <p:sldId id="296" r:id="rId21"/>
-    <p:sldId id="297" r:id="rId22"/>
-    <p:sldId id="298" r:id="rId23"/>
-    <p:sldId id="271" r:id="rId24"/>
-    <p:sldId id="292" r:id="rId25"/>
-    <p:sldId id="269" r:id="rId26"/>
+    <p:sldId id="277" r:id="rId12"/>
+    <p:sldId id="278" r:id="rId13"/>
+    <p:sldId id="300" r:id="rId14"/>
+    <p:sldId id="301" r:id="rId15"/>
+    <p:sldId id="302" r:id="rId16"/>
+    <p:sldId id="303" r:id="rId17"/>
+    <p:sldId id="304" r:id="rId18"/>
+    <p:sldId id="305" r:id="rId19"/>
+    <p:sldId id="306" r:id="rId20"/>
+    <p:sldId id="307" r:id="rId21"/>
+    <p:sldId id="308" r:id="rId22"/>
+    <p:sldId id="289" r:id="rId23"/>
+    <p:sldId id="294" r:id="rId24"/>
+    <p:sldId id="290" r:id="rId25"/>
+    <p:sldId id="295" r:id="rId26"/>
+    <p:sldId id="296" r:id="rId27"/>
+    <p:sldId id="297" r:id="rId28"/>
+    <p:sldId id="298" r:id="rId29"/>
+    <p:sldId id="299" r:id="rId30"/>
+    <p:sldId id="271" r:id="rId31"/>
+    <p:sldId id="292" r:id="rId32"/>
+    <p:sldId id="269" r:id="rId33"/>
   </p:sldIdLst>
   <p:sldSz cx="9144000" cy="6858000" type="screen4x3"/>
-  <p:notesSz cx="6858000" cy="9144000"/>
+  <p:notesSz cx="9144000" cy="6858000"/>
   <p:defaultTextStyle>
     <a:defPPr>
       <a:defRPr lang="en-US"/>
@@ -169,7 +176,7 @@
         <p:spPr>
           <a:xfrm>
             <a:off x="0" y="0"/>
-            <a:ext cx="2971800" cy="457200"/>
+            <a:ext cx="3962400" cy="342900"/>
           </a:xfrm>
           <a:prstGeom prst="rect">
             <a:avLst/>
@@ -199,8 +206,8 @@
         </p:nvSpPr>
         <p:spPr>
           <a:xfrm>
-            <a:off x="3884613" y="0"/>
-            <a:ext cx="2971800" cy="457200"/>
+            <a:off x="5179484" y="0"/>
+            <a:ext cx="3962400" cy="342900"/>
           </a:xfrm>
           <a:prstGeom prst="rect">
             <a:avLst/>
@@ -217,7 +224,7 @@
             <a:fld id="{98BFDCCA-FFB9-49F6-B56E-F6432283D67C}" type="datetimeFigureOut">
               <a:rPr lang="en-US" smtClean="0"/>
               <a:pPr/>
-              <a:t>2/3/2023</a:t>
+              <a:t>2/6/2023</a:t>
             </a:fld>
             <a:endParaRPr lang="en-US"/>
           </a:p>
@@ -235,8 +242,8 @@
         </p:nvSpPr>
         <p:spPr>
           <a:xfrm>
-            <a:off x="1143000" y="685800"/>
-            <a:ext cx="4572000" cy="3429000"/>
+            <a:off x="2857500" y="514350"/>
+            <a:ext cx="3429000" cy="2571750"/>
           </a:xfrm>
           <a:prstGeom prst="rect">
             <a:avLst/>
@@ -268,8 +275,8 @@
         </p:nvSpPr>
         <p:spPr>
           <a:xfrm>
-            <a:off x="685800" y="4343400"/>
-            <a:ext cx="5486400" cy="4114800"/>
+            <a:off x="914400" y="3257550"/>
+            <a:ext cx="7315200" cy="3086100"/>
           </a:xfrm>
           <a:prstGeom prst="rect">
             <a:avLst/>
@@ -330,8 +337,8 @@
         </p:nvSpPr>
         <p:spPr>
           <a:xfrm>
-            <a:off x="0" y="8685213"/>
-            <a:ext cx="2971800" cy="457200"/>
+            <a:off x="0" y="6513910"/>
+            <a:ext cx="3962400" cy="342900"/>
           </a:xfrm>
           <a:prstGeom prst="rect">
             <a:avLst/>
@@ -361,8 +368,8 @@
         </p:nvSpPr>
         <p:spPr>
           <a:xfrm>
-            <a:off x="3884613" y="8685213"/>
-            <a:ext cx="2971800" cy="457200"/>
+            <a:off x="5179484" y="6513910"/>
+            <a:ext cx="3962400" cy="342900"/>
           </a:xfrm>
           <a:prstGeom prst="rect">
             <a:avLst/>
@@ -665,7 +672,7 @@
             <a:fld id="{9099FEDA-6AC3-495C-A467-2B0399D71BB7}" type="datetimeFigureOut">
               <a:rPr lang="en-US" smtClean="0"/>
               <a:pPr/>
-              <a:t>2/3/2023</a:t>
+              <a:t>2/6/2023</a:t>
             </a:fld>
             <a:endParaRPr lang="en-US"/>
           </a:p>
@@ -832,7 +839,7 @@
             <a:fld id="{9099FEDA-6AC3-495C-A467-2B0399D71BB7}" type="datetimeFigureOut">
               <a:rPr lang="en-US" smtClean="0"/>
               <a:pPr/>
-              <a:t>2/3/2023</a:t>
+              <a:t>2/6/2023</a:t>
             </a:fld>
             <a:endParaRPr lang="en-US"/>
           </a:p>
@@ -1009,7 +1016,7 @@
             <a:fld id="{9099FEDA-6AC3-495C-A467-2B0399D71BB7}" type="datetimeFigureOut">
               <a:rPr lang="en-US" smtClean="0"/>
               <a:pPr/>
-              <a:t>2/3/2023</a:t>
+              <a:t>2/6/2023</a:t>
             </a:fld>
             <a:endParaRPr lang="en-US"/>
           </a:p>
@@ -1176,7 +1183,7 @@
             <a:fld id="{9099FEDA-6AC3-495C-A467-2B0399D71BB7}" type="datetimeFigureOut">
               <a:rPr lang="en-US" smtClean="0"/>
               <a:pPr/>
-              <a:t>2/3/2023</a:t>
+              <a:t>2/6/2023</a:t>
             </a:fld>
             <a:endParaRPr lang="en-US"/>
           </a:p>
@@ -1419,7 +1426,7 @@
             <a:fld id="{9099FEDA-6AC3-495C-A467-2B0399D71BB7}" type="datetimeFigureOut">
               <a:rPr lang="en-US" smtClean="0"/>
               <a:pPr/>
-              <a:t>2/3/2023</a:t>
+              <a:t>2/6/2023</a:t>
             </a:fld>
             <a:endParaRPr lang="en-US"/>
           </a:p>
@@ -1704,7 +1711,7 @@
             <a:fld id="{9099FEDA-6AC3-495C-A467-2B0399D71BB7}" type="datetimeFigureOut">
               <a:rPr lang="en-US" smtClean="0"/>
               <a:pPr/>
-              <a:t>2/3/2023</a:t>
+              <a:t>2/6/2023</a:t>
             </a:fld>
             <a:endParaRPr lang="en-US"/>
           </a:p>
@@ -2123,7 +2130,7 @@
             <a:fld id="{9099FEDA-6AC3-495C-A467-2B0399D71BB7}" type="datetimeFigureOut">
               <a:rPr lang="en-US" smtClean="0"/>
               <a:pPr/>
-              <a:t>2/3/2023</a:t>
+              <a:t>2/6/2023</a:t>
             </a:fld>
             <a:endParaRPr lang="en-US"/>
           </a:p>
@@ -2238,7 +2245,7 @@
             <a:fld id="{9099FEDA-6AC3-495C-A467-2B0399D71BB7}" type="datetimeFigureOut">
               <a:rPr lang="en-US" smtClean="0"/>
               <a:pPr/>
-              <a:t>2/3/2023</a:t>
+              <a:t>2/6/2023</a:t>
             </a:fld>
             <a:endParaRPr lang="en-US"/>
           </a:p>
@@ -2330,7 +2337,7 @@
             <a:fld id="{9099FEDA-6AC3-495C-A467-2B0399D71BB7}" type="datetimeFigureOut">
               <a:rPr lang="en-US" smtClean="0"/>
               <a:pPr/>
-              <a:t>2/3/2023</a:t>
+              <a:t>2/6/2023</a:t>
             </a:fld>
             <a:endParaRPr lang="en-US"/>
           </a:p>
@@ -2604,7 +2611,7 @@
             <a:fld id="{9099FEDA-6AC3-495C-A467-2B0399D71BB7}" type="datetimeFigureOut">
               <a:rPr lang="en-US" smtClean="0"/>
               <a:pPr/>
-              <a:t>2/3/2023</a:t>
+              <a:t>2/6/2023</a:t>
             </a:fld>
             <a:endParaRPr lang="en-US"/>
           </a:p>
@@ -2854,7 +2861,7 @@
             <a:fld id="{9099FEDA-6AC3-495C-A467-2B0399D71BB7}" type="datetimeFigureOut">
               <a:rPr lang="en-US" smtClean="0"/>
               <a:pPr/>
-              <a:t>2/3/2023</a:t>
+              <a:t>2/6/2023</a:t>
             </a:fld>
             <a:endParaRPr lang="en-US"/>
           </a:p>
@@ -3064,7 +3071,7 @@
             <a:fld id="{9099FEDA-6AC3-495C-A467-2B0399D71BB7}" type="datetimeFigureOut">
               <a:rPr lang="en-US" smtClean="0"/>
               <a:pPr/>
-              <a:t>2/3/2023</a:t>
+              <a:t>2/6/2023</a:t>
             </a:fld>
             <a:endParaRPr lang="en-US"/>
           </a:p>
@@ -3649,10 +3656,10 @@
           <a:lstStyle/>
           <a:p>
             <a:r>
-              <a:rPr lang="en-IN" dirty="0" smtClean="0"/>
-              <a:t>Algorithm</a:t>
-            </a:r>
-            <a:endParaRPr lang="en-IN" dirty="0"/>
+              <a:rPr lang="en-US" dirty="0" smtClean="0"/>
+              <a:t>Least Squares</a:t>
+            </a:r>
+            <a:endParaRPr lang="en-US" dirty="0"/>
           </a:p>
         </p:txBody>
       </p:sp>
@@ -3668,82 +3675,54 @@
         </p:nvSpPr>
         <p:spPr/>
         <p:txBody>
-          <a:bodyPr/>
-          <a:lstStyle/>
-          <a:p>
-            <a:r>
-              <a:rPr lang="en-IN" dirty="0" smtClean="0"/>
-              <a:t>Fit line to dataset</a:t>
-            </a:r>
-          </a:p>
-          <a:p>
-            <a:pPr lvl="1"/>
-            <a:r>
-              <a:rPr lang="en-IN" dirty="0" smtClean="0"/>
-              <a:t>Compute slope of line</a:t>
-            </a:r>
-          </a:p>
-          <a:p>
-            <a:pPr lvl="1"/>
-            <a:r>
-              <a:rPr lang="en-IN" dirty="0" smtClean="0"/>
-              <a:t>Compute Y axis intercept</a:t>
-            </a:r>
-          </a:p>
-          <a:p>
-            <a:r>
-              <a:rPr lang="en-IN" dirty="0" smtClean="0"/>
-              <a:t>Calculate R</a:t>
-            </a:r>
-            <a:r>
-              <a:rPr lang="en-IN" baseline="30000" dirty="0" smtClean="0"/>
-              <a:t>2</a:t>
-            </a:r>
-            <a:r>
-              <a:rPr lang="en-IN" dirty="0" smtClean="0"/>
-              <a:t> value</a:t>
-            </a:r>
-          </a:p>
-          <a:p>
-            <a:r>
-              <a:rPr lang="en-IN" dirty="0" smtClean="0"/>
-              <a:t>Calculate </a:t>
-            </a:r>
-            <a:r>
-              <a:rPr lang="en-IN" dirty="0" smtClean="0"/>
-              <a:t>adjusted R</a:t>
-            </a:r>
-            <a:r>
-              <a:rPr lang="en-IN" baseline="30000" dirty="0" smtClean="0"/>
-              <a:t>2</a:t>
-            </a:r>
-            <a:r>
-              <a:rPr lang="en-IN" dirty="0" smtClean="0"/>
-              <a:t> </a:t>
-            </a:r>
-            <a:r>
-              <a:rPr lang="en-IN" dirty="0" smtClean="0"/>
-              <a:t>value</a:t>
-            </a:r>
-          </a:p>
-          <a:p>
-            <a:r>
-              <a:rPr lang="en-IN" dirty="0" smtClean="0"/>
-              <a:t>Calculate </a:t>
-            </a:r>
-            <a:r>
-              <a:rPr lang="en-IN" dirty="0" smtClean="0"/>
-              <a:t>p-value for R</a:t>
-            </a:r>
-            <a:r>
-              <a:rPr lang="en-IN" baseline="30000" dirty="0" smtClean="0"/>
-              <a:t>2</a:t>
-            </a:r>
-            <a:r>
-              <a:rPr lang="en-IN" dirty="0" smtClean="0"/>
-              <a:t> value</a:t>
-            </a:r>
-            <a:endParaRPr lang="en-IN" dirty="0"/>
+          <a:bodyPr>
+            <a:normAutofit/>
+          </a:bodyPr>
+          <a:lstStyle/>
+          <a:p>
+            <a:r>
+              <a:rPr lang="en-US" dirty="0" smtClean="0"/>
+              <a:t>Linear regression – Least squares</a:t>
+            </a:r>
+          </a:p>
+          <a:p>
+            <a:r>
+              <a:rPr lang="en-US" dirty="0" smtClean="0"/>
+              <a:t>Actual value – Observed value</a:t>
+            </a:r>
+          </a:p>
+          <a:p>
+            <a:r>
+              <a:rPr lang="en-US" dirty="0" smtClean="0"/>
+              <a:t>Estimated value – Predicted value</a:t>
+            </a:r>
+          </a:p>
+          <a:p>
+            <a:r>
+              <a:rPr lang="en-US" dirty="0" smtClean="0"/>
+              <a:t>Error value</a:t>
+            </a:r>
+          </a:p>
+          <a:p>
+            <a:r>
+              <a:rPr lang="en-US" dirty="0" smtClean="0"/>
+              <a:t>Sum of squared residuals</a:t>
+            </a:r>
+          </a:p>
+          <a:p>
+            <a:r>
+              <a:rPr lang="en-US" dirty="0" smtClean="0"/>
+              <a:t>Minimize error value</a:t>
+            </a:r>
+          </a:p>
+          <a:p>
+            <a:r>
+              <a:rPr lang="en-US" dirty="0" smtClean="0"/>
+              <a:t>Generic equation of line</a:t>
+            </a:r>
+          </a:p>
+          <a:p>
+            <a:endParaRPr lang="en-US" dirty="0"/>
           </a:p>
         </p:txBody>
       </p:sp>
@@ -3763,124 +3742,6 @@
 </file>
 
 <file path=ppt/slides/slide12.xml><?xml version="1.0" encoding="utf-8"?>
-<p:sld xmlns:a="http://schemas.openxmlformats.org/drawingml/2006/main" xmlns:r="http://schemas.openxmlformats.org/officeDocument/2006/relationships" xmlns:p="http://schemas.openxmlformats.org/presentationml/2006/main">
-  <p:cSld>
-    <p:spTree>
-      <p:nvGrpSpPr>
-        <p:cNvPr id="1" name=""/>
-        <p:cNvGrpSpPr/>
-        <p:nvPr/>
-      </p:nvGrpSpPr>
-      <p:grpSpPr>
-        <a:xfrm>
-          <a:off x="0" y="0"/>
-          <a:ext cx="0" cy="0"/>
-          <a:chOff x="0" y="0"/>
-          <a:chExt cx="0" cy="0"/>
-        </a:xfrm>
-      </p:grpSpPr>
-      <p:sp>
-        <p:nvSpPr>
-          <p:cNvPr id="2" name="Title 1"/>
-          <p:cNvSpPr>
-            <a:spLocks noGrp="1"/>
-          </p:cNvSpPr>
-          <p:nvPr>
-            <p:ph type="title"/>
-          </p:nvPr>
-        </p:nvSpPr>
-        <p:spPr/>
-        <p:txBody>
-          <a:bodyPr/>
-          <a:lstStyle/>
-          <a:p>
-            <a:r>
-              <a:rPr lang="en-US" dirty="0" smtClean="0"/>
-              <a:t>Least Squares</a:t>
-            </a:r>
-            <a:endParaRPr lang="en-US" dirty="0"/>
-          </a:p>
-        </p:txBody>
-      </p:sp>
-      <p:sp>
-        <p:nvSpPr>
-          <p:cNvPr id="3" name="Content Placeholder 2"/>
-          <p:cNvSpPr>
-            <a:spLocks noGrp="1"/>
-          </p:cNvSpPr>
-          <p:nvPr>
-            <p:ph idx="1"/>
-          </p:nvPr>
-        </p:nvSpPr>
-        <p:spPr/>
-        <p:txBody>
-          <a:bodyPr>
-            <a:normAutofit/>
-          </a:bodyPr>
-          <a:lstStyle/>
-          <a:p>
-            <a:r>
-              <a:rPr lang="en-US" dirty="0" smtClean="0"/>
-              <a:t>Linear regression – Least squares</a:t>
-            </a:r>
-          </a:p>
-          <a:p>
-            <a:r>
-              <a:rPr lang="en-US" dirty="0" smtClean="0"/>
-              <a:t>Actual value – Observed value</a:t>
-            </a:r>
-          </a:p>
-          <a:p>
-            <a:r>
-              <a:rPr lang="en-US" dirty="0" smtClean="0"/>
-              <a:t>Estimated value – Predicted value</a:t>
-            </a:r>
-          </a:p>
-          <a:p>
-            <a:r>
-              <a:rPr lang="en-US" dirty="0" smtClean="0"/>
-              <a:t>Error value</a:t>
-            </a:r>
-          </a:p>
-          <a:p>
-            <a:r>
-              <a:rPr lang="en-US" dirty="0" smtClean="0"/>
-              <a:t>Sum of squared residuals</a:t>
-            </a:r>
-          </a:p>
-          <a:p>
-            <a:r>
-              <a:rPr lang="en-US" dirty="0" smtClean="0"/>
-              <a:t>Minimize error value</a:t>
-            </a:r>
-          </a:p>
-          <a:p>
-            <a:r>
-              <a:rPr lang="en-US" dirty="0" smtClean="0"/>
-              <a:t>Generic equation of line</a:t>
-            </a:r>
-          </a:p>
-          <a:p>
-            <a:endParaRPr lang="en-US" dirty="0"/>
-          </a:p>
-        </p:txBody>
-      </p:sp>
-    </p:spTree>
-  </p:cSld>
-  <p:clrMapOvr>
-    <a:masterClrMapping/>
-  </p:clrMapOvr>
-  <p:timing>
-    <p:tnLst>
-      <p:par>
-        <p:cTn id="1" dur="indefinite" restart="never" nodeType="tmRoot"/>
-      </p:par>
-    </p:tnLst>
-  </p:timing>
-</p:sld>
-</file>
-
-<file path=ppt/slides/slide13.xml><?xml version="1.0" encoding="utf-8"?>
 <p:sld xmlns:a="http://schemas.openxmlformats.org/drawingml/2006/main" xmlns:r="http://schemas.openxmlformats.org/officeDocument/2006/relationships" xmlns:p="http://schemas.openxmlformats.org/presentationml/2006/main">
   <p:cSld>
     <p:spTree>
@@ -4101,6 +3962,219 @@
 </p:sld>
 </file>
 
+<file path=ppt/slides/slide13.xml><?xml version="1.0" encoding="utf-8"?>
+<p:sld xmlns:a="http://schemas.openxmlformats.org/drawingml/2006/main" xmlns:r="http://schemas.openxmlformats.org/officeDocument/2006/relationships" xmlns:p="http://schemas.openxmlformats.org/presentationml/2006/main">
+  <p:cSld>
+    <p:spTree>
+      <p:nvGrpSpPr>
+        <p:cNvPr id="1" name=""/>
+        <p:cNvGrpSpPr/>
+        <p:nvPr/>
+      </p:nvGrpSpPr>
+      <p:grpSpPr>
+        <a:xfrm>
+          <a:off x="0" y="0"/>
+          <a:ext cx="0" cy="0"/>
+          <a:chOff x="0" y="0"/>
+          <a:chExt cx="0" cy="0"/>
+        </a:xfrm>
+      </p:grpSpPr>
+      <p:sp>
+        <p:nvSpPr>
+          <p:cNvPr id="2" name="Title 1"/>
+          <p:cNvSpPr>
+            <a:spLocks noGrp="1"/>
+          </p:cNvSpPr>
+          <p:nvPr>
+            <p:ph type="title"/>
+          </p:nvPr>
+        </p:nvSpPr>
+        <p:spPr/>
+        <p:txBody>
+          <a:bodyPr>
+            <a:normAutofit/>
+          </a:bodyPr>
+          <a:lstStyle/>
+          <a:p>
+            <a:r>
+              <a:rPr lang="en-US" dirty="0" smtClean="0"/>
+              <a:t>Loss Function </a:t>
+            </a:r>
+            <a:endParaRPr lang="en-US" dirty="0"/>
+          </a:p>
+        </p:txBody>
+      </p:sp>
+      <p:sp>
+        <p:nvSpPr>
+          <p:cNvPr id="3" name="Content Placeholder 2"/>
+          <p:cNvSpPr>
+            <a:spLocks noGrp="1"/>
+          </p:cNvSpPr>
+          <p:nvPr>
+            <p:ph idx="1"/>
+          </p:nvPr>
+        </p:nvSpPr>
+        <p:spPr/>
+        <p:txBody>
+          <a:bodyPr>
+            <a:normAutofit/>
+          </a:bodyPr>
+          <a:lstStyle/>
+          <a:p>
+            <a:r>
+              <a:rPr lang="en-US" dirty="0" smtClean="0"/>
+              <a:t>Loss function</a:t>
+            </a:r>
+          </a:p>
+          <a:p>
+            <a:pPr lvl="1"/>
+            <a:r>
+              <a:rPr lang="en-US" dirty="0" smtClean="0"/>
+              <a:t>One sample – i</a:t>
+            </a:r>
+            <a:r>
+              <a:rPr lang="en-US" baseline="30000" dirty="0" smtClean="0"/>
+              <a:t>th</a:t>
+            </a:r>
+            <a:r>
+              <a:rPr lang="en-US" dirty="0" smtClean="0"/>
+              <a:t> sample</a:t>
+            </a:r>
+          </a:p>
+          <a:p>
+            <a:pPr lvl="1"/>
+            <a:r>
+              <a:rPr lang="en-US" dirty="0" smtClean="0"/>
+              <a:t>L(y</a:t>
+            </a:r>
+            <a:r>
+              <a:rPr lang="en-US" baseline="30000" dirty="0" smtClean="0"/>
+              <a:t>(</a:t>
+            </a:r>
+            <a:r>
+              <a:rPr lang="en-US" baseline="30000" dirty="0" err="1" smtClean="0"/>
+              <a:t>i</a:t>
+            </a:r>
+            <a:r>
+              <a:rPr lang="en-US" baseline="30000" dirty="0" smtClean="0"/>
+              <a:t>)</a:t>
+            </a:r>
+            <a:r>
+              <a:rPr lang="en-US" dirty="0" smtClean="0"/>
+              <a:t>, ŷ</a:t>
+            </a:r>
+            <a:r>
+              <a:rPr lang="en-US" baseline="30000" dirty="0" smtClean="0"/>
+              <a:t>(</a:t>
+            </a:r>
+            <a:r>
+              <a:rPr lang="en-US" baseline="30000" dirty="0" err="1" smtClean="0"/>
+              <a:t>i</a:t>
+            </a:r>
+            <a:r>
+              <a:rPr lang="en-US" baseline="30000" dirty="0" smtClean="0"/>
+              <a:t>)</a:t>
+            </a:r>
+            <a:r>
+              <a:rPr lang="en-US" dirty="0" smtClean="0"/>
+              <a:t>)= (y</a:t>
+            </a:r>
+            <a:r>
+              <a:rPr lang="en-US" baseline="30000" dirty="0" smtClean="0"/>
+              <a:t>(</a:t>
+            </a:r>
+            <a:r>
+              <a:rPr lang="en-US" baseline="30000" dirty="0" err="1" smtClean="0"/>
+              <a:t>i</a:t>
+            </a:r>
+            <a:r>
+              <a:rPr lang="en-US" baseline="30000" dirty="0" smtClean="0"/>
+              <a:t>)</a:t>
+            </a:r>
+            <a:r>
+              <a:rPr lang="en-US" dirty="0" smtClean="0"/>
+              <a:t> </a:t>
+            </a:r>
+            <a:r>
+              <a:rPr lang="en-US" dirty="0" smtClean="0"/>
+              <a:t>– </a:t>
+            </a:r>
+            <a:r>
+              <a:rPr lang="en-US" dirty="0" smtClean="0"/>
+              <a:t>ŷ</a:t>
+            </a:r>
+            <a:r>
+              <a:rPr lang="en-US" baseline="30000" dirty="0" smtClean="0"/>
+              <a:t>(</a:t>
+            </a:r>
+            <a:r>
+              <a:rPr lang="en-US" baseline="30000" dirty="0" err="1" smtClean="0"/>
+              <a:t>i</a:t>
+            </a:r>
+            <a:r>
+              <a:rPr lang="en-US" baseline="30000" dirty="0" smtClean="0"/>
+              <a:t>) </a:t>
+            </a:r>
+            <a:r>
+              <a:rPr lang="en-US" dirty="0" smtClean="0"/>
+              <a:t>)</a:t>
+            </a:r>
+            <a:r>
+              <a:rPr lang="en-US" baseline="30000" dirty="0" smtClean="0"/>
+              <a:t>2</a:t>
+            </a:r>
+            <a:endParaRPr lang="en-US" baseline="30000" dirty="0" smtClean="0"/>
+          </a:p>
+          <a:p>
+            <a:r>
+              <a:rPr lang="en-US" dirty="0" smtClean="0"/>
+              <a:t>Cost function</a:t>
+            </a:r>
+          </a:p>
+          <a:p>
+            <a:pPr lvl="1"/>
+            <a:r>
+              <a:rPr lang="en-US" dirty="0" smtClean="0"/>
+              <a:t>Average of loss function for all samples</a:t>
+            </a:r>
+          </a:p>
+        </p:txBody>
+      </p:sp>
+      <p:graphicFrame>
+        <p:nvGraphicFramePr>
+          <p:cNvPr id="15362" name="Object 2"/>
+          <p:cNvGraphicFramePr>
+            <a:graphicFrameLocks noChangeAspect="1"/>
+          </p:cNvGraphicFramePr>
+          <p:nvPr/>
+        </p:nvGraphicFramePr>
+        <p:xfrm>
+          <a:off x="3041650" y="4419600"/>
+          <a:ext cx="3516313" cy="1895475"/>
+        </p:xfrm>
+        <a:graphic>
+          <a:graphicData uri="http://schemas.openxmlformats.org/presentationml/2006/ole">
+            <p:oleObj spid="_x0000_s27650" name="Equation" r:id="rId3" imgW="1714320" imgH="914400" progId="Equation.3">
+              <p:embed/>
+            </p:oleObj>
+          </a:graphicData>
+        </a:graphic>
+      </p:graphicFrame>
+    </p:spTree>
+  </p:cSld>
+  <p:clrMapOvr>
+    <a:masterClrMapping/>
+  </p:clrMapOvr>
+  <p:timing>
+    <p:tnLst>
+      <p:par>
+        <p:cTn id="1" dur="indefinite" restart="never" nodeType="tmRoot"/>
+      </p:par>
+    </p:tnLst>
+  </p:timing>
+</p:sld>
+</file>
+
 <file path=ppt/slides/slide14.xml><?xml version="1.0" encoding="utf-8"?>
 <p:sld xmlns:a="http://schemas.openxmlformats.org/drawingml/2006/main" xmlns:r="http://schemas.openxmlformats.org/officeDocument/2006/relationships" xmlns:p="http://schemas.openxmlformats.org/presentationml/2006/main">
   <p:cSld>
@@ -4130,18 +4204,16 @@
         </p:nvSpPr>
         <p:spPr/>
         <p:txBody>
-          <a:bodyPr/>
-          <a:lstStyle/>
-          <a:p>
-            <a:r>
-              <a:rPr lang="en-IN" dirty="0" smtClean="0"/>
-              <a:t>R</a:t>
-            </a:r>
-            <a:r>
-              <a:rPr lang="en-IN" baseline="30000" dirty="0" smtClean="0"/>
-              <a:t>2</a:t>
-            </a:r>
-            <a:endParaRPr lang="en-IN" dirty="0"/>
+          <a:bodyPr>
+            <a:normAutofit/>
+          </a:bodyPr>
+          <a:lstStyle/>
+          <a:p>
+            <a:r>
+              <a:rPr lang="en-US" dirty="0" smtClean="0"/>
+              <a:t>Gradient Descent </a:t>
+            </a:r>
+            <a:endParaRPr lang="en-US" dirty="0"/>
           </a:p>
         </p:txBody>
       </p:sp>
@@ -4158,60 +4230,289 @@
         <p:spPr/>
         <p:txBody>
           <a:bodyPr>
-            <a:normAutofit fontScale="92500" lnSpcReduction="10000"/>
+            <a:normAutofit lnSpcReduction="10000"/>
           </a:bodyPr>
           <a:lstStyle/>
           <a:p>
-            <a:pPr algn="just"/>
-            <a:r>
-              <a:rPr lang="en-IN" dirty="0" smtClean="0"/>
-              <a:t>Coefficient of determination</a:t>
-            </a:r>
-          </a:p>
-          <a:p>
-            <a:pPr algn="just"/>
-            <a:r>
-              <a:rPr lang="en-IN" dirty="0" smtClean="0"/>
-              <a:t>Coefficient of multiple determination</a:t>
-            </a:r>
-          </a:p>
-          <a:p>
-            <a:pPr algn="just"/>
-            <a:r>
-              <a:rPr lang="en-IN" dirty="0" smtClean="0"/>
-              <a:t>Strength of relationship</a:t>
-            </a:r>
-          </a:p>
-          <a:p>
-            <a:pPr algn="just"/>
-            <a:r>
-              <a:rPr lang="en-IN" dirty="0" smtClean="0"/>
-              <a:t>Value between 0.0 – 1.0</a:t>
-            </a:r>
-          </a:p>
-          <a:p>
-            <a:pPr algn="just"/>
-            <a:r>
-              <a:rPr lang="en-IN" dirty="0" smtClean="0"/>
-              <a:t>Percentage value</a:t>
-            </a:r>
-          </a:p>
-          <a:p>
-            <a:pPr algn="just"/>
-            <a:r>
-              <a:rPr lang="en-IN" dirty="0" smtClean="0"/>
-              <a:t>Independent variable explains p percent of variation in dependent variable</a:t>
-            </a:r>
-          </a:p>
-          <a:p>
-            <a:pPr algn="just"/>
-            <a:r>
-              <a:rPr lang="en-IN" dirty="0" smtClean="0"/>
-              <a:t>Independent variable reduces p percent of variation in dependent variable  </a:t>
-            </a:r>
-          </a:p>
-        </p:txBody>
-      </p:sp>
+            <a:r>
+              <a:rPr lang="en-US" dirty="0" smtClean="0"/>
+              <a:t>Input dataset – </a:t>
+            </a:r>
+            <a:r>
+              <a:rPr lang="en-US" dirty="0" smtClean="0">
+                <a:solidFill>
+                  <a:srgbClr val="00B050"/>
+                </a:solidFill>
+              </a:rPr>
+              <a:t>{ (x</a:t>
+            </a:r>
+            <a:r>
+              <a:rPr lang="en-US" baseline="30000" dirty="0" smtClean="0">
+                <a:solidFill>
+                  <a:srgbClr val="00B050"/>
+                </a:solidFill>
+              </a:rPr>
+              <a:t>(1)</a:t>
+            </a:r>
+            <a:r>
+              <a:rPr lang="en-US" dirty="0" smtClean="0">
+                <a:solidFill>
+                  <a:srgbClr val="00B050"/>
+                </a:solidFill>
+              </a:rPr>
+              <a:t>,y</a:t>
+            </a:r>
+            <a:r>
+              <a:rPr lang="en-US" baseline="30000" dirty="0" smtClean="0">
+                <a:solidFill>
+                  <a:srgbClr val="00B050"/>
+                </a:solidFill>
+              </a:rPr>
+              <a:t>(1)</a:t>
+            </a:r>
+            <a:r>
+              <a:rPr lang="en-US" dirty="0" smtClean="0">
+                <a:solidFill>
+                  <a:srgbClr val="00B050"/>
+                </a:solidFill>
+              </a:rPr>
+              <a:t>), (x</a:t>
+            </a:r>
+            <a:r>
+              <a:rPr lang="en-US" baseline="30000" dirty="0" smtClean="0">
+                <a:solidFill>
+                  <a:srgbClr val="00B050"/>
+                </a:solidFill>
+              </a:rPr>
+              <a:t>(2)</a:t>
+            </a:r>
+            <a:r>
+              <a:rPr lang="en-US" dirty="0" smtClean="0">
+                <a:solidFill>
+                  <a:srgbClr val="00B050"/>
+                </a:solidFill>
+              </a:rPr>
+              <a:t>,y</a:t>
+            </a:r>
+            <a:r>
+              <a:rPr lang="en-US" baseline="30000" dirty="0" smtClean="0">
+                <a:solidFill>
+                  <a:srgbClr val="00B050"/>
+                </a:solidFill>
+              </a:rPr>
+              <a:t>(2)</a:t>
+            </a:r>
+            <a:r>
+              <a:rPr lang="en-US" dirty="0" smtClean="0">
+                <a:solidFill>
+                  <a:srgbClr val="00B050"/>
+                </a:solidFill>
+              </a:rPr>
+              <a:t>), …, (x</a:t>
+            </a:r>
+            <a:r>
+              <a:rPr lang="en-US" baseline="30000" dirty="0" smtClean="0">
+                <a:solidFill>
+                  <a:srgbClr val="00B050"/>
+                </a:solidFill>
+              </a:rPr>
+              <a:t>(m)</a:t>
+            </a:r>
+            <a:r>
+              <a:rPr lang="en-US" dirty="0" smtClean="0">
+                <a:solidFill>
+                  <a:srgbClr val="00B050"/>
+                </a:solidFill>
+              </a:rPr>
+              <a:t>,y</a:t>
+            </a:r>
+            <a:r>
+              <a:rPr lang="en-US" baseline="30000" dirty="0" smtClean="0">
+                <a:solidFill>
+                  <a:srgbClr val="00B050"/>
+                </a:solidFill>
+              </a:rPr>
+              <a:t>(m)</a:t>
+            </a:r>
+            <a:r>
+              <a:rPr lang="en-US" dirty="0" smtClean="0">
+                <a:solidFill>
+                  <a:srgbClr val="00B050"/>
+                </a:solidFill>
+              </a:rPr>
+              <a:t>) }</a:t>
+            </a:r>
+          </a:p>
+          <a:p>
+            <a:r>
+              <a:rPr lang="en-US" dirty="0" smtClean="0"/>
+              <a:t>Equations  – </a:t>
+            </a:r>
+            <a:r>
+              <a:rPr lang="en-US" dirty="0" smtClean="0">
+                <a:solidFill>
+                  <a:srgbClr val="0000FF"/>
+                </a:solidFill>
+              </a:rPr>
+              <a:t>ŷ </a:t>
+            </a:r>
+            <a:r>
+              <a:rPr lang="en-US" dirty="0" smtClean="0">
+                <a:solidFill>
+                  <a:srgbClr val="0000FF"/>
+                </a:solidFill>
+              </a:rPr>
+              <a:t>= W</a:t>
+            </a:r>
+            <a:r>
+              <a:rPr lang="en-US" baseline="30000" dirty="0" smtClean="0">
+                <a:solidFill>
+                  <a:srgbClr val="0000FF"/>
+                </a:solidFill>
+              </a:rPr>
+              <a:t>T</a:t>
+            </a:r>
+            <a:r>
+              <a:rPr lang="en-US" dirty="0" smtClean="0">
+                <a:solidFill>
+                  <a:srgbClr val="0000FF"/>
+                </a:solidFill>
+              </a:rPr>
+              <a:t>X + </a:t>
+            </a:r>
+            <a:r>
+              <a:rPr lang="en-US" dirty="0" smtClean="0">
+                <a:solidFill>
+                  <a:srgbClr val="0000FF"/>
+                </a:solidFill>
+              </a:rPr>
+              <a:t>b</a:t>
+            </a:r>
+            <a:endParaRPr lang="en-US" baseline="-25000" dirty="0" smtClean="0">
+              <a:solidFill>
+                <a:srgbClr val="0000FF"/>
+              </a:solidFill>
+            </a:endParaRPr>
+          </a:p>
+          <a:p>
+            <a:r>
+              <a:rPr lang="en-US" dirty="0" smtClean="0"/>
+              <a:t>Loss function – </a:t>
+            </a:r>
+            <a:r>
+              <a:rPr lang="en-US" sz="3000" dirty="0" smtClean="0">
+                <a:solidFill>
+                  <a:srgbClr val="FF0000"/>
+                </a:solidFill>
+              </a:rPr>
+              <a:t>L(ŷ, y) = </a:t>
+            </a:r>
+            <a:r>
+              <a:rPr lang="en-US" sz="3000" dirty="0" smtClean="0">
+                <a:solidFill>
+                  <a:srgbClr val="FF0000"/>
+                </a:solidFill>
+              </a:rPr>
+              <a:t>(y- ŷ)</a:t>
+            </a:r>
+            <a:r>
+              <a:rPr lang="en-US" sz="3000" baseline="30000" dirty="0" smtClean="0">
+                <a:solidFill>
+                  <a:srgbClr val="FF0000"/>
+                </a:solidFill>
+              </a:rPr>
+              <a:t>2                                                                 </a:t>
+            </a:r>
+            <a:endParaRPr lang="en-US" sz="3000" baseline="30000" dirty="0" smtClean="0">
+              <a:solidFill>
+                <a:srgbClr val="FF0000"/>
+              </a:solidFill>
+            </a:endParaRPr>
+          </a:p>
+          <a:p>
+            <a:r>
+              <a:rPr lang="en-US" dirty="0" smtClean="0"/>
+              <a:t>Cost function –  </a:t>
+            </a:r>
+          </a:p>
+          <a:p>
+            <a:pPr lvl="1">
+              <a:buNone/>
+            </a:pPr>
+            <a:endParaRPr lang="en-US" dirty="0" smtClean="0"/>
+          </a:p>
+          <a:p>
+            <a:r>
+              <a:rPr lang="en-US" dirty="0" smtClean="0"/>
+              <a:t>Output </a:t>
+            </a:r>
+          </a:p>
+          <a:p>
+            <a:pPr lvl="1"/>
+            <a:r>
+              <a:rPr lang="en-US" dirty="0" smtClean="0"/>
+              <a:t>ŷ</a:t>
+            </a:r>
+            <a:r>
+              <a:rPr lang="en-US" baseline="30000" dirty="0" smtClean="0"/>
+              <a:t>(</a:t>
+            </a:r>
+            <a:r>
+              <a:rPr lang="en-US" baseline="30000" dirty="0" err="1" smtClean="0"/>
+              <a:t>i</a:t>
+            </a:r>
+            <a:r>
+              <a:rPr lang="en-US" baseline="30000" dirty="0" smtClean="0"/>
+              <a:t>) </a:t>
+            </a:r>
+            <a:r>
+              <a:rPr lang="en-US" dirty="0" smtClean="0"/>
+              <a:t>~ y</a:t>
+            </a:r>
+            <a:r>
+              <a:rPr lang="en-US" baseline="30000" dirty="0" smtClean="0"/>
+              <a:t>(</a:t>
+            </a:r>
+            <a:r>
+              <a:rPr lang="en-US" baseline="30000" dirty="0" err="1" smtClean="0"/>
+              <a:t>i</a:t>
+            </a:r>
+            <a:r>
+              <a:rPr lang="en-US" baseline="30000" dirty="0" smtClean="0"/>
+              <a:t>)</a:t>
+            </a:r>
+            <a:endParaRPr lang="en-US" dirty="0" smtClean="0"/>
+          </a:p>
+          <a:p>
+            <a:pPr lvl="1"/>
+            <a:r>
+              <a:rPr lang="en-US" dirty="0" smtClean="0"/>
+              <a:t>W and b – Minimize J(W, b)</a:t>
+            </a:r>
+            <a:endParaRPr lang="en-US" dirty="0"/>
+          </a:p>
+        </p:txBody>
+      </p:sp>
+      <p:graphicFrame>
+        <p:nvGraphicFramePr>
+          <p:cNvPr id="28675" name="Object 3"/>
+          <p:cNvGraphicFramePr>
+            <a:graphicFrameLocks noChangeAspect="1"/>
+          </p:cNvGraphicFramePr>
+          <p:nvPr/>
+        </p:nvGraphicFramePr>
+        <p:xfrm>
+          <a:off x="3505201" y="3733800"/>
+          <a:ext cx="2743200" cy="1478727"/>
+        </p:xfrm>
+        <a:graphic>
+          <a:graphicData uri="http://schemas.openxmlformats.org/presentationml/2006/ole">
+            <p:oleObj spid="_x0000_s28675" name="Equation" r:id="rId3" imgW="1714320" imgH="914400" progId="Equation.3">
+              <p:embed/>
+            </p:oleObj>
+          </a:graphicData>
+        </a:graphic>
+      </p:graphicFrame>
     </p:spTree>
   </p:cSld>
   <p:clrMapOvr>
@@ -4244,6 +4545,30 @@
           <a:chExt cx="0" cy="0"/>
         </a:xfrm>
       </p:grpSpPr>
+      <p:pic>
+        <p:nvPicPr>
+          <p:cNvPr id="4" name="Picture 3" descr="GradientDescent.png"/>
+          <p:cNvPicPr>
+            <a:picLocks noChangeAspect="1"/>
+          </p:cNvPicPr>
+          <p:nvPr/>
+        </p:nvPicPr>
+        <p:blipFill>
+          <a:blip r:embed="rId2"/>
+          <a:stretch>
+            <a:fillRect/>
+          </a:stretch>
+        </p:blipFill>
+        <p:spPr>
+          <a:xfrm>
+            <a:off x="2590800" y="2581670"/>
+            <a:ext cx="6426428" cy="4200130"/>
+          </a:xfrm>
+          <a:prstGeom prst="rect">
+            <a:avLst/>
+          </a:prstGeom>
+        </p:spPr>
+      </p:pic>
       <p:sp>
         <p:nvSpPr>
           <p:cNvPr id="2" name="Title 1"/>
@@ -4252,33 +4577,6 @@
           </p:cNvSpPr>
           <p:nvPr>
             <p:ph type="title"/>
-          </p:nvPr>
-        </p:nvSpPr>
-        <p:spPr/>
-        <p:txBody>
-          <a:bodyPr/>
-          <a:lstStyle/>
-          <a:p>
-            <a:r>
-              <a:rPr lang="en-IN" dirty="0" smtClean="0"/>
-              <a:t>Adjusted R</a:t>
-            </a:r>
-            <a:r>
-              <a:rPr lang="en-IN" baseline="30000" dirty="0" smtClean="0"/>
-              <a:t>2</a:t>
-            </a:r>
-            <a:endParaRPr lang="en-IN" dirty="0"/>
-          </a:p>
-        </p:txBody>
-      </p:sp>
-      <p:sp>
-        <p:nvSpPr>
-          <p:cNvPr id="3" name="Content Placeholder 2"/>
-          <p:cNvSpPr>
-            <a:spLocks noGrp="1"/>
-          </p:cNvSpPr>
-          <p:nvPr>
-            <p:ph idx="1"/>
           </p:nvPr>
         </p:nvSpPr>
         <p:spPr/>
@@ -4289,112 +4587,44 @@
           <a:lstStyle/>
           <a:p>
             <a:r>
-              <a:rPr lang="en-IN" dirty="0" smtClean="0"/>
-              <a:t>R</a:t>
-            </a:r>
-            <a:r>
-              <a:rPr lang="en-IN" baseline="30000" dirty="0" smtClean="0"/>
-              <a:t>2</a:t>
-            </a:r>
-          </a:p>
-          <a:p>
-            <a:pPr lvl="1"/>
-            <a:r>
-              <a:rPr lang="en-IN" dirty="0" smtClean="0"/>
-              <a:t>Increase independent variables – Increase R</a:t>
-            </a:r>
-            <a:r>
-              <a:rPr lang="en-IN" baseline="30000" dirty="0" smtClean="0"/>
-              <a:t>2</a:t>
-            </a:r>
-          </a:p>
-          <a:p>
-            <a:pPr lvl="1"/>
-            <a:r>
-              <a:rPr lang="en-IN" dirty="0" smtClean="0"/>
-              <a:t>Increase independent variables </a:t>
-            </a:r>
-            <a:r>
-              <a:rPr lang="en-IN" dirty="0" smtClean="0"/>
-              <a:t>– Constant R</a:t>
-            </a:r>
-            <a:r>
-              <a:rPr lang="en-IN" baseline="30000" dirty="0" smtClean="0"/>
-              <a:t>2</a:t>
-            </a:r>
-          </a:p>
-          <a:p>
-            <a:r>
-              <a:rPr lang="en-IN" dirty="0" smtClean="0"/>
-              <a:t>Adjusted R</a:t>
-            </a:r>
-            <a:r>
-              <a:rPr lang="en-IN" baseline="30000" dirty="0" smtClean="0"/>
-              <a:t>2</a:t>
-            </a:r>
-          </a:p>
-          <a:p>
-            <a:pPr lvl="1"/>
-            <a:r>
-              <a:rPr lang="en-IN" dirty="0" smtClean="0"/>
-              <a:t>Increase </a:t>
-            </a:r>
-            <a:r>
-              <a:rPr lang="en-IN" dirty="0" smtClean="0"/>
-              <a:t>independent </a:t>
-            </a:r>
-            <a:r>
-              <a:rPr lang="en-IN" dirty="0" smtClean="0"/>
-              <a:t>variables </a:t>
-            </a:r>
-            <a:r>
-              <a:rPr lang="en-IN" dirty="0" smtClean="0">
-                <a:solidFill>
-                  <a:srgbClr val="00B050"/>
-                </a:solidFill>
-              </a:rPr>
-              <a:t>(then)</a:t>
-            </a:r>
-            <a:r>
-              <a:rPr lang="en-IN" dirty="0" smtClean="0"/>
-              <a:t> </a:t>
-            </a:r>
-          </a:p>
-          <a:p>
-            <a:pPr lvl="1"/>
-            <a:r>
-              <a:rPr lang="en-IN" dirty="0" smtClean="0"/>
-              <a:t>Increase model accuracy </a:t>
-            </a:r>
-            <a:r>
-              <a:rPr lang="en-IN" dirty="0" smtClean="0">
-                <a:solidFill>
-                  <a:srgbClr val="00B050"/>
-                </a:solidFill>
-              </a:rPr>
-              <a:t>(</a:t>
-            </a:r>
-            <a:r>
-              <a:rPr lang="en-IN" dirty="0" smtClean="0">
-                <a:solidFill>
-                  <a:srgbClr val="00B050"/>
-                </a:solidFill>
-              </a:rPr>
-              <a:t>then only)</a:t>
-            </a:r>
-            <a:endParaRPr lang="en-IN" dirty="0" smtClean="0"/>
-          </a:p>
-          <a:p>
-            <a:pPr lvl="1"/>
-            <a:r>
-              <a:rPr lang="en-IN" dirty="0" smtClean="0"/>
-              <a:t>Increase </a:t>
-            </a:r>
-            <a:r>
-              <a:rPr lang="en-IN" dirty="0" smtClean="0"/>
-              <a:t>adjusted R2</a:t>
-            </a:r>
-            <a:endParaRPr lang="en-IN" dirty="0"/>
+              <a:rPr lang="en-US" dirty="0" smtClean="0"/>
+              <a:t>Gradient Descent </a:t>
+            </a:r>
+            <a:endParaRPr lang="en-US" dirty="0"/>
+          </a:p>
+        </p:txBody>
+      </p:sp>
+      <p:sp>
+        <p:nvSpPr>
+          <p:cNvPr id="3" name="Content Placeholder 2"/>
+          <p:cNvSpPr>
+            <a:spLocks noGrp="1"/>
+          </p:cNvSpPr>
+          <p:nvPr>
+            <p:ph idx="1"/>
+          </p:nvPr>
+        </p:nvSpPr>
+        <p:spPr/>
+        <p:txBody>
+          <a:bodyPr/>
+          <a:lstStyle/>
+          <a:p>
+            <a:r>
+              <a:rPr lang="en-US" dirty="0" smtClean="0"/>
+              <a:t>Convex function </a:t>
+            </a:r>
+          </a:p>
+          <a:p>
+            <a:r>
+              <a:rPr lang="en-US" dirty="0" smtClean="0"/>
+              <a:t>Global optimum</a:t>
+            </a:r>
+          </a:p>
+          <a:p>
+            <a:endParaRPr lang="en-US" dirty="0" smtClean="0"/>
+          </a:p>
+          <a:p>
+            <a:endParaRPr lang="en-US" dirty="0"/>
           </a:p>
         </p:txBody>
       </p:sp>
@@ -4442,42 +4672,438 @@
         </p:nvSpPr>
         <p:spPr/>
         <p:txBody>
-          <a:bodyPr/>
-          <a:lstStyle/>
-          <a:p>
-            <a:r>
-              <a:rPr lang="en-IN" dirty="0" smtClean="0"/>
-              <a:t>p Value</a:t>
-            </a:r>
-            <a:endParaRPr lang="en-IN" dirty="0"/>
-          </a:p>
-        </p:txBody>
-      </p:sp>
-      <p:sp>
-        <p:nvSpPr>
-          <p:cNvPr id="3" name="Content Placeholder 2"/>
-          <p:cNvSpPr>
-            <a:spLocks noGrp="1"/>
-          </p:cNvSpPr>
-          <p:nvPr>
-            <p:ph idx="1"/>
-          </p:nvPr>
-        </p:nvSpPr>
-        <p:spPr/>
-        <p:txBody>
-          <a:bodyPr/>
-          <a:lstStyle/>
-          <a:p>
-            <a:r>
-              <a:rPr lang="en-IN" smtClean="0"/>
-              <a:t>Statistical significance</a:t>
-            </a:r>
-          </a:p>
-          <a:p>
-            <a:endParaRPr lang="en-IN" dirty="0"/>
-          </a:p>
-        </p:txBody>
-      </p:sp>
+          <a:bodyPr>
+            <a:normAutofit/>
+          </a:bodyPr>
+          <a:lstStyle/>
+          <a:p>
+            <a:r>
+              <a:rPr lang="en-US" dirty="0" smtClean="0"/>
+              <a:t>Gradient Descent</a:t>
+            </a:r>
+            <a:endParaRPr lang="en-US" dirty="0"/>
+          </a:p>
+        </p:txBody>
+      </p:sp>
+      <p:sp>
+        <p:nvSpPr>
+          <p:cNvPr id="5" name="Content Placeholder 2"/>
+          <p:cNvSpPr txBox="1">
+            <a:spLocks/>
+          </p:cNvSpPr>
+          <p:nvPr/>
+        </p:nvSpPr>
+        <p:spPr>
+          <a:xfrm>
+            <a:off x="457200" y="1600200"/>
+            <a:ext cx="4114800" cy="4525963"/>
+          </a:xfrm>
+          <a:prstGeom prst="rect">
+            <a:avLst/>
+          </a:prstGeom>
+        </p:spPr>
+        <p:txBody>
+          <a:bodyPr vert="horz" lIns="91440" tIns="45720" rIns="91440" bIns="45720" rtlCol="0">
+            <a:normAutofit/>
+          </a:bodyPr>
+          <a:lstStyle/>
+          <a:p>
+            <a:pPr marL="342900" marR="0" lvl="0" indent="-342900" algn="l" defTabSz="914400" rtl="0" eaLnBrk="1" fontAlgn="auto" latinLnBrk="0" hangingPunct="1">
+              <a:lnSpc>
+                <a:spcPct val="100000"/>
+              </a:lnSpc>
+              <a:spcBef>
+                <a:spcPct val="20000"/>
+              </a:spcBef>
+              <a:spcAft>
+                <a:spcPts val="0"/>
+              </a:spcAft>
+              <a:buClrTx/>
+              <a:buSzTx/>
+              <a:buFont typeface="Arial" pitchFamily="34" charset="0"/>
+              <a:buChar char="•"/>
+              <a:tabLst/>
+              <a:defRPr/>
+            </a:pPr>
+            <a:r>
+              <a:rPr kumimoji="0" lang="en-US" sz="3200" b="0" i="0" u="none" strike="noStrike" kern="1200" cap="none" spc="0" normalizeH="0" baseline="0" noProof="0" dirty="0" smtClean="0">
+                <a:ln>
+                  <a:noFill/>
+                </a:ln>
+                <a:solidFill>
+                  <a:schemeClr val="tx1"/>
+                </a:solidFill>
+                <a:effectLst/>
+                <a:uLnTx/>
+                <a:uFillTx/>
+                <a:latin typeface="+mn-lt"/>
+                <a:ea typeface="+mn-ea"/>
+                <a:cs typeface="+mn-cs"/>
+              </a:rPr>
+              <a:t>Forward pass</a:t>
+            </a:r>
+          </a:p>
+          <a:p>
+            <a:pPr marL="742950" lvl="1" indent="-285750">
+              <a:spcBef>
+                <a:spcPct val="20000"/>
+              </a:spcBef>
+              <a:buFont typeface="Arial" pitchFamily="34" charset="0"/>
+              <a:buChar char="–"/>
+            </a:pPr>
+            <a:r>
+              <a:rPr lang="en-US" sz="2800" dirty="0" smtClean="0"/>
+              <a:t>ŷ </a:t>
+            </a:r>
+            <a:r>
+              <a:rPr lang="en-US" sz="2800" dirty="0" smtClean="0"/>
+              <a:t>= W</a:t>
+            </a:r>
+            <a:r>
+              <a:rPr lang="en-US" sz="2800" baseline="30000" dirty="0" smtClean="0"/>
+              <a:t>T</a:t>
+            </a:r>
+            <a:r>
+              <a:rPr lang="en-US" sz="2800" dirty="0" smtClean="0"/>
+              <a:t>X</a:t>
+            </a:r>
+            <a:r>
+              <a:rPr lang="en-US" sz="2800" baseline="30000" dirty="0" smtClean="0"/>
+              <a:t> </a:t>
+            </a:r>
+            <a:r>
+              <a:rPr kumimoji="0" lang="en-US" sz="2800" b="0" i="0" u="none" strike="noStrike" kern="1200" cap="none" spc="0" normalizeH="0" baseline="0" noProof="0" dirty="0" smtClean="0">
+                <a:ln>
+                  <a:noFill/>
+                </a:ln>
+                <a:solidFill>
+                  <a:schemeClr val="tx1"/>
+                </a:solidFill>
+                <a:effectLst/>
+                <a:uLnTx/>
+                <a:uFillTx/>
+                <a:latin typeface="+mn-lt"/>
+                <a:ea typeface="+mn-ea"/>
+                <a:cs typeface="+mn-cs"/>
+              </a:rPr>
+              <a:t>+ </a:t>
+            </a:r>
+            <a:r>
+              <a:rPr kumimoji="0" lang="en-US" sz="2800" b="0" i="0" u="none" strike="noStrike" kern="1200" cap="none" spc="0" normalizeH="0" baseline="0" noProof="0" dirty="0" smtClean="0">
+                <a:ln>
+                  <a:noFill/>
+                </a:ln>
+                <a:solidFill>
+                  <a:schemeClr val="tx1"/>
+                </a:solidFill>
+                <a:effectLst/>
+                <a:uLnTx/>
+                <a:uFillTx/>
+                <a:latin typeface="+mn-lt"/>
+                <a:ea typeface="+mn-ea"/>
+                <a:cs typeface="+mn-cs"/>
+              </a:rPr>
+              <a:t>b</a:t>
+            </a:r>
+            <a:endParaRPr lang="en-US" sz="2800" dirty="0" smtClean="0"/>
+          </a:p>
+          <a:p>
+            <a:pPr marL="742950" lvl="1" indent="-285750">
+              <a:spcBef>
+                <a:spcPct val="20000"/>
+              </a:spcBef>
+              <a:buFont typeface="Arial" pitchFamily="34" charset="0"/>
+              <a:buChar char="–"/>
+            </a:pPr>
+            <a:r>
+              <a:rPr lang="en-US" sz="2800" dirty="0" smtClean="0"/>
+              <a:t>L(y</a:t>
+            </a:r>
+            <a:r>
+              <a:rPr lang="en-US" sz="2800" baseline="30000" dirty="0" smtClean="0"/>
+              <a:t>(</a:t>
+            </a:r>
+            <a:r>
+              <a:rPr lang="en-US" sz="2800" baseline="30000" dirty="0" err="1" smtClean="0"/>
+              <a:t>i</a:t>
+            </a:r>
+            <a:r>
+              <a:rPr lang="en-US" sz="2800" baseline="30000" dirty="0" smtClean="0"/>
+              <a:t>)</a:t>
+            </a:r>
+            <a:r>
+              <a:rPr lang="en-US" sz="2800" dirty="0" smtClean="0"/>
+              <a:t>, ŷ</a:t>
+            </a:r>
+            <a:r>
+              <a:rPr lang="en-US" sz="2800" baseline="30000" dirty="0" smtClean="0"/>
+              <a:t>(</a:t>
+            </a:r>
+            <a:r>
+              <a:rPr lang="en-US" sz="2800" baseline="30000" dirty="0" err="1" smtClean="0"/>
+              <a:t>i</a:t>
+            </a:r>
+            <a:r>
+              <a:rPr lang="en-US" sz="2800" baseline="30000" dirty="0" smtClean="0"/>
+              <a:t>)</a:t>
+            </a:r>
+            <a:r>
+              <a:rPr lang="en-US" sz="2800" dirty="0" smtClean="0"/>
+              <a:t>)</a:t>
+            </a:r>
+            <a:endParaRPr lang="en-US" sz="2800" dirty="0" smtClean="0"/>
+          </a:p>
+          <a:p>
+            <a:pPr marL="742950" lvl="1" indent="-285750">
+              <a:spcBef>
+                <a:spcPct val="20000"/>
+              </a:spcBef>
+              <a:buFont typeface="Arial" pitchFamily="34" charset="0"/>
+              <a:buChar char="–"/>
+            </a:pPr>
+            <a:r>
+              <a:rPr lang="en-US" sz="2800" dirty="0" smtClean="0"/>
+              <a:t>J(W, b)</a:t>
+            </a:r>
+            <a:endParaRPr lang="en-US" sz="2800" dirty="0" smtClean="0"/>
+          </a:p>
+          <a:p>
+            <a:pPr marL="742950" lvl="1" indent="-285750">
+              <a:spcBef>
+                <a:spcPct val="20000"/>
+              </a:spcBef>
+              <a:buFont typeface="Arial" pitchFamily="34" charset="0"/>
+              <a:buChar char="–"/>
+            </a:pPr>
+            <a:endParaRPr kumimoji="0" lang="en-US" sz="2800" b="0" i="0" u="none" strike="noStrike" kern="1200" cap="none" spc="0" normalizeH="0" noProof="0" dirty="0" smtClean="0">
+              <a:ln>
+                <a:noFill/>
+              </a:ln>
+              <a:solidFill>
+                <a:schemeClr val="tx1"/>
+              </a:solidFill>
+              <a:effectLst/>
+              <a:uLnTx/>
+              <a:uFillTx/>
+              <a:latin typeface="+mn-lt"/>
+              <a:ea typeface="+mn-ea"/>
+              <a:cs typeface="+mn-cs"/>
+            </a:endParaRPr>
+          </a:p>
+          <a:p>
+            <a:pPr marL="342900" marR="0" lvl="0" indent="-342900" algn="l" defTabSz="914400" rtl="0" eaLnBrk="1" fontAlgn="auto" latinLnBrk="0" hangingPunct="1">
+              <a:lnSpc>
+                <a:spcPct val="100000"/>
+              </a:lnSpc>
+              <a:spcBef>
+                <a:spcPct val="20000"/>
+              </a:spcBef>
+              <a:spcAft>
+                <a:spcPts val="0"/>
+              </a:spcAft>
+              <a:buClrTx/>
+              <a:buSzTx/>
+              <a:buFont typeface="Arial" pitchFamily="34" charset="0"/>
+              <a:buChar char="•"/>
+              <a:tabLst/>
+              <a:defRPr/>
+            </a:pPr>
+            <a:endParaRPr kumimoji="0" lang="en-US" sz="3200" b="0" i="0" u="none" strike="noStrike" kern="1200" cap="none" spc="0" normalizeH="0" baseline="0" noProof="0" dirty="0" smtClean="0">
+              <a:ln>
+                <a:noFill/>
+              </a:ln>
+              <a:solidFill>
+                <a:schemeClr val="tx1"/>
+              </a:solidFill>
+              <a:effectLst/>
+              <a:uLnTx/>
+              <a:uFillTx/>
+              <a:latin typeface="+mn-lt"/>
+              <a:ea typeface="+mn-ea"/>
+              <a:cs typeface="+mn-cs"/>
+            </a:endParaRPr>
+          </a:p>
+          <a:p>
+            <a:pPr marL="742950" marR="0" lvl="1" indent="-285750" algn="l" defTabSz="914400" rtl="0" eaLnBrk="1" fontAlgn="auto" latinLnBrk="0" hangingPunct="1">
+              <a:lnSpc>
+                <a:spcPct val="100000"/>
+              </a:lnSpc>
+              <a:spcBef>
+                <a:spcPct val="20000"/>
+              </a:spcBef>
+              <a:spcAft>
+                <a:spcPts val="0"/>
+              </a:spcAft>
+              <a:buClrTx/>
+              <a:buSzTx/>
+              <a:buFont typeface="Arial" pitchFamily="34" charset="0"/>
+              <a:buChar char="–"/>
+              <a:tabLst/>
+              <a:defRPr/>
+            </a:pPr>
+            <a:endParaRPr kumimoji="0" lang="en-US" sz="2800" b="0" i="0" u="none" strike="noStrike" kern="1200" cap="none" spc="0" normalizeH="0" baseline="0" noProof="0" dirty="0">
+              <a:ln>
+                <a:noFill/>
+              </a:ln>
+              <a:solidFill>
+                <a:schemeClr val="tx1"/>
+              </a:solidFill>
+              <a:effectLst/>
+              <a:uLnTx/>
+              <a:uFillTx/>
+              <a:latin typeface="+mn-lt"/>
+              <a:ea typeface="+mn-ea"/>
+              <a:cs typeface="+mn-cs"/>
+            </a:endParaRPr>
+          </a:p>
+        </p:txBody>
+      </p:sp>
+      <p:sp>
+        <p:nvSpPr>
+          <p:cNvPr id="6" name="Content Placeholder 2"/>
+          <p:cNvSpPr txBox="1">
+            <a:spLocks/>
+          </p:cNvSpPr>
+          <p:nvPr/>
+        </p:nvSpPr>
+        <p:spPr>
+          <a:xfrm>
+            <a:off x="4724400" y="1600200"/>
+            <a:ext cx="4114800" cy="4525963"/>
+          </a:xfrm>
+          <a:prstGeom prst="rect">
+            <a:avLst/>
+          </a:prstGeom>
+        </p:spPr>
+        <p:txBody>
+          <a:bodyPr vert="horz" lIns="91440" tIns="45720" rIns="91440" bIns="45720" rtlCol="0">
+            <a:normAutofit/>
+          </a:bodyPr>
+          <a:lstStyle/>
+          <a:p>
+            <a:pPr marL="342900" marR="0" lvl="0" indent="-342900" algn="l" defTabSz="914400" rtl="0" eaLnBrk="1" fontAlgn="auto" latinLnBrk="0" hangingPunct="1">
+              <a:lnSpc>
+                <a:spcPct val="100000"/>
+              </a:lnSpc>
+              <a:spcBef>
+                <a:spcPct val="20000"/>
+              </a:spcBef>
+              <a:spcAft>
+                <a:spcPts val="0"/>
+              </a:spcAft>
+              <a:buClrTx/>
+              <a:buSzTx/>
+              <a:buFont typeface="Arial" pitchFamily="34" charset="0"/>
+              <a:buChar char="•"/>
+              <a:tabLst/>
+              <a:defRPr/>
+            </a:pPr>
+            <a:r>
+              <a:rPr kumimoji="0" lang="en-US" sz="3200" b="0" i="0" u="none" strike="noStrike" kern="1200" cap="none" spc="0" normalizeH="0" baseline="0" noProof="0" dirty="0" smtClean="0">
+                <a:ln>
+                  <a:noFill/>
+                </a:ln>
+                <a:solidFill>
+                  <a:schemeClr val="tx1"/>
+                </a:solidFill>
+                <a:effectLst/>
+                <a:uLnTx/>
+                <a:uFillTx/>
+                <a:latin typeface="+mn-lt"/>
+                <a:ea typeface="+mn-ea"/>
+                <a:cs typeface="+mn-cs"/>
+              </a:rPr>
+              <a:t>Backward pass</a:t>
+            </a:r>
+          </a:p>
+          <a:p>
+            <a:pPr marL="342900" marR="0" lvl="0" indent="-342900" algn="l" defTabSz="914400" rtl="0" eaLnBrk="1" fontAlgn="auto" latinLnBrk="0" hangingPunct="1">
+              <a:lnSpc>
+                <a:spcPct val="100000"/>
+              </a:lnSpc>
+              <a:spcBef>
+                <a:spcPct val="20000"/>
+              </a:spcBef>
+              <a:spcAft>
+                <a:spcPts val="0"/>
+              </a:spcAft>
+              <a:buClrTx/>
+              <a:buSzTx/>
+              <a:buFont typeface="Arial" pitchFamily="34" charset="0"/>
+              <a:buChar char="•"/>
+              <a:tabLst/>
+              <a:defRPr/>
+            </a:pPr>
+            <a:endParaRPr kumimoji="0" lang="en-US" sz="3200" b="0" i="0" u="none" strike="noStrike" kern="1200" cap="none" spc="0" normalizeH="0" baseline="0" noProof="0" dirty="0" smtClean="0">
+              <a:ln>
+                <a:noFill/>
+              </a:ln>
+              <a:solidFill>
+                <a:schemeClr val="tx1"/>
+              </a:solidFill>
+              <a:effectLst/>
+              <a:uLnTx/>
+              <a:uFillTx/>
+              <a:latin typeface="+mn-lt"/>
+              <a:ea typeface="+mn-ea"/>
+              <a:cs typeface="+mn-cs"/>
+            </a:endParaRPr>
+          </a:p>
+          <a:p>
+            <a:pPr marL="742950" marR="0" lvl="1" indent="-285750" algn="l" defTabSz="914400" rtl="0" eaLnBrk="1" fontAlgn="auto" latinLnBrk="0" hangingPunct="1">
+              <a:lnSpc>
+                <a:spcPct val="100000"/>
+              </a:lnSpc>
+              <a:spcBef>
+                <a:spcPct val="20000"/>
+              </a:spcBef>
+              <a:spcAft>
+                <a:spcPts val="0"/>
+              </a:spcAft>
+              <a:buClrTx/>
+              <a:buSzTx/>
+              <a:buFont typeface="Arial" pitchFamily="34" charset="0"/>
+              <a:buChar char="–"/>
+              <a:tabLst/>
+              <a:defRPr/>
+            </a:pPr>
+            <a:endParaRPr kumimoji="0" lang="en-US" sz="2800" b="0" i="0" u="none" strike="noStrike" kern="1200" cap="none" spc="0" normalizeH="0" baseline="0" noProof="0" dirty="0">
+              <a:ln>
+                <a:noFill/>
+              </a:ln>
+              <a:solidFill>
+                <a:schemeClr val="tx1"/>
+              </a:solidFill>
+              <a:effectLst/>
+              <a:uLnTx/>
+              <a:uFillTx/>
+              <a:latin typeface="+mn-lt"/>
+              <a:ea typeface="+mn-ea"/>
+              <a:cs typeface="+mn-cs"/>
+            </a:endParaRPr>
+          </a:p>
+        </p:txBody>
+      </p:sp>
+      <p:graphicFrame>
+        <p:nvGraphicFramePr>
+          <p:cNvPr id="7" name="Object 6"/>
+          <p:cNvGraphicFramePr>
+            <a:graphicFrameLocks noChangeAspect="1"/>
+          </p:cNvGraphicFramePr>
+          <p:nvPr/>
+        </p:nvGraphicFramePr>
+        <p:xfrm>
+          <a:off x="4876800" y="2209800"/>
+          <a:ext cx="1338263" cy="1616075"/>
+        </p:xfrm>
+        <a:graphic>
+          <a:graphicData uri="http://schemas.openxmlformats.org/presentationml/2006/ole">
+            <p:oleObj spid="_x0000_s29698" name="Equation" r:id="rId3" imgW="672840" imgH="812520" progId="Equation.3">
+              <p:embed/>
+            </p:oleObj>
+          </a:graphicData>
+        </a:graphic>
+      </p:graphicFrame>
     </p:spTree>
   </p:cSld>
   <p:clrMapOvr>
@@ -4529,7 +5155,7 @@
           <a:p>
             <a:r>
               <a:rPr lang="en-US" dirty="0" smtClean="0"/>
-              <a:t>Applications</a:t>
+              <a:t>Gradient Descent</a:t>
             </a:r>
             <a:endParaRPr lang="en-US" dirty="0"/>
           </a:p>
@@ -4537,77 +5163,423 @@
       </p:sp>
       <p:sp>
         <p:nvSpPr>
-          <p:cNvPr id="3" name="Content Placeholder 2"/>
-          <p:cNvSpPr>
-            <a:spLocks noGrp="1"/>
-          </p:cNvSpPr>
-          <p:nvPr>
-            <p:ph idx="1"/>
-          </p:nvPr>
+          <p:cNvPr id="5" name="Content Placeholder 2"/>
+          <p:cNvSpPr txBox="1">
+            <a:spLocks/>
+          </p:cNvSpPr>
+          <p:nvPr/>
         </p:nvSpPr>
         <p:spPr>
           <a:xfrm>
-            <a:off x="304800" y="1600200"/>
-            <a:ext cx="8534400" cy="4525963"/>
+            <a:off x="457200" y="1600200"/>
+            <a:ext cx="4114800" cy="4525963"/>
           </a:xfrm>
+          <a:prstGeom prst="rect">
+            <a:avLst/>
+          </a:prstGeom>
         </p:spPr>
         <p:txBody>
-          <a:bodyPr/>
-          <a:lstStyle/>
-          <a:p>
-            <a:r>
-              <a:rPr lang="en-US" dirty="0" smtClean="0"/>
-              <a:t>Inputs to response mapping</a:t>
-            </a:r>
-          </a:p>
-          <a:p>
-            <a:r>
-              <a:rPr lang="en-US" dirty="0" smtClean="0"/>
-              <a:t>Error reduction</a:t>
-            </a:r>
-          </a:p>
-          <a:p>
-            <a:r>
-              <a:rPr lang="en-US" dirty="0" smtClean="0"/>
-              <a:t>Prediction</a:t>
-            </a:r>
-          </a:p>
-          <a:p>
-            <a:pPr lvl="1"/>
-            <a:r>
-              <a:rPr lang="en-US" dirty="0" smtClean="0"/>
-              <a:t>House price prediction from observed dataset </a:t>
-            </a:r>
-          </a:p>
-          <a:p>
-            <a:r>
-              <a:rPr lang="en-US" dirty="0" smtClean="0"/>
-              <a:t>Forecasting</a:t>
-            </a:r>
-          </a:p>
-          <a:p>
-            <a:pPr lvl="1"/>
-            <a:r>
-              <a:rPr lang="en-US" dirty="0" smtClean="0"/>
-              <a:t>Weather forecasting from observed dataset</a:t>
-            </a:r>
-          </a:p>
-          <a:p>
-            <a:endParaRPr lang="en-US" dirty="0" smtClean="0"/>
-          </a:p>
-          <a:p>
-            <a:pPr lvl="1"/>
-            <a:endParaRPr lang="en-US" dirty="0" smtClean="0"/>
-          </a:p>
-          <a:p>
-            <a:endParaRPr lang="en-US" dirty="0" smtClean="0"/>
-          </a:p>
-          <a:p>
-            <a:pPr lvl="1"/>
-            <a:endParaRPr lang="en-US" baseline="-25000" dirty="0"/>
-          </a:p>
-        </p:txBody>
-      </p:sp>
+          <a:bodyPr vert="horz" lIns="91440" tIns="45720" rIns="91440" bIns="45720" rtlCol="0">
+            <a:normAutofit/>
+          </a:bodyPr>
+          <a:lstStyle/>
+          <a:p>
+            <a:pPr marL="342900" marR="0" lvl="0" indent="-342900" algn="l" defTabSz="914400" rtl="0" eaLnBrk="1" fontAlgn="auto" latinLnBrk="0" hangingPunct="1">
+              <a:lnSpc>
+                <a:spcPct val="100000"/>
+              </a:lnSpc>
+              <a:spcBef>
+                <a:spcPct val="20000"/>
+              </a:spcBef>
+              <a:spcAft>
+                <a:spcPts val="0"/>
+              </a:spcAft>
+              <a:buClrTx/>
+              <a:buSzTx/>
+              <a:buFont typeface="Arial" pitchFamily="34" charset="0"/>
+              <a:buChar char="•"/>
+              <a:tabLst/>
+              <a:defRPr/>
+            </a:pPr>
+            <a:r>
+              <a:rPr kumimoji="0" lang="en-US" sz="3200" b="0" i="0" u="none" strike="noStrike" kern="1200" cap="none" spc="0" normalizeH="0" baseline="0" noProof="0" dirty="0" smtClean="0">
+                <a:ln>
+                  <a:noFill/>
+                </a:ln>
+                <a:solidFill>
+                  <a:schemeClr val="tx1"/>
+                </a:solidFill>
+                <a:effectLst/>
+                <a:uLnTx/>
+                <a:uFillTx/>
+                <a:latin typeface="+mn-lt"/>
+                <a:ea typeface="+mn-ea"/>
+                <a:cs typeface="+mn-cs"/>
+              </a:rPr>
+              <a:t>Forward pass</a:t>
+            </a:r>
+          </a:p>
+          <a:p>
+            <a:pPr marL="742950" lvl="1" indent="-285750">
+              <a:spcBef>
+                <a:spcPct val="20000"/>
+              </a:spcBef>
+              <a:buFont typeface="Arial" pitchFamily="34" charset="0"/>
+              <a:buChar char="–"/>
+            </a:pPr>
+            <a:r>
+              <a:rPr lang="en-US" sz="2800" dirty="0" smtClean="0"/>
+              <a:t>ŷ </a:t>
+            </a:r>
+            <a:r>
+              <a:rPr lang="en-US" sz="2800" dirty="0" smtClean="0"/>
+              <a:t>= W</a:t>
+            </a:r>
+            <a:r>
+              <a:rPr lang="en-US" sz="2800" baseline="30000" dirty="0" smtClean="0"/>
+              <a:t>T</a:t>
+            </a:r>
+            <a:r>
+              <a:rPr lang="en-US" sz="2800" dirty="0" smtClean="0"/>
+              <a:t>X</a:t>
+            </a:r>
+            <a:r>
+              <a:rPr lang="en-US" sz="2800" baseline="30000" dirty="0" smtClean="0"/>
+              <a:t> </a:t>
+            </a:r>
+            <a:r>
+              <a:rPr kumimoji="0" lang="en-US" sz="2800" b="0" i="0" u="none" strike="noStrike" kern="1200" cap="none" spc="0" normalizeH="0" baseline="0" noProof="0" dirty="0" smtClean="0">
+                <a:ln>
+                  <a:noFill/>
+                </a:ln>
+                <a:solidFill>
+                  <a:schemeClr val="tx1"/>
+                </a:solidFill>
+                <a:effectLst/>
+                <a:uLnTx/>
+                <a:uFillTx/>
+                <a:latin typeface="+mn-lt"/>
+                <a:ea typeface="+mn-ea"/>
+                <a:cs typeface="+mn-cs"/>
+              </a:rPr>
+              <a:t>+ </a:t>
+            </a:r>
+            <a:r>
+              <a:rPr kumimoji="0" lang="en-US" sz="2800" b="0" i="0" u="none" strike="noStrike" kern="1200" cap="none" spc="0" normalizeH="0" baseline="0" noProof="0" dirty="0" smtClean="0">
+                <a:ln>
+                  <a:noFill/>
+                </a:ln>
+                <a:solidFill>
+                  <a:schemeClr val="tx1"/>
+                </a:solidFill>
+                <a:effectLst/>
+                <a:uLnTx/>
+                <a:uFillTx/>
+                <a:latin typeface="+mn-lt"/>
+                <a:ea typeface="+mn-ea"/>
+                <a:cs typeface="+mn-cs"/>
+              </a:rPr>
+              <a:t>b</a:t>
+            </a:r>
+            <a:endParaRPr lang="en-US" sz="2800" dirty="0" smtClean="0"/>
+          </a:p>
+          <a:p>
+            <a:pPr marL="742950" lvl="1" indent="-285750">
+              <a:spcBef>
+                <a:spcPct val="20000"/>
+              </a:spcBef>
+              <a:buFont typeface="Arial" pitchFamily="34" charset="0"/>
+              <a:buChar char="–"/>
+            </a:pPr>
+            <a:r>
+              <a:rPr lang="en-US" sz="2800" dirty="0" smtClean="0"/>
+              <a:t>L(y</a:t>
+            </a:r>
+            <a:r>
+              <a:rPr lang="en-US" sz="2800" baseline="30000" dirty="0" smtClean="0"/>
+              <a:t>(</a:t>
+            </a:r>
+            <a:r>
+              <a:rPr lang="en-US" sz="2800" baseline="30000" dirty="0" err="1" smtClean="0"/>
+              <a:t>i</a:t>
+            </a:r>
+            <a:r>
+              <a:rPr lang="en-US" sz="2800" baseline="30000" dirty="0" smtClean="0"/>
+              <a:t>)</a:t>
+            </a:r>
+            <a:r>
+              <a:rPr lang="en-US" sz="2800" dirty="0" smtClean="0"/>
+              <a:t>, ŷ</a:t>
+            </a:r>
+            <a:r>
+              <a:rPr lang="en-US" sz="2800" baseline="30000" dirty="0" smtClean="0"/>
+              <a:t>(</a:t>
+            </a:r>
+            <a:r>
+              <a:rPr lang="en-US" sz="2800" baseline="30000" dirty="0" err="1" smtClean="0"/>
+              <a:t>i</a:t>
+            </a:r>
+            <a:r>
+              <a:rPr lang="en-US" sz="2800" baseline="30000" dirty="0" smtClean="0"/>
+              <a:t>)</a:t>
+            </a:r>
+            <a:r>
+              <a:rPr lang="en-US" sz="2800" dirty="0" smtClean="0"/>
+              <a:t>)</a:t>
+            </a:r>
+            <a:endParaRPr lang="en-US" sz="2800" dirty="0" smtClean="0"/>
+          </a:p>
+          <a:p>
+            <a:pPr marL="742950" lvl="1" indent="-285750">
+              <a:spcBef>
+                <a:spcPct val="20000"/>
+              </a:spcBef>
+              <a:buFont typeface="Arial" pitchFamily="34" charset="0"/>
+              <a:buChar char="–"/>
+            </a:pPr>
+            <a:r>
+              <a:rPr lang="en-US" sz="2800" dirty="0" smtClean="0"/>
+              <a:t>J(W, b)</a:t>
+            </a:r>
+            <a:endParaRPr lang="en-US" sz="2800" dirty="0" smtClean="0"/>
+          </a:p>
+          <a:p>
+            <a:pPr marL="742950" lvl="1" indent="-285750">
+              <a:spcBef>
+                <a:spcPct val="20000"/>
+              </a:spcBef>
+              <a:buFont typeface="Arial" pitchFamily="34" charset="0"/>
+              <a:buChar char="–"/>
+            </a:pPr>
+            <a:endParaRPr kumimoji="0" lang="en-US" sz="2800" b="0" i="0" u="none" strike="noStrike" kern="1200" cap="none" spc="0" normalizeH="0" noProof="0" dirty="0" smtClean="0">
+              <a:ln>
+                <a:noFill/>
+              </a:ln>
+              <a:solidFill>
+                <a:schemeClr val="tx1"/>
+              </a:solidFill>
+              <a:effectLst/>
+              <a:uLnTx/>
+              <a:uFillTx/>
+              <a:latin typeface="+mn-lt"/>
+              <a:ea typeface="+mn-ea"/>
+              <a:cs typeface="+mn-cs"/>
+            </a:endParaRPr>
+          </a:p>
+          <a:p>
+            <a:pPr marL="342900" marR="0" lvl="0" indent="-342900" algn="l" defTabSz="914400" rtl="0" eaLnBrk="1" fontAlgn="auto" latinLnBrk="0" hangingPunct="1">
+              <a:lnSpc>
+                <a:spcPct val="100000"/>
+              </a:lnSpc>
+              <a:spcBef>
+                <a:spcPct val="20000"/>
+              </a:spcBef>
+              <a:spcAft>
+                <a:spcPts val="0"/>
+              </a:spcAft>
+              <a:buClrTx/>
+              <a:buSzTx/>
+              <a:buFont typeface="Arial" pitchFamily="34" charset="0"/>
+              <a:buChar char="•"/>
+              <a:tabLst/>
+              <a:defRPr/>
+            </a:pPr>
+            <a:endParaRPr kumimoji="0" lang="en-US" sz="3200" b="0" i="0" u="none" strike="noStrike" kern="1200" cap="none" spc="0" normalizeH="0" baseline="0" noProof="0" dirty="0" smtClean="0">
+              <a:ln>
+                <a:noFill/>
+              </a:ln>
+              <a:solidFill>
+                <a:schemeClr val="tx1"/>
+              </a:solidFill>
+              <a:effectLst/>
+              <a:uLnTx/>
+              <a:uFillTx/>
+              <a:latin typeface="+mn-lt"/>
+              <a:ea typeface="+mn-ea"/>
+              <a:cs typeface="+mn-cs"/>
+            </a:endParaRPr>
+          </a:p>
+          <a:p>
+            <a:pPr marL="742950" marR="0" lvl="1" indent="-285750" algn="l" defTabSz="914400" rtl="0" eaLnBrk="1" fontAlgn="auto" latinLnBrk="0" hangingPunct="1">
+              <a:lnSpc>
+                <a:spcPct val="100000"/>
+              </a:lnSpc>
+              <a:spcBef>
+                <a:spcPct val="20000"/>
+              </a:spcBef>
+              <a:spcAft>
+                <a:spcPts val="0"/>
+              </a:spcAft>
+              <a:buClrTx/>
+              <a:buSzTx/>
+              <a:buFont typeface="Arial" pitchFamily="34" charset="0"/>
+              <a:buChar char="–"/>
+              <a:tabLst/>
+              <a:defRPr/>
+            </a:pPr>
+            <a:endParaRPr kumimoji="0" lang="en-US" sz="2800" b="0" i="0" u="none" strike="noStrike" kern="1200" cap="none" spc="0" normalizeH="0" baseline="0" noProof="0" dirty="0">
+              <a:ln>
+                <a:noFill/>
+              </a:ln>
+              <a:solidFill>
+                <a:schemeClr val="tx1"/>
+              </a:solidFill>
+              <a:effectLst/>
+              <a:uLnTx/>
+              <a:uFillTx/>
+              <a:latin typeface="+mn-lt"/>
+              <a:ea typeface="+mn-ea"/>
+              <a:cs typeface="+mn-cs"/>
+            </a:endParaRPr>
+          </a:p>
+        </p:txBody>
+      </p:sp>
+      <p:sp>
+        <p:nvSpPr>
+          <p:cNvPr id="6" name="Content Placeholder 2"/>
+          <p:cNvSpPr txBox="1">
+            <a:spLocks/>
+          </p:cNvSpPr>
+          <p:nvPr/>
+        </p:nvSpPr>
+        <p:spPr>
+          <a:xfrm>
+            <a:off x="4724400" y="1600200"/>
+            <a:ext cx="4114800" cy="4525963"/>
+          </a:xfrm>
+          <a:prstGeom prst="rect">
+            <a:avLst/>
+          </a:prstGeom>
+        </p:spPr>
+        <p:txBody>
+          <a:bodyPr vert="horz" lIns="91440" tIns="45720" rIns="91440" bIns="45720" rtlCol="0">
+            <a:normAutofit/>
+          </a:bodyPr>
+          <a:lstStyle/>
+          <a:p>
+            <a:pPr marL="342900" marR="0" lvl="0" indent="-342900" algn="l" defTabSz="914400" rtl="0" eaLnBrk="1" fontAlgn="auto" latinLnBrk="0" hangingPunct="1">
+              <a:lnSpc>
+                <a:spcPct val="100000"/>
+              </a:lnSpc>
+              <a:spcBef>
+                <a:spcPct val="20000"/>
+              </a:spcBef>
+              <a:spcAft>
+                <a:spcPts val="0"/>
+              </a:spcAft>
+              <a:buClrTx/>
+              <a:buSzTx/>
+              <a:buFont typeface="Arial" pitchFamily="34" charset="0"/>
+              <a:buChar char="•"/>
+              <a:tabLst/>
+              <a:defRPr/>
+            </a:pPr>
+            <a:r>
+              <a:rPr kumimoji="0" lang="en-US" sz="3200" b="0" i="0" u="none" strike="noStrike" kern="1200" cap="none" spc="0" normalizeH="0" baseline="0" noProof="0" dirty="0" smtClean="0">
+                <a:ln>
+                  <a:noFill/>
+                </a:ln>
+                <a:solidFill>
+                  <a:schemeClr val="tx1"/>
+                </a:solidFill>
+                <a:effectLst/>
+                <a:uLnTx/>
+                <a:uFillTx/>
+                <a:latin typeface="+mn-lt"/>
+                <a:ea typeface="+mn-ea"/>
+                <a:cs typeface="+mn-cs"/>
+              </a:rPr>
+              <a:t>Backward pass</a:t>
+            </a:r>
+          </a:p>
+          <a:p>
+            <a:pPr marL="342900" marR="0" lvl="0" indent="-342900" algn="l" defTabSz="914400" rtl="0" eaLnBrk="1" fontAlgn="auto" latinLnBrk="0" hangingPunct="1">
+              <a:lnSpc>
+                <a:spcPct val="100000"/>
+              </a:lnSpc>
+              <a:spcBef>
+                <a:spcPct val="20000"/>
+              </a:spcBef>
+              <a:spcAft>
+                <a:spcPts val="0"/>
+              </a:spcAft>
+              <a:buClrTx/>
+              <a:buSzTx/>
+              <a:buFont typeface="Arial" pitchFamily="34" charset="0"/>
+              <a:buChar char="•"/>
+              <a:tabLst/>
+              <a:defRPr/>
+            </a:pPr>
+            <a:endParaRPr kumimoji="0" lang="en-US" sz="3200" b="0" i="0" u="none" strike="noStrike" kern="1200" cap="none" spc="0" normalizeH="0" baseline="0" noProof="0" dirty="0" smtClean="0">
+              <a:ln>
+                <a:noFill/>
+              </a:ln>
+              <a:solidFill>
+                <a:schemeClr val="tx1"/>
+              </a:solidFill>
+              <a:effectLst/>
+              <a:uLnTx/>
+              <a:uFillTx/>
+              <a:latin typeface="+mn-lt"/>
+              <a:ea typeface="+mn-ea"/>
+              <a:cs typeface="+mn-cs"/>
+            </a:endParaRPr>
+          </a:p>
+          <a:p>
+            <a:pPr marL="742950" marR="0" lvl="1" indent="-285750" algn="l" defTabSz="914400" rtl="0" eaLnBrk="1" fontAlgn="auto" latinLnBrk="0" hangingPunct="1">
+              <a:lnSpc>
+                <a:spcPct val="100000"/>
+              </a:lnSpc>
+              <a:spcBef>
+                <a:spcPct val="20000"/>
+              </a:spcBef>
+              <a:spcAft>
+                <a:spcPts val="0"/>
+              </a:spcAft>
+              <a:buClrTx/>
+              <a:buSzTx/>
+              <a:buFont typeface="Arial" pitchFamily="34" charset="0"/>
+              <a:buChar char="–"/>
+              <a:tabLst/>
+              <a:defRPr/>
+            </a:pPr>
+            <a:endParaRPr kumimoji="0" lang="en-US" sz="2800" b="0" i="0" u="none" strike="noStrike" kern="1200" cap="none" spc="0" normalizeH="0" baseline="0" noProof="0" dirty="0">
+              <a:ln>
+                <a:noFill/>
+              </a:ln>
+              <a:solidFill>
+                <a:schemeClr val="tx1"/>
+              </a:solidFill>
+              <a:effectLst/>
+              <a:uLnTx/>
+              <a:uFillTx/>
+              <a:latin typeface="+mn-lt"/>
+              <a:ea typeface="+mn-ea"/>
+              <a:cs typeface="+mn-cs"/>
+            </a:endParaRPr>
+          </a:p>
+        </p:txBody>
+      </p:sp>
+      <p:graphicFrame>
+        <p:nvGraphicFramePr>
+          <p:cNvPr id="30723" name="Object 3"/>
+          <p:cNvGraphicFramePr>
+            <a:graphicFrameLocks noChangeAspect="1"/>
+          </p:cNvGraphicFramePr>
+          <p:nvPr/>
+        </p:nvGraphicFramePr>
+        <p:xfrm>
+          <a:off x="4876800" y="2300288"/>
+          <a:ext cx="2071688" cy="2424112"/>
+        </p:xfrm>
+        <a:graphic>
+          <a:graphicData uri="http://schemas.openxmlformats.org/presentationml/2006/ole">
+            <p:oleObj spid="_x0000_s30723" name="Equation" r:id="rId3" imgW="1041120" imgH="1218960" progId="Equation.3">
+              <p:embed/>
+            </p:oleObj>
+          </a:graphicData>
+        </a:graphic>
+      </p:graphicFrame>
     </p:spTree>
   </p:cSld>
   <p:clrMapOvr>
@@ -4652,87 +5624,438 @@
         </p:nvSpPr>
         <p:spPr/>
         <p:txBody>
-          <a:bodyPr/>
-          <a:lstStyle/>
-          <a:p>
-            <a:r>
-              <a:rPr lang="en-US" dirty="0" smtClean="0"/>
-              <a:t>Advantages</a:t>
-            </a:r>
-            <a:endParaRPr lang="en-US" dirty="0"/>
-          </a:p>
-        </p:txBody>
-      </p:sp>
-      <p:sp>
-        <p:nvSpPr>
-          <p:cNvPr id="3" name="Content Placeholder 2"/>
-          <p:cNvSpPr>
-            <a:spLocks noGrp="1"/>
-          </p:cNvSpPr>
-          <p:nvPr>
-            <p:ph idx="1"/>
-          </p:nvPr>
-        </p:nvSpPr>
-        <p:spPr/>
-        <p:txBody>
           <a:bodyPr>
             <a:normAutofit/>
           </a:bodyPr>
           <a:lstStyle/>
           <a:p>
             <a:r>
-              <a:rPr lang="en-IN" dirty="0" smtClean="0"/>
-              <a:t>Good for linearly separable data</a:t>
-            </a:r>
-          </a:p>
-          <a:p>
-            <a:r>
-              <a:rPr lang="en-IN" dirty="0" smtClean="0"/>
-              <a:t>Easier to implement and interpret </a:t>
-            </a:r>
-          </a:p>
-          <a:p>
-            <a:r>
-              <a:rPr lang="en-IN" dirty="0" smtClean="0"/>
-              <a:t>Efficient to train</a:t>
-            </a:r>
-          </a:p>
-          <a:p>
-            <a:r>
-              <a:rPr lang="en-US" dirty="0" smtClean="0"/>
-              <a:t>Handle over-fitting</a:t>
-            </a:r>
-          </a:p>
-          <a:p>
-            <a:pPr lvl="1"/>
-            <a:r>
-              <a:rPr lang="en-IN" dirty="0" smtClean="0"/>
-              <a:t>Dimensionality reduction techniques</a:t>
-            </a:r>
-          </a:p>
-          <a:p>
-            <a:pPr lvl="1"/>
-            <a:r>
-              <a:rPr lang="en-IN" dirty="0" smtClean="0"/>
-              <a:t>Cross validation</a:t>
-            </a:r>
-          </a:p>
-          <a:p>
-            <a:pPr lvl="1"/>
-            <a:r>
-              <a:rPr lang="en-IN" dirty="0" smtClean="0"/>
-              <a:t>Regularization</a:t>
-            </a:r>
-          </a:p>
-          <a:p>
-            <a:r>
-              <a:rPr lang="en-IN" dirty="0" smtClean="0"/>
-              <a:t>Extrapolation of dataset</a:t>
+              <a:rPr lang="en-US" dirty="0" smtClean="0"/>
+              <a:t>Gradient Descent</a:t>
             </a:r>
             <a:endParaRPr lang="en-US" dirty="0"/>
           </a:p>
         </p:txBody>
       </p:sp>
+      <p:sp>
+        <p:nvSpPr>
+          <p:cNvPr id="5" name="Content Placeholder 2"/>
+          <p:cNvSpPr txBox="1">
+            <a:spLocks/>
+          </p:cNvSpPr>
+          <p:nvPr/>
+        </p:nvSpPr>
+        <p:spPr>
+          <a:xfrm>
+            <a:off x="457200" y="1600200"/>
+            <a:ext cx="4114800" cy="4525963"/>
+          </a:xfrm>
+          <a:prstGeom prst="rect">
+            <a:avLst/>
+          </a:prstGeom>
+        </p:spPr>
+        <p:txBody>
+          <a:bodyPr vert="horz" lIns="91440" tIns="45720" rIns="91440" bIns="45720" rtlCol="0">
+            <a:normAutofit/>
+          </a:bodyPr>
+          <a:lstStyle/>
+          <a:p>
+            <a:pPr marL="342900" marR="0" lvl="0" indent="-342900" algn="l" defTabSz="914400" rtl="0" eaLnBrk="1" fontAlgn="auto" latinLnBrk="0" hangingPunct="1">
+              <a:lnSpc>
+                <a:spcPct val="100000"/>
+              </a:lnSpc>
+              <a:spcBef>
+                <a:spcPct val="20000"/>
+              </a:spcBef>
+              <a:spcAft>
+                <a:spcPts val="0"/>
+              </a:spcAft>
+              <a:buClrTx/>
+              <a:buSzTx/>
+              <a:buFont typeface="Arial" pitchFamily="34" charset="0"/>
+              <a:buChar char="•"/>
+              <a:tabLst/>
+              <a:defRPr/>
+            </a:pPr>
+            <a:r>
+              <a:rPr kumimoji="0" lang="en-US" sz="3200" b="0" i="0" u="none" strike="noStrike" kern="1200" cap="none" spc="0" normalizeH="0" baseline="0" noProof="0" dirty="0" smtClean="0">
+                <a:ln>
+                  <a:noFill/>
+                </a:ln>
+                <a:solidFill>
+                  <a:schemeClr val="tx1"/>
+                </a:solidFill>
+                <a:effectLst/>
+                <a:uLnTx/>
+                <a:uFillTx/>
+                <a:latin typeface="+mn-lt"/>
+                <a:ea typeface="+mn-ea"/>
+                <a:cs typeface="+mn-cs"/>
+              </a:rPr>
+              <a:t>Forward pass</a:t>
+            </a:r>
+          </a:p>
+          <a:p>
+            <a:pPr marL="742950" lvl="1" indent="-285750">
+              <a:spcBef>
+                <a:spcPct val="20000"/>
+              </a:spcBef>
+              <a:buFont typeface="Arial" pitchFamily="34" charset="0"/>
+              <a:buChar char="–"/>
+            </a:pPr>
+            <a:r>
+              <a:rPr lang="en-US" sz="2800" dirty="0" smtClean="0"/>
+              <a:t>ŷ </a:t>
+            </a:r>
+            <a:r>
+              <a:rPr lang="en-US" sz="2800" dirty="0" smtClean="0"/>
+              <a:t>= W</a:t>
+            </a:r>
+            <a:r>
+              <a:rPr lang="en-US" sz="2800" baseline="30000" dirty="0" smtClean="0"/>
+              <a:t>T</a:t>
+            </a:r>
+            <a:r>
+              <a:rPr lang="en-US" sz="2800" dirty="0" smtClean="0"/>
+              <a:t>X</a:t>
+            </a:r>
+            <a:r>
+              <a:rPr lang="en-US" sz="2800" baseline="30000" dirty="0" smtClean="0"/>
+              <a:t> </a:t>
+            </a:r>
+            <a:r>
+              <a:rPr kumimoji="0" lang="en-US" sz="2800" b="0" i="0" u="none" strike="noStrike" kern="1200" cap="none" spc="0" normalizeH="0" baseline="0" noProof="0" dirty="0" smtClean="0">
+                <a:ln>
+                  <a:noFill/>
+                </a:ln>
+                <a:solidFill>
+                  <a:schemeClr val="tx1"/>
+                </a:solidFill>
+                <a:effectLst/>
+                <a:uLnTx/>
+                <a:uFillTx/>
+                <a:latin typeface="+mn-lt"/>
+                <a:ea typeface="+mn-ea"/>
+                <a:cs typeface="+mn-cs"/>
+              </a:rPr>
+              <a:t>+ </a:t>
+            </a:r>
+            <a:r>
+              <a:rPr kumimoji="0" lang="en-US" sz="2800" b="0" i="0" u="none" strike="noStrike" kern="1200" cap="none" spc="0" normalizeH="0" baseline="0" noProof="0" dirty="0" smtClean="0">
+                <a:ln>
+                  <a:noFill/>
+                </a:ln>
+                <a:solidFill>
+                  <a:schemeClr val="tx1"/>
+                </a:solidFill>
+                <a:effectLst/>
+                <a:uLnTx/>
+                <a:uFillTx/>
+                <a:latin typeface="+mn-lt"/>
+                <a:ea typeface="+mn-ea"/>
+                <a:cs typeface="+mn-cs"/>
+              </a:rPr>
+              <a:t>b</a:t>
+            </a:r>
+            <a:endParaRPr lang="en-US" sz="2800" dirty="0" smtClean="0"/>
+          </a:p>
+          <a:p>
+            <a:pPr marL="742950" lvl="1" indent="-285750">
+              <a:spcBef>
+                <a:spcPct val="20000"/>
+              </a:spcBef>
+              <a:buFont typeface="Arial" pitchFamily="34" charset="0"/>
+              <a:buChar char="–"/>
+            </a:pPr>
+            <a:r>
+              <a:rPr lang="en-US" sz="2800" dirty="0" smtClean="0"/>
+              <a:t>L(y</a:t>
+            </a:r>
+            <a:r>
+              <a:rPr lang="en-US" sz="2800" baseline="30000" dirty="0" smtClean="0"/>
+              <a:t>(</a:t>
+            </a:r>
+            <a:r>
+              <a:rPr lang="en-US" sz="2800" baseline="30000" dirty="0" err="1" smtClean="0"/>
+              <a:t>i</a:t>
+            </a:r>
+            <a:r>
+              <a:rPr lang="en-US" sz="2800" baseline="30000" dirty="0" smtClean="0"/>
+              <a:t>)</a:t>
+            </a:r>
+            <a:r>
+              <a:rPr lang="en-US" sz="2800" dirty="0" smtClean="0"/>
+              <a:t>, ŷ</a:t>
+            </a:r>
+            <a:r>
+              <a:rPr lang="en-US" sz="2800" baseline="30000" dirty="0" smtClean="0"/>
+              <a:t>(</a:t>
+            </a:r>
+            <a:r>
+              <a:rPr lang="en-US" sz="2800" baseline="30000" dirty="0" err="1" smtClean="0"/>
+              <a:t>i</a:t>
+            </a:r>
+            <a:r>
+              <a:rPr lang="en-US" sz="2800" baseline="30000" dirty="0" smtClean="0"/>
+              <a:t>)</a:t>
+            </a:r>
+            <a:r>
+              <a:rPr lang="en-US" sz="2800" dirty="0" smtClean="0"/>
+              <a:t>)</a:t>
+            </a:r>
+            <a:endParaRPr lang="en-US" sz="2800" dirty="0" smtClean="0"/>
+          </a:p>
+          <a:p>
+            <a:pPr marL="742950" lvl="1" indent="-285750">
+              <a:spcBef>
+                <a:spcPct val="20000"/>
+              </a:spcBef>
+              <a:buFont typeface="Arial" pitchFamily="34" charset="0"/>
+              <a:buChar char="–"/>
+            </a:pPr>
+            <a:r>
+              <a:rPr lang="en-US" sz="2800" dirty="0" smtClean="0"/>
+              <a:t>J(W, b)</a:t>
+            </a:r>
+            <a:endParaRPr lang="en-US" sz="2800" dirty="0" smtClean="0"/>
+          </a:p>
+          <a:p>
+            <a:pPr marL="742950" lvl="1" indent="-285750">
+              <a:spcBef>
+                <a:spcPct val="20000"/>
+              </a:spcBef>
+              <a:buFont typeface="Arial" pitchFamily="34" charset="0"/>
+              <a:buChar char="–"/>
+            </a:pPr>
+            <a:endParaRPr kumimoji="0" lang="en-US" sz="2800" b="0" i="0" u="none" strike="noStrike" kern="1200" cap="none" spc="0" normalizeH="0" noProof="0" dirty="0" smtClean="0">
+              <a:ln>
+                <a:noFill/>
+              </a:ln>
+              <a:solidFill>
+                <a:schemeClr val="tx1"/>
+              </a:solidFill>
+              <a:effectLst/>
+              <a:uLnTx/>
+              <a:uFillTx/>
+              <a:latin typeface="+mn-lt"/>
+              <a:ea typeface="+mn-ea"/>
+              <a:cs typeface="+mn-cs"/>
+            </a:endParaRPr>
+          </a:p>
+          <a:p>
+            <a:pPr marL="342900" marR="0" lvl="0" indent="-342900" algn="l" defTabSz="914400" rtl="0" eaLnBrk="1" fontAlgn="auto" latinLnBrk="0" hangingPunct="1">
+              <a:lnSpc>
+                <a:spcPct val="100000"/>
+              </a:lnSpc>
+              <a:spcBef>
+                <a:spcPct val="20000"/>
+              </a:spcBef>
+              <a:spcAft>
+                <a:spcPts val="0"/>
+              </a:spcAft>
+              <a:buClrTx/>
+              <a:buSzTx/>
+              <a:buFont typeface="Arial" pitchFamily="34" charset="0"/>
+              <a:buChar char="•"/>
+              <a:tabLst/>
+              <a:defRPr/>
+            </a:pPr>
+            <a:endParaRPr kumimoji="0" lang="en-US" sz="3200" b="0" i="0" u="none" strike="noStrike" kern="1200" cap="none" spc="0" normalizeH="0" baseline="0" noProof="0" dirty="0" smtClean="0">
+              <a:ln>
+                <a:noFill/>
+              </a:ln>
+              <a:solidFill>
+                <a:schemeClr val="tx1"/>
+              </a:solidFill>
+              <a:effectLst/>
+              <a:uLnTx/>
+              <a:uFillTx/>
+              <a:latin typeface="+mn-lt"/>
+              <a:ea typeface="+mn-ea"/>
+              <a:cs typeface="+mn-cs"/>
+            </a:endParaRPr>
+          </a:p>
+          <a:p>
+            <a:pPr marL="742950" marR="0" lvl="1" indent="-285750" algn="l" defTabSz="914400" rtl="0" eaLnBrk="1" fontAlgn="auto" latinLnBrk="0" hangingPunct="1">
+              <a:lnSpc>
+                <a:spcPct val="100000"/>
+              </a:lnSpc>
+              <a:spcBef>
+                <a:spcPct val="20000"/>
+              </a:spcBef>
+              <a:spcAft>
+                <a:spcPts val="0"/>
+              </a:spcAft>
+              <a:buClrTx/>
+              <a:buSzTx/>
+              <a:buFont typeface="Arial" pitchFamily="34" charset="0"/>
+              <a:buChar char="–"/>
+              <a:tabLst/>
+              <a:defRPr/>
+            </a:pPr>
+            <a:endParaRPr kumimoji="0" lang="en-US" sz="2800" b="0" i="0" u="none" strike="noStrike" kern="1200" cap="none" spc="0" normalizeH="0" baseline="0" noProof="0" dirty="0">
+              <a:ln>
+                <a:noFill/>
+              </a:ln>
+              <a:solidFill>
+                <a:schemeClr val="tx1"/>
+              </a:solidFill>
+              <a:effectLst/>
+              <a:uLnTx/>
+              <a:uFillTx/>
+              <a:latin typeface="+mn-lt"/>
+              <a:ea typeface="+mn-ea"/>
+              <a:cs typeface="+mn-cs"/>
+            </a:endParaRPr>
+          </a:p>
+        </p:txBody>
+      </p:sp>
+      <p:sp>
+        <p:nvSpPr>
+          <p:cNvPr id="6" name="Content Placeholder 2"/>
+          <p:cNvSpPr txBox="1">
+            <a:spLocks/>
+          </p:cNvSpPr>
+          <p:nvPr/>
+        </p:nvSpPr>
+        <p:spPr>
+          <a:xfrm>
+            <a:off x="4724400" y="1600200"/>
+            <a:ext cx="4114800" cy="4525963"/>
+          </a:xfrm>
+          <a:prstGeom prst="rect">
+            <a:avLst/>
+          </a:prstGeom>
+        </p:spPr>
+        <p:txBody>
+          <a:bodyPr vert="horz" lIns="91440" tIns="45720" rIns="91440" bIns="45720" rtlCol="0">
+            <a:normAutofit/>
+          </a:bodyPr>
+          <a:lstStyle/>
+          <a:p>
+            <a:pPr marL="342900" marR="0" lvl="0" indent="-342900" algn="l" defTabSz="914400" rtl="0" eaLnBrk="1" fontAlgn="auto" latinLnBrk="0" hangingPunct="1">
+              <a:lnSpc>
+                <a:spcPct val="100000"/>
+              </a:lnSpc>
+              <a:spcBef>
+                <a:spcPct val="20000"/>
+              </a:spcBef>
+              <a:spcAft>
+                <a:spcPts val="0"/>
+              </a:spcAft>
+              <a:buClrTx/>
+              <a:buSzTx/>
+              <a:buFont typeface="Arial" pitchFamily="34" charset="0"/>
+              <a:buChar char="•"/>
+              <a:tabLst/>
+              <a:defRPr/>
+            </a:pPr>
+            <a:r>
+              <a:rPr kumimoji="0" lang="en-US" sz="3200" b="0" i="0" u="none" strike="noStrike" kern="1200" cap="none" spc="0" normalizeH="0" baseline="0" noProof="0" dirty="0" smtClean="0">
+                <a:ln>
+                  <a:noFill/>
+                </a:ln>
+                <a:solidFill>
+                  <a:schemeClr val="tx1"/>
+                </a:solidFill>
+                <a:effectLst/>
+                <a:uLnTx/>
+                <a:uFillTx/>
+                <a:latin typeface="+mn-lt"/>
+                <a:ea typeface="+mn-ea"/>
+                <a:cs typeface="+mn-cs"/>
+              </a:rPr>
+              <a:t>Backward pass</a:t>
+            </a:r>
+          </a:p>
+          <a:p>
+            <a:pPr marL="342900" marR="0" lvl="0" indent="-342900" algn="l" defTabSz="914400" rtl="0" eaLnBrk="1" fontAlgn="auto" latinLnBrk="0" hangingPunct="1">
+              <a:lnSpc>
+                <a:spcPct val="100000"/>
+              </a:lnSpc>
+              <a:spcBef>
+                <a:spcPct val="20000"/>
+              </a:spcBef>
+              <a:spcAft>
+                <a:spcPts val="0"/>
+              </a:spcAft>
+              <a:buClrTx/>
+              <a:buSzTx/>
+              <a:buFont typeface="Arial" pitchFamily="34" charset="0"/>
+              <a:buChar char="•"/>
+              <a:tabLst/>
+              <a:defRPr/>
+            </a:pPr>
+            <a:endParaRPr kumimoji="0" lang="en-US" sz="3200" b="0" i="0" u="none" strike="noStrike" kern="1200" cap="none" spc="0" normalizeH="0" baseline="0" noProof="0" dirty="0" smtClean="0">
+              <a:ln>
+                <a:noFill/>
+              </a:ln>
+              <a:solidFill>
+                <a:schemeClr val="tx1"/>
+              </a:solidFill>
+              <a:effectLst/>
+              <a:uLnTx/>
+              <a:uFillTx/>
+              <a:latin typeface="+mn-lt"/>
+              <a:ea typeface="+mn-ea"/>
+              <a:cs typeface="+mn-cs"/>
+            </a:endParaRPr>
+          </a:p>
+          <a:p>
+            <a:pPr marL="742950" marR="0" lvl="1" indent="-285750" algn="l" defTabSz="914400" rtl="0" eaLnBrk="1" fontAlgn="auto" latinLnBrk="0" hangingPunct="1">
+              <a:lnSpc>
+                <a:spcPct val="100000"/>
+              </a:lnSpc>
+              <a:spcBef>
+                <a:spcPct val="20000"/>
+              </a:spcBef>
+              <a:spcAft>
+                <a:spcPts val="0"/>
+              </a:spcAft>
+              <a:buClrTx/>
+              <a:buSzTx/>
+              <a:buFont typeface="Arial" pitchFamily="34" charset="0"/>
+              <a:buChar char="–"/>
+              <a:tabLst/>
+              <a:defRPr/>
+            </a:pPr>
+            <a:endParaRPr kumimoji="0" lang="en-US" sz="2800" b="0" i="0" u="none" strike="noStrike" kern="1200" cap="none" spc="0" normalizeH="0" baseline="0" noProof="0" dirty="0">
+              <a:ln>
+                <a:noFill/>
+              </a:ln>
+              <a:solidFill>
+                <a:schemeClr val="tx1"/>
+              </a:solidFill>
+              <a:effectLst/>
+              <a:uLnTx/>
+              <a:uFillTx/>
+              <a:latin typeface="+mn-lt"/>
+              <a:ea typeface="+mn-ea"/>
+              <a:cs typeface="+mn-cs"/>
+            </a:endParaRPr>
+          </a:p>
+        </p:txBody>
+      </p:sp>
+      <p:graphicFrame>
+        <p:nvGraphicFramePr>
+          <p:cNvPr id="31747" name="Object 3"/>
+          <p:cNvGraphicFramePr>
+            <a:graphicFrameLocks noChangeAspect="1"/>
+          </p:cNvGraphicFramePr>
+          <p:nvPr/>
+        </p:nvGraphicFramePr>
+        <p:xfrm>
+          <a:off x="4876800" y="2286000"/>
+          <a:ext cx="2120900" cy="2552700"/>
+        </p:xfrm>
+        <a:graphic>
+          <a:graphicData uri="http://schemas.openxmlformats.org/presentationml/2006/ole">
+            <p:oleObj spid="_x0000_s31747" name="Equation" r:id="rId3" imgW="1066680" imgH="1282680" progId="Equation.3">
+              <p:embed/>
+            </p:oleObj>
+          </a:graphicData>
+        </a:graphic>
+      </p:graphicFrame>
     </p:spTree>
   </p:cSld>
   <p:clrMapOvr>
@@ -4777,68 +6100,450 @@
         </p:nvSpPr>
         <p:spPr/>
         <p:txBody>
-          <a:bodyPr/>
-          <a:lstStyle/>
-          <a:p>
-            <a:r>
-              <a:rPr lang="en-IN" dirty="0" smtClean="0"/>
-              <a:t>Regularization</a:t>
-            </a:r>
-            <a:endParaRPr lang="en-IN" dirty="0"/>
-          </a:p>
-        </p:txBody>
-      </p:sp>
-      <p:sp>
-        <p:nvSpPr>
-          <p:cNvPr id="3" name="Content Placeholder 2"/>
-          <p:cNvSpPr>
-            <a:spLocks noGrp="1"/>
-          </p:cNvSpPr>
-          <p:nvPr>
-            <p:ph idx="1"/>
-          </p:nvPr>
-        </p:nvSpPr>
-        <p:spPr/>
-        <p:txBody>
-          <a:bodyPr/>
-          <a:lstStyle/>
-          <a:p>
-            <a:r>
-              <a:rPr lang="en-IN" dirty="0" smtClean="0"/>
-              <a:t>Lasso </a:t>
-            </a:r>
-            <a:r>
-              <a:rPr lang="en-IN" dirty="0" smtClean="0"/>
-              <a:t>regression</a:t>
-            </a:r>
-          </a:p>
-          <a:p>
-            <a:r>
-              <a:rPr lang="en-IN" dirty="0" smtClean="0"/>
-              <a:t>Ridge </a:t>
-            </a:r>
-            <a:r>
-              <a:rPr lang="en-IN" dirty="0" smtClean="0"/>
-              <a:t>Regression</a:t>
-            </a:r>
-          </a:p>
-          <a:p>
-            <a:r>
-              <a:rPr lang="en-IN" dirty="0" smtClean="0"/>
-              <a:t>Elastic Net Regression</a:t>
-            </a:r>
-            <a:endParaRPr lang="en-IN" dirty="0" smtClean="0"/>
-          </a:p>
-          <a:p>
-            <a:endParaRPr lang="en-IN" dirty="0"/>
-          </a:p>
-        </p:txBody>
-      </p:sp>
+          <a:bodyPr>
+            <a:normAutofit/>
+          </a:bodyPr>
+          <a:lstStyle/>
+          <a:p>
+            <a:r>
+              <a:rPr lang="en-US" dirty="0" smtClean="0"/>
+              <a:t>Gradient Descent</a:t>
+            </a:r>
+            <a:endParaRPr lang="en-US" dirty="0"/>
+          </a:p>
+        </p:txBody>
+      </p:sp>
+      <p:sp>
+        <p:nvSpPr>
+          <p:cNvPr id="5" name="Content Placeholder 2"/>
+          <p:cNvSpPr txBox="1">
+            <a:spLocks/>
+          </p:cNvSpPr>
+          <p:nvPr/>
+        </p:nvSpPr>
+        <p:spPr>
+          <a:xfrm>
+            <a:off x="457200" y="1600200"/>
+            <a:ext cx="4114800" cy="4525963"/>
+          </a:xfrm>
+          <a:prstGeom prst="rect">
+            <a:avLst/>
+          </a:prstGeom>
+        </p:spPr>
+        <p:txBody>
+          <a:bodyPr vert="horz" lIns="91440" tIns="45720" rIns="91440" bIns="45720" rtlCol="0">
+            <a:normAutofit/>
+          </a:bodyPr>
+          <a:lstStyle/>
+          <a:p>
+            <a:pPr marL="342900" marR="0" lvl="0" indent="-342900" algn="l" defTabSz="914400" rtl="0" eaLnBrk="1" fontAlgn="auto" latinLnBrk="0" hangingPunct="1">
+              <a:lnSpc>
+                <a:spcPct val="100000"/>
+              </a:lnSpc>
+              <a:spcBef>
+                <a:spcPct val="20000"/>
+              </a:spcBef>
+              <a:spcAft>
+                <a:spcPts val="0"/>
+              </a:spcAft>
+              <a:buClrTx/>
+              <a:buSzTx/>
+              <a:buFont typeface="Arial" pitchFamily="34" charset="0"/>
+              <a:buChar char="•"/>
+              <a:tabLst/>
+              <a:defRPr/>
+            </a:pPr>
+            <a:r>
+              <a:rPr kumimoji="0" lang="en-US" sz="3200" b="0" i="0" u="none" strike="noStrike" kern="1200" cap="none" spc="0" normalizeH="0" baseline="0" noProof="0" dirty="0" smtClean="0">
+                <a:ln>
+                  <a:noFill/>
+                </a:ln>
+                <a:solidFill>
+                  <a:schemeClr val="tx1"/>
+                </a:solidFill>
+                <a:effectLst/>
+                <a:uLnTx/>
+                <a:uFillTx/>
+                <a:latin typeface="+mn-lt"/>
+                <a:ea typeface="+mn-ea"/>
+                <a:cs typeface="+mn-cs"/>
+              </a:rPr>
+              <a:t>Forward pass</a:t>
+            </a:r>
+          </a:p>
+          <a:p>
+            <a:pPr marL="742950" lvl="1" indent="-285750">
+              <a:spcBef>
+                <a:spcPct val="20000"/>
+              </a:spcBef>
+              <a:buFont typeface="Arial" pitchFamily="34" charset="0"/>
+              <a:buChar char="–"/>
+            </a:pPr>
+            <a:r>
+              <a:rPr lang="en-US" sz="2800" dirty="0" smtClean="0"/>
+              <a:t>ŷ </a:t>
+            </a:r>
+            <a:r>
+              <a:rPr lang="en-US" sz="2800" dirty="0" smtClean="0"/>
+              <a:t>= W</a:t>
+            </a:r>
+            <a:r>
+              <a:rPr lang="en-US" sz="2800" baseline="30000" dirty="0" smtClean="0"/>
+              <a:t>T</a:t>
+            </a:r>
+            <a:r>
+              <a:rPr lang="en-US" sz="2800" dirty="0" smtClean="0"/>
+              <a:t>X</a:t>
+            </a:r>
+            <a:r>
+              <a:rPr lang="en-US" sz="2800" baseline="30000" dirty="0" smtClean="0"/>
+              <a:t> </a:t>
+            </a:r>
+            <a:r>
+              <a:rPr kumimoji="0" lang="en-US" sz="2800" b="0" i="0" u="none" strike="noStrike" kern="1200" cap="none" spc="0" normalizeH="0" baseline="0" noProof="0" dirty="0" smtClean="0">
+                <a:ln>
+                  <a:noFill/>
+                </a:ln>
+                <a:solidFill>
+                  <a:schemeClr val="tx1"/>
+                </a:solidFill>
+                <a:effectLst/>
+                <a:uLnTx/>
+                <a:uFillTx/>
+                <a:latin typeface="+mn-lt"/>
+                <a:ea typeface="+mn-ea"/>
+                <a:cs typeface="+mn-cs"/>
+              </a:rPr>
+              <a:t>+ </a:t>
+            </a:r>
+            <a:r>
+              <a:rPr kumimoji="0" lang="en-US" sz="2800" b="0" i="0" u="none" strike="noStrike" kern="1200" cap="none" spc="0" normalizeH="0" baseline="0" noProof="0" dirty="0" smtClean="0">
+                <a:ln>
+                  <a:noFill/>
+                </a:ln>
+                <a:solidFill>
+                  <a:schemeClr val="tx1"/>
+                </a:solidFill>
+                <a:effectLst/>
+                <a:uLnTx/>
+                <a:uFillTx/>
+                <a:latin typeface="+mn-lt"/>
+                <a:ea typeface="+mn-ea"/>
+                <a:cs typeface="+mn-cs"/>
+              </a:rPr>
+              <a:t>b</a:t>
+            </a:r>
+            <a:endParaRPr lang="en-US" sz="2800" dirty="0" smtClean="0"/>
+          </a:p>
+          <a:p>
+            <a:pPr marL="742950" lvl="1" indent="-285750">
+              <a:spcBef>
+                <a:spcPct val="20000"/>
+              </a:spcBef>
+              <a:buFont typeface="Arial" pitchFamily="34" charset="0"/>
+              <a:buChar char="–"/>
+            </a:pPr>
+            <a:r>
+              <a:rPr lang="en-US" sz="2800" dirty="0" smtClean="0"/>
+              <a:t>L(y</a:t>
+            </a:r>
+            <a:r>
+              <a:rPr lang="en-US" sz="2800" baseline="30000" dirty="0" smtClean="0"/>
+              <a:t>(</a:t>
+            </a:r>
+            <a:r>
+              <a:rPr lang="en-US" sz="2800" baseline="30000" dirty="0" err="1" smtClean="0"/>
+              <a:t>i</a:t>
+            </a:r>
+            <a:r>
+              <a:rPr lang="en-US" sz="2800" baseline="30000" dirty="0" smtClean="0"/>
+              <a:t>)</a:t>
+            </a:r>
+            <a:r>
+              <a:rPr lang="en-US" sz="2800" dirty="0" smtClean="0"/>
+              <a:t>, ŷ</a:t>
+            </a:r>
+            <a:r>
+              <a:rPr lang="en-US" sz="2800" baseline="30000" dirty="0" smtClean="0"/>
+              <a:t>(</a:t>
+            </a:r>
+            <a:r>
+              <a:rPr lang="en-US" sz="2800" baseline="30000" dirty="0" err="1" smtClean="0"/>
+              <a:t>i</a:t>
+            </a:r>
+            <a:r>
+              <a:rPr lang="en-US" sz="2800" baseline="30000" dirty="0" smtClean="0"/>
+              <a:t>)</a:t>
+            </a:r>
+            <a:r>
+              <a:rPr lang="en-US" sz="2800" dirty="0" smtClean="0"/>
+              <a:t>)</a:t>
+            </a:r>
+            <a:endParaRPr lang="en-US" sz="2800" dirty="0" smtClean="0"/>
+          </a:p>
+          <a:p>
+            <a:pPr marL="742950" lvl="1" indent="-285750">
+              <a:spcBef>
+                <a:spcPct val="20000"/>
+              </a:spcBef>
+              <a:buFont typeface="Arial" pitchFamily="34" charset="0"/>
+              <a:buChar char="–"/>
+            </a:pPr>
+            <a:r>
+              <a:rPr lang="en-US" sz="2800" dirty="0" smtClean="0"/>
+              <a:t>J(W, b)</a:t>
+            </a:r>
+            <a:endParaRPr lang="en-US" sz="2800" dirty="0" smtClean="0"/>
+          </a:p>
+          <a:p>
+            <a:pPr marL="742950" lvl="1" indent="-285750">
+              <a:spcBef>
+                <a:spcPct val="20000"/>
+              </a:spcBef>
+              <a:buFont typeface="Arial" pitchFamily="34" charset="0"/>
+              <a:buChar char="–"/>
+            </a:pPr>
+            <a:endParaRPr kumimoji="0" lang="en-US" sz="2800" b="0" i="0" u="none" strike="noStrike" kern="1200" cap="none" spc="0" normalizeH="0" noProof="0" dirty="0" smtClean="0">
+              <a:ln>
+                <a:noFill/>
+              </a:ln>
+              <a:solidFill>
+                <a:schemeClr val="tx1"/>
+              </a:solidFill>
+              <a:effectLst/>
+              <a:uLnTx/>
+              <a:uFillTx/>
+              <a:latin typeface="+mn-lt"/>
+              <a:ea typeface="+mn-ea"/>
+              <a:cs typeface="+mn-cs"/>
+            </a:endParaRPr>
+          </a:p>
+          <a:p>
+            <a:pPr marL="342900" marR="0" lvl="0" indent="-342900" algn="l" defTabSz="914400" rtl="0" eaLnBrk="1" fontAlgn="auto" latinLnBrk="0" hangingPunct="1">
+              <a:lnSpc>
+                <a:spcPct val="100000"/>
+              </a:lnSpc>
+              <a:spcBef>
+                <a:spcPct val="20000"/>
+              </a:spcBef>
+              <a:spcAft>
+                <a:spcPts val="0"/>
+              </a:spcAft>
+              <a:buClrTx/>
+              <a:buSzTx/>
+              <a:buFont typeface="Arial" pitchFamily="34" charset="0"/>
+              <a:buChar char="•"/>
+              <a:tabLst/>
+              <a:defRPr/>
+            </a:pPr>
+            <a:endParaRPr kumimoji="0" lang="en-US" sz="3200" b="0" i="0" u="none" strike="noStrike" kern="1200" cap="none" spc="0" normalizeH="0" baseline="0" noProof="0" dirty="0" smtClean="0">
+              <a:ln>
+                <a:noFill/>
+              </a:ln>
+              <a:solidFill>
+                <a:schemeClr val="tx1"/>
+              </a:solidFill>
+              <a:effectLst/>
+              <a:uLnTx/>
+              <a:uFillTx/>
+              <a:latin typeface="+mn-lt"/>
+              <a:ea typeface="+mn-ea"/>
+              <a:cs typeface="+mn-cs"/>
+            </a:endParaRPr>
+          </a:p>
+          <a:p>
+            <a:pPr marL="742950" marR="0" lvl="1" indent="-285750" algn="l" defTabSz="914400" rtl="0" eaLnBrk="1" fontAlgn="auto" latinLnBrk="0" hangingPunct="1">
+              <a:lnSpc>
+                <a:spcPct val="100000"/>
+              </a:lnSpc>
+              <a:spcBef>
+                <a:spcPct val="20000"/>
+              </a:spcBef>
+              <a:spcAft>
+                <a:spcPts val="0"/>
+              </a:spcAft>
+              <a:buClrTx/>
+              <a:buSzTx/>
+              <a:buFont typeface="Arial" pitchFamily="34" charset="0"/>
+              <a:buChar char="–"/>
+              <a:tabLst/>
+              <a:defRPr/>
+            </a:pPr>
+            <a:endParaRPr kumimoji="0" lang="en-US" sz="2800" b="0" i="0" u="none" strike="noStrike" kern="1200" cap="none" spc="0" normalizeH="0" baseline="0" noProof="0" dirty="0">
+              <a:ln>
+                <a:noFill/>
+              </a:ln>
+              <a:solidFill>
+                <a:schemeClr val="tx1"/>
+              </a:solidFill>
+              <a:effectLst/>
+              <a:uLnTx/>
+              <a:uFillTx/>
+              <a:latin typeface="+mn-lt"/>
+              <a:ea typeface="+mn-ea"/>
+              <a:cs typeface="+mn-cs"/>
+            </a:endParaRPr>
+          </a:p>
+        </p:txBody>
+      </p:sp>
+      <p:sp>
+        <p:nvSpPr>
+          <p:cNvPr id="6" name="Content Placeholder 2"/>
+          <p:cNvSpPr txBox="1">
+            <a:spLocks/>
+          </p:cNvSpPr>
+          <p:nvPr/>
+        </p:nvSpPr>
+        <p:spPr>
+          <a:xfrm>
+            <a:off x="4724400" y="1600200"/>
+            <a:ext cx="4114800" cy="4525963"/>
+          </a:xfrm>
+          <a:prstGeom prst="rect">
+            <a:avLst/>
+          </a:prstGeom>
+        </p:spPr>
+        <p:txBody>
+          <a:bodyPr vert="horz" lIns="91440" tIns="45720" rIns="91440" bIns="45720" rtlCol="0">
+            <a:normAutofit/>
+          </a:bodyPr>
+          <a:lstStyle/>
+          <a:p>
+            <a:pPr marL="342900" marR="0" lvl="0" indent="-342900" algn="l" defTabSz="914400" rtl="0" eaLnBrk="1" fontAlgn="auto" latinLnBrk="0" hangingPunct="1">
+              <a:lnSpc>
+                <a:spcPct val="100000"/>
+              </a:lnSpc>
+              <a:spcBef>
+                <a:spcPct val="20000"/>
+              </a:spcBef>
+              <a:spcAft>
+                <a:spcPts val="0"/>
+              </a:spcAft>
+              <a:buClrTx/>
+              <a:buSzTx/>
+              <a:buFont typeface="Arial" pitchFamily="34" charset="0"/>
+              <a:buChar char="•"/>
+              <a:tabLst/>
+              <a:defRPr/>
+            </a:pPr>
+            <a:r>
+              <a:rPr kumimoji="0" lang="en-US" sz="3200" b="0" i="0" u="none" strike="noStrike" kern="1200" cap="none" spc="0" normalizeH="0" baseline="0" noProof="0" dirty="0" smtClean="0">
+                <a:ln>
+                  <a:noFill/>
+                </a:ln>
+                <a:solidFill>
+                  <a:schemeClr val="tx1"/>
+                </a:solidFill>
+                <a:effectLst/>
+                <a:uLnTx/>
+                <a:uFillTx/>
+                <a:latin typeface="+mn-lt"/>
+                <a:ea typeface="+mn-ea"/>
+                <a:cs typeface="+mn-cs"/>
+              </a:rPr>
+              <a:t>Backward pass</a:t>
+            </a:r>
+          </a:p>
+          <a:p>
+            <a:pPr marL="342900" marR="0" lvl="0" indent="-342900" algn="l" defTabSz="914400" rtl="0" eaLnBrk="1" fontAlgn="auto" latinLnBrk="0" hangingPunct="1">
+              <a:lnSpc>
+                <a:spcPct val="100000"/>
+              </a:lnSpc>
+              <a:spcBef>
+                <a:spcPct val="20000"/>
+              </a:spcBef>
+              <a:spcAft>
+                <a:spcPts val="0"/>
+              </a:spcAft>
+              <a:buClrTx/>
+              <a:buSzTx/>
+              <a:buFont typeface="Arial" pitchFamily="34" charset="0"/>
+              <a:buChar char="•"/>
+              <a:tabLst/>
+              <a:defRPr/>
+            </a:pPr>
+            <a:endParaRPr kumimoji="0" lang="en-US" sz="3200" b="0" i="0" u="none" strike="noStrike" kern="1200" cap="none" spc="0" normalizeH="0" baseline="0" noProof="0" dirty="0" smtClean="0">
+              <a:ln>
+                <a:noFill/>
+              </a:ln>
+              <a:solidFill>
+                <a:schemeClr val="tx1"/>
+              </a:solidFill>
+              <a:effectLst/>
+              <a:uLnTx/>
+              <a:uFillTx/>
+              <a:latin typeface="+mn-lt"/>
+              <a:ea typeface="+mn-ea"/>
+              <a:cs typeface="+mn-cs"/>
+            </a:endParaRPr>
+          </a:p>
+          <a:p>
+            <a:pPr marL="742950" marR="0" lvl="1" indent="-285750" algn="l" defTabSz="914400" rtl="0" eaLnBrk="1" fontAlgn="auto" latinLnBrk="0" hangingPunct="1">
+              <a:lnSpc>
+                <a:spcPct val="100000"/>
+              </a:lnSpc>
+              <a:spcBef>
+                <a:spcPct val="20000"/>
+              </a:spcBef>
+              <a:spcAft>
+                <a:spcPts val="0"/>
+              </a:spcAft>
+              <a:buClrTx/>
+              <a:buSzTx/>
+              <a:buFont typeface="Arial" pitchFamily="34" charset="0"/>
+              <a:buChar char="–"/>
+              <a:tabLst/>
+              <a:defRPr/>
+            </a:pPr>
+            <a:endParaRPr kumimoji="0" lang="en-US" sz="2800" b="0" i="0" u="none" strike="noStrike" kern="1200" cap="none" spc="0" normalizeH="0" baseline="0" noProof="0" dirty="0">
+              <a:ln>
+                <a:noFill/>
+              </a:ln>
+              <a:solidFill>
+                <a:schemeClr val="tx1"/>
+              </a:solidFill>
+              <a:effectLst/>
+              <a:uLnTx/>
+              <a:uFillTx/>
+              <a:latin typeface="+mn-lt"/>
+              <a:ea typeface="+mn-ea"/>
+              <a:cs typeface="+mn-cs"/>
+            </a:endParaRPr>
+          </a:p>
+        </p:txBody>
+      </p:sp>
+      <p:graphicFrame>
+        <p:nvGraphicFramePr>
+          <p:cNvPr id="31747" name="Object 3"/>
+          <p:cNvGraphicFramePr>
+            <a:graphicFrameLocks noChangeAspect="1"/>
+          </p:cNvGraphicFramePr>
+          <p:nvPr/>
+        </p:nvGraphicFramePr>
+        <p:xfrm>
+          <a:off x="4876800" y="2286000"/>
+          <a:ext cx="2449512" cy="858838"/>
+        </p:xfrm>
+        <a:graphic>
+          <a:graphicData uri="http://schemas.openxmlformats.org/presentationml/2006/ole">
+            <p:oleObj spid="_x0000_s32770" name="Equation" r:id="rId3" imgW="1231560" imgH="431640" progId="Equation.3">
+              <p:embed/>
+            </p:oleObj>
+          </a:graphicData>
+        </a:graphic>
+      </p:graphicFrame>
     </p:spTree>
   </p:cSld>
   <p:clrMapOvr>
     <a:masterClrMapping/>
   </p:clrMapOvr>
+  <p:timing>
+    <p:tnLst>
+      <p:par>
+        <p:cTn id="1" dur="indefinite" restart="never" nodeType="tmRoot"/>
+      </p:par>
+    </p:tnLst>
+  </p:timing>
 </p:sld>
 </file>
 
@@ -4895,14 +6600,19 @@
         <p:spPr/>
         <p:txBody>
           <a:bodyPr>
-            <a:normAutofit/>
+            <a:normAutofit lnSpcReduction="10000"/>
           </a:bodyPr>
           <a:lstStyle/>
           <a:p>
             <a:r>
               <a:rPr lang="en-US" dirty="0" smtClean="0"/>
-              <a:t>Supervised learning – Regression</a:t>
-            </a:r>
+              <a:t>Supervised </a:t>
+            </a:r>
+            <a:r>
+              <a:rPr lang="en-US" dirty="0" smtClean="0"/>
+              <a:t>learning – Regression model</a:t>
+            </a:r>
+            <a:endParaRPr lang="en-US" dirty="0" smtClean="0"/>
           </a:p>
           <a:p>
             <a:r>
@@ -4913,7 +6623,32 @@
           <a:p>
             <a:r>
               <a:rPr lang="en-US" dirty="0" smtClean="0"/>
-              <a:t>Algorithm</a:t>
+              <a:t>Least </a:t>
+            </a:r>
+            <a:r>
+              <a:rPr lang="en-US" dirty="0" smtClean="0"/>
+              <a:t>squares</a:t>
+            </a:r>
+          </a:p>
+          <a:p>
+            <a:r>
+              <a:rPr lang="en-US" dirty="0" smtClean="0"/>
+              <a:t>R</a:t>
+            </a:r>
+            <a:r>
+              <a:rPr lang="en-US" baseline="30000" dirty="0" smtClean="0"/>
+              <a:t>2</a:t>
+            </a:r>
+            <a:endParaRPr lang="en-US" baseline="30000" dirty="0" smtClean="0"/>
+          </a:p>
+          <a:p>
+            <a:r>
+              <a:rPr lang="en-US" dirty="0" smtClean="0"/>
+              <a:t>Adjusted R</a:t>
+            </a:r>
+            <a:r>
+              <a:rPr lang="en-US" baseline="30000" dirty="0" smtClean="0"/>
+              <a:t>2</a:t>
             </a:r>
           </a:p>
           <a:p>
@@ -4921,6 +6656,7 @@
               <a:rPr lang="en-US" dirty="0" smtClean="0"/>
               <a:t>Applications</a:t>
             </a:r>
+            <a:endParaRPr lang="en-US" dirty="0" smtClean="0"/>
           </a:p>
           <a:p>
             <a:r>
@@ -4981,110 +6717,450 @@
         </p:nvSpPr>
         <p:spPr/>
         <p:txBody>
-          <a:bodyPr/>
-          <a:lstStyle/>
-          <a:p>
-            <a:r>
-              <a:rPr lang="en-IN" dirty="0" smtClean="0"/>
-              <a:t>Lasso </a:t>
-            </a:r>
-            <a:r>
-              <a:rPr lang="en-IN" dirty="0" smtClean="0"/>
-              <a:t>Regression</a:t>
-            </a:r>
-            <a:endParaRPr lang="en-IN" dirty="0"/>
-          </a:p>
-        </p:txBody>
-      </p:sp>
-      <p:sp>
-        <p:nvSpPr>
-          <p:cNvPr id="3" name="Content Placeholder 2"/>
-          <p:cNvSpPr>
-            <a:spLocks noGrp="1"/>
-          </p:cNvSpPr>
-          <p:nvPr>
-            <p:ph idx="1"/>
-          </p:nvPr>
-        </p:nvSpPr>
-        <p:spPr/>
-        <p:txBody>
           <a:bodyPr>
             <a:normAutofit/>
           </a:bodyPr>
           <a:lstStyle/>
           <a:p>
             <a:r>
-              <a:rPr lang="en-IN" dirty="0" smtClean="0"/>
-              <a:t>Least Absolute Shrinkage Selector </a:t>
-            </a:r>
-            <a:r>
-              <a:rPr lang="en-IN" dirty="0" smtClean="0"/>
-              <a:t>Operator</a:t>
-            </a:r>
-          </a:p>
-          <a:p>
-            <a:r>
-              <a:rPr lang="en-IN" dirty="0" smtClean="0"/>
-              <a:t>L1 regularization technique</a:t>
-            </a:r>
-          </a:p>
-          <a:p>
-            <a:r>
-              <a:rPr lang="en-IN" smtClean="0"/>
-              <a:t>Reduce </a:t>
-            </a:r>
-            <a:r>
-              <a:rPr lang="en-IN" smtClean="0"/>
-              <a:t>coefficients</a:t>
-            </a:r>
-            <a:endParaRPr lang="en-IN" dirty="0" smtClean="0"/>
-          </a:p>
-          <a:p>
-            <a:r>
-              <a:rPr lang="en-IN" dirty="0" smtClean="0"/>
-              <a:t>Feature selection</a:t>
-            </a:r>
-          </a:p>
-          <a:p>
-            <a:pPr lvl="1"/>
-            <a:r>
-              <a:rPr lang="en-IN" dirty="0" smtClean="0"/>
-              <a:t>Select important features </a:t>
-            </a:r>
-          </a:p>
-          <a:p>
-            <a:pPr lvl="1"/>
-            <a:r>
-              <a:rPr lang="en-IN" dirty="0" smtClean="0"/>
-              <a:t>Reduce coefficients </a:t>
-            </a:r>
-            <a:r>
-              <a:rPr lang="en-IN" dirty="0" smtClean="0"/>
-              <a:t>of others to </a:t>
-            </a:r>
-            <a:r>
-              <a:rPr lang="en-IN" dirty="0" smtClean="0"/>
-              <a:t>zero</a:t>
-            </a:r>
-          </a:p>
-          <a:p>
-            <a:r>
-              <a:rPr lang="en-IN" dirty="0" smtClean="0"/>
-              <a:t>Suitable for more </a:t>
-            </a:r>
-            <a:r>
-              <a:rPr lang="en-IN" dirty="0" smtClean="0"/>
-              <a:t>number of features</a:t>
-            </a:r>
-            <a:endParaRPr lang="en-IN" dirty="0"/>
-          </a:p>
-        </p:txBody>
-      </p:sp>
+              <a:rPr lang="en-US" dirty="0" smtClean="0"/>
+              <a:t>Gradient Descent</a:t>
+            </a:r>
+            <a:endParaRPr lang="en-US" dirty="0"/>
+          </a:p>
+        </p:txBody>
+      </p:sp>
+      <p:sp>
+        <p:nvSpPr>
+          <p:cNvPr id="5" name="Content Placeholder 2"/>
+          <p:cNvSpPr txBox="1">
+            <a:spLocks/>
+          </p:cNvSpPr>
+          <p:nvPr/>
+        </p:nvSpPr>
+        <p:spPr>
+          <a:xfrm>
+            <a:off x="457200" y="1600200"/>
+            <a:ext cx="4114800" cy="4525963"/>
+          </a:xfrm>
+          <a:prstGeom prst="rect">
+            <a:avLst/>
+          </a:prstGeom>
+        </p:spPr>
+        <p:txBody>
+          <a:bodyPr vert="horz" lIns="91440" tIns="45720" rIns="91440" bIns="45720" rtlCol="0">
+            <a:normAutofit/>
+          </a:bodyPr>
+          <a:lstStyle/>
+          <a:p>
+            <a:pPr marL="342900" marR="0" lvl="0" indent="-342900" algn="l" defTabSz="914400" rtl="0" eaLnBrk="1" fontAlgn="auto" latinLnBrk="0" hangingPunct="1">
+              <a:lnSpc>
+                <a:spcPct val="100000"/>
+              </a:lnSpc>
+              <a:spcBef>
+                <a:spcPct val="20000"/>
+              </a:spcBef>
+              <a:spcAft>
+                <a:spcPts val="0"/>
+              </a:spcAft>
+              <a:buClrTx/>
+              <a:buSzTx/>
+              <a:buFont typeface="Arial" pitchFamily="34" charset="0"/>
+              <a:buChar char="•"/>
+              <a:tabLst/>
+              <a:defRPr/>
+            </a:pPr>
+            <a:r>
+              <a:rPr kumimoji="0" lang="en-US" sz="3200" b="0" i="0" u="none" strike="noStrike" kern="1200" cap="none" spc="0" normalizeH="0" baseline="0" noProof="0" dirty="0" smtClean="0">
+                <a:ln>
+                  <a:noFill/>
+                </a:ln>
+                <a:solidFill>
+                  <a:schemeClr val="tx1"/>
+                </a:solidFill>
+                <a:effectLst/>
+                <a:uLnTx/>
+                <a:uFillTx/>
+                <a:latin typeface="+mn-lt"/>
+                <a:ea typeface="+mn-ea"/>
+                <a:cs typeface="+mn-cs"/>
+              </a:rPr>
+              <a:t>Forward pass</a:t>
+            </a:r>
+          </a:p>
+          <a:p>
+            <a:pPr marL="742950" lvl="1" indent="-285750">
+              <a:spcBef>
+                <a:spcPct val="20000"/>
+              </a:spcBef>
+              <a:buFont typeface="Arial" pitchFamily="34" charset="0"/>
+              <a:buChar char="–"/>
+            </a:pPr>
+            <a:r>
+              <a:rPr lang="en-US" sz="2800" dirty="0" smtClean="0"/>
+              <a:t>ŷ </a:t>
+            </a:r>
+            <a:r>
+              <a:rPr lang="en-US" sz="2800" dirty="0" smtClean="0"/>
+              <a:t>= W</a:t>
+            </a:r>
+            <a:r>
+              <a:rPr lang="en-US" sz="2800" baseline="30000" dirty="0" smtClean="0"/>
+              <a:t>T</a:t>
+            </a:r>
+            <a:r>
+              <a:rPr lang="en-US" sz="2800" dirty="0" smtClean="0"/>
+              <a:t>X</a:t>
+            </a:r>
+            <a:r>
+              <a:rPr lang="en-US" sz="2800" baseline="30000" dirty="0" smtClean="0"/>
+              <a:t> </a:t>
+            </a:r>
+            <a:r>
+              <a:rPr kumimoji="0" lang="en-US" sz="2800" b="0" i="0" u="none" strike="noStrike" kern="1200" cap="none" spc="0" normalizeH="0" baseline="0" noProof="0" dirty="0" smtClean="0">
+                <a:ln>
+                  <a:noFill/>
+                </a:ln>
+                <a:solidFill>
+                  <a:schemeClr val="tx1"/>
+                </a:solidFill>
+                <a:effectLst/>
+                <a:uLnTx/>
+                <a:uFillTx/>
+                <a:latin typeface="+mn-lt"/>
+                <a:ea typeface="+mn-ea"/>
+                <a:cs typeface="+mn-cs"/>
+              </a:rPr>
+              <a:t>+ </a:t>
+            </a:r>
+            <a:r>
+              <a:rPr kumimoji="0" lang="en-US" sz="2800" b="0" i="0" u="none" strike="noStrike" kern="1200" cap="none" spc="0" normalizeH="0" baseline="0" noProof="0" dirty="0" smtClean="0">
+                <a:ln>
+                  <a:noFill/>
+                </a:ln>
+                <a:solidFill>
+                  <a:schemeClr val="tx1"/>
+                </a:solidFill>
+                <a:effectLst/>
+                <a:uLnTx/>
+                <a:uFillTx/>
+                <a:latin typeface="+mn-lt"/>
+                <a:ea typeface="+mn-ea"/>
+                <a:cs typeface="+mn-cs"/>
+              </a:rPr>
+              <a:t>b</a:t>
+            </a:r>
+            <a:endParaRPr lang="en-US" sz="2800" dirty="0" smtClean="0"/>
+          </a:p>
+          <a:p>
+            <a:pPr marL="742950" lvl="1" indent="-285750">
+              <a:spcBef>
+                <a:spcPct val="20000"/>
+              </a:spcBef>
+              <a:buFont typeface="Arial" pitchFamily="34" charset="0"/>
+              <a:buChar char="–"/>
+            </a:pPr>
+            <a:r>
+              <a:rPr lang="en-US" sz="2800" dirty="0" smtClean="0"/>
+              <a:t>L(y</a:t>
+            </a:r>
+            <a:r>
+              <a:rPr lang="en-US" sz="2800" baseline="30000" dirty="0" smtClean="0"/>
+              <a:t>(</a:t>
+            </a:r>
+            <a:r>
+              <a:rPr lang="en-US" sz="2800" baseline="30000" dirty="0" err="1" smtClean="0"/>
+              <a:t>i</a:t>
+            </a:r>
+            <a:r>
+              <a:rPr lang="en-US" sz="2800" baseline="30000" dirty="0" smtClean="0"/>
+              <a:t>)</a:t>
+            </a:r>
+            <a:r>
+              <a:rPr lang="en-US" sz="2800" dirty="0" smtClean="0"/>
+              <a:t>, ŷ</a:t>
+            </a:r>
+            <a:r>
+              <a:rPr lang="en-US" sz="2800" baseline="30000" dirty="0" smtClean="0"/>
+              <a:t>(</a:t>
+            </a:r>
+            <a:r>
+              <a:rPr lang="en-US" sz="2800" baseline="30000" dirty="0" err="1" smtClean="0"/>
+              <a:t>i</a:t>
+            </a:r>
+            <a:r>
+              <a:rPr lang="en-US" sz="2800" baseline="30000" dirty="0" smtClean="0"/>
+              <a:t>)</a:t>
+            </a:r>
+            <a:r>
+              <a:rPr lang="en-US" sz="2800" dirty="0" smtClean="0"/>
+              <a:t>)</a:t>
+            </a:r>
+            <a:endParaRPr lang="en-US" sz="2800" dirty="0" smtClean="0"/>
+          </a:p>
+          <a:p>
+            <a:pPr marL="742950" lvl="1" indent="-285750">
+              <a:spcBef>
+                <a:spcPct val="20000"/>
+              </a:spcBef>
+              <a:buFont typeface="Arial" pitchFamily="34" charset="0"/>
+              <a:buChar char="–"/>
+            </a:pPr>
+            <a:r>
+              <a:rPr lang="en-US" sz="2800" dirty="0" smtClean="0"/>
+              <a:t>J(W, b)</a:t>
+            </a:r>
+            <a:endParaRPr lang="en-US" sz="2800" dirty="0" smtClean="0"/>
+          </a:p>
+          <a:p>
+            <a:pPr marL="742950" lvl="1" indent="-285750">
+              <a:spcBef>
+                <a:spcPct val="20000"/>
+              </a:spcBef>
+              <a:buFont typeface="Arial" pitchFamily="34" charset="0"/>
+              <a:buChar char="–"/>
+            </a:pPr>
+            <a:endParaRPr kumimoji="0" lang="en-US" sz="2800" b="0" i="0" u="none" strike="noStrike" kern="1200" cap="none" spc="0" normalizeH="0" noProof="0" dirty="0" smtClean="0">
+              <a:ln>
+                <a:noFill/>
+              </a:ln>
+              <a:solidFill>
+                <a:schemeClr val="tx1"/>
+              </a:solidFill>
+              <a:effectLst/>
+              <a:uLnTx/>
+              <a:uFillTx/>
+              <a:latin typeface="+mn-lt"/>
+              <a:ea typeface="+mn-ea"/>
+              <a:cs typeface="+mn-cs"/>
+            </a:endParaRPr>
+          </a:p>
+          <a:p>
+            <a:pPr marL="342900" marR="0" lvl="0" indent="-342900" algn="l" defTabSz="914400" rtl="0" eaLnBrk="1" fontAlgn="auto" latinLnBrk="0" hangingPunct="1">
+              <a:lnSpc>
+                <a:spcPct val="100000"/>
+              </a:lnSpc>
+              <a:spcBef>
+                <a:spcPct val="20000"/>
+              </a:spcBef>
+              <a:spcAft>
+                <a:spcPts val="0"/>
+              </a:spcAft>
+              <a:buClrTx/>
+              <a:buSzTx/>
+              <a:buFont typeface="Arial" pitchFamily="34" charset="0"/>
+              <a:buChar char="•"/>
+              <a:tabLst/>
+              <a:defRPr/>
+            </a:pPr>
+            <a:endParaRPr kumimoji="0" lang="en-US" sz="3200" b="0" i="0" u="none" strike="noStrike" kern="1200" cap="none" spc="0" normalizeH="0" baseline="0" noProof="0" dirty="0" smtClean="0">
+              <a:ln>
+                <a:noFill/>
+              </a:ln>
+              <a:solidFill>
+                <a:schemeClr val="tx1"/>
+              </a:solidFill>
+              <a:effectLst/>
+              <a:uLnTx/>
+              <a:uFillTx/>
+              <a:latin typeface="+mn-lt"/>
+              <a:ea typeface="+mn-ea"/>
+              <a:cs typeface="+mn-cs"/>
+            </a:endParaRPr>
+          </a:p>
+          <a:p>
+            <a:pPr marL="742950" marR="0" lvl="1" indent="-285750" algn="l" defTabSz="914400" rtl="0" eaLnBrk="1" fontAlgn="auto" latinLnBrk="0" hangingPunct="1">
+              <a:lnSpc>
+                <a:spcPct val="100000"/>
+              </a:lnSpc>
+              <a:spcBef>
+                <a:spcPct val="20000"/>
+              </a:spcBef>
+              <a:spcAft>
+                <a:spcPts val="0"/>
+              </a:spcAft>
+              <a:buClrTx/>
+              <a:buSzTx/>
+              <a:buFont typeface="Arial" pitchFamily="34" charset="0"/>
+              <a:buChar char="–"/>
+              <a:tabLst/>
+              <a:defRPr/>
+            </a:pPr>
+            <a:endParaRPr kumimoji="0" lang="en-US" sz="2800" b="0" i="0" u="none" strike="noStrike" kern="1200" cap="none" spc="0" normalizeH="0" baseline="0" noProof="0" dirty="0">
+              <a:ln>
+                <a:noFill/>
+              </a:ln>
+              <a:solidFill>
+                <a:schemeClr val="tx1"/>
+              </a:solidFill>
+              <a:effectLst/>
+              <a:uLnTx/>
+              <a:uFillTx/>
+              <a:latin typeface="+mn-lt"/>
+              <a:ea typeface="+mn-ea"/>
+              <a:cs typeface="+mn-cs"/>
+            </a:endParaRPr>
+          </a:p>
+        </p:txBody>
+      </p:sp>
+      <p:sp>
+        <p:nvSpPr>
+          <p:cNvPr id="6" name="Content Placeholder 2"/>
+          <p:cNvSpPr txBox="1">
+            <a:spLocks/>
+          </p:cNvSpPr>
+          <p:nvPr/>
+        </p:nvSpPr>
+        <p:spPr>
+          <a:xfrm>
+            <a:off x="4724400" y="1600200"/>
+            <a:ext cx="4114800" cy="4525963"/>
+          </a:xfrm>
+          <a:prstGeom prst="rect">
+            <a:avLst/>
+          </a:prstGeom>
+        </p:spPr>
+        <p:txBody>
+          <a:bodyPr vert="horz" lIns="91440" tIns="45720" rIns="91440" bIns="45720" rtlCol="0">
+            <a:normAutofit/>
+          </a:bodyPr>
+          <a:lstStyle/>
+          <a:p>
+            <a:pPr marL="342900" marR="0" lvl="0" indent="-342900" algn="l" defTabSz="914400" rtl="0" eaLnBrk="1" fontAlgn="auto" latinLnBrk="0" hangingPunct="1">
+              <a:lnSpc>
+                <a:spcPct val="100000"/>
+              </a:lnSpc>
+              <a:spcBef>
+                <a:spcPct val="20000"/>
+              </a:spcBef>
+              <a:spcAft>
+                <a:spcPts val="0"/>
+              </a:spcAft>
+              <a:buClrTx/>
+              <a:buSzTx/>
+              <a:buFont typeface="Arial" pitchFamily="34" charset="0"/>
+              <a:buChar char="•"/>
+              <a:tabLst/>
+              <a:defRPr/>
+            </a:pPr>
+            <a:r>
+              <a:rPr kumimoji="0" lang="en-US" sz="3200" b="0" i="0" u="none" strike="noStrike" kern="1200" cap="none" spc="0" normalizeH="0" baseline="0" noProof="0" dirty="0" smtClean="0">
+                <a:ln>
+                  <a:noFill/>
+                </a:ln>
+                <a:solidFill>
+                  <a:schemeClr val="tx1"/>
+                </a:solidFill>
+                <a:effectLst/>
+                <a:uLnTx/>
+                <a:uFillTx/>
+                <a:latin typeface="+mn-lt"/>
+                <a:ea typeface="+mn-ea"/>
+                <a:cs typeface="+mn-cs"/>
+              </a:rPr>
+              <a:t>Backward pass</a:t>
+            </a:r>
+          </a:p>
+          <a:p>
+            <a:pPr marL="342900" marR="0" lvl="0" indent="-342900" algn="l" defTabSz="914400" rtl="0" eaLnBrk="1" fontAlgn="auto" latinLnBrk="0" hangingPunct="1">
+              <a:lnSpc>
+                <a:spcPct val="100000"/>
+              </a:lnSpc>
+              <a:spcBef>
+                <a:spcPct val="20000"/>
+              </a:spcBef>
+              <a:spcAft>
+                <a:spcPts val="0"/>
+              </a:spcAft>
+              <a:buClrTx/>
+              <a:buSzTx/>
+              <a:buFont typeface="Arial" pitchFamily="34" charset="0"/>
+              <a:buChar char="•"/>
+              <a:tabLst/>
+              <a:defRPr/>
+            </a:pPr>
+            <a:endParaRPr kumimoji="0" lang="en-US" sz="3200" b="0" i="0" u="none" strike="noStrike" kern="1200" cap="none" spc="0" normalizeH="0" baseline="0" noProof="0" dirty="0" smtClean="0">
+              <a:ln>
+                <a:noFill/>
+              </a:ln>
+              <a:solidFill>
+                <a:schemeClr val="tx1"/>
+              </a:solidFill>
+              <a:effectLst/>
+              <a:uLnTx/>
+              <a:uFillTx/>
+              <a:latin typeface="+mn-lt"/>
+              <a:ea typeface="+mn-ea"/>
+              <a:cs typeface="+mn-cs"/>
+            </a:endParaRPr>
+          </a:p>
+          <a:p>
+            <a:pPr marL="742950" marR="0" lvl="1" indent="-285750" algn="l" defTabSz="914400" rtl="0" eaLnBrk="1" fontAlgn="auto" latinLnBrk="0" hangingPunct="1">
+              <a:lnSpc>
+                <a:spcPct val="100000"/>
+              </a:lnSpc>
+              <a:spcBef>
+                <a:spcPct val="20000"/>
+              </a:spcBef>
+              <a:spcAft>
+                <a:spcPts val="0"/>
+              </a:spcAft>
+              <a:buClrTx/>
+              <a:buSzTx/>
+              <a:buFont typeface="Arial" pitchFamily="34" charset="0"/>
+              <a:buChar char="–"/>
+              <a:tabLst/>
+              <a:defRPr/>
+            </a:pPr>
+            <a:endParaRPr kumimoji="0" lang="en-US" sz="2800" b="0" i="0" u="none" strike="noStrike" kern="1200" cap="none" spc="0" normalizeH="0" baseline="0" noProof="0" dirty="0">
+              <a:ln>
+                <a:noFill/>
+              </a:ln>
+              <a:solidFill>
+                <a:schemeClr val="tx1"/>
+              </a:solidFill>
+              <a:effectLst/>
+              <a:uLnTx/>
+              <a:uFillTx/>
+              <a:latin typeface="+mn-lt"/>
+              <a:ea typeface="+mn-ea"/>
+              <a:cs typeface="+mn-cs"/>
+            </a:endParaRPr>
+          </a:p>
+        </p:txBody>
+      </p:sp>
+      <p:graphicFrame>
+        <p:nvGraphicFramePr>
+          <p:cNvPr id="31747" name="Object 3"/>
+          <p:cNvGraphicFramePr>
+            <a:graphicFrameLocks noChangeAspect="1"/>
+          </p:cNvGraphicFramePr>
+          <p:nvPr/>
+        </p:nvGraphicFramePr>
+        <p:xfrm>
+          <a:off x="4865688" y="2286000"/>
+          <a:ext cx="2525712" cy="2552700"/>
+        </p:xfrm>
+        <a:graphic>
+          <a:graphicData uri="http://schemas.openxmlformats.org/presentationml/2006/ole">
+            <p:oleObj spid="_x0000_s33794" name="Equation" r:id="rId3" imgW="1269720" imgH="1282680" progId="Equation.3">
+              <p:embed/>
+            </p:oleObj>
+          </a:graphicData>
+        </a:graphic>
+      </p:graphicFrame>
     </p:spTree>
   </p:cSld>
   <p:clrMapOvr>
     <a:masterClrMapping/>
   </p:clrMapOvr>
+  <p:timing>
+    <p:tnLst>
+      <p:par>
+        <p:cTn id="1" dur="indefinite" restart="never" nodeType="tmRoot"/>
+      </p:par>
+    </p:tnLst>
+  </p:timing>
 </p:sld>
 </file>
 
@@ -5117,79 +7193,450 @@
         </p:nvSpPr>
         <p:spPr/>
         <p:txBody>
-          <a:bodyPr/>
-          <a:lstStyle/>
-          <a:p>
-            <a:r>
-              <a:rPr lang="en-IN" dirty="0" smtClean="0"/>
-              <a:t>Ridge Regression</a:t>
-            </a:r>
-            <a:endParaRPr lang="en-IN" dirty="0"/>
-          </a:p>
-        </p:txBody>
-      </p:sp>
-      <p:sp>
-        <p:nvSpPr>
-          <p:cNvPr id="3" name="Content Placeholder 2"/>
-          <p:cNvSpPr>
-            <a:spLocks noGrp="1"/>
-          </p:cNvSpPr>
-          <p:nvPr>
-            <p:ph idx="1"/>
-          </p:nvPr>
-        </p:nvSpPr>
-        <p:spPr/>
-        <p:txBody>
-          <a:bodyPr/>
-          <a:lstStyle/>
-          <a:p>
-            <a:r>
-              <a:rPr lang="en-IN" dirty="0" smtClean="0"/>
-              <a:t>L2 regularization </a:t>
-            </a:r>
-            <a:r>
-              <a:rPr lang="en-IN" dirty="0" smtClean="0"/>
-              <a:t>technique</a:t>
-            </a:r>
-          </a:p>
-          <a:p>
-            <a:r>
-              <a:rPr lang="en-IN" dirty="0" smtClean="0"/>
-              <a:t>Reduce </a:t>
-            </a:r>
-            <a:r>
-              <a:rPr lang="en-IN" dirty="0" smtClean="0"/>
-              <a:t>coefficients</a:t>
-            </a:r>
-          </a:p>
-          <a:p>
-            <a:r>
-              <a:rPr lang="en-IN" dirty="0" smtClean="0"/>
-              <a:t>Reduce model complexity</a:t>
-            </a:r>
-          </a:p>
-          <a:p>
-            <a:r>
-              <a:rPr lang="en-IN" dirty="0" smtClean="0"/>
-              <a:t>Prevent </a:t>
-            </a:r>
-            <a:r>
-              <a:rPr lang="en-IN" dirty="0" err="1" smtClean="0"/>
-              <a:t>multicollinearity</a:t>
-            </a:r>
-            <a:r>
-              <a:rPr lang="en-IN" dirty="0" smtClean="0"/>
+          <a:bodyPr>
+            <a:normAutofit/>
+          </a:bodyPr>
+          <a:lstStyle/>
+          <a:p>
+            <a:r>
+              <a:rPr lang="en-US" dirty="0" smtClean="0"/>
+              <a:t>Gradient Descent</a:t>
+            </a:r>
+            <a:endParaRPr lang="en-US" dirty="0"/>
+          </a:p>
+        </p:txBody>
+      </p:sp>
+      <p:sp>
+        <p:nvSpPr>
+          <p:cNvPr id="5" name="Content Placeholder 2"/>
+          <p:cNvSpPr txBox="1">
+            <a:spLocks/>
+          </p:cNvSpPr>
+          <p:nvPr/>
+        </p:nvSpPr>
+        <p:spPr>
+          <a:xfrm>
+            <a:off x="457200" y="1600200"/>
+            <a:ext cx="4114800" cy="4525963"/>
+          </a:xfrm>
+          <a:prstGeom prst="rect">
+            <a:avLst/>
+          </a:prstGeom>
+        </p:spPr>
+        <p:txBody>
+          <a:bodyPr vert="horz" lIns="91440" tIns="45720" rIns="91440" bIns="45720" rtlCol="0">
+            <a:normAutofit/>
+          </a:bodyPr>
+          <a:lstStyle/>
+          <a:p>
+            <a:pPr marL="342900" marR="0" lvl="0" indent="-342900" algn="l" defTabSz="914400" rtl="0" eaLnBrk="1" fontAlgn="auto" latinLnBrk="0" hangingPunct="1">
+              <a:lnSpc>
+                <a:spcPct val="100000"/>
+              </a:lnSpc>
+              <a:spcBef>
+                <a:spcPct val="20000"/>
+              </a:spcBef>
+              <a:spcAft>
+                <a:spcPts val="0"/>
+              </a:spcAft>
+              <a:buClrTx/>
+              <a:buSzTx/>
+              <a:buFont typeface="Arial" pitchFamily="34" charset="0"/>
+              <a:buChar char="•"/>
+              <a:tabLst/>
+              <a:defRPr/>
+            </a:pPr>
+            <a:r>
+              <a:rPr kumimoji="0" lang="en-US" sz="3200" b="0" i="0" u="none" strike="noStrike" kern="1200" cap="none" spc="0" normalizeH="0" baseline="0" noProof="0" dirty="0" smtClean="0">
+                <a:ln>
+                  <a:noFill/>
+                </a:ln>
+                <a:solidFill>
+                  <a:schemeClr val="tx1"/>
+                </a:solidFill>
+                <a:effectLst/>
+                <a:uLnTx/>
+                <a:uFillTx/>
+                <a:latin typeface="+mn-lt"/>
+                <a:ea typeface="+mn-ea"/>
+                <a:cs typeface="+mn-cs"/>
+              </a:rPr>
+              <a:t>Forward pass</a:t>
+            </a:r>
+          </a:p>
+          <a:p>
+            <a:pPr marL="742950" lvl="1" indent="-285750">
+              <a:spcBef>
+                <a:spcPct val="20000"/>
+              </a:spcBef>
+              <a:buFont typeface="Arial" pitchFamily="34" charset="0"/>
+              <a:buChar char="–"/>
+            </a:pPr>
+            <a:r>
+              <a:rPr lang="en-US" sz="2800" dirty="0" smtClean="0"/>
+              <a:t>ŷ </a:t>
+            </a:r>
+            <a:r>
+              <a:rPr lang="en-US" sz="2800" dirty="0" smtClean="0"/>
+              <a:t>= W</a:t>
+            </a:r>
+            <a:r>
+              <a:rPr lang="en-US" sz="2800" baseline="30000" dirty="0" smtClean="0"/>
+              <a:t>T</a:t>
+            </a:r>
+            <a:r>
+              <a:rPr lang="en-US" sz="2800" dirty="0" smtClean="0"/>
+              <a:t>X</a:t>
+            </a:r>
+            <a:r>
+              <a:rPr lang="en-US" sz="2800" baseline="30000" dirty="0" smtClean="0"/>
               <a:t> </a:t>
             </a:r>
-            <a:endParaRPr lang="en-IN" dirty="0" smtClean="0"/>
-          </a:p>
-        </p:txBody>
-      </p:sp>
+            <a:r>
+              <a:rPr kumimoji="0" lang="en-US" sz="2800" b="0" i="0" u="none" strike="noStrike" kern="1200" cap="none" spc="0" normalizeH="0" baseline="0" noProof="0" dirty="0" smtClean="0">
+                <a:ln>
+                  <a:noFill/>
+                </a:ln>
+                <a:solidFill>
+                  <a:schemeClr val="tx1"/>
+                </a:solidFill>
+                <a:effectLst/>
+                <a:uLnTx/>
+                <a:uFillTx/>
+                <a:latin typeface="+mn-lt"/>
+                <a:ea typeface="+mn-ea"/>
+                <a:cs typeface="+mn-cs"/>
+              </a:rPr>
+              <a:t>+ </a:t>
+            </a:r>
+            <a:r>
+              <a:rPr kumimoji="0" lang="en-US" sz="2800" b="0" i="0" u="none" strike="noStrike" kern="1200" cap="none" spc="0" normalizeH="0" baseline="0" noProof="0" dirty="0" smtClean="0">
+                <a:ln>
+                  <a:noFill/>
+                </a:ln>
+                <a:solidFill>
+                  <a:schemeClr val="tx1"/>
+                </a:solidFill>
+                <a:effectLst/>
+                <a:uLnTx/>
+                <a:uFillTx/>
+                <a:latin typeface="+mn-lt"/>
+                <a:ea typeface="+mn-ea"/>
+                <a:cs typeface="+mn-cs"/>
+              </a:rPr>
+              <a:t>b</a:t>
+            </a:r>
+            <a:endParaRPr lang="en-US" sz="2800" dirty="0" smtClean="0"/>
+          </a:p>
+          <a:p>
+            <a:pPr marL="742950" lvl="1" indent="-285750">
+              <a:spcBef>
+                <a:spcPct val="20000"/>
+              </a:spcBef>
+              <a:buFont typeface="Arial" pitchFamily="34" charset="0"/>
+              <a:buChar char="–"/>
+            </a:pPr>
+            <a:r>
+              <a:rPr lang="en-US" sz="2800" dirty="0" smtClean="0"/>
+              <a:t>L(y</a:t>
+            </a:r>
+            <a:r>
+              <a:rPr lang="en-US" sz="2800" baseline="30000" dirty="0" smtClean="0"/>
+              <a:t>(</a:t>
+            </a:r>
+            <a:r>
+              <a:rPr lang="en-US" sz="2800" baseline="30000" dirty="0" err="1" smtClean="0"/>
+              <a:t>i</a:t>
+            </a:r>
+            <a:r>
+              <a:rPr lang="en-US" sz="2800" baseline="30000" dirty="0" smtClean="0"/>
+              <a:t>)</a:t>
+            </a:r>
+            <a:r>
+              <a:rPr lang="en-US" sz="2800" dirty="0" smtClean="0"/>
+              <a:t>, ŷ</a:t>
+            </a:r>
+            <a:r>
+              <a:rPr lang="en-US" sz="2800" baseline="30000" dirty="0" smtClean="0"/>
+              <a:t>(</a:t>
+            </a:r>
+            <a:r>
+              <a:rPr lang="en-US" sz="2800" baseline="30000" dirty="0" err="1" smtClean="0"/>
+              <a:t>i</a:t>
+            </a:r>
+            <a:r>
+              <a:rPr lang="en-US" sz="2800" baseline="30000" dirty="0" smtClean="0"/>
+              <a:t>)</a:t>
+            </a:r>
+            <a:r>
+              <a:rPr lang="en-US" sz="2800" dirty="0" smtClean="0"/>
+              <a:t>)</a:t>
+            </a:r>
+            <a:endParaRPr lang="en-US" sz="2800" dirty="0" smtClean="0"/>
+          </a:p>
+          <a:p>
+            <a:pPr marL="742950" lvl="1" indent="-285750">
+              <a:spcBef>
+                <a:spcPct val="20000"/>
+              </a:spcBef>
+              <a:buFont typeface="Arial" pitchFamily="34" charset="0"/>
+              <a:buChar char="–"/>
+            </a:pPr>
+            <a:r>
+              <a:rPr lang="en-US" sz="2800" dirty="0" smtClean="0"/>
+              <a:t>J(W, b)</a:t>
+            </a:r>
+            <a:endParaRPr lang="en-US" sz="2800" dirty="0" smtClean="0"/>
+          </a:p>
+          <a:p>
+            <a:pPr marL="742950" lvl="1" indent="-285750">
+              <a:spcBef>
+                <a:spcPct val="20000"/>
+              </a:spcBef>
+              <a:buFont typeface="Arial" pitchFamily="34" charset="0"/>
+              <a:buChar char="–"/>
+            </a:pPr>
+            <a:endParaRPr kumimoji="0" lang="en-US" sz="2800" b="0" i="0" u="none" strike="noStrike" kern="1200" cap="none" spc="0" normalizeH="0" noProof="0" dirty="0" smtClean="0">
+              <a:ln>
+                <a:noFill/>
+              </a:ln>
+              <a:solidFill>
+                <a:schemeClr val="tx1"/>
+              </a:solidFill>
+              <a:effectLst/>
+              <a:uLnTx/>
+              <a:uFillTx/>
+              <a:latin typeface="+mn-lt"/>
+              <a:ea typeface="+mn-ea"/>
+              <a:cs typeface="+mn-cs"/>
+            </a:endParaRPr>
+          </a:p>
+          <a:p>
+            <a:pPr marL="342900" marR="0" lvl="0" indent="-342900" algn="l" defTabSz="914400" rtl="0" eaLnBrk="1" fontAlgn="auto" latinLnBrk="0" hangingPunct="1">
+              <a:lnSpc>
+                <a:spcPct val="100000"/>
+              </a:lnSpc>
+              <a:spcBef>
+                <a:spcPct val="20000"/>
+              </a:spcBef>
+              <a:spcAft>
+                <a:spcPts val="0"/>
+              </a:spcAft>
+              <a:buClrTx/>
+              <a:buSzTx/>
+              <a:buFont typeface="Arial" pitchFamily="34" charset="0"/>
+              <a:buChar char="•"/>
+              <a:tabLst/>
+              <a:defRPr/>
+            </a:pPr>
+            <a:endParaRPr kumimoji="0" lang="en-US" sz="3200" b="0" i="0" u="none" strike="noStrike" kern="1200" cap="none" spc="0" normalizeH="0" baseline="0" noProof="0" dirty="0" smtClean="0">
+              <a:ln>
+                <a:noFill/>
+              </a:ln>
+              <a:solidFill>
+                <a:schemeClr val="tx1"/>
+              </a:solidFill>
+              <a:effectLst/>
+              <a:uLnTx/>
+              <a:uFillTx/>
+              <a:latin typeface="+mn-lt"/>
+              <a:ea typeface="+mn-ea"/>
+              <a:cs typeface="+mn-cs"/>
+            </a:endParaRPr>
+          </a:p>
+          <a:p>
+            <a:pPr marL="742950" marR="0" lvl="1" indent="-285750" algn="l" defTabSz="914400" rtl="0" eaLnBrk="1" fontAlgn="auto" latinLnBrk="0" hangingPunct="1">
+              <a:lnSpc>
+                <a:spcPct val="100000"/>
+              </a:lnSpc>
+              <a:spcBef>
+                <a:spcPct val="20000"/>
+              </a:spcBef>
+              <a:spcAft>
+                <a:spcPts val="0"/>
+              </a:spcAft>
+              <a:buClrTx/>
+              <a:buSzTx/>
+              <a:buFont typeface="Arial" pitchFamily="34" charset="0"/>
+              <a:buChar char="–"/>
+              <a:tabLst/>
+              <a:defRPr/>
+            </a:pPr>
+            <a:endParaRPr kumimoji="0" lang="en-US" sz="2800" b="0" i="0" u="none" strike="noStrike" kern="1200" cap="none" spc="0" normalizeH="0" baseline="0" noProof="0" dirty="0">
+              <a:ln>
+                <a:noFill/>
+              </a:ln>
+              <a:solidFill>
+                <a:schemeClr val="tx1"/>
+              </a:solidFill>
+              <a:effectLst/>
+              <a:uLnTx/>
+              <a:uFillTx/>
+              <a:latin typeface="+mn-lt"/>
+              <a:ea typeface="+mn-ea"/>
+              <a:cs typeface="+mn-cs"/>
+            </a:endParaRPr>
+          </a:p>
+        </p:txBody>
+      </p:sp>
+      <p:sp>
+        <p:nvSpPr>
+          <p:cNvPr id="6" name="Content Placeholder 2"/>
+          <p:cNvSpPr txBox="1">
+            <a:spLocks/>
+          </p:cNvSpPr>
+          <p:nvPr/>
+        </p:nvSpPr>
+        <p:spPr>
+          <a:xfrm>
+            <a:off x="4724400" y="1600200"/>
+            <a:ext cx="4114800" cy="4525963"/>
+          </a:xfrm>
+          <a:prstGeom prst="rect">
+            <a:avLst/>
+          </a:prstGeom>
+        </p:spPr>
+        <p:txBody>
+          <a:bodyPr vert="horz" lIns="91440" tIns="45720" rIns="91440" bIns="45720" rtlCol="0">
+            <a:normAutofit/>
+          </a:bodyPr>
+          <a:lstStyle/>
+          <a:p>
+            <a:pPr marL="342900" marR="0" lvl="0" indent="-342900" algn="l" defTabSz="914400" rtl="0" eaLnBrk="1" fontAlgn="auto" latinLnBrk="0" hangingPunct="1">
+              <a:lnSpc>
+                <a:spcPct val="100000"/>
+              </a:lnSpc>
+              <a:spcBef>
+                <a:spcPct val="20000"/>
+              </a:spcBef>
+              <a:spcAft>
+                <a:spcPts val="0"/>
+              </a:spcAft>
+              <a:buClrTx/>
+              <a:buSzTx/>
+              <a:buFont typeface="Arial" pitchFamily="34" charset="0"/>
+              <a:buChar char="•"/>
+              <a:tabLst/>
+              <a:defRPr/>
+            </a:pPr>
+            <a:r>
+              <a:rPr kumimoji="0" lang="en-US" sz="3200" b="0" i="0" u="none" strike="noStrike" kern="1200" cap="none" spc="0" normalizeH="0" baseline="0" noProof="0" dirty="0" smtClean="0">
+                <a:ln>
+                  <a:noFill/>
+                </a:ln>
+                <a:solidFill>
+                  <a:schemeClr val="tx1"/>
+                </a:solidFill>
+                <a:effectLst/>
+                <a:uLnTx/>
+                <a:uFillTx/>
+                <a:latin typeface="+mn-lt"/>
+                <a:ea typeface="+mn-ea"/>
+                <a:cs typeface="+mn-cs"/>
+              </a:rPr>
+              <a:t>Backward pass</a:t>
+            </a:r>
+          </a:p>
+          <a:p>
+            <a:pPr marL="342900" marR="0" lvl="0" indent="-342900" algn="l" defTabSz="914400" rtl="0" eaLnBrk="1" fontAlgn="auto" latinLnBrk="0" hangingPunct="1">
+              <a:lnSpc>
+                <a:spcPct val="100000"/>
+              </a:lnSpc>
+              <a:spcBef>
+                <a:spcPct val="20000"/>
+              </a:spcBef>
+              <a:spcAft>
+                <a:spcPts val="0"/>
+              </a:spcAft>
+              <a:buClrTx/>
+              <a:buSzTx/>
+              <a:buFont typeface="Arial" pitchFamily="34" charset="0"/>
+              <a:buChar char="•"/>
+              <a:tabLst/>
+              <a:defRPr/>
+            </a:pPr>
+            <a:endParaRPr kumimoji="0" lang="en-US" sz="3200" b="0" i="0" u="none" strike="noStrike" kern="1200" cap="none" spc="0" normalizeH="0" baseline="0" noProof="0" dirty="0" smtClean="0">
+              <a:ln>
+                <a:noFill/>
+              </a:ln>
+              <a:solidFill>
+                <a:schemeClr val="tx1"/>
+              </a:solidFill>
+              <a:effectLst/>
+              <a:uLnTx/>
+              <a:uFillTx/>
+              <a:latin typeface="+mn-lt"/>
+              <a:ea typeface="+mn-ea"/>
+              <a:cs typeface="+mn-cs"/>
+            </a:endParaRPr>
+          </a:p>
+          <a:p>
+            <a:pPr marL="742950" marR="0" lvl="1" indent="-285750" algn="l" defTabSz="914400" rtl="0" eaLnBrk="1" fontAlgn="auto" latinLnBrk="0" hangingPunct="1">
+              <a:lnSpc>
+                <a:spcPct val="100000"/>
+              </a:lnSpc>
+              <a:spcBef>
+                <a:spcPct val="20000"/>
+              </a:spcBef>
+              <a:spcAft>
+                <a:spcPts val="0"/>
+              </a:spcAft>
+              <a:buClrTx/>
+              <a:buSzTx/>
+              <a:buFont typeface="Arial" pitchFamily="34" charset="0"/>
+              <a:buChar char="–"/>
+              <a:tabLst/>
+              <a:defRPr/>
+            </a:pPr>
+            <a:endParaRPr kumimoji="0" lang="en-US" sz="2800" b="0" i="0" u="none" strike="noStrike" kern="1200" cap="none" spc="0" normalizeH="0" baseline="0" noProof="0" dirty="0">
+              <a:ln>
+                <a:noFill/>
+              </a:ln>
+              <a:solidFill>
+                <a:schemeClr val="tx1"/>
+              </a:solidFill>
+              <a:effectLst/>
+              <a:uLnTx/>
+              <a:uFillTx/>
+              <a:latin typeface="+mn-lt"/>
+              <a:ea typeface="+mn-ea"/>
+              <a:cs typeface="+mn-cs"/>
+            </a:endParaRPr>
+          </a:p>
+        </p:txBody>
+      </p:sp>
+      <p:graphicFrame>
+        <p:nvGraphicFramePr>
+          <p:cNvPr id="31747" name="Object 3"/>
+          <p:cNvGraphicFramePr>
+            <a:graphicFrameLocks noChangeAspect="1"/>
+          </p:cNvGraphicFramePr>
+          <p:nvPr/>
+        </p:nvGraphicFramePr>
+        <p:xfrm>
+          <a:off x="4876800" y="2362200"/>
+          <a:ext cx="2752725" cy="403225"/>
+        </p:xfrm>
+        <a:graphic>
+          <a:graphicData uri="http://schemas.openxmlformats.org/presentationml/2006/ole">
+            <p:oleObj spid="_x0000_s34818" name="Equation" r:id="rId3" imgW="1384200" imgH="203040" progId="Equation.3">
+              <p:embed/>
+            </p:oleObj>
+          </a:graphicData>
+        </a:graphic>
+      </p:graphicFrame>
     </p:spTree>
   </p:cSld>
   <p:clrMapOvr>
     <a:masterClrMapping/>
   </p:clrMapOvr>
+  <p:timing>
+    <p:tnLst>
+      <p:par>
+        <p:cTn id="1" dur="indefinite" restart="never" nodeType="tmRoot"/>
+      </p:par>
+    </p:tnLst>
+  </p:timing>
 </p:sld>
 </file>
 
@@ -5227,7 +7674,11 @@
           <a:p>
             <a:r>
               <a:rPr lang="en-IN" dirty="0" smtClean="0"/>
-              <a:t>Elastic Net Regression</a:t>
+              <a:t>R</a:t>
+            </a:r>
+            <a:r>
+              <a:rPr lang="en-IN" baseline="30000" dirty="0" smtClean="0"/>
+              <a:t>2</a:t>
             </a:r>
             <a:endParaRPr lang="en-IN" dirty="0"/>
           </a:p>
@@ -5245,18 +7696,58 @@
         </p:nvSpPr>
         <p:spPr/>
         <p:txBody>
-          <a:bodyPr/>
-          <a:lstStyle/>
-          <a:p>
+          <a:bodyPr>
+            <a:normAutofit fontScale="92500" lnSpcReduction="10000"/>
+          </a:bodyPr>
+          <a:lstStyle/>
+          <a:p>
+            <a:pPr algn="just"/>
             <a:r>
               <a:rPr lang="en-IN" dirty="0" smtClean="0"/>
-              <a:t>L1 and L2 </a:t>
-            </a:r>
+              <a:t>Coefficient of determination</a:t>
+            </a:r>
+          </a:p>
+          <a:p>
+            <a:pPr algn="just"/>
             <a:r>
               <a:rPr lang="en-IN" dirty="0" smtClean="0"/>
-              <a:t>regularization technique</a:t>
-            </a:r>
-            <a:endParaRPr lang="en-IN" dirty="0"/>
+              <a:t>Coefficient of multiple determination</a:t>
+            </a:r>
+          </a:p>
+          <a:p>
+            <a:pPr algn="just"/>
+            <a:r>
+              <a:rPr lang="en-IN" dirty="0" smtClean="0"/>
+              <a:t>Strength of relationship</a:t>
+            </a:r>
+          </a:p>
+          <a:p>
+            <a:pPr algn="just"/>
+            <a:r>
+              <a:rPr lang="en-IN" dirty="0" smtClean="0"/>
+              <a:t>Value between 0.0 – 1.0</a:t>
+            </a:r>
+          </a:p>
+          <a:p>
+            <a:pPr algn="just"/>
+            <a:r>
+              <a:rPr lang="en-IN" dirty="0" smtClean="0"/>
+              <a:t>Percentage value</a:t>
+            </a:r>
+          </a:p>
+          <a:p>
+            <a:pPr algn="just"/>
+            <a:r>
+              <a:rPr lang="en-IN" dirty="0" smtClean="0"/>
+              <a:t>Independent variable explains p percent of variation in dependent variable</a:t>
+            </a:r>
+          </a:p>
+          <a:p>
+            <a:pPr algn="just"/>
+            <a:r>
+              <a:rPr lang="en-IN" dirty="0" smtClean="0"/>
+              <a:t>Independent variable reduces p percent of variation in dependent variable  </a:t>
+            </a:r>
           </a:p>
         </p:txBody>
       </p:sp>
@@ -5265,6 +7756,13 @@
   <p:clrMapOvr>
     <a:masterClrMapping/>
   </p:clrMapOvr>
+  <p:timing>
+    <p:tnLst>
+      <p:par>
+        <p:cTn id="1" dur="indefinite" restart="never" nodeType="tmRoot"/>
+      </p:par>
+    </p:tnLst>
+  </p:timing>
 </p:sld>
 </file>
 
@@ -5301,10 +7799,14 @@
           <a:lstStyle/>
           <a:p>
             <a:r>
-              <a:rPr lang="en-US" dirty="0" smtClean="0"/>
-              <a:t>Disadvantages</a:t>
-            </a:r>
-            <a:endParaRPr lang="en-US" dirty="0"/>
+              <a:rPr lang="en-IN" dirty="0" smtClean="0"/>
+              <a:t>Adjusted R</a:t>
+            </a:r>
+            <a:r>
+              <a:rPr lang="en-IN" baseline="30000" dirty="0" smtClean="0"/>
+              <a:t>2</a:t>
+            </a:r>
+            <a:endParaRPr lang="en-IN" dirty="0"/>
           </a:p>
         </p:txBody>
       </p:sp>
@@ -5327,45 +7829,87 @@
           <a:p>
             <a:r>
               <a:rPr lang="en-IN" dirty="0" smtClean="0"/>
-              <a:t>Assumption of linearity </a:t>
+              <a:t>R</a:t>
+            </a:r>
+            <a:r>
+              <a:rPr lang="en-IN" baseline="30000" dirty="0" smtClean="0"/>
+              <a:t>2</a:t>
             </a:r>
           </a:p>
           <a:p>
             <a:pPr lvl="1"/>
             <a:r>
               <a:rPr lang="en-IN" dirty="0" smtClean="0"/>
-              <a:t>Independent variables</a:t>
+              <a:t>Increase independent variables – Increase R</a:t>
+            </a:r>
+            <a:r>
+              <a:rPr lang="en-IN" baseline="30000" dirty="0" smtClean="0"/>
+              <a:t>2</a:t>
             </a:r>
           </a:p>
           <a:p>
             <a:pPr lvl="1"/>
             <a:r>
               <a:rPr lang="en-IN" dirty="0" smtClean="0"/>
-              <a:t>Dependent variables</a:t>
-            </a:r>
-          </a:p>
-          <a:p>
-            <a:r>
-              <a:rPr lang="en-US" dirty="0" smtClean="0"/>
-              <a:t>Prone to noise</a:t>
-            </a:r>
-          </a:p>
-          <a:p>
-            <a:r>
-              <a:rPr lang="en-US" dirty="0" smtClean="0"/>
-              <a:t>Sensitive to outliers</a:t>
-            </a:r>
-          </a:p>
-          <a:p>
-            <a:r>
-              <a:rPr lang="en-US" dirty="0" smtClean="0"/>
-              <a:t>Prone to </a:t>
-            </a:r>
-            <a:r>
-              <a:rPr lang="en-US" dirty="0" err="1" smtClean="0"/>
-              <a:t>multicollinearity</a:t>
-            </a:r>
-            <a:endParaRPr lang="en-US" dirty="0"/>
+              <a:t>Increase independent variables – Constant R</a:t>
+            </a:r>
+            <a:r>
+              <a:rPr lang="en-IN" baseline="30000" dirty="0" smtClean="0"/>
+              <a:t>2</a:t>
+            </a:r>
+          </a:p>
+          <a:p>
+            <a:r>
+              <a:rPr lang="en-IN" dirty="0" smtClean="0"/>
+              <a:t>Adjusted R</a:t>
+            </a:r>
+            <a:r>
+              <a:rPr lang="en-IN" baseline="30000" dirty="0" smtClean="0"/>
+              <a:t>2</a:t>
+            </a:r>
+          </a:p>
+          <a:p>
+            <a:pPr lvl="1"/>
+            <a:r>
+              <a:rPr lang="en-IN" dirty="0" smtClean="0"/>
+              <a:t>Increase independent variables </a:t>
+            </a:r>
+            <a:r>
+              <a:rPr lang="en-IN" dirty="0" smtClean="0">
+                <a:solidFill>
+                  <a:srgbClr val="00B050"/>
+                </a:solidFill>
+              </a:rPr>
+              <a:t>(then)</a:t>
+            </a:r>
+            <a:r>
+              <a:rPr lang="en-IN" dirty="0" smtClean="0"/>
+              <a:t> </a:t>
+            </a:r>
+          </a:p>
+          <a:p>
+            <a:pPr lvl="1"/>
+            <a:r>
+              <a:rPr lang="en-IN" dirty="0" smtClean="0"/>
+              <a:t>Increase model accuracy </a:t>
+            </a:r>
+            <a:r>
+              <a:rPr lang="en-IN" dirty="0" smtClean="0">
+                <a:solidFill>
+                  <a:srgbClr val="00B050"/>
+                </a:solidFill>
+              </a:rPr>
+              <a:t>(then only)</a:t>
+            </a:r>
+            <a:endParaRPr lang="en-IN" dirty="0" smtClean="0"/>
+          </a:p>
+          <a:p>
+            <a:pPr lvl="1"/>
+            <a:r>
+              <a:rPr lang="en-IN" dirty="0" smtClean="0"/>
+              <a:t>Increase adjusted R2</a:t>
+            </a:r>
+            <a:endParaRPr lang="en-IN" dirty="0"/>
           </a:p>
         </p:txBody>
       </p:sp>
@@ -5413,74 +7957,89 @@
         </p:nvSpPr>
         <p:spPr/>
         <p:txBody>
+          <a:bodyPr>
+            <a:normAutofit/>
+          </a:bodyPr>
+          <a:lstStyle/>
+          <a:p>
+            <a:r>
+              <a:rPr lang="en-US" dirty="0" smtClean="0"/>
+              <a:t>Applications</a:t>
+            </a:r>
+            <a:endParaRPr lang="en-US" dirty="0"/>
+          </a:p>
+        </p:txBody>
+      </p:sp>
+      <p:sp>
+        <p:nvSpPr>
+          <p:cNvPr id="3" name="Content Placeholder 2"/>
+          <p:cNvSpPr>
+            <a:spLocks noGrp="1"/>
+          </p:cNvSpPr>
+          <p:nvPr>
+            <p:ph idx="1"/>
+          </p:nvPr>
+        </p:nvSpPr>
+        <p:spPr>
+          <a:xfrm>
+            <a:off x="304800" y="1600200"/>
+            <a:ext cx="8534400" cy="4525963"/>
+          </a:xfrm>
+        </p:spPr>
+        <p:txBody>
           <a:bodyPr/>
           <a:lstStyle/>
           <a:p>
             <a:r>
-              <a:rPr lang="en-IN" dirty="0" err="1" smtClean="0"/>
-              <a:t>Multicollinearity</a:t>
-            </a:r>
-            <a:endParaRPr lang="en-IN" dirty="0"/>
-          </a:p>
-        </p:txBody>
-      </p:sp>
-      <p:sp>
-        <p:nvSpPr>
-          <p:cNvPr id="3" name="Content Placeholder 2"/>
-          <p:cNvSpPr>
-            <a:spLocks noGrp="1"/>
-          </p:cNvSpPr>
-          <p:nvPr>
-            <p:ph idx="1"/>
-          </p:nvPr>
-        </p:nvSpPr>
-        <p:spPr/>
-        <p:txBody>
-          <a:bodyPr/>
-          <a:lstStyle/>
-          <a:p>
-            <a:r>
-              <a:rPr lang="en-IN" dirty="0" smtClean="0"/>
-              <a:t>Correlated independent variables</a:t>
-            </a:r>
-          </a:p>
-          <a:p>
-            <a:r>
-              <a:rPr lang="en-IN" dirty="0" smtClean="0"/>
-              <a:t>Example</a:t>
+              <a:rPr lang="en-US" dirty="0" smtClean="0"/>
+              <a:t>Inputs to response mapping</a:t>
+            </a:r>
+          </a:p>
+          <a:p>
+            <a:r>
+              <a:rPr lang="en-US" dirty="0" smtClean="0"/>
+              <a:t>Error reduction</a:t>
+            </a:r>
+          </a:p>
+          <a:p>
+            <a:r>
+              <a:rPr lang="en-US" dirty="0" smtClean="0"/>
+              <a:t>Prediction</a:t>
             </a:r>
           </a:p>
           <a:p>
             <a:pPr lvl="1"/>
             <a:r>
-              <a:rPr lang="en-IN" dirty="0" smtClean="0"/>
-              <a:t>Independent variables </a:t>
-            </a:r>
-          </a:p>
-          <a:p>
-            <a:pPr lvl="2"/>
-            <a:r>
-              <a:rPr lang="en-IN" dirty="0" smtClean="0"/>
-              <a:t>Radius of a circle</a:t>
-            </a:r>
-          </a:p>
-          <a:p>
-            <a:pPr lvl="2"/>
-            <a:r>
-              <a:rPr lang="en-IN" dirty="0" smtClean="0"/>
-              <a:t>Circumference of a circle</a:t>
+              <a:rPr lang="en-US" dirty="0" smtClean="0"/>
+              <a:t>House price prediction from observed dataset </a:t>
+            </a:r>
+          </a:p>
+          <a:p>
+            <a:r>
+              <a:rPr lang="en-US" dirty="0" smtClean="0"/>
+              <a:t>Forecasting</a:t>
             </a:r>
           </a:p>
           <a:p>
             <a:pPr lvl="1"/>
             <a:r>
-              <a:rPr lang="en-IN" dirty="0" smtClean="0"/>
-              <a:t>Radius and circumference – Correlated </a:t>
-            </a:r>
-          </a:p>
-          <a:p>
-            <a:pPr lvl="2"/>
-            <a:endParaRPr lang="en-IN" dirty="0"/>
+              <a:rPr lang="en-US" dirty="0" smtClean="0"/>
+              <a:t>Weather forecasting from observed dataset</a:t>
+            </a:r>
+          </a:p>
+          <a:p>
+            <a:endParaRPr lang="en-US" dirty="0" smtClean="0"/>
+          </a:p>
+          <a:p>
+            <a:pPr lvl="1"/>
+            <a:endParaRPr lang="en-US" dirty="0" smtClean="0"/>
+          </a:p>
+          <a:p>
+            <a:endParaRPr lang="en-US" dirty="0" smtClean="0"/>
+          </a:p>
+          <a:p>
+            <a:pPr lvl="1"/>
+            <a:endParaRPr lang="en-US" baseline="-25000" dirty="0"/>
           </a:p>
         </p:txBody>
       </p:sp>
@@ -5523,7 +8082,7 @@
             <a:spLocks noGrp="1"/>
           </p:cNvSpPr>
           <p:nvPr>
-            <p:ph type="ctrTitle"/>
+            <p:ph type="title"/>
           </p:nvPr>
         </p:nvSpPr>
         <p:spPr/>
@@ -5532,8 +8091,372 @@
           <a:lstStyle/>
           <a:p>
             <a:r>
-              <a:rPr lang="en-US" dirty="0" smtClean="0"/>
-              <a:t>Questions?</a:t>
+              <a:rPr lang="en-IN" dirty="0" smtClean="0"/>
+              <a:t>Regularization</a:t>
+            </a:r>
+            <a:endParaRPr lang="en-IN" dirty="0"/>
+          </a:p>
+        </p:txBody>
+      </p:sp>
+      <p:sp>
+        <p:nvSpPr>
+          <p:cNvPr id="3" name="Content Placeholder 2"/>
+          <p:cNvSpPr>
+            <a:spLocks noGrp="1"/>
+          </p:cNvSpPr>
+          <p:nvPr>
+            <p:ph idx="1"/>
+          </p:nvPr>
+        </p:nvSpPr>
+        <p:spPr/>
+        <p:txBody>
+          <a:bodyPr/>
+          <a:lstStyle/>
+          <a:p>
+            <a:r>
+              <a:rPr lang="en-IN" dirty="0" smtClean="0"/>
+              <a:t>Lasso regression</a:t>
+            </a:r>
+          </a:p>
+          <a:p>
+            <a:r>
+              <a:rPr lang="en-IN" dirty="0" smtClean="0"/>
+              <a:t>Ridge Regression</a:t>
+            </a:r>
+          </a:p>
+          <a:p>
+            <a:r>
+              <a:rPr lang="en-IN" dirty="0" smtClean="0"/>
+              <a:t>Elastic Net Regression</a:t>
+            </a:r>
+          </a:p>
+          <a:p>
+            <a:endParaRPr lang="en-IN" dirty="0"/>
+          </a:p>
+        </p:txBody>
+      </p:sp>
+    </p:spTree>
+  </p:cSld>
+  <p:clrMapOvr>
+    <a:masterClrMapping/>
+  </p:clrMapOvr>
+</p:sld>
+</file>
+
+<file path=ppt/slides/slide26.xml><?xml version="1.0" encoding="utf-8"?>
+<p:sld xmlns:a="http://schemas.openxmlformats.org/drawingml/2006/main" xmlns:r="http://schemas.openxmlformats.org/officeDocument/2006/relationships" xmlns:p="http://schemas.openxmlformats.org/presentationml/2006/main">
+  <p:cSld>
+    <p:spTree>
+      <p:nvGrpSpPr>
+        <p:cNvPr id="1" name=""/>
+        <p:cNvGrpSpPr/>
+        <p:nvPr/>
+      </p:nvGrpSpPr>
+      <p:grpSpPr>
+        <a:xfrm>
+          <a:off x="0" y="0"/>
+          <a:ext cx="0" cy="0"/>
+          <a:chOff x="0" y="0"/>
+          <a:chExt cx="0" cy="0"/>
+        </a:xfrm>
+      </p:grpSpPr>
+      <p:sp>
+        <p:nvSpPr>
+          <p:cNvPr id="2" name="Title 1"/>
+          <p:cNvSpPr>
+            <a:spLocks noGrp="1"/>
+          </p:cNvSpPr>
+          <p:nvPr>
+            <p:ph type="title"/>
+          </p:nvPr>
+        </p:nvSpPr>
+        <p:spPr/>
+        <p:txBody>
+          <a:bodyPr/>
+          <a:lstStyle/>
+          <a:p>
+            <a:r>
+              <a:rPr lang="en-IN" dirty="0" smtClean="0"/>
+              <a:t>Lasso Regression</a:t>
+            </a:r>
+            <a:endParaRPr lang="en-IN" dirty="0"/>
+          </a:p>
+        </p:txBody>
+      </p:sp>
+      <p:sp>
+        <p:nvSpPr>
+          <p:cNvPr id="3" name="Content Placeholder 2"/>
+          <p:cNvSpPr>
+            <a:spLocks noGrp="1"/>
+          </p:cNvSpPr>
+          <p:nvPr>
+            <p:ph idx="1"/>
+          </p:nvPr>
+        </p:nvSpPr>
+        <p:spPr/>
+        <p:txBody>
+          <a:bodyPr>
+            <a:normAutofit/>
+          </a:bodyPr>
+          <a:lstStyle/>
+          <a:p>
+            <a:r>
+              <a:rPr lang="en-IN" dirty="0" smtClean="0"/>
+              <a:t>Least Absolute Shrinkage Selector Operator</a:t>
+            </a:r>
+          </a:p>
+          <a:p>
+            <a:r>
+              <a:rPr lang="en-IN" dirty="0" smtClean="0"/>
+              <a:t>L1 regularization technique</a:t>
+            </a:r>
+          </a:p>
+          <a:p>
+            <a:r>
+              <a:rPr lang="en-IN" smtClean="0"/>
+              <a:t>Reduce coefficients</a:t>
+            </a:r>
+            <a:endParaRPr lang="en-IN" dirty="0" smtClean="0"/>
+          </a:p>
+          <a:p>
+            <a:r>
+              <a:rPr lang="en-IN" dirty="0" smtClean="0"/>
+              <a:t>Feature selection</a:t>
+            </a:r>
+          </a:p>
+          <a:p>
+            <a:pPr lvl="1"/>
+            <a:r>
+              <a:rPr lang="en-IN" dirty="0" smtClean="0"/>
+              <a:t>Select important features </a:t>
+            </a:r>
+          </a:p>
+          <a:p>
+            <a:pPr lvl="1"/>
+            <a:r>
+              <a:rPr lang="en-IN" dirty="0" smtClean="0"/>
+              <a:t>Reduce coefficients of others to zero</a:t>
+            </a:r>
+          </a:p>
+          <a:p>
+            <a:r>
+              <a:rPr lang="en-IN" dirty="0" smtClean="0"/>
+              <a:t>Suitable for more number of features</a:t>
+            </a:r>
+            <a:endParaRPr lang="en-IN" dirty="0"/>
+          </a:p>
+        </p:txBody>
+      </p:sp>
+    </p:spTree>
+  </p:cSld>
+  <p:clrMapOvr>
+    <a:masterClrMapping/>
+  </p:clrMapOvr>
+</p:sld>
+</file>
+
+<file path=ppt/slides/slide27.xml><?xml version="1.0" encoding="utf-8"?>
+<p:sld xmlns:a="http://schemas.openxmlformats.org/drawingml/2006/main" xmlns:r="http://schemas.openxmlformats.org/officeDocument/2006/relationships" xmlns:p="http://schemas.openxmlformats.org/presentationml/2006/main">
+  <p:cSld>
+    <p:spTree>
+      <p:nvGrpSpPr>
+        <p:cNvPr id="1" name=""/>
+        <p:cNvGrpSpPr/>
+        <p:nvPr/>
+      </p:nvGrpSpPr>
+      <p:grpSpPr>
+        <a:xfrm>
+          <a:off x="0" y="0"/>
+          <a:ext cx="0" cy="0"/>
+          <a:chOff x="0" y="0"/>
+          <a:chExt cx="0" cy="0"/>
+        </a:xfrm>
+      </p:grpSpPr>
+      <p:sp>
+        <p:nvSpPr>
+          <p:cNvPr id="2" name="Title 1"/>
+          <p:cNvSpPr>
+            <a:spLocks noGrp="1"/>
+          </p:cNvSpPr>
+          <p:nvPr>
+            <p:ph type="title"/>
+          </p:nvPr>
+        </p:nvSpPr>
+        <p:spPr/>
+        <p:txBody>
+          <a:bodyPr/>
+          <a:lstStyle/>
+          <a:p>
+            <a:r>
+              <a:rPr lang="en-IN" dirty="0" smtClean="0"/>
+              <a:t>Ridge Regression</a:t>
+            </a:r>
+            <a:endParaRPr lang="en-IN" dirty="0"/>
+          </a:p>
+        </p:txBody>
+      </p:sp>
+      <p:sp>
+        <p:nvSpPr>
+          <p:cNvPr id="3" name="Content Placeholder 2"/>
+          <p:cNvSpPr>
+            <a:spLocks noGrp="1"/>
+          </p:cNvSpPr>
+          <p:nvPr>
+            <p:ph idx="1"/>
+          </p:nvPr>
+        </p:nvSpPr>
+        <p:spPr/>
+        <p:txBody>
+          <a:bodyPr/>
+          <a:lstStyle/>
+          <a:p>
+            <a:r>
+              <a:rPr lang="en-IN" dirty="0" smtClean="0"/>
+              <a:t>L2 regularization technique</a:t>
+            </a:r>
+          </a:p>
+          <a:p>
+            <a:r>
+              <a:rPr lang="en-IN" dirty="0" smtClean="0"/>
+              <a:t>Reduce coefficients</a:t>
+            </a:r>
+          </a:p>
+          <a:p>
+            <a:r>
+              <a:rPr lang="en-IN" dirty="0" smtClean="0"/>
+              <a:t>Reduce model complexity</a:t>
+            </a:r>
+          </a:p>
+          <a:p>
+            <a:r>
+              <a:rPr lang="en-IN" dirty="0" smtClean="0"/>
+              <a:t>Prevent </a:t>
+            </a:r>
+            <a:r>
+              <a:rPr lang="en-IN" dirty="0" err="1" smtClean="0"/>
+              <a:t>multicollinearity</a:t>
+            </a:r>
+            <a:r>
+              <a:rPr lang="en-IN" dirty="0" smtClean="0"/>
+              <a:t> </a:t>
+            </a:r>
+          </a:p>
+        </p:txBody>
+      </p:sp>
+    </p:spTree>
+  </p:cSld>
+  <p:clrMapOvr>
+    <a:masterClrMapping/>
+  </p:clrMapOvr>
+</p:sld>
+</file>
+
+<file path=ppt/slides/slide28.xml><?xml version="1.0" encoding="utf-8"?>
+<p:sld xmlns:a="http://schemas.openxmlformats.org/drawingml/2006/main" xmlns:r="http://schemas.openxmlformats.org/officeDocument/2006/relationships" xmlns:p="http://schemas.openxmlformats.org/presentationml/2006/main">
+  <p:cSld>
+    <p:spTree>
+      <p:nvGrpSpPr>
+        <p:cNvPr id="1" name=""/>
+        <p:cNvGrpSpPr/>
+        <p:nvPr/>
+      </p:nvGrpSpPr>
+      <p:grpSpPr>
+        <a:xfrm>
+          <a:off x="0" y="0"/>
+          <a:ext cx="0" cy="0"/>
+          <a:chOff x="0" y="0"/>
+          <a:chExt cx="0" cy="0"/>
+        </a:xfrm>
+      </p:grpSpPr>
+      <p:sp>
+        <p:nvSpPr>
+          <p:cNvPr id="2" name="Title 1"/>
+          <p:cNvSpPr>
+            <a:spLocks noGrp="1"/>
+          </p:cNvSpPr>
+          <p:nvPr>
+            <p:ph type="title"/>
+          </p:nvPr>
+        </p:nvSpPr>
+        <p:spPr/>
+        <p:txBody>
+          <a:bodyPr/>
+          <a:lstStyle/>
+          <a:p>
+            <a:r>
+              <a:rPr lang="en-IN" dirty="0" smtClean="0"/>
+              <a:t>Elastic Net Regression</a:t>
+            </a:r>
+            <a:endParaRPr lang="en-IN" dirty="0"/>
+          </a:p>
+        </p:txBody>
+      </p:sp>
+      <p:sp>
+        <p:nvSpPr>
+          <p:cNvPr id="3" name="Content Placeholder 2"/>
+          <p:cNvSpPr>
+            <a:spLocks noGrp="1"/>
+          </p:cNvSpPr>
+          <p:nvPr>
+            <p:ph idx="1"/>
+          </p:nvPr>
+        </p:nvSpPr>
+        <p:spPr/>
+        <p:txBody>
+          <a:bodyPr/>
+          <a:lstStyle/>
+          <a:p>
+            <a:r>
+              <a:rPr lang="en-IN" dirty="0" smtClean="0"/>
+              <a:t>L1 and L2 regularization technique</a:t>
+            </a:r>
+            <a:endParaRPr lang="en-IN" dirty="0"/>
+          </a:p>
+        </p:txBody>
+      </p:sp>
+    </p:spTree>
+  </p:cSld>
+  <p:clrMapOvr>
+    <a:masterClrMapping/>
+  </p:clrMapOvr>
+</p:sld>
+</file>
+
+<file path=ppt/slides/slide29.xml><?xml version="1.0" encoding="utf-8"?>
+<p:sld xmlns:a="http://schemas.openxmlformats.org/drawingml/2006/main" xmlns:r="http://schemas.openxmlformats.org/officeDocument/2006/relationships" xmlns:p="http://schemas.openxmlformats.org/presentationml/2006/main">
+  <p:cSld>
+    <p:spTree>
+      <p:nvGrpSpPr>
+        <p:cNvPr id="1" name=""/>
+        <p:cNvGrpSpPr/>
+        <p:nvPr/>
+      </p:nvGrpSpPr>
+      <p:grpSpPr>
+        <a:xfrm>
+          <a:off x="0" y="0"/>
+          <a:ext cx="0" cy="0"/>
+          <a:chOff x="0" y="0"/>
+          <a:chExt cx="0" cy="0"/>
+        </a:xfrm>
+      </p:grpSpPr>
+      <p:sp>
+        <p:nvSpPr>
+          <p:cNvPr id="2" name="Title 1"/>
+          <p:cNvSpPr>
+            <a:spLocks noGrp="1"/>
+          </p:cNvSpPr>
+          <p:nvPr>
+            <p:ph type="title"/>
+          </p:nvPr>
+        </p:nvSpPr>
+        <p:spPr/>
+        <p:txBody>
+          <a:bodyPr/>
+          <a:lstStyle/>
+          <a:p>
+            <a:r>
+              <a:rPr lang="en-US" dirty="0" smtClean="0"/>
+              <a:t>Advantages</a:t>
             </a:r>
             <a:endParaRPr lang="en-US" dirty="0"/>
           </a:p>
@@ -5541,22 +8464,69 @@
       </p:sp>
       <p:sp>
         <p:nvSpPr>
-          <p:cNvPr id="3" name="Subtitle 2"/>
-          <p:cNvSpPr>
-            <a:spLocks noGrp="1"/>
-          </p:cNvSpPr>
-          <p:nvPr>
-            <p:ph type="subTitle" idx="1"/>
+          <p:cNvPr id="3" name="Content Placeholder 2"/>
+          <p:cNvSpPr>
+            <a:spLocks noGrp="1"/>
+          </p:cNvSpPr>
+          <p:nvPr>
+            <p:ph idx="1"/>
           </p:nvPr>
         </p:nvSpPr>
         <p:spPr/>
         <p:txBody>
-          <a:bodyPr/>
-          <a:lstStyle/>
-          <a:p>
-            <a:r>
-              <a:rPr lang="en-US" dirty="0" smtClean="0"/>
-              <a:t>Thank you</a:t>
+          <a:bodyPr>
+            <a:normAutofit/>
+          </a:bodyPr>
+          <a:lstStyle/>
+          <a:p>
+            <a:r>
+              <a:rPr lang="en-IN" dirty="0" smtClean="0"/>
+              <a:t>Good for linearly separable data</a:t>
+            </a:r>
+          </a:p>
+          <a:p>
+            <a:r>
+              <a:rPr lang="en-IN" dirty="0" smtClean="0"/>
+              <a:t>Easier to implement and interpret </a:t>
+            </a:r>
+          </a:p>
+          <a:p>
+            <a:r>
+              <a:rPr lang="en-IN" dirty="0" smtClean="0"/>
+              <a:t>Efficient to train</a:t>
+            </a:r>
+          </a:p>
+          <a:p>
+            <a:r>
+              <a:rPr lang="en-US" dirty="0" smtClean="0"/>
+              <a:t>Handle over-fitting</a:t>
+            </a:r>
+          </a:p>
+          <a:p>
+            <a:pPr lvl="1"/>
+            <a:r>
+              <a:rPr lang="en-IN" dirty="0" smtClean="0"/>
+              <a:t>Dimensionality reduction techniques</a:t>
+            </a:r>
+          </a:p>
+          <a:p>
+            <a:pPr lvl="1"/>
+            <a:r>
+              <a:rPr lang="en-IN" dirty="0" smtClean="0"/>
+              <a:t>Cross validation</a:t>
+            </a:r>
+          </a:p>
+          <a:p>
+            <a:pPr lvl="1"/>
+            <a:r>
+              <a:rPr lang="en-IN" dirty="0" smtClean="0"/>
+              <a:t>Regularization</a:t>
+            </a:r>
+          </a:p>
+          <a:p>
+            <a:r>
+              <a:rPr lang="en-IN" dirty="0" smtClean="0"/>
+              <a:t>Extrapolation of dataset</a:t>
             </a:r>
             <a:endParaRPr lang="en-US" dirty="0"/>
           </a:p>
@@ -5785,6 +8755,315 @@
                 <a:srgbClr val="FF0000"/>
               </a:solidFill>
             </a:endParaRPr>
+          </a:p>
+        </p:txBody>
+      </p:sp>
+    </p:spTree>
+  </p:cSld>
+  <p:clrMapOvr>
+    <a:masterClrMapping/>
+  </p:clrMapOvr>
+  <p:timing>
+    <p:tnLst>
+      <p:par>
+        <p:cTn id="1" dur="indefinite" restart="never" nodeType="tmRoot"/>
+      </p:par>
+    </p:tnLst>
+  </p:timing>
+</p:sld>
+</file>
+
+<file path=ppt/slides/slide30.xml><?xml version="1.0" encoding="utf-8"?>
+<p:sld xmlns:a="http://schemas.openxmlformats.org/drawingml/2006/main" xmlns:r="http://schemas.openxmlformats.org/officeDocument/2006/relationships" xmlns:p="http://schemas.openxmlformats.org/presentationml/2006/main">
+  <p:cSld>
+    <p:spTree>
+      <p:nvGrpSpPr>
+        <p:cNvPr id="1" name=""/>
+        <p:cNvGrpSpPr/>
+        <p:nvPr/>
+      </p:nvGrpSpPr>
+      <p:grpSpPr>
+        <a:xfrm>
+          <a:off x="0" y="0"/>
+          <a:ext cx="0" cy="0"/>
+          <a:chOff x="0" y="0"/>
+          <a:chExt cx="0" cy="0"/>
+        </a:xfrm>
+      </p:grpSpPr>
+      <p:sp>
+        <p:nvSpPr>
+          <p:cNvPr id="2" name="Title 1"/>
+          <p:cNvSpPr>
+            <a:spLocks noGrp="1"/>
+          </p:cNvSpPr>
+          <p:nvPr>
+            <p:ph type="title"/>
+          </p:nvPr>
+        </p:nvSpPr>
+        <p:spPr/>
+        <p:txBody>
+          <a:bodyPr/>
+          <a:lstStyle/>
+          <a:p>
+            <a:r>
+              <a:rPr lang="en-US" dirty="0" smtClean="0"/>
+              <a:t>Disadvantages</a:t>
+            </a:r>
+            <a:endParaRPr lang="en-US" dirty="0"/>
+          </a:p>
+        </p:txBody>
+      </p:sp>
+      <p:sp>
+        <p:nvSpPr>
+          <p:cNvPr id="3" name="Content Placeholder 2"/>
+          <p:cNvSpPr>
+            <a:spLocks noGrp="1"/>
+          </p:cNvSpPr>
+          <p:nvPr>
+            <p:ph idx="1"/>
+          </p:nvPr>
+        </p:nvSpPr>
+        <p:spPr/>
+        <p:txBody>
+          <a:bodyPr>
+            <a:normAutofit/>
+          </a:bodyPr>
+          <a:lstStyle/>
+          <a:p>
+            <a:r>
+              <a:rPr lang="en-IN" dirty="0" smtClean="0"/>
+              <a:t>Assumption of linearity </a:t>
+            </a:r>
+          </a:p>
+          <a:p>
+            <a:pPr lvl="1"/>
+            <a:r>
+              <a:rPr lang="en-IN" dirty="0" smtClean="0"/>
+              <a:t>Independent variables</a:t>
+            </a:r>
+          </a:p>
+          <a:p>
+            <a:pPr lvl="1"/>
+            <a:r>
+              <a:rPr lang="en-IN" dirty="0" smtClean="0"/>
+              <a:t>Dependent variables</a:t>
+            </a:r>
+          </a:p>
+          <a:p>
+            <a:r>
+              <a:rPr lang="en-US" dirty="0" smtClean="0"/>
+              <a:t>Prone to noise</a:t>
+            </a:r>
+          </a:p>
+          <a:p>
+            <a:r>
+              <a:rPr lang="en-US" dirty="0" smtClean="0"/>
+              <a:t>Sensitive to outliers</a:t>
+            </a:r>
+          </a:p>
+          <a:p>
+            <a:r>
+              <a:rPr lang="en-US" dirty="0" smtClean="0"/>
+              <a:t>Prone to </a:t>
+            </a:r>
+            <a:r>
+              <a:rPr lang="en-US" dirty="0" err="1" smtClean="0"/>
+              <a:t>multicollinearity</a:t>
+            </a:r>
+            <a:endParaRPr lang="en-US" dirty="0"/>
+          </a:p>
+        </p:txBody>
+      </p:sp>
+    </p:spTree>
+  </p:cSld>
+  <p:clrMapOvr>
+    <a:masterClrMapping/>
+  </p:clrMapOvr>
+  <p:timing>
+    <p:tnLst>
+      <p:par>
+        <p:cTn id="1" dur="indefinite" restart="never" nodeType="tmRoot"/>
+      </p:par>
+    </p:tnLst>
+  </p:timing>
+</p:sld>
+</file>
+
+<file path=ppt/slides/slide31.xml><?xml version="1.0" encoding="utf-8"?>
+<p:sld xmlns:a="http://schemas.openxmlformats.org/drawingml/2006/main" xmlns:r="http://schemas.openxmlformats.org/officeDocument/2006/relationships" xmlns:p="http://schemas.openxmlformats.org/presentationml/2006/main">
+  <p:cSld>
+    <p:spTree>
+      <p:nvGrpSpPr>
+        <p:cNvPr id="1" name=""/>
+        <p:cNvGrpSpPr/>
+        <p:nvPr/>
+      </p:nvGrpSpPr>
+      <p:grpSpPr>
+        <a:xfrm>
+          <a:off x="0" y="0"/>
+          <a:ext cx="0" cy="0"/>
+          <a:chOff x="0" y="0"/>
+          <a:chExt cx="0" cy="0"/>
+        </a:xfrm>
+      </p:grpSpPr>
+      <p:sp>
+        <p:nvSpPr>
+          <p:cNvPr id="2" name="Title 1"/>
+          <p:cNvSpPr>
+            <a:spLocks noGrp="1"/>
+          </p:cNvSpPr>
+          <p:nvPr>
+            <p:ph type="title"/>
+          </p:nvPr>
+        </p:nvSpPr>
+        <p:spPr/>
+        <p:txBody>
+          <a:bodyPr/>
+          <a:lstStyle/>
+          <a:p>
+            <a:r>
+              <a:rPr lang="en-IN" dirty="0" err="1" smtClean="0"/>
+              <a:t>Multicollinearity</a:t>
+            </a:r>
+            <a:endParaRPr lang="en-IN" dirty="0"/>
+          </a:p>
+        </p:txBody>
+      </p:sp>
+      <p:sp>
+        <p:nvSpPr>
+          <p:cNvPr id="3" name="Content Placeholder 2"/>
+          <p:cNvSpPr>
+            <a:spLocks noGrp="1"/>
+          </p:cNvSpPr>
+          <p:nvPr>
+            <p:ph idx="1"/>
+          </p:nvPr>
+        </p:nvSpPr>
+        <p:spPr/>
+        <p:txBody>
+          <a:bodyPr/>
+          <a:lstStyle/>
+          <a:p>
+            <a:r>
+              <a:rPr lang="en-IN" dirty="0" smtClean="0"/>
+              <a:t>Correlated independent variables</a:t>
+            </a:r>
+          </a:p>
+          <a:p>
+            <a:r>
+              <a:rPr lang="en-IN" dirty="0" smtClean="0"/>
+              <a:t>Example</a:t>
+            </a:r>
+          </a:p>
+          <a:p>
+            <a:pPr lvl="1"/>
+            <a:r>
+              <a:rPr lang="en-IN" dirty="0" smtClean="0"/>
+              <a:t>Independent variables </a:t>
+            </a:r>
+          </a:p>
+          <a:p>
+            <a:pPr lvl="2"/>
+            <a:r>
+              <a:rPr lang="en-IN" dirty="0" smtClean="0"/>
+              <a:t>Radius of a circle</a:t>
+            </a:r>
+          </a:p>
+          <a:p>
+            <a:pPr lvl="2"/>
+            <a:r>
+              <a:rPr lang="en-IN" dirty="0" smtClean="0"/>
+              <a:t>Circumference of a circle</a:t>
+            </a:r>
+          </a:p>
+          <a:p>
+            <a:pPr lvl="1"/>
+            <a:r>
+              <a:rPr lang="en-IN" dirty="0" smtClean="0"/>
+              <a:t>Radius and circumference – Correlated </a:t>
+            </a:r>
+          </a:p>
+          <a:p>
+            <a:pPr lvl="2"/>
+            <a:endParaRPr lang="en-IN" dirty="0"/>
+          </a:p>
+        </p:txBody>
+      </p:sp>
+    </p:spTree>
+  </p:cSld>
+  <p:clrMapOvr>
+    <a:masterClrMapping/>
+  </p:clrMapOvr>
+  <p:timing>
+    <p:tnLst>
+      <p:par>
+        <p:cTn id="1" dur="indefinite" restart="never" nodeType="tmRoot"/>
+      </p:par>
+    </p:tnLst>
+  </p:timing>
+</p:sld>
+</file>
+
+<file path=ppt/slides/slide32.xml><?xml version="1.0" encoding="utf-8"?>
+<p:sld xmlns:a="http://schemas.openxmlformats.org/drawingml/2006/main" xmlns:r="http://schemas.openxmlformats.org/officeDocument/2006/relationships" xmlns:p="http://schemas.openxmlformats.org/presentationml/2006/main">
+  <p:cSld>
+    <p:spTree>
+      <p:nvGrpSpPr>
+        <p:cNvPr id="1" name=""/>
+        <p:cNvGrpSpPr/>
+        <p:nvPr/>
+      </p:nvGrpSpPr>
+      <p:grpSpPr>
+        <a:xfrm>
+          <a:off x="0" y="0"/>
+          <a:ext cx="0" cy="0"/>
+          <a:chOff x="0" y="0"/>
+          <a:chExt cx="0" cy="0"/>
+        </a:xfrm>
+      </p:grpSpPr>
+      <p:sp>
+        <p:nvSpPr>
+          <p:cNvPr id="2" name="Title 1"/>
+          <p:cNvSpPr>
+            <a:spLocks noGrp="1"/>
+          </p:cNvSpPr>
+          <p:nvPr>
+            <p:ph type="ctrTitle"/>
+          </p:nvPr>
+        </p:nvSpPr>
+        <p:spPr/>
+        <p:txBody>
+          <a:bodyPr/>
+          <a:lstStyle/>
+          <a:p>
+            <a:r>
+              <a:rPr lang="en-US" dirty="0" smtClean="0"/>
+              <a:t>Questions?</a:t>
+            </a:r>
+            <a:endParaRPr lang="en-US" dirty="0"/>
+          </a:p>
+        </p:txBody>
+      </p:sp>
+      <p:sp>
+        <p:nvSpPr>
+          <p:cNvPr id="3" name="Subtitle 2"/>
+          <p:cNvSpPr>
+            <a:spLocks noGrp="1"/>
+          </p:cNvSpPr>
+          <p:nvPr>
+            <p:ph type="subTitle" idx="1"/>
+          </p:nvPr>
+        </p:nvSpPr>
+        <p:spPr/>
+        <p:txBody>
+          <a:bodyPr/>
+          <a:lstStyle/>
+          <a:p>
+            <a:r>
+              <a:rPr lang="en-US" dirty="0" smtClean="0"/>
+              <a:t>Thank you</a:t>
+            </a:r>
+            <a:endParaRPr lang="en-US" dirty="0"/>
           </a:p>
         </p:txBody>
       </p:sp>

--- a/MachineLearning/LinearRegression/LinearRegression.pptx
+++ b/MachineLearning/LinearRegression/LinearRegression.pptx
@@ -5093,7 +5093,7 @@
           <p:nvPr/>
         </p:nvGraphicFramePr>
         <p:xfrm>
-          <a:off x="4876800" y="2209800"/>
+          <a:off x="4876800" y="2346325"/>
           <a:ext cx="1338263" cy="1616075"/>
         </p:xfrm>
         <a:graphic>
@@ -5569,7 +5569,7 @@
           <p:nvPr/>
         </p:nvGraphicFramePr>
         <p:xfrm>
-          <a:off x="4876800" y="2300288"/>
+          <a:off x="4876800" y="2362200"/>
           <a:ext cx="2071688" cy="2424112"/>
         </p:xfrm>
         <a:graphic>

--- a/MachineLearning/LinearRegression/LinearRegression.pptx
+++ b/MachineLearning/LinearRegression/LinearRegression.pptx
@@ -6045,12 +6045,12 @@
           <p:nvPr/>
         </p:nvGraphicFramePr>
         <p:xfrm>
-          <a:off x="4876800" y="2286000"/>
-          <a:ext cx="2120900" cy="2552700"/>
+          <a:off x="4865688" y="2324100"/>
+          <a:ext cx="2144712" cy="2552700"/>
         </p:xfrm>
         <a:graphic>
           <a:graphicData uri="http://schemas.openxmlformats.org/presentationml/2006/ole">
-            <p:oleObj spid="_x0000_s31747" name="Equation" r:id="rId3" imgW="1066680" imgH="1282680" progId="Equation.3">
+            <p:oleObj spid="_x0000_s31747" name="Equation" r:id="rId3" imgW="1079280" imgH="1282680" progId="Equation.3">
               <p:embed/>
             </p:oleObj>
           </a:graphicData>
@@ -6521,12 +6521,12 @@
           <p:nvPr/>
         </p:nvGraphicFramePr>
         <p:xfrm>
-          <a:off x="4876800" y="2286000"/>
-          <a:ext cx="2449512" cy="858838"/>
+          <a:off x="4918075" y="2346325"/>
+          <a:ext cx="2625725" cy="1768475"/>
         </p:xfrm>
         <a:graphic>
           <a:graphicData uri="http://schemas.openxmlformats.org/presentationml/2006/ole">
-            <p:oleObj spid="_x0000_s32770" name="Equation" r:id="rId3" imgW="1231560" imgH="431640" progId="Equation.3">
+            <p:oleObj spid="_x0000_s32770" name="Equation" r:id="rId3" imgW="1320480" imgH="888840" progId="Equation.3">
               <p:embed/>
             </p:oleObj>
           </a:graphicData>
@@ -7614,12 +7614,12 @@
           <p:nvPr/>
         </p:nvGraphicFramePr>
         <p:xfrm>
-          <a:off x="4876800" y="2362200"/>
-          <a:ext cx="2752725" cy="403225"/>
+          <a:off x="4841875" y="2343150"/>
+          <a:ext cx="2930525" cy="857250"/>
         </p:xfrm>
         <a:graphic>
           <a:graphicData uri="http://schemas.openxmlformats.org/presentationml/2006/ole">
-            <p:oleObj spid="_x0000_s34818" name="Equation" r:id="rId3" imgW="1384200" imgH="203040" progId="Equation.3">
+            <p:oleObj spid="_x0000_s34818" name="Equation" r:id="rId3" imgW="1473120" imgH="431640" progId="Equation.3">
               <p:embed/>
             </p:oleObj>
           </a:graphicData>

--- a/MachineLearning/LinearRegression/LinearRegression.pptx
+++ b/MachineLearning/LinearRegression/LinearRegression.pptx
@@ -224,7 +224,7 @@
             <a:fld id="{98BFDCCA-FFB9-49F6-B56E-F6432283D67C}" type="datetimeFigureOut">
               <a:rPr lang="en-US" smtClean="0"/>
               <a:pPr/>
-              <a:t>2/6/2023</a:t>
+              <a:t>2/7/2023</a:t>
             </a:fld>
             <a:endParaRPr lang="en-US"/>
           </a:p>
@@ -672,7 +672,7 @@
             <a:fld id="{9099FEDA-6AC3-495C-A467-2B0399D71BB7}" type="datetimeFigureOut">
               <a:rPr lang="en-US" smtClean="0"/>
               <a:pPr/>
-              <a:t>2/6/2023</a:t>
+              <a:t>2/7/2023</a:t>
             </a:fld>
             <a:endParaRPr lang="en-US"/>
           </a:p>
@@ -839,7 +839,7 @@
             <a:fld id="{9099FEDA-6AC3-495C-A467-2B0399D71BB7}" type="datetimeFigureOut">
               <a:rPr lang="en-US" smtClean="0"/>
               <a:pPr/>
-              <a:t>2/6/2023</a:t>
+              <a:t>2/7/2023</a:t>
             </a:fld>
             <a:endParaRPr lang="en-US"/>
           </a:p>
@@ -1016,7 +1016,7 @@
             <a:fld id="{9099FEDA-6AC3-495C-A467-2B0399D71BB7}" type="datetimeFigureOut">
               <a:rPr lang="en-US" smtClean="0"/>
               <a:pPr/>
-              <a:t>2/6/2023</a:t>
+              <a:t>2/7/2023</a:t>
             </a:fld>
             <a:endParaRPr lang="en-US"/>
           </a:p>
@@ -1183,7 +1183,7 @@
             <a:fld id="{9099FEDA-6AC3-495C-A467-2B0399D71BB7}" type="datetimeFigureOut">
               <a:rPr lang="en-US" smtClean="0"/>
               <a:pPr/>
-              <a:t>2/6/2023</a:t>
+              <a:t>2/7/2023</a:t>
             </a:fld>
             <a:endParaRPr lang="en-US"/>
           </a:p>
@@ -1426,7 +1426,7 @@
             <a:fld id="{9099FEDA-6AC3-495C-A467-2B0399D71BB7}" type="datetimeFigureOut">
               <a:rPr lang="en-US" smtClean="0"/>
               <a:pPr/>
-              <a:t>2/6/2023</a:t>
+              <a:t>2/7/2023</a:t>
             </a:fld>
             <a:endParaRPr lang="en-US"/>
           </a:p>
@@ -1711,7 +1711,7 @@
             <a:fld id="{9099FEDA-6AC3-495C-A467-2B0399D71BB7}" type="datetimeFigureOut">
               <a:rPr lang="en-US" smtClean="0"/>
               <a:pPr/>
-              <a:t>2/6/2023</a:t>
+              <a:t>2/7/2023</a:t>
             </a:fld>
             <a:endParaRPr lang="en-US"/>
           </a:p>
@@ -2130,7 +2130,7 @@
             <a:fld id="{9099FEDA-6AC3-495C-A467-2B0399D71BB7}" type="datetimeFigureOut">
               <a:rPr lang="en-US" smtClean="0"/>
               <a:pPr/>
-              <a:t>2/6/2023</a:t>
+              <a:t>2/7/2023</a:t>
             </a:fld>
             <a:endParaRPr lang="en-US"/>
           </a:p>
@@ -2245,7 +2245,7 @@
             <a:fld id="{9099FEDA-6AC3-495C-A467-2B0399D71BB7}" type="datetimeFigureOut">
               <a:rPr lang="en-US" smtClean="0"/>
               <a:pPr/>
-              <a:t>2/6/2023</a:t>
+              <a:t>2/7/2023</a:t>
             </a:fld>
             <a:endParaRPr lang="en-US"/>
           </a:p>
@@ -2337,7 +2337,7 @@
             <a:fld id="{9099FEDA-6AC3-495C-A467-2B0399D71BB7}" type="datetimeFigureOut">
               <a:rPr lang="en-US" smtClean="0"/>
               <a:pPr/>
-              <a:t>2/6/2023</a:t>
+              <a:t>2/7/2023</a:t>
             </a:fld>
             <a:endParaRPr lang="en-US"/>
           </a:p>
@@ -2611,7 +2611,7 @@
             <a:fld id="{9099FEDA-6AC3-495C-A467-2B0399D71BB7}" type="datetimeFigureOut">
               <a:rPr lang="en-US" smtClean="0"/>
               <a:pPr/>
-              <a:t>2/6/2023</a:t>
+              <a:t>2/7/2023</a:t>
             </a:fld>
             <a:endParaRPr lang="en-US"/>
           </a:p>
@@ -2861,7 +2861,7 @@
             <a:fld id="{9099FEDA-6AC3-495C-A467-2B0399D71BB7}" type="datetimeFigureOut">
               <a:rPr lang="en-US" smtClean="0"/>
               <a:pPr/>
-              <a:t>2/6/2023</a:t>
+              <a:t>2/7/2023</a:t>
             </a:fld>
             <a:endParaRPr lang="en-US"/>
           </a:p>
@@ -3071,7 +3071,7 @@
             <a:fld id="{9099FEDA-6AC3-495C-A467-2B0399D71BB7}" type="datetimeFigureOut">
               <a:rPr lang="en-US" smtClean="0"/>
               <a:pPr/>
-              <a:t>2/6/2023</a:t>
+              <a:t>2/7/2023</a:t>
             </a:fld>
             <a:endParaRPr lang="en-US"/>
           </a:p>
@@ -3676,7 +3676,7 @@
         <p:spPr/>
         <p:txBody>
           <a:bodyPr>
-            <a:normAutofit/>
+            <a:normAutofit lnSpcReduction="10000"/>
           </a:bodyPr>
           <a:lstStyle/>
           <a:p>
@@ -3706,8 +3706,27 @@
           <a:p>
             <a:r>
               <a:rPr lang="en-US" dirty="0" smtClean="0"/>
-              <a:t>Sum of squared residuals</a:t>
-            </a:r>
+              <a:t>Sum of squared </a:t>
+            </a:r>
+            <a:r>
+              <a:rPr lang="en-US" dirty="0" smtClean="0"/>
+              <a:t>residuals</a:t>
+            </a:r>
+          </a:p>
+          <a:p>
+            <a:r>
+              <a:rPr lang="en-US" dirty="0" smtClean="0"/>
+              <a:t>Mean </a:t>
+            </a:r>
+            <a:r>
+              <a:rPr lang="en-US" dirty="0" smtClean="0"/>
+              <a:t>Squared </a:t>
+            </a:r>
+            <a:r>
+              <a:rPr lang="en-US" dirty="0" smtClean="0"/>
+              <a:t>Error – MSE  </a:t>
+            </a:r>
+            <a:endParaRPr lang="en-US" dirty="0" smtClean="0"/>
           </a:p>
           <a:p>
             <a:r>
@@ -3893,7 +3912,15 @@
           <a:p>
             <a:r>
               <a:rPr lang="en-US" dirty="0" smtClean="0"/>
-              <a:t>Mean squared error – MSE</a:t>
+              <a:t>Mean </a:t>
+            </a:r>
+            <a:r>
+              <a:rPr lang="en-US" dirty="0" smtClean="0"/>
+              <a:t>Squared Error </a:t>
+            </a:r>
+            <a:r>
+              <a:rPr lang="en-US" dirty="0" smtClean="0"/>
+              <a:t>– MSE</a:t>
             </a:r>
           </a:p>
           <a:p>
@@ -4093,15 +4120,7 @@
             </a:r>
             <a:r>
               <a:rPr lang="en-US" dirty="0" smtClean="0"/>
-              <a:t> </a:t>
-            </a:r>
-            <a:r>
-              <a:rPr lang="en-US" dirty="0" smtClean="0"/>
-              <a:t>– </a:t>
-            </a:r>
-            <a:r>
-              <a:rPr lang="en-US" dirty="0" smtClean="0"/>
-              <a:t>ŷ</a:t>
+              <a:t> – ŷ</a:t>
             </a:r>
             <a:r>
               <a:rPr lang="en-US" baseline="30000" dirty="0" smtClean="0"/>
@@ -4123,7 +4142,6 @@
               <a:rPr lang="en-US" baseline="30000" dirty="0" smtClean="0"/>
               <a:t>2</a:t>
             </a:r>
-            <a:endParaRPr lang="en-US" baseline="30000" dirty="0" smtClean="0"/>
           </a:p>
           <a:p>
             <a:r>
@@ -4354,15 +4372,7 @@
                   <a:srgbClr val="0000FF"/>
                 </a:solidFill>
               </a:rPr>
-              <a:t>ŷ </a:t>
-            </a:r>
-            <a:r>
-              <a:rPr lang="en-US" dirty="0" smtClean="0">
-                <a:solidFill>
-                  <a:srgbClr val="0000FF"/>
-                </a:solidFill>
-              </a:rPr>
-              <a:t>= W</a:t>
+              <a:t>ŷ = W</a:t>
             </a:r>
             <a:r>
               <a:rPr lang="en-US" baseline="30000" dirty="0" smtClean="0">
@@ -4378,15 +4388,7 @@
                   <a:srgbClr val="0000FF"/>
                 </a:solidFill>
               </a:rPr>
-              <a:t>X + </a:t>
-            </a:r>
-            <a:r>
-              <a:rPr lang="en-US" dirty="0" smtClean="0">
-                <a:solidFill>
-                  <a:srgbClr val="0000FF"/>
-                </a:solidFill>
-              </a:rPr>
-              <a:t>b</a:t>
+              <a:t>X + b</a:t>
             </a:r>
             <a:endParaRPr lang="en-US" baseline="-25000" dirty="0" smtClean="0">
               <a:solidFill>
@@ -4405,15 +4407,7 @@
                   <a:srgbClr val="FF0000"/>
                 </a:solidFill>
               </a:rPr>
-              <a:t>L(ŷ, y) = </a:t>
-            </a:r>
-            <a:r>
-              <a:rPr lang="en-US" sz="3000" dirty="0" smtClean="0">
-                <a:solidFill>
-                  <a:srgbClr val="FF0000"/>
-                </a:solidFill>
-              </a:rPr>
-              <a:t>(y- ŷ)</a:t>
+              <a:t>L(ŷ, y) = (y- ŷ)</a:t>
             </a:r>
             <a:r>
               <a:rPr lang="en-US" sz="3000" baseline="30000" dirty="0" smtClean="0">
@@ -4423,11 +4417,6 @@
               </a:rPr>
               <a:t>2                                                                 </a:t>
             </a:r>
-            <a:endParaRPr lang="en-US" sz="3000" baseline="30000" dirty="0" smtClean="0">
-              <a:solidFill>
-                <a:srgbClr val="FF0000"/>
-              </a:solidFill>
-            </a:endParaRPr>
           </a:p>
           <a:p>
             <a:r>
@@ -4753,11 +4742,7 @@
             </a:pPr>
             <a:r>
               <a:rPr lang="en-US" sz="2800" dirty="0" smtClean="0"/>
-              <a:t>ŷ </a:t>
-            </a:r>
-            <a:r>
-              <a:rPr lang="en-US" sz="2800" dirty="0" smtClean="0"/>
-              <a:t>= W</a:t>
+              <a:t>ŷ = W</a:t>
             </a:r>
             <a:r>
               <a:rPr lang="en-US" sz="2800" baseline="30000" dirty="0" smtClean="0"/>
@@ -4786,24 +4771,7 @@
                 <a:ea typeface="+mn-ea"/>
                 <a:cs typeface="+mn-cs"/>
               </a:rPr>
-              <a:t>+ </a:t>
-            </a:r>
-            <a:r>
-              <a:rPr kumimoji="0" lang="en-US" sz="2800" b="0" i="0" u="none" strike="noStrike" kern="1200" cap="none" spc="0" normalizeH="0" baseline="0" noProof="0" dirty="0" smtClean="0">
-                <a:ln>
-                  <a:noFill/>
-                </a:ln>
-                <a:solidFill>
-                  <a:schemeClr val="tx1"/>
-                </a:solidFill>
-                <a:effectLst/>
-                <a:uLnTx/>
-                <a:uFillTx/>
-                <a:latin typeface="+mn-lt"/>
-                <a:ea typeface="+mn-ea"/>
-                <a:cs typeface="+mn-cs"/>
-              </a:rPr>
-              <a:t>b</a:t>
+              <a:t>+ b</a:t>
             </a:r>
             <a:endParaRPr lang="en-US" sz="2800" dirty="0" smtClean="0"/>
           </a:p>
@@ -4851,7 +4819,6 @@
               <a:rPr lang="en-US" sz="2800" dirty="0" smtClean="0"/>
               <a:t>)</a:t>
             </a:r>
-            <a:endParaRPr lang="en-US" sz="2800" dirty="0" smtClean="0"/>
           </a:p>
           <a:p>
             <a:pPr marL="742950" lvl="1" indent="-285750">
@@ -4865,7 +4832,6 @@
               <a:rPr lang="en-US" sz="2800" dirty="0" smtClean="0"/>
               <a:t>J(W, b)</a:t>
             </a:r>
-            <a:endParaRPr lang="en-US" sz="2800" dirty="0" smtClean="0"/>
           </a:p>
           <a:p>
             <a:pPr marL="742950" lvl="1" indent="-285750">
@@ -5229,11 +5195,7 @@
             </a:pPr>
             <a:r>
               <a:rPr lang="en-US" sz="2800" dirty="0" smtClean="0"/>
-              <a:t>ŷ </a:t>
-            </a:r>
-            <a:r>
-              <a:rPr lang="en-US" sz="2800" dirty="0" smtClean="0"/>
-              <a:t>= W</a:t>
+              <a:t>ŷ = W</a:t>
             </a:r>
             <a:r>
               <a:rPr lang="en-US" sz="2800" baseline="30000" dirty="0" smtClean="0"/>
@@ -5262,24 +5224,7 @@
                 <a:ea typeface="+mn-ea"/>
                 <a:cs typeface="+mn-cs"/>
               </a:rPr>
-              <a:t>+ </a:t>
-            </a:r>
-            <a:r>
-              <a:rPr kumimoji="0" lang="en-US" sz="2800" b="0" i="0" u="none" strike="noStrike" kern="1200" cap="none" spc="0" normalizeH="0" baseline="0" noProof="0" dirty="0" smtClean="0">
-                <a:ln>
-                  <a:noFill/>
-                </a:ln>
-                <a:solidFill>
-                  <a:schemeClr val="tx1"/>
-                </a:solidFill>
-                <a:effectLst/>
-                <a:uLnTx/>
-                <a:uFillTx/>
-                <a:latin typeface="+mn-lt"/>
-                <a:ea typeface="+mn-ea"/>
-                <a:cs typeface="+mn-cs"/>
-              </a:rPr>
-              <a:t>b</a:t>
+              <a:t>+ b</a:t>
             </a:r>
             <a:endParaRPr lang="en-US" sz="2800" dirty="0" smtClean="0"/>
           </a:p>
@@ -5327,7 +5272,6 @@
               <a:rPr lang="en-US" sz="2800" dirty="0" smtClean="0"/>
               <a:t>)</a:t>
             </a:r>
-            <a:endParaRPr lang="en-US" sz="2800" dirty="0" smtClean="0"/>
           </a:p>
           <a:p>
             <a:pPr marL="742950" lvl="1" indent="-285750">
@@ -5341,7 +5285,6 @@
               <a:rPr lang="en-US" sz="2800" dirty="0" smtClean="0"/>
               <a:t>J(W, b)</a:t>
             </a:r>
-            <a:endParaRPr lang="en-US" sz="2800" dirty="0" smtClean="0"/>
           </a:p>
           <a:p>
             <a:pPr marL="742950" lvl="1" indent="-285750">
@@ -5705,11 +5648,7 @@
             </a:pPr>
             <a:r>
               <a:rPr lang="en-US" sz="2800" dirty="0" smtClean="0"/>
-              <a:t>ŷ </a:t>
-            </a:r>
-            <a:r>
-              <a:rPr lang="en-US" sz="2800" dirty="0" smtClean="0"/>
-              <a:t>= W</a:t>
+              <a:t>ŷ = W</a:t>
             </a:r>
             <a:r>
               <a:rPr lang="en-US" sz="2800" baseline="30000" dirty="0" smtClean="0"/>
@@ -5738,24 +5677,7 @@
                 <a:ea typeface="+mn-ea"/>
                 <a:cs typeface="+mn-cs"/>
               </a:rPr>
-              <a:t>+ </a:t>
-            </a:r>
-            <a:r>
-              <a:rPr kumimoji="0" lang="en-US" sz="2800" b="0" i="0" u="none" strike="noStrike" kern="1200" cap="none" spc="0" normalizeH="0" baseline="0" noProof="0" dirty="0" smtClean="0">
-                <a:ln>
-                  <a:noFill/>
-                </a:ln>
-                <a:solidFill>
-                  <a:schemeClr val="tx1"/>
-                </a:solidFill>
-                <a:effectLst/>
-                <a:uLnTx/>
-                <a:uFillTx/>
-                <a:latin typeface="+mn-lt"/>
-                <a:ea typeface="+mn-ea"/>
-                <a:cs typeface="+mn-cs"/>
-              </a:rPr>
-              <a:t>b</a:t>
+              <a:t>+ b</a:t>
             </a:r>
             <a:endParaRPr lang="en-US" sz="2800" dirty="0" smtClean="0"/>
           </a:p>
@@ -5803,7 +5725,6 @@
               <a:rPr lang="en-US" sz="2800" dirty="0" smtClean="0"/>
               <a:t>)</a:t>
             </a:r>
-            <a:endParaRPr lang="en-US" sz="2800" dirty="0" smtClean="0"/>
           </a:p>
           <a:p>
             <a:pPr marL="742950" lvl="1" indent="-285750">
@@ -5817,7 +5738,6 @@
               <a:rPr lang="en-US" sz="2800" dirty="0" smtClean="0"/>
               <a:t>J(W, b)</a:t>
             </a:r>
-            <a:endParaRPr lang="en-US" sz="2800" dirty="0" smtClean="0"/>
           </a:p>
           <a:p>
             <a:pPr marL="742950" lvl="1" indent="-285750">
@@ -6181,11 +6101,7 @@
             </a:pPr>
             <a:r>
               <a:rPr lang="en-US" sz="2800" dirty="0" smtClean="0"/>
-              <a:t>ŷ </a:t>
-            </a:r>
-            <a:r>
-              <a:rPr lang="en-US" sz="2800" dirty="0" smtClean="0"/>
-              <a:t>= W</a:t>
+              <a:t>ŷ = W</a:t>
             </a:r>
             <a:r>
               <a:rPr lang="en-US" sz="2800" baseline="30000" dirty="0" smtClean="0"/>
@@ -6214,24 +6130,7 @@
                 <a:ea typeface="+mn-ea"/>
                 <a:cs typeface="+mn-cs"/>
               </a:rPr>
-              <a:t>+ </a:t>
-            </a:r>
-            <a:r>
-              <a:rPr kumimoji="0" lang="en-US" sz="2800" b="0" i="0" u="none" strike="noStrike" kern="1200" cap="none" spc="0" normalizeH="0" baseline="0" noProof="0" dirty="0" smtClean="0">
-                <a:ln>
-                  <a:noFill/>
-                </a:ln>
-                <a:solidFill>
-                  <a:schemeClr val="tx1"/>
-                </a:solidFill>
-                <a:effectLst/>
-                <a:uLnTx/>
-                <a:uFillTx/>
-                <a:latin typeface="+mn-lt"/>
-                <a:ea typeface="+mn-ea"/>
-                <a:cs typeface="+mn-cs"/>
-              </a:rPr>
-              <a:t>b</a:t>
+              <a:t>+ b</a:t>
             </a:r>
             <a:endParaRPr lang="en-US" sz="2800" dirty="0" smtClean="0"/>
           </a:p>
@@ -6279,7 +6178,6 @@
               <a:rPr lang="en-US" sz="2800" dirty="0" smtClean="0"/>
               <a:t>)</a:t>
             </a:r>
-            <a:endParaRPr lang="en-US" sz="2800" dirty="0" smtClean="0"/>
           </a:p>
           <a:p>
             <a:pPr marL="742950" lvl="1" indent="-285750">
@@ -6293,7 +6191,6 @@
               <a:rPr lang="en-US" sz="2800" dirty="0" smtClean="0"/>
               <a:t>J(W, b)</a:t>
             </a:r>
-            <a:endParaRPr lang="en-US" sz="2800" dirty="0" smtClean="0"/>
           </a:p>
           <a:p>
             <a:pPr marL="742950" lvl="1" indent="-285750">
@@ -6606,13 +6503,8 @@
           <a:p>
             <a:r>
               <a:rPr lang="en-US" dirty="0" smtClean="0"/>
-              <a:t>Supervised </a:t>
-            </a:r>
-            <a:r>
-              <a:rPr lang="en-US" dirty="0" smtClean="0"/>
-              <a:t>learning – Regression model</a:t>
-            </a:r>
-            <a:endParaRPr lang="en-US" dirty="0" smtClean="0"/>
+              <a:t>Supervised learning – Regression model</a:t>
+            </a:r>
           </a:p>
           <a:p>
             <a:r>
@@ -6623,11 +6515,7 @@
           <a:p>
             <a:r>
               <a:rPr lang="en-US" dirty="0" smtClean="0"/>
-              <a:t>Least </a:t>
-            </a:r>
-            <a:r>
-              <a:rPr lang="en-US" dirty="0" smtClean="0"/>
-              <a:t>squares</a:t>
+              <a:t>Least squares</a:t>
             </a:r>
           </a:p>
           <a:p>
@@ -6639,7 +6527,6 @@
               <a:rPr lang="en-US" baseline="30000" dirty="0" smtClean="0"/>
               <a:t>2</a:t>
             </a:r>
-            <a:endParaRPr lang="en-US" baseline="30000" dirty="0" smtClean="0"/>
           </a:p>
           <a:p>
             <a:r>
@@ -6656,7 +6543,6 @@
               <a:rPr lang="en-US" dirty="0" smtClean="0"/>
               <a:t>Applications</a:t>
             </a:r>
-            <a:endParaRPr lang="en-US" dirty="0" smtClean="0"/>
           </a:p>
           <a:p>
             <a:r>
@@ -6798,11 +6684,7 @@
             </a:pPr>
             <a:r>
               <a:rPr lang="en-US" sz="2800" dirty="0" smtClean="0"/>
-              <a:t>ŷ </a:t>
-            </a:r>
-            <a:r>
-              <a:rPr lang="en-US" sz="2800" dirty="0" smtClean="0"/>
-              <a:t>= W</a:t>
+              <a:t>ŷ = W</a:t>
             </a:r>
             <a:r>
               <a:rPr lang="en-US" sz="2800" baseline="30000" dirty="0" smtClean="0"/>
@@ -6831,24 +6713,7 @@
                 <a:ea typeface="+mn-ea"/>
                 <a:cs typeface="+mn-cs"/>
               </a:rPr>
-              <a:t>+ </a:t>
-            </a:r>
-            <a:r>
-              <a:rPr kumimoji="0" lang="en-US" sz="2800" b="0" i="0" u="none" strike="noStrike" kern="1200" cap="none" spc="0" normalizeH="0" baseline="0" noProof="0" dirty="0" smtClean="0">
-                <a:ln>
-                  <a:noFill/>
-                </a:ln>
-                <a:solidFill>
-                  <a:schemeClr val="tx1"/>
-                </a:solidFill>
-                <a:effectLst/>
-                <a:uLnTx/>
-                <a:uFillTx/>
-                <a:latin typeface="+mn-lt"/>
-                <a:ea typeface="+mn-ea"/>
-                <a:cs typeface="+mn-cs"/>
-              </a:rPr>
-              <a:t>b</a:t>
+              <a:t>+ b</a:t>
             </a:r>
             <a:endParaRPr lang="en-US" sz="2800" dirty="0" smtClean="0"/>
           </a:p>
@@ -6896,7 +6761,6 @@
               <a:rPr lang="en-US" sz="2800" dirty="0" smtClean="0"/>
               <a:t>)</a:t>
             </a:r>
-            <a:endParaRPr lang="en-US" sz="2800" dirty="0" smtClean="0"/>
           </a:p>
           <a:p>
             <a:pPr marL="742950" lvl="1" indent="-285750">
@@ -6910,7 +6774,6 @@
               <a:rPr lang="en-US" sz="2800" dirty="0" smtClean="0"/>
               <a:t>J(W, b)</a:t>
             </a:r>
-            <a:endParaRPr lang="en-US" sz="2800" dirty="0" smtClean="0"/>
           </a:p>
           <a:p>
             <a:pPr marL="742950" lvl="1" indent="-285750">
@@ -7274,11 +7137,7 @@
             </a:pPr>
             <a:r>
               <a:rPr lang="en-US" sz="2800" dirty="0" smtClean="0"/>
-              <a:t>ŷ </a:t>
-            </a:r>
-            <a:r>
-              <a:rPr lang="en-US" sz="2800" dirty="0" smtClean="0"/>
-              <a:t>= W</a:t>
+              <a:t>ŷ = W</a:t>
             </a:r>
             <a:r>
               <a:rPr lang="en-US" sz="2800" baseline="30000" dirty="0" smtClean="0"/>
@@ -7307,24 +7166,7 @@
                 <a:ea typeface="+mn-ea"/>
                 <a:cs typeface="+mn-cs"/>
               </a:rPr>
-              <a:t>+ </a:t>
-            </a:r>
-            <a:r>
-              <a:rPr kumimoji="0" lang="en-US" sz="2800" b="0" i="0" u="none" strike="noStrike" kern="1200" cap="none" spc="0" normalizeH="0" baseline="0" noProof="0" dirty="0" smtClean="0">
-                <a:ln>
-                  <a:noFill/>
-                </a:ln>
-                <a:solidFill>
-                  <a:schemeClr val="tx1"/>
-                </a:solidFill>
-                <a:effectLst/>
-                <a:uLnTx/>
-                <a:uFillTx/>
-                <a:latin typeface="+mn-lt"/>
-                <a:ea typeface="+mn-ea"/>
-                <a:cs typeface="+mn-cs"/>
-              </a:rPr>
-              <a:t>b</a:t>
+              <a:t>+ b</a:t>
             </a:r>
             <a:endParaRPr lang="en-US" sz="2800" dirty="0" smtClean="0"/>
           </a:p>
@@ -7372,7 +7214,6 @@
               <a:rPr lang="en-US" sz="2800" dirty="0" smtClean="0"/>
               <a:t>)</a:t>
             </a:r>
-            <a:endParaRPr lang="en-US" sz="2800" dirty="0" smtClean="0"/>
           </a:p>
           <a:p>
             <a:pPr marL="742950" lvl="1" indent="-285750">
@@ -7386,7 +7227,6 @@
               <a:rPr lang="en-US" sz="2800" dirty="0" smtClean="0"/>
               <a:t>J(W, b)</a:t>
             </a:r>
-            <a:endParaRPr lang="en-US" sz="2800" dirty="0" smtClean="0"/>
           </a:p>
           <a:p>
             <a:pPr marL="742950" lvl="1" indent="-285750">
@@ -7907,7 +7747,15 @@
             <a:pPr lvl="1"/>
             <a:r>
               <a:rPr lang="en-IN" dirty="0" smtClean="0"/>
-              <a:t>Increase adjusted R2</a:t>
+              <a:t>Increase </a:t>
+            </a:r>
+            <a:r>
+              <a:rPr lang="en-IN" dirty="0" smtClean="0"/>
+              <a:t>Adjusted </a:t>
+            </a:r>
+            <a:r>
+              <a:rPr lang="en-IN" dirty="0" smtClean="0"/>
+              <a:t>R2</a:t>
             </a:r>
             <a:endParaRPr lang="en-IN" dirty="0"/>
           </a:p>
@@ -8121,14 +7969,24 @@
           <a:p>
             <a:r>
               <a:rPr lang="en-IN" dirty="0" smtClean="0"/>
-              <a:t>Ridge Regression</a:t>
-            </a:r>
-          </a:p>
-          <a:p>
+              <a:t>Ridge </a:t>
+            </a:r>
             <a:r>
               <a:rPr lang="en-IN" dirty="0" smtClean="0"/>
-              <a:t>Elastic Net Regression</a:t>
-            </a:r>
+              <a:t>regression</a:t>
+            </a:r>
+            <a:endParaRPr lang="en-IN" dirty="0" smtClean="0"/>
+          </a:p>
+          <a:p>
+            <a:r>
+              <a:rPr lang="en-IN" dirty="0" smtClean="0"/>
+              <a:t>Elastic </a:t>
+            </a:r>
+            <a:r>
+              <a:rPr lang="en-IN" dirty="0" smtClean="0"/>
+              <a:t>net regression</a:t>
+            </a:r>
+            <a:endParaRPr lang="en-IN" dirty="0" smtClean="0"/>
           </a:p>
           <a:p>
             <a:endParaRPr lang="en-IN" dirty="0"/>
